--- a/files/slides/lecture_5.pptx
+++ b/files/slides/lecture_5.pptx
@@ -6302,9 +6302,9 @@
         <p:grpSpPr>
           <a:xfrm>
             <a:off x="1259205" y="1315720"/>
-            <a:ext cx="9674225" cy="4911090"/>
+            <a:ext cx="9674225" cy="4911725"/>
             <a:chOff x="-645" y="1964"/>
-            <a:chExt cx="15235" cy="7734"/>
+            <a:chExt cx="15235" cy="7735"/>
           </a:xfrm>
         </p:grpSpPr>
         <p:sp>
@@ -6676,7 +6676,7 @@
               <a:r>
                 <a:rPr lang="zh-CN" altLang="en-US" b="1" dirty="0">
                   <a:solidFill>
-                    <a:srgbClr val="0000FF"/>
+                    <a:srgbClr val="00B0F0"/>
                   </a:solidFill>
                   <a:latin typeface="微软雅黑" panose="020B0503020204020204" charset="-122"/>
                   <a:ea typeface="微软雅黑" panose="020B0503020204020204" charset="-122"/>
@@ -6685,7 +6685,7 @@
               </a:r>
               <a:endParaRPr lang="zh-CN" altLang="en-US" b="1" dirty="0">
                 <a:solidFill>
-                  <a:srgbClr val="0000FF"/>
+                  <a:srgbClr val="00B0F0"/>
                 </a:solidFill>
                 <a:latin typeface="微软雅黑" panose="020B0503020204020204" charset="-122"/>
                 <a:ea typeface="微软雅黑" panose="020B0503020204020204" charset="-122"/>
@@ -6772,7 +6772,7 @@
               <a:r>
                 <a:rPr lang="zh-CN" altLang="en-US" b="1" dirty="0">
                   <a:solidFill>
-                    <a:srgbClr val="0000FF"/>
+                    <a:srgbClr val="00B0F0"/>
                   </a:solidFill>
                   <a:latin typeface="微软雅黑" panose="020B0503020204020204" charset="-122"/>
                   <a:ea typeface="微软雅黑" panose="020B0503020204020204" charset="-122"/>
@@ -6781,7 +6781,7 @@
               </a:r>
               <a:endParaRPr lang="zh-CN" altLang="en-US" b="1" dirty="0">
                 <a:solidFill>
-                  <a:srgbClr val="0000FF"/>
+                  <a:srgbClr val="00B0F0"/>
                 </a:solidFill>
                 <a:latin typeface="微软雅黑" panose="020B0503020204020204" charset="-122"/>
                 <a:ea typeface="微软雅黑" panose="020B0503020204020204" charset="-122"/>
@@ -6798,7 +6798,7 @@
           <p:spPr>
             <a:xfrm>
               <a:off x="7930" y="5441"/>
-              <a:ext cx="5280" cy="2083"/>
+              <a:ext cx="5280" cy="2082"/>
             </a:xfrm>
             <a:prstGeom prst="rect">
               <a:avLst/>
@@ -6825,7 +6825,7 @@
                   <a:latin typeface="微软雅黑" panose="020B0503020204020204" charset="-122"/>
                   <a:ea typeface="微软雅黑" panose="020B0503020204020204" charset="-122"/>
                 </a:rPr>
-                <a:t>定期发布不守信用黑名单和诚信企业，向社会公开有关资料，起到监督、约束不良商业行为，鼓励诚实守信。</a:t>
+                <a:t>定期发布不守信用黑名单和诚信企业，向社会公开有关资料，监督、约束不良商业行为，鼓励诚实守信。</a:t>
               </a:r>
               <a:endParaRPr lang="zh-CN" altLang="en-US" sz="2000" dirty="0">
                 <a:solidFill>
@@ -7561,7 +7561,7 @@
                     <a:noFill/>
                   </a:ln>
                   <a:solidFill>
-                    <a:srgbClr val="FF0000"/>
+                    <a:srgbClr val="00B0F0"/>
                   </a:solidFill>
                   <a:effectLst/>
                   <a:uLnTx/>
@@ -7587,7 +7587,41 @@
                   <a:ea typeface="微软雅黑" panose="020B0503020204020204" charset="-122"/>
                   <a:cs typeface="微软雅黑" panose="020B0503020204020204" charset="-122"/>
                 </a:rPr>
-                <a:t>是用于存储企业、个人信用信息的计算机软硬件设备，是信用数据中心的核心和基础。</a:t>
+                <a:t>是用于存储企业、个人信用信息的计算机软硬件设备，是</a:t>
+              </a:r>
+              <a:r>
+                <a:rPr kumimoji="0" lang="zh-CN" altLang="en-US" sz="2000" b="0" i="0" u="none" strike="noStrike" kern="1200" cap="none" spc="0" normalizeH="0" baseline="0" noProof="0" dirty="0">
+                  <a:ln>
+                    <a:noFill/>
+                  </a:ln>
+                  <a:solidFill>
+                    <a:srgbClr val="00B0F0"/>
+                  </a:solidFill>
+                  <a:effectLst/>
+                  <a:uLnTx/>
+                  <a:uFillTx/>
+                  <a:latin typeface="微软雅黑" panose="020B0503020204020204" charset="-122"/>
+                  <a:ea typeface="微软雅黑" panose="020B0503020204020204" charset="-122"/>
+                  <a:cs typeface="微软雅黑" panose="020B0503020204020204" charset="-122"/>
+                </a:rPr>
+                <a:t>信用数据中心的核心和基础</a:t>
+              </a:r>
+              <a:r>
+                <a:rPr kumimoji="0" lang="zh-CN" altLang="en-US" sz="2000" b="0" i="0" u="none" strike="noStrike" kern="1200" cap="none" spc="0" normalizeH="0" baseline="0" noProof="0" dirty="0">
+                  <a:ln>
+                    <a:noFill/>
+                  </a:ln>
+                  <a:solidFill>
+                    <a:srgbClr val="000000"/>
+                  </a:solidFill>
+                  <a:effectLst/>
+                  <a:uLnTx/>
+                  <a:uFillTx/>
+                  <a:latin typeface="微软雅黑" panose="020B0503020204020204" charset="-122"/>
+                  <a:ea typeface="微软雅黑" panose="020B0503020204020204" charset="-122"/>
+                  <a:cs typeface="微软雅黑" panose="020B0503020204020204" charset="-122"/>
+                </a:rPr>
+                <a:t>。</a:t>
               </a:r>
               <a:endParaRPr kumimoji="0" lang="zh-CN" altLang="en-US" sz="2000" b="0" i="0" u="none" strike="noStrike" kern="1200" cap="none" spc="0" normalizeH="0" baseline="0" noProof="0" dirty="0">
                 <a:ln>
@@ -9060,7 +9094,7 @@
           <p:spPr>
             <a:xfrm>
               <a:off x="4818" y="3245"/>
-              <a:ext cx="4372" cy="1598"/>
+              <a:ext cx="4372" cy="2034"/>
             </a:xfrm>
             <a:prstGeom prst="rect">
               <a:avLst/>
@@ -9110,7 +9144,7 @@
                   <a:latin typeface="微软雅黑" panose="020B0503020204020204" charset="-122"/>
                   <a:ea typeface="微软雅黑" panose="020B0503020204020204" charset="-122"/>
                 </a:rPr>
-                <a:t>筛选数据，数据科学分类；将数据进行科学的分类</a:t>
+                <a:t>筛选数据，保证入库数据的质量；对数据进行科学的分类</a:t>
               </a:r>
               <a:endParaRPr lang="zh-CN" altLang="en-US" dirty="0">
                 <a:solidFill>
@@ -9181,7 +9215,7 @@
                   <a:latin typeface="微软雅黑" panose="020B0503020204020204" charset="-122"/>
                   <a:ea typeface="微软雅黑" panose="020B0503020204020204" charset="-122"/>
                 </a:rPr>
-                <a:t>借助现代数学、统计学工具进行定量的分析和处理提炼数学模型，对特定消费人群的信用行为进行预测。</a:t>
+                <a:t>借助现代数学、统计学工具进行定量的分析和处理，提炼数学模型，对特定消费人群的信用行为进行预测。</a:t>
               </a:r>
               <a:endParaRPr lang="zh-CN" altLang="en-US" dirty="0">
                 <a:solidFill>
@@ -9265,7 +9299,7 @@
                   <a:ea typeface="微软雅黑" panose="020B0503020204020204" charset="-122"/>
                   <a:cs typeface="微软雅黑" panose="020B0503020204020204" charset="-122"/>
                 </a:rPr>
-                <a:t>对定量的分析报告研究，最终形成信用风险预测报告。供信用公司、银行参考 </a:t>
+                <a:t>数据建模后，进行信用数据统计分析，制作各类信用报告，并对外提供服务。 </a:t>
               </a:r>
               <a:endParaRPr lang="zh-CN" altLang="en-US" dirty="0">
                 <a:solidFill>
@@ -9309,7 +9343,7 @@
               <a:r>
                 <a:rPr lang="en-US" altLang="zh-CN" sz="2800" b="1" dirty="0">
                   <a:solidFill>
-                    <a:srgbClr val="0B1A3F"/>
+                    <a:schemeClr val="tx1"/>
                   </a:solidFill>
                   <a:latin typeface="微软雅黑" panose="020B0503020204020204" charset="-122"/>
                   <a:ea typeface="微软雅黑" panose="020B0503020204020204" charset="-122"/>
@@ -9320,7 +9354,7 @@
               <a:r>
                 <a:rPr lang="zh-CN" altLang="en-US" sz="2800" b="1" dirty="0">
                   <a:solidFill>
-                    <a:srgbClr val="0B1A3F"/>
+                    <a:schemeClr val="tx1"/>
                   </a:solidFill>
                   <a:latin typeface="微软雅黑" panose="020B0503020204020204" charset="-122"/>
                   <a:ea typeface="微软雅黑" panose="020B0503020204020204" charset="-122"/>
@@ -9331,7 +9365,7 @@
               <a:r>
                 <a:rPr lang="en-US" altLang="zh-CN" sz="2800" b="1" dirty="0">
                   <a:solidFill>
-                    <a:srgbClr val="0B1A3F"/>
+                    <a:schemeClr val="tx1"/>
                   </a:solidFill>
                   <a:latin typeface="微软雅黑" panose="020B0503020204020204" charset="-122"/>
                   <a:ea typeface="微软雅黑" panose="020B0503020204020204" charset="-122"/>
@@ -9342,7 +9376,7 @@
               <a:r>
                 <a:rPr lang="zh-CN" altLang="en-US" sz="2800" b="1" dirty="0">
                   <a:solidFill>
-                    <a:srgbClr val="0B1A3F"/>
+                    <a:schemeClr val="tx1"/>
                   </a:solidFill>
                   <a:latin typeface="微软雅黑" panose="020B0503020204020204" charset="-122"/>
                   <a:ea typeface="微软雅黑" panose="020B0503020204020204" charset="-122"/>
@@ -9352,7 +9386,7 @@
               </a:r>
               <a:endParaRPr lang="zh-CN" altLang="en-US" sz="2800" b="1" dirty="0">
                 <a:solidFill>
-                  <a:srgbClr val="0B1A3F"/>
+                  <a:schemeClr val="tx1"/>
                 </a:solidFill>
                 <a:latin typeface="微软雅黑" panose="020B0503020204020204" charset="-122"/>
                 <a:ea typeface="微软雅黑" panose="020B0503020204020204" charset="-122"/>
@@ -9982,7 +10016,119 @@
                   <a:ea typeface="微软雅黑" panose="020B0503020204020204" charset="-122"/>
                   <a:cs typeface="+mn-cs"/>
                 </a:rPr>
-                <a:t>个人信用数据库中较著名的有美国的艾贵发公司、全联公司和英国的益百利公司所拥有的个人信用数据库，存储了大量消费者个人信用信息。</a:t>
+                <a:t>个人信用数据库中较著名的有美国的</a:t>
+              </a:r>
+              <a:r>
+                <a:rPr kumimoji="0" lang="zh-CN" altLang="en-US" sz="2000" b="1" i="0" u="none" strike="noStrike" kern="1200" cap="none" spc="0" normalizeH="0" baseline="0" noProof="0" dirty="0">
+                  <a:ln>
+                    <a:noFill/>
+                  </a:ln>
+                  <a:solidFill>
+                    <a:schemeClr val="tx1"/>
+                  </a:solidFill>
+                  <a:effectLst/>
+                  <a:uLnTx/>
+                  <a:uFillTx/>
+                  <a:latin typeface="微软雅黑" panose="020B0503020204020204" charset="-122"/>
+                  <a:ea typeface="微软雅黑" panose="020B0503020204020204" charset="-122"/>
+                  <a:cs typeface="+mn-cs"/>
+                </a:rPr>
+                <a:t>艾贵发公司</a:t>
+              </a:r>
+              <a:r>
+                <a:rPr kumimoji="0" lang="zh-CN" altLang="en-US" sz="2000" b="0" i="0" u="none" strike="noStrike" kern="1200" cap="none" spc="0" normalizeH="0" baseline="0" noProof="0" dirty="0">
+                  <a:ln>
+                    <a:noFill/>
+                  </a:ln>
+                  <a:solidFill>
+                    <a:schemeClr val="bg2">
+                      <a:lumMod val="10000"/>
+                    </a:schemeClr>
+                  </a:solidFill>
+                  <a:effectLst/>
+                  <a:uLnTx/>
+                  <a:uFillTx/>
+                  <a:latin typeface="微软雅黑" panose="020B0503020204020204" charset="-122"/>
+                  <a:ea typeface="微软雅黑" panose="020B0503020204020204" charset="-122"/>
+                  <a:cs typeface="+mn-cs"/>
+                </a:rPr>
+                <a:t>、</a:t>
+              </a:r>
+              <a:r>
+                <a:rPr kumimoji="0" lang="zh-CN" altLang="en-US" sz="2000" b="1" i="0" u="none" strike="noStrike" kern="1200" cap="none" spc="0" normalizeH="0" baseline="0" noProof="0" dirty="0">
+                  <a:ln>
+                    <a:noFill/>
+                  </a:ln>
+                  <a:solidFill>
+                    <a:schemeClr val="bg2">
+                      <a:lumMod val="10000"/>
+                    </a:schemeClr>
+                  </a:solidFill>
+                  <a:effectLst/>
+                  <a:uLnTx/>
+                  <a:uFillTx/>
+                  <a:latin typeface="微软雅黑" panose="020B0503020204020204" charset="-122"/>
+                  <a:ea typeface="微软雅黑" panose="020B0503020204020204" charset="-122"/>
+                  <a:cs typeface="+mn-cs"/>
+                </a:rPr>
+                <a:t>全联公司</a:t>
+              </a:r>
+              <a:r>
+                <a:rPr kumimoji="0" lang="zh-CN" altLang="en-US" sz="2000" b="0" i="0" u="none" strike="noStrike" kern="1200" cap="none" spc="0" normalizeH="0" baseline="0" noProof="0" dirty="0">
+                  <a:ln>
+                    <a:noFill/>
+                  </a:ln>
+                  <a:solidFill>
+                    <a:schemeClr val="bg2">
+                      <a:lumMod val="10000"/>
+                    </a:schemeClr>
+                  </a:solidFill>
+                  <a:effectLst/>
+                  <a:uLnTx/>
+                  <a:uFillTx/>
+                  <a:latin typeface="微软雅黑" panose="020B0503020204020204" charset="-122"/>
+                  <a:ea typeface="微软雅黑" panose="020B0503020204020204" charset="-122"/>
+                  <a:cs typeface="+mn-cs"/>
+                </a:rPr>
+                <a:t>和</a:t>
+              </a:r>
+              <a:r>
+                <a:rPr kumimoji="0" lang="zh-CN" altLang="en-US" sz="2000" b="1" i="0" u="none" strike="noStrike" kern="1200" cap="none" spc="0" normalizeH="0" baseline="0" noProof="0" dirty="0">
+                  <a:ln>
+                    <a:noFill/>
+                  </a:ln>
+                  <a:solidFill>
+                    <a:schemeClr val="bg2">
+                      <a:lumMod val="10000"/>
+                    </a:schemeClr>
+                  </a:solidFill>
+                  <a:effectLst/>
+                  <a:uLnTx/>
+                  <a:uFillTx/>
+                  <a:latin typeface="微软雅黑" panose="020B0503020204020204" charset="-122"/>
+                  <a:ea typeface="微软雅黑" panose="020B0503020204020204" charset="-122"/>
+                  <a:cs typeface="+mn-cs"/>
+                </a:rPr>
+                <a:t>英国的益百利</a:t>
+              </a:r>
+              <a:r>
+                <a:rPr kumimoji="0" lang="zh-CN" altLang="en-US" sz="2000" b="0" i="0" u="none" strike="noStrike" kern="1200" cap="none" spc="0" normalizeH="0" baseline="0" noProof="0" dirty="0">
+                  <a:ln>
+                    <a:noFill/>
+                  </a:ln>
+                  <a:solidFill>
+                    <a:schemeClr val="bg2">
+                      <a:lumMod val="10000"/>
+                    </a:schemeClr>
+                  </a:solidFill>
+                  <a:effectLst/>
+                  <a:uLnTx/>
+                  <a:uFillTx/>
+                  <a:latin typeface="微软雅黑" panose="020B0503020204020204" charset="-122"/>
+                  <a:ea typeface="微软雅黑" panose="020B0503020204020204" charset="-122"/>
+                  <a:cs typeface="+mn-cs"/>
+                </a:rPr>
+                <a:t>公司所拥有的个人信用数据库，存储了大量消费者个人信用信息。</a:t>
               </a:r>
               <a:endParaRPr kumimoji="0" lang="zh-CN" altLang="en-US" sz="2000" b="0" i="0" u="none" strike="noStrike" kern="1200" cap="none" spc="0" normalizeH="0" baseline="0" noProof="0" dirty="0">
                 <a:ln>
@@ -10312,7 +10458,45 @@
                   <a:ea typeface="微软雅黑" panose="020B0503020204020204" charset="-122"/>
                   <a:cs typeface="+mn-cs"/>
                 </a:rPr>
-                <a:t>企业信用数据库中较著名的有美国的邓白氏企业信用数据库，拥有全球数千万家企业的档案资料。</a:t>
+                <a:t>企业信用数据库中较著名的有美国的</a:t>
+              </a:r>
+              <a:r>
+                <a:rPr kumimoji="0" lang="zh-CN" altLang="en-US" sz="2000" b="1" i="0" u="none" strike="noStrike" kern="1200" cap="none" spc="0" normalizeH="0" baseline="0" noProof="0" dirty="0">
+                  <a:ln>
+                    <a:noFill/>
+                  </a:ln>
+                  <a:solidFill>
+                    <a:schemeClr val="bg2">
+                      <a:lumMod val="10000"/>
+                    </a:schemeClr>
+                  </a:solidFill>
+                  <a:effectLst/>
+                  <a:uLnTx/>
+                  <a:uFillTx/>
+                  <a:latin typeface="微软雅黑" panose="020B0503020204020204" charset="-122"/>
+                  <a:ea typeface="微软雅黑" panose="020B0503020204020204" charset="-122"/>
+                  <a:cs typeface="+mn-cs"/>
+                </a:rPr>
+                <a:t>邓白氏企业信用数据库</a:t>
+              </a:r>
+              <a:r>
+                <a:rPr kumimoji="0" lang="zh-CN" altLang="en-US" sz="2000" b="0" i="0" u="none" strike="noStrike" kern="1200" cap="none" spc="0" normalizeH="0" baseline="0" noProof="0" dirty="0">
+                  <a:ln>
+                    <a:noFill/>
+                  </a:ln>
+                  <a:solidFill>
+                    <a:schemeClr val="bg2">
+                      <a:lumMod val="10000"/>
+                    </a:schemeClr>
+                  </a:solidFill>
+                  <a:effectLst/>
+                  <a:uLnTx/>
+                  <a:uFillTx/>
+                  <a:latin typeface="微软雅黑" panose="020B0503020204020204" charset="-122"/>
+                  <a:ea typeface="微软雅黑" panose="020B0503020204020204" charset="-122"/>
+                  <a:cs typeface="+mn-cs"/>
+                </a:rPr>
+                <a:t>，拥有全球数千万家企业的档案资料。</a:t>
               </a:r>
               <a:endParaRPr kumimoji="0" lang="zh-CN" altLang="en-US" sz="2000" b="0" i="0" u="none" strike="noStrike" kern="1200" cap="none" spc="0" normalizeH="0" baseline="0" noProof="0" dirty="0">
                 <a:ln>
@@ -11172,7 +11356,7 @@
           <p:spPr>
             <a:xfrm>
               <a:off x="252" y="3223"/>
-              <a:ext cx="4697" cy="5638"/>
+              <a:ext cx="4697" cy="3282"/>
             </a:xfrm>
             <a:prstGeom prst="rect">
               <a:avLst/>
@@ -11197,7 +11381,7 @@
               <a:r>
                 <a:rPr lang="zh-CN" altLang="en-US" b="1" dirty="0">
                   <a:solidFill>
-                    <a:srgbClr val="0000FF"/>
+                    <a:srgbClr val="00B0F0"/>
                   </a:solidFill>
                   <a:latin typeface="微软雅黑" panose="020B0503020204020204" charset="-122"/>
                   <a:ea typeface="微软雅黑" panose="020B0503020204020204" charset="-122"/>
@@ -11212,9 +11396,39 @@
                   <a:latin typeface="微软雅黑" panose="020B0503020204020204" charset="-122"/>
                   <a:ea typeface="微软雅黑" panose="020B0503020204020204" charset="-122"/>
                 </a:rPr>
-                <a:t>，是指由专业化的信用管理或服务机构对有关企业信用状况进行系统的调查和评估，按照市场化原则向社会开放征信资料和数据、提供信用报告。</a:t>
+                <a:t>，</a:t>
               </a:r>
-              <a:endParaRPr lang="zh-CN" altLang="en-US" b="1" dirty="0">
+              <a:r>
+                <a:rPr lang="zh-CN" altLang="en-US" dirty="0">
+                  <a:solidFill>
+                    <a:srgbClr val="000000"/>
+                  </a:solidFill>
+                  <a:latin typeface="微软雅黑" panose="020B0503020204020204" charset="-122"/>
+                  <a:ea typeface="微软雅黑" panose="020B0503020204020204" charset="-122"/>
+                </a:rPr>
+                <a:t>是指由专业化的信用管理或服务机构对有关企业信用状况进行</a:t>
+              </a:r>
+              <a:r>
+                <a:rPr lang="zh-CN" altLang="en-US" dirty="0">
+                  <a:solidFill>
+                    <a:srgbClr val="00B0F0"/>
+                  </a:solidFill>
+                  <a:latin typeface="微软雅黑" panose="020B0503020204020204" charset="-122"/>
+                  <a:ea typeface="微软雅黑" panose="020B0503020204020204" charset="-122"/>
+                </a:rPr>
+                <a:t>系统的调查和评估</a:t>
+              </a:r>
+              <a:r>
+                <a:rPr lang="zh-CN" altLang="en-US" dirty="0">
+                  <a:solidFill>
+                    <a:srgbClr val="000000"/>
+                  </a:solidFill>
+                  <a:latin typeface="微软雅黑" panose="020B0503020204020204" charset="-122"/>
+                  <a:ea typeface="微软雅黑" panose="020B0503020204020204" charset="-122"/>
+                </a:rPr>
+                <a:t>，按照市场化原则向社会开放征信资料和数据、提供信用报告。</a:t>
+              </a:r>
+              <a:endParaRPr lang="zh-CN" altLang="en-US" dirty="0">
                 <a:solidFill>
                   <a:srgbClr val="000000"/>
                 </a:solidFill>
@@ -11233,7 +11447,7 @@
           <p:spPr>
             <a:xfrm>
               <a:off x="4380" y="4115"/>
-              <a:ext cx="9790" cy="4387"/>
+              <a:ext cx="9790" cy="4344"/>
             </a:xfrm>
             <a:prstGeom prst="rect">
               <a:avLst/>
@@ -11270,7 +11484,27 @@
                   <a:latin typeface="微软雅黑" panose="020B0503020204020204" charset="-122"/>
                   <a:ea typeface="微软雅黑" panose="020B0503020204020204" charset="-122"/>
                 </a:rPr>
-                <a:t>对金融部门贷款的按时还本付息情况；</a:t>
+                <a:t>对金融部门贷款的</a:t>
+              </a:r>
+              <a:r>
+                <a:rPr lang="zh-CN" altLang="en-US" sz="2400" dirty="0">
+                  <a:solidFill>
+                    <a:srgbClr val="00B0F0"/>
+                  </a:solidFill>
+                  <a:latin typeface="微软雅黑" panose="020B0503020204020204" charset="-122"/>
+                  <a:ea typeface="微软雅黑" panose="020B0503020204020204" charset="-122"/>
+                </a:rPr>
+                <a:t>按时还本付息</a:t>
+              </a:r>
+              <a:r>
+                <a:rPr lang="zh-CN" altLang="en-US" sz="2400" dirty="0">
+                  <a:solidFill>
+                    <a:srgbClr val="000000"/>
+                  </a:solidFill>
+                  <a:latin typeface="微软雅黑" panose="020B0503020204020204" charset="-122"/>
+                  <a:ea typeface="微软雅黑" panose="020B0503020204020204" charset="-122"/>
+                </a:rPr>
+                <a:t>情况；</a:t>
               </a:r>
               <a:endParaRPr lang="en-US" altLang="zh-CN" sz="2400" dirty="0">
                 <a:solidFill>
@@ -11303,7 +11537,27 @@
                   <a:latin typeface="微软雅黑" panose="020B0503020204020204" charset="-122"/>
                   <a:ea typeface="微软雅黑" panose="020B0503020204020204" charset="-122"/>
                 </a:rPr>
-                <a:t>对供应商应付帐款的按期支付；</a:t>
+                <a:t>对供应商</a:t>
+              </a:r>
+              <a:r>
+                <a:rPr lang="zh-CN" altLang="en-US" sz="2400" dirty="0">
+                  <a:solidFill>
+                    <a:srgbClr val="00B0F0"/>
+                  </a:solidFill>
+                  <a:latin typeface="微软雅黑" panose="020B0503020204020204" charset="-122"/>
+                  <a:ea typeface="微软雅黑" panose="020B0503020204020204" charset="-122"/>
+                </a:rPr>
+                <a:t>应付帐款的按期支付</a:t>
+              </a:r>
+              <a:r>
+                <a:rPr lang="zh-CN" altLang="en-US" sz="2400" dirty="0">
+                  <a:solidFill>
+                    <a:srgbClr val="000000"/>
+                  </a:solidFill>
+                  <a:latin typeface="微软雅黑" panose="020B0503020204020204" charset="-122"/>
+                  <a:ea typeface="微软雅黑" panose="020B0503020204020204" charset="-122"/>
+                </a:rPr>
+                <a:t>；</a:t>
               </a:r>
               <a:endParaRPr lang="zh-CN" altLang="en-US" sz="2400" dirty="0">
                 <a:solidFill>
@@ -11336,7 +11590,7 @@
                   <a:latin typeface="微软雅黑" panose="020B0503020204020204" charset="-122"/>
                   <a:ea typeface="微软雅黑" panose="020B0503020204020204" charset="-122"/>
                 </a:rPr>
-                <a:t>对顾客提供产品和服务的数量、质量的保证</a:t>
+                <a:t>对顾客提供产品和服务的数量、质量的保证；</a:t>
               </a:r>
               <a:endParaRPr lang="zh-CN" altLang="en-US" sz="2400" dirty="0">
                 <a:solidFill>
@@ -11402,7 +11656,7 @@
                   <a:latin typeface="微软雅黑" panose="020B0503020204020204" charset="-122"/>
                   <a:ea typeface="微软雅黑" panose="020B0503020204020204" charset="-122"/>
                 </a:rPr>
-                <a:t>是否能够按时足额纳税</a:t>
+                <a:t>是否能够按时足额纳税；</a:t>
               </a:r>
               <a:endParaRPr lang="zh-CN" altLang="en-US" sz="2400" dirty="0">
                 <a:solidFill>
@@ -11468,7 +11722,7 @@
                   <a:latin typeface="微软雅黑" panose="020B0503020204020204" charset="-122"/>
                   <a:ea typeface="微软雅黑" panose="020B0503020204020204" charset="-122"/>
                 </a:rPr>
-                <a:t>企业财务报表的真实性</a:t>
+                <a:t>企业财务报表的真实性；</a:t>
               </a:r>
               <a:endParaRPr lang="zh-CN" altLang="en-US" sz="2400" dirty="0">
                 <a:solidFill>
@@ -12073,7 +12327,7 @@
               <a:r>
                 <a:rPr lang="en-US" altLang="zh-CN" sz="2400" b="1" dirty="0">
                   <a:solidFill>
-                    <a:srgbClr val="0B1A3F"/>
+                    <a:schemeClr val="tx1"/>
                   </a:solidFill>
                   <a:latin typeface="微软雅黑" panose="020B0503020204020204" charset="-122"/>
                   <a:ea typeface="微软雅黑" panose="020B0503020204020204" charset="-122"/>
@@ -12084,7 +12338,7 @@
               <a:r>
                 <a:rPr lang="zh-CN" altLang="en-US" sz="2400" b="1" dirty="0">
                   <a:solidFill>
-                    <a:srgbClr val="0B1A3F"/>
+                    <a:schemeClr val="tx1"/>
                   </a:solidFill>
                   <a:latin typeface="微软雅黑" panose="020B0503020204020204" charset="-122"/>
                   <a:ea typeface="微软雅黑" panose="020B0503020204020204" charset="-122"/>
@@ -12095,7 +12349,7 @@
               <a:r>
                 <a:rPr lang="en-US" altLang="zh-CN" sz="2400" b="1" dirty="0">
                   <a:solidFill>
-                    <a:srgbClr val="0B1A3F"/>
+                    <a:schemeClr val="tx1"/>
                   </a:solidFill>
                   <a:latin typeface="微软雅黑" panose="020B0503020204020204" charset="-122"/>
                   <a:ea typeface="微软雅黑" panose="020B0503020204020204" charset="-122"/>
@@ -12106,7 +12360,7 @@
               <a:r>
                 <a:rPr lang="zh-CN" altLang="en-US" sz="2400" b="1" dirty="0">
                   <a:solidFill>
-                    <a:srgbClr val="0B1A3F"/>
+                    <a:schemeClr val="tx1"/>
                   </a:solidFill>
                   <a:latin typeface="微软雅黑" panose="020B0503020204020204" charset="-122"/>
                   <a:ea typeface="微软雅黑" panose="020B0503020204020204" charset="-122"/>
@@ -12116,7 +12370,7 @@
               </a:r>
               <a:endParaRPr lang="zh-CN" altLang="en-US" sz="2400" b="1" dirty="0">
                 <a:solidFill>
-                  <a:srgbClr val="0B1A3F"/>
+                  <a:schemeClr val="tx1"/>
                 </a:solidFill>
                 <a:latin typeface="微软雅黑" panose="020B0503020204020204" charset="-122"/>
                 <a:ea typeface="微软雅黑" panose="020B0503020204020204" charset="-122"/>
@@ -12187,11 +12441,22 @@
               </a:r>
               <a:r>
                 <a:rPr lang="zh-CN" altLang="en-US" dirty="0">
+                  <a:solidFill>
+                    <a:srgbClr val="00B0F0"/>
+                  </a:solidFill>
                   <a:latin typeface="微软雅黑" panose="020B0503020204020204" charset="-122"/>
                   <a:ea typeface="微软雅黑" panose="020B0503020204020204" charset="-122"/>
                   <a:cs typeface="微软雅黑" panose="020B0503020204020204" charset="-122"/>
                 </a:rPr>
-                <a:t>授信失当或受信人</a:t>
+                <a:t>授信失当</a:t>
+              </a:r>
+              <a:r>
+                <a:rPr lang="zh-CN" altLang="en-US" dirty="0">
+                  <a:latin typeface="微软雅黑" panose="020B0503020204020204" charset="-122"/>
+                  <a:ea typeface="微软雅黑" panose="020B0503020204020204" charset="-122"/>
+                  <a:cs typeface="微软雅黑" panose="020B0503020204020204" charset="-122"/>
+                </a:rPr>
+                <a:t>或受信人</a:t>
               </a:r>
               <a:r>
                 <a:rPr lang="en-US" altLang="zh-CN" dirty="0">
@@ -12219,22 +12484,44 @@
               </a:r>
               <a:r>
                 <a:rPr lang="zh-CN" altLang="en-US" dirty="0">
+                  <a:solidFill>
+                    <a:srgbClr val="00B0F0"/>
+                  </a:solidFill>
                   <a:latin typeface="微软雅黑" panose="020B0503020204020204" charset="-122"/>
                   <a:ea typeface="微软雅黑" panose="020B0503020204020204" charset="-122"/>
                   <a:cs typeface="微软雅黑" panose="020B0503020204020204" charset="-122"/>
                 </a:rPr>
-                <a:t>回避自己的偿付责任时，信用风险就会产生。信用风险产生的根本原因是</a:t>
+                <a:t>回避自己的偿付责任</a:t>
               </a:r>
               <a:r>
-                <a:rPr lang="zh-CN" altLang="en-US" b="1" dirty="0">
-                  <a:solidFill>
-                    <a:srgbClr val="0B1A3F"/>
-                  </a:solidFill>
+                <a:rPr lang="zh-CN" altLang="en-US" dirty="0">
                   <a:latin typeface="微软雅黑" panose="020B0503020204020204" charset="-122"/>
                   <a:ea typeface="微软雅黑" panose="020B0503020204020204" charset="-122"/>
                   <a:cs typeface="微软雅黑" panose="020B0503020204020204" charset="-122"/>
                 </a:rPr>
-                <a:t>发生经济关系的市场主体之间的信息不对称。</a:t>
+                <a:t>时，信用风险就会产生。信用风险产生的根本原因是</a:t>
+              </a:r>
+              <a:r>
+                <a:rPr lang="zh-CN" altLang="en-US" b="1" dirty="0">
+                  <a:solidFill>
+                    <a:srgbClr val="00B0F0"/>
+                  </a:solidFill>
+                  <a:latin typeface="微软雅黑" panose="020B0503020204020204" charset="-122"/>
+                  <a:ea typeface="微软雅黑" panose="020B0503020204020204" charset="-122"/>
+                  <a:cs typeface="微软雅黑" panose="020B0503020204020204" charset="-122"/>
+                </a:rPr>
+                <a:t>发生经济关系的市场主体之间的信息不对称</a:t>
+              </a:r>
+              <a:r>
+                <a:rPr lang="zh-CN" altLang="en-US" b="1" dirty="0">
+                  <a:solidFill>
+                    <a:srgbClr val="0B1A3F"/>
+                  </a:solidFill>
+                  <a:latin typeface="微软雅黑" panose="020B0503020204020204" charset="-122"/>
+                  <a:ea typeface="微软雅黑" panose="020B0503020204020204" charset="-122"/>
+                  <a:cs typeface="微软雅黑" panose="020B0503020204020204" charset="-122"/>
+                </a:rPr>
+                <a:t>。</a:t>
               </a:r>
               <a:r>
                 <a:rPr lang="zh-CN" altLang="en-US" dirty="0">
@@ -14300,7 +14587,41 @@
                   <a:ea typeface="微软雅黑" panose="020B0503020204020204" charset="-122"/>
                   <a:cs typeface="微软雅黑" panose="020B0503020204020204" charset="-122"/>
                 </a:rPr>
-                <a:t>资信报告概要基础上，增加组织结构及附属机构、公司领导者素质、企业实地考察、行业状况、银行往来等十多个因素，并理想信用额度、评级。</a:t>
+                <a:t>资信报告概要基础上，</a:t>
+              </a:r>
+              <a:r>
+                <a:rPr kumimoji="0" lang="zh-CN" altLang="en-US" sz="1800" b="0" i="0" u="none" strike="noStrike" kern="1200" cap="none" spc="0" normalizeH="0" baseline="0" noProof="0" dirty="0">
+                  <a:ln>
+                    <a:noFill/>
+                  </a:ln>
+                  <a:solidFill>
+                    <a:srgbClr val="00B0F0"/>
+                  </a:solidFill>
+                  <a:effectLst/>
+                  <a:uLnTx/>
+                  <a:uFillTx/>
+                  <a:latin typeface="微软雅黑" panose="020B0503020204020204" charset="-122"/>
+                  <a:ea typeface="微软雅黑" panose="020B0503020204020204" charset="-122"/>
+                  <a:cs typeface="微软雅黑" panose="020B0503020204020204" charset="-122"/>
+                </a:rPr>
+                <a:t>增加</a:t>
+              </a:r>
+              <a:r>
+                <a:rPr kumimoji="0" lang="zh-CN" altLang="en-US" sz="1800" b="0" i="0" u="none" strike="noStrike" kern="1200" cap="none" spc="0" normalizeH="0" baseline="0" noProof="0" dirty="0">
+                  <a:ln>
+                    <a:noFill/>
+                  </a:ln>
+                  <a:solidFill>
+                    <a:srgbClr val="000000"/>
+                  </a:solidFill>
+                  <a:effectLst/>
+                  <a:uLnTx/>
+                  <a:uFillTx/>
+                  <a:latin typeface="微软雅黑" panose="020B0503020204020204" charset="-122"/>
+                  <a:ea typeface="微软雅黑" panose="020B0503020204020204" charset="-122"/>
+                  <a:cs typeface="微软雅黑" panose="020B0503020204020204" charset="-122"/>
+                </a:rPr>
+                <a:t>组织结构及附属机构、公司领导者素质、企业实地考察、行业状况、银行往来等十多个因素，并理想信用额度、评级。</a:t>
               </a:r>
               <a:endParaRPr kumimoji="0" lang="en-US" altLang="zh-CN" sz="1800" b="0" i="0" u="none" strike="noStrike" kern="1200" cap="none" spc="0" normalizeH="0" baseline="0" noProof="0" dirty="0">
                 <a:ln>
@@ -14777,7 +15098,7 @@
                   <a:ea typeface="微软雅黑" panose="020B0503020204020204" charset="-122"/>
                   <a:cs typeface="微软雅黑" panose="020B0503020204020204" charset="-122"/>
                 </a:rPr>
-                <a:t>帮助客户了解其生产、经营、管理情况，可作为扩大业务、赢得顾客或争取银行贷款的参考，也适用于大型投资项目可行性分析和企业重大经营活动决策参考</a:t>
+                <a:t>帮助客户了解其生产、经营、管理情况，可作为扩大业务、赢得顾客或争取银行贷款的参考，也适用于大型投资项目可行性分析和企业重大经营活动决策参考。</a:t>
               </a:r>
               <a:endParaRPr kumimoji="0" lang="zh-CN" altLang="en-US" sz="1800" b="0" i="0" u="none" strike="noStrike" kern="1200" cap="none" spc="0" normalizeH="0" baseline="0" noProof="0" dirty="0">
                 <a:ln>
@@ -15150,7 +15471,7 @@
               <a:r>
                 <a:rPr lang="en-US" altLang="zh-CN" sz="2400" b="1" dirty="0">
                   <a:solidFill>
-                    <a:srgbClr val="0B1A3F"/>
+                    <a:schemeClr val="tx1"/>
                   </a:solidFill>
                   <a:latin typeface="微软雅黑" panose="020B0503020204020204" charset="-122"/>
                   <a:ea typeface="微软雅黑" panose="020B0503020204020204" charset="-122"/>
@@ -15161,7 +15482,7 @@
               <a:r>
                 <a:rPr lang="zh-CN" altLang="en-US" sz="2400" b="1" dirty="0">
                   <a:solidFill>
-                    <a:srgbClr val="0B1A3F"/>
+                    <a:schemeClr val="tx1"/>
                   </a:solidFill>
                   <a:latin typeface="微软雅黑" panose="020B0503020204020204" charset="-122"/>
                   <a:ea typeface="微软雅黑" panose="020B0503020204020204" charset="-122"/>
@@ -15172,7 +15493,7 @@
               <a:r>
                 <a:rPr lang="en-US" altLang="zh-CN" sz="2400" b="1" dirty="0">
                   <a:solidFill>
-                    <a:srgbClr val="0B1A3F"/>
+                    <a:schemeClr val="tx1"/>
                   </a:solidFill>
                   <a:latin typeface="微软雅黑" panose="020B0503020204020204" charset="-122"/>
                   <a:ea typeface="微软雅黑" panose="020B0503020204020204" charset="-122"/>
@@ -15183,7 +15504,7 @@
               <a:r>
                 <a:rPr lang="zh-CN" altLang="en-US" sz="2400" b="1" dirty="0">
                   <a:solidFill>
-                    <a:srgbClr val="0B1A3F"/>
+                    <a:schemeClr val="tx1"/>
                   </a:solidFill>
                   <a:latin typeface="微软雅黑" panose="020B0503020204020204" charset="-122"/>
                   <a:ea typeface="微软雅黑" panose="020B0503020204020204" charset="-122"/>
@@ -15193,7 +15514,7 @@
               </a:r>
               <a:endParaRPr lang="zh-CN" altLang="en-US" sz="2400" b="1" dirty="0">
                 <a:solidFill>
-                  <a:srgbClr val="0B1A3F"/>
+                  <a:schemeClr val="tx1"/>
                 </a:solidFill>
                 <a:latin typeface="微软雅黑" panose="020B0503020204020204" charset="-122"/>
                 <a:ea typeface="微软雅黑" panose="020B0503020204020204" charset="-122"/>
@@ -15666,9 +15987,9 @@
         <p:grpSpPr>
           <a:xfrm>
             <a:off x="2179955" y="1466850"/>
-            <a:ext cx="7832090" cy="4262755"/>
+            <a:ext cx="7832725" cy="4262755"/>
             <a:chOff x="773" y="2270"/>
-            <a:chExt cx="12334" cy="6713"/>
+            <a:chExt cx="12335" cy="6713"/>
           </a:xfrm>
         </p:grpSpPr>
         <p:sp>
@@ -15773,7 +16094,95 @@
                   <a:ea typeface="微软雅黑" panose="020B0503020204020204" charset="-122"/>
                   <a:cs typeface="微软雅黑" panose="020B0503020204020204" charset="-122"/>
                 </a:rPr>
-                <a:t>是对资信调查报告某些部分的定期更新。更新的部分往往以被调查企业的即期财务报表为主，也包括企业经营、管理层、股东的重大变动情况以及公司地址、电话、法人等注册事项的变更情况。</a:t>
+                <a:t>是对资信调查报告</a:t>
+              </a:r>
+              <a:r>
+                <a:rPr lang="zh-CN" altLang="en-US" sz="2000" dirty="0">
+                  <a:solidFill>
+                    <a:srgbClr val="00B0F0"/>
+                  </a:solidFill>
+                  <a:latin typeface="微软雅黑" panose="020B0503020204020204" charset="-122"/>
+                  <a:ea typeface="微软雅黑" panose="020B0503020204020204" charset="-122"/>
+                  <a:cs typeface="微软雅黑" panose="020B0503020204020204" charset="-122"/>
+                </a:rPr>
+                <a:t>某些部分的定期更新</a:t>
+              </a:r>
+              <a:r>
+                <a:rPr lang="zh-CN" altLang="en-US" sz="2000" dirty="0">
+                  <a:solidFill>
+                    <a:srgbClr val="000000"/>
+                  </a:solidFill>
+                  <a:latin typeface="微软雅黑" panose="020B0503020204020204" charset="-122"/>
+                  <a:ea typeface="微软雅黑" panose="020B0503020204020204" charset="-122"/>
+                  <a:cs typeface="微软雅黑" panose="020B0503020204020204" charset="-122"/>
+                </a:rPr>
+                <a:t>。更新的部分往往以被调查企业的</a:t>
+              </a:r>
+              <a:r>
+                <a:rPr lang="zh-CN" altLang="en-US" sz="2000" dirty="0">
+                  <a:solidFill>
+                    <a:srgbClr val="00B0F0"/>
+                  </a:solidFill>
+                  <a:latin typeface="微软雅黑" panose="020B0503020204020204" charset="-122"/>
+                  <a:ea typeface="微软雅黑" panose="020B0503020204020204" charset="-122"/>
+                  <a:cs typeface="微软雅黑" panose="020B0503020204020204" charset="-122"/>
+                </a:rPr>
+                <a:t>即期财务报表</a:t>
+              </a:r>
+              <a:r>
+                <a:rPr lang="zh-CN" altLang="en-US" sz="2000" dirty="0">
+                  <a:solidFill>
+                    <a:srgbClr val="000000"/>
+                  </a:solidFill>
+                  <a:latin typeface="微软雅黑" panose="020B0503020204020204" charset="-122"/>
+                  <a:ea typeface="微软雅黑" panose="020B0503020204020204" charset="-122"/>
+                  <a:cs typeface="微软雅黑" panose="020B0503020204020204" charset="-122"/>
+                </a:rPr>
+                <a:t>为主，也包括企业经营、管理层、股东的</a:t>
+              </a:r>
+              <a:r>
+                <a:rPr lang="zh-CN" altLang="en-US" sz="2000" dirty="0">
+                  <a:solidFill>
+                    <a:srgbClr val="00B0F0"/>
+                  </a:solidFill>
+                  <a:latin typeface="微软雅黑" panose="020B0503020204020204" charset="-122"/>
+                  <a:ea typeface="微软雅黑" panose="020B0503020204020204" charset="-122"/>
+                  <a:cs typeface="微软雅黑" panose="020B0503020204020204" charset="-122"/>
+                </a:rPr>
+                <a:t>重大变动情况</a:t>
+              </a:r>
+              <a:r>
+                <a:rPr lang="zh-CN" altLang="en-US" sz="2000" dirty="0">
+                  <a:solidFill>
+                    <a:srgbClr val="000000"/>
+                  </a:solidFill>
+                  <a:latin typeface="微软雅黑" panose="020B0503020204020204" charset="-122"/>
+                  <a:ea typeface="微软雅黑" panose="020B0503020204020204" charset="-122"/>
+                  <a:cs typeface="微软雅黑" panose="020B0503020204020204" charset="-122"/>
+                </a:rPr>
+                <a:t>以及公司地址、电话、法人等</a:t>
+              </a:r>
+              <a:r>
+                <a:rPr lang="zh-CN" altLang="en-US" sz="2000" dirty="0">
+                  <a:solidFill>
+                    <a:srgbClr val="00B0F0"/>
+                  </a:solidFill>
+                  <a:latin typeface="微软雅黑" panose="020B0503020204020204" charset="-122"/>
+                  <a:ea typeface="微软雅黑" panose="020B0503020204020204" charset="-122"/>
+                  <a:cs typeface="微软雅黑" panose="020B0503020204020204" charset="-122"/>
+                </a:rPr>
+                <a:t>注册事项的变更情况</a:t>
+              </a:r>
+              <a:r>
+                <a:rPr lang="zh-CN" altLang="en-US" sz="2000" dirty="0">
+                  <a:solidFill>
+                    <a:srgbClr val="000000"/>
+                  </a:solidFill>
+                  <a:latin typeface="微软雅黑" panose="020B0503020204020204" charset="-122"/>
+                  <a:ea typeface="微软雅黑" panose="020B0503020204020204" charset="-122"/>
+                  <a:cs typeface="微软雅黑" panose="020B0503020204020204" charset="-122"/>
+                </a:rPr>
+                <a:t>。</a:t>
               </a:r>
               <a:endParaRPr lang="zh-CN" altLang="en-US" sz="2000" dirty="0">
                 <a:solidFill>
@@ -15859,13 +16268,68 @@
               <a:r>
                 <a:rPr lang="zh-CN" altLang="en-US" sz="2000" dirty="0">
                   <a:solidFill>
-                    <a:srgbClr val="000000"/>
+                    <a:srgbClr val="00B0F0"/>
                   </a:solidFill>
                   <a:latin typeface="微软雅黑" panose="020B0503020204020204" charset="-122"/>
                   <a:ea typeface="微软雅黑" panose="020B0503020204020204" charset="-122"/>
                   <a:cs typeface="微软雅黑" panose="020B0503020204020204" charset="-122"/>
                 </a:rPr>
-                <a:t>根据客户要求，在遵守法律法规前提下，涉及“简单资信报告”和“深层次资信报告”中没有包括的信息，向客户提供特殊信用信息需求的专项资料，适用于企业生产经营活动中产生的不同专项信用信息需要。</a:t>
+                <a:t>根据客户要求</a:t>
+              </a:r>
+              <a:r>
+                <a:rPr lang="zh-CN" altLang="en-US" sz="2000" dirty="0">
+                  <a:solidFill>
+                    <a:srgbClr val="000000"/>
+                  </a:solidFill>
+                  <a:latin typeface="微软雅黑" panose="020B0503020204020204" charset="-122"/>
+                  <a:ea typeface="微软雅黑" panose="020B0503020204020204" charset="-122"/>
+                  <a:cs typeface="微软雅黑" panose="020B0503020204020204" charset="-122"/>
+                </a:rPr>
+                <a:t>，在遵守法律法规前提下，涉及“简单资信报告”和“深层次资信报告”中</a:t>
+              </a:r>
+              <a:r>
+                <a:rPr lang="zh-CN" altLang="en-US" sz="2000" dirty="0">
+                  <a:solidFill>
+                    <a:srgbClr val="00B0F0"/>
+                  </a:solidFill>
+                  <a:latin typeface="微软雅黑" panose="020B0503020204020204" charset="-122"/>
+                  <a:ea typeface="微软雅黑" panose="020B0503020204020204" charset="-122"/>
+                  <a:cs typeface="微软雅黑" panose="020B0503020204020204" charset="-122"/>
+                </a:rPr>
+                <a:t>没有包括的信息</a:t>
+              </a:r>
+              <a:r>
+                <a:rPr lang="zh-CN" altLang="en-US" sz="2000" dirty="0">
+                  <a:solidFill>
+                    <a:srgbClr val="000000"/>
+                  </a:solidFill>
+                  <a:latin typeface="微软雅黑" panose="020B0503020204020204" charset="-122"/>
+                  <a:ea typeface="微软雅黑" panose="020B0503020204020204" charset="-122"/>
+                  <a:cs typeface="微软雅黑" panose="020B0503020204020204" charset="-122"/>
+                </a:rPr>
+                <a:t>，向客户提供</a:t>
+              </a:r>
+              <a:r>
+                <a:rPr lang="zh-CN" altLang="en-US" sz="2000" dirty="0">
+                  <a:solidFill>
+                    <a:srgbClr val="00B0F0"/>
+                  </a:solidFill>
+                  <a:latin typeface="微软雅黑" panose="020B0503020204020204" charset="-122"/>
+                  <a:ea typeface="微软雅黑" panose="020B0503020204020204" charset="-122"/>
+                  <a:cs typeface="微软雅黑" panose="020B0503020204020204" charset="-122"/>
+                </a:rPr>
+                <a:t>特殊信用信息需求的专项资料</a:t>
+              </a:r>
+              <a:r>
+                <a:rPr lang="zh-CN" altLang="en-US" sz="2000" dirty="0">
+                  <a:solidFill>
+                    <a:srgbClr val="000000"/>
+                  </a:solidFill>
+                  <a:latin typeface="微软雅黑" panose="020B0503020204020204" charset="-122"/>
+                  <a:ea typeface="微软雅黑" panose="020B0503020204020204" charset="-122"/>
+                  <a:cs typeface="微软雅黑" panose="020B0503020204020204" charset="-122"/>
+                </a:rPr>
+                <a:t>，适用于企业生产经营活动中产生的不同专项信用信息需要。</a:t>
               </a:r>
               <a:endParaRPr lang="zh-CN" altLang="en-US" sz="2000" dirty="0">
                 <a:solidFill>
@@ -15887,7 +16351,7 @@
           <p:spPr>
             <a:xfrm>
               <a:off x="773" y="2270"/>
-              <a:ext cx="7220" cy="728"/>
+              <a:ext cx="7220" cy="725"/>
             </a:xfrm>
             <a:prstGeom prst="rect">
               <a:avLst/>
@@ -15907,9 +16371,9 @@
                 <a:buFontTx/>
               </a:pPr>
               <a:r>
-                <a:rPr lang="en-US" altLang="zh-CN" b="1" dirty="0">
-                  <a:solidFill>
-                    <a:srgbClr val="0B1A3F"/>
+                <a:rPr lang="en-US" altLang="zh-CN" sz="2400" b="1" dirty="0">
+                  <a:solidFill>
+                    <a:schemeClr val="tx1"/>
                   </a:solidFill>
                   <a:latin typeface="微软雅黑" panose="020B0503020204020204" charset="-122"/>
                   <a:ea typeface="微软雅黑" panose="020B0503020204020204" charset="-122"/>
@@ -15918,9 +16382,9 @@
                 <a:t>(</a:t>
               </a:r>
               <a:r>
-                <a:rPr lang="zh-CN" altLang="en-US" b="1" dirty="0">
-                  <a:solidFill>
-                    <a:srgbClr val="0B1A3F"/>
+                <a:rPr lang="zh-CN" altLang="en-US" sz="2400" b="1" dirty="0">
+                  <a:solidFill>
+                    <a:schemeClr val="tx1"/>
                   </a:solidFill>
                   <a:latin typeface="微软雅黑" panose="020B0503020204020204" charset="-122"/>
                   <a:ea typeface="微软雅黑" panose="020B0503020204020204" charset="-122"/>
@@ -15929,9 +16393,9 @@
                 <a:t>四</a:t>
               </a:r>
               <a:r>
-                <a:rPr lang="en-US" altLang="zh-CN" b="1" dirty="0">
-                  <a:solidFill>
-                    <a:srgbClr val="0B1A3F"/>
+                <a:rPr lang="en-US" altLang="zh-CN" sz="2400" b="1" dirty="0">
+                  <a:solidFill>
+                    <a:schemeClr val="tx1"/>
                   </a:solidFill>
                   <a:latin typeface="微软雅黑" panose="020B0503020204020204" charset="-122"/>
                   <a:ea typeface="微软雅黑" panose="020B0503020204020204" charset="-122"/>
@@ -15940,9 +16404,9 @@
                 <a:t>) </a:t>
               </a:r>
               <a:r>
-                <a:rPr lang="zh-CN" altLang="en-US" b="1" dirty="0">
-                  <a:solidFill>
-                    <a:srgbClr val="0B1A3F"/>
+                <a:rPr lang="zh-CN" altLang="en-US" sz="2400" b="1" dirty="0">
+                  <a:solidFill>
+                    <a:schemeClr val="tx1"/>
                   </a:solidFill>
                   <a:latin typeface="微软雅黑" panose="020B0503020204020204" charset="-122"/>
                   <a:ea typeface="微软雅黑" panose="020B0503020204020204" charset="-122"/>
@@ -15950,9 +16414,9 @@
                 </a:rPr>
                 <a:t>企业征信调查报告种类</a:t>
               </a:r>
-              <a:endParaRPr lang="zh-CN" altLang="en-US" b="1" dirty="0">
+              <a:endParaRPr lang="zh-CN" altLang="en-US" sz="2400" b="1" dirty="0">
                 <a:solidFill>
-                  <a:srgbClr val="0B1A3F"/>
+                  <a:schemeClr val="tx1"/>
                 </a:solidFill>
                 <a:latin typeface="微软雅黑" panose="020B0503020204020204" charset="-122"/>
                 <a:ea typeface="微软雅黑" panose="020B0503020204020204" charset="-122"/>
@@ -16653,7 +17117,7 @@
           <p:spPr>
             <a:xfrm>
               <a:off x="11018" y="5625"/>
-              <a:ext cx="2857" cy="2328"/>
+              <a:ext cx="2857" cy="2325"/>
             </a:xfrm>
             <a:prstGeom prst="rect">
               <a:avLst/>
@@ -16676,7 +17140,7 @@
                 <a:buFont typeface="Arial" panose="020B0604020202020204" pitchFamily="34" charset="0"/>
               </a:pPr>
               <a:r>
-                <a:rPr lang="en-US" altLang="zh-CN" sz="2000" b="1" dirty="0">
+                <a:rPr lang="en-US" altLang="zh-CN" sz="2000" dirty="0">
                   <a:solidFill>
                     <a:srgbClr val="000000"/>
                   </a:solidFill>
@@ -16687,7 +17151,7 @@
                 <a:t>5</a:t>
               </a:r>
               <a:r>
-                <a:rPr lang="zh-CN" altLang="en-US" sz="2000" b="1" dirty="0">
+                <a:rPr lang="zh-CN" altLang="en-US" sz="2000" dirty="0">
                   <a:solidFill>
                     <a:srgbClr val="000000"/>
                   </a:solidFill>
@@ -16697,7 +17161,7 @@
                 </a:rPr>
                 <a:t>、有利于国家宏观调控政策实施</a:t>
               </a:r>
-              <a:endParaRPr lang="zh-CN" altLang="en-US" sz="2000" b="1" dirty="0">
+              <a:endParaRPr lang="zh-CN" altLang="en-US" sz="2000" dirty="0">
                 <a:solidFill>
                   <a:srgbClr val="000000"/>
                 </a:solidFill>
@@ -16845,7 +17309,7 @@
           <p:spPr>
             <a:xfrm>
               <a:off x="7820" y="5625"/>
-              <a:ext cx="2603" cy="3783"/>
+              <a:ext cx="2603" cy="3779"/>
             </a:xfrm>
             <a:prstGeom prst="rect">
               <a:avLst/>
@@ -16868,7 +17332,7 @@
                 <a:buFont typeface="Arial" panose="020B0604020202020204" pitchFamily="34" charset="0"/>
               </a:pPr>
               <a:r>
-                <a:rPr lang="en-US" altLang="zh-CN" sz="2000" b="1" dirty="0">
+                <a:rPr lang="en-US" altLang="zh-CN" sz="2000" dirty="0">
                   <a:solidFill>
                     <a:srgbClr val="000000"/>
                   </a:solidFill>
@@ -16879,7 +17343,7 @@
                 <a:t>4</a:t>
               </a:r>
               <a:r>
-                <a:rPr lang="zh-CN" altLang="en-US" sz="2000" b="1" dirty="0">
+                <a:rPr lang="zh-CN" altLang="en-US" sz="2000" dirty="0">
                   <a:solidFill>
                     <a:srgbClr val="000000"/>
                   </a:solidFill>
@@ -16889,7 +17353,7 @@
                 </a:rPr>
                 <a:t>、有利于提倡诚信经营的信用文化，增强企业的信用意识</a:t>
               </a:r>
-              <a:endParaRPr lang="zh-CN" altLang="en-US" sz="2000" b="1" dirty="0">
+              <a:endParaRPr lang="zh-CN" altLang="en-US" sz="2000" dirty="0">
                 <a:solidFill>
                   <a:srgbClr val="000000"/>
                 </a:solidFill>
@@ -17223,7 +17687,7 @@
                 <a:buFont typeface="Arial" panose="020B0604020202020204" pitchFamily="34" charset="0"/>
               </a:pPr>
               <a:r>
-                <a:rPr lang="en-US" altLang="zh-CN" sz="2000" b="1" dirty="0">
+                <a:rPr lang="en-US" altLang="zh-CN" sz="2000" dirty="0">
                   <a:solidFill>
                     <a:srgbClr val="000000"/>
                   </a:solidFill>
@@ -17234,7 +17698,7 @@
                 <a:t>3</a:t>
               </a:r>
               <a:r>
-                <a:rPr lang="zh-CN" altLang="en-US" sz="2000" b="1" dirty="0">
+                <a:rPr lang="zh-CN" altLang="en-US" sz="2000" dirty="0">
                   <a:solidFill>
                     <a:srgbClr val="000000"/>
                   </a:solidFill>
@@ -17244,7 +17708,7 @@
                 </a:rPr>
                 <a:t>、防范银行信用风险，降低银行不良资产</a:t>
               </a:r>
-              <a:endParaRPr lang="zh-CN" altLang="en-US" sz="2000" b="1" dirty="0">
+              <a:endParaRPr lang="zh-CN" altLang="en-US" sz="2000" dirty="0">
                 <a:solidFill>
                   <a:srgbClr val="000000"/>
                 </a:solidFill>
@@ -17401,7 +17865,7 @@
           <p:spPr>
             <a:xfrm>
               <a:off x="403" y="5663"/>
-              <a:ext cx="2817" cy="3565"/>
+              <a:ext cx="2817" cy="3561"/>
             </a:xfrm>
             <a:prstGeom prst="rect">
               <a:avLst/>
@@ -17424,7 +17888,7 @@
                 <a:buFont typeface="Arial" panose="020B0604020202020204" pitchFamily="34" charset="0"/>
               </a:pPr>
               <a:r>
-                <a:rPr lang="en-US" altLang="zh-CN" sz="2000" b="1" dirty="0">
+                <a:rPr lang="en-US" altLang="zh-CN" sz="2000" dirty="0">
                   <a:solidFill>
                     <a:srgbClr val="000000"/>
                   </a:solidFill>
@@ -17435,7 +17899,7 @@
                 <a:t>1</a:t>
               </a:r>
               <a:r>
-                <a:rPr lang="zh-CN" altLang="en-US" sz="2000" b="1" dirty="0">
+                <a:rPr lang="zh-CN" altLang="en-US" sz="2000" dirty="0">
                   <a:solidFill>
                     <a:srgbClr val="000000"/>
                   </a:solidFill>
@@ -17445,7 +17909,7 @@
                 </a:rPr>
                 <a:t>、扩大信用交易范围，提高交易效率；</a:t>
               </a:r>
-              <a:endParaRPr lang="en-US" altLang="zh-CN" sz="2000" b="1" dirty="0">
+              <a:endParaRPr lang="en-US" altLang="zh-CN" sz="2000" dirty="0">
                 <a:solidFill>
                   <a:srgbClr val="000000"/>
                 </a:solidFill>
@@ -17463,7 +17927,7 @@
                 <a:buFont typeface="Arial" panose="020B0604020202020204" pitchFamily="34" charset="0"/>
               </a:pPr>
               <a:r>
-                <a:rPr lang="en-US" altLang="zh-CN" sz="2000" b="1" dirty="0">
+                <a:rPr lang="en-US" altLang="zh-CN" sz="2000" dirty="0">
                   <a:solidFill>
                     <a:srgbClr val="000000"/>
                   </a:solidFill>
@@ -17474,7 +17938,7 @@
                 <a:t>2</a:t>
               </a:r>
               <a:r>
-                <a:rPr lang="zh-CN" altLang="en-US" sz="2000" b="1" dirty="0">
+                <a:rPr lang="zh-CN" altLang="en-US" sz="2000" dirty="0">
                   <a:solidFill>
                     <a:srgbClr val="000000"/>
                   </a:solidFill>
@@ -18130,7 +18594,7 @@
               <a:r>
                 <a:rPr lang="en-US" altLang="zh-CN" sz="2400" b="1" dirty="0">
                   <a:solidFill>
-                    <a:srgbClr val="0B1A3F"/>
+                    <a:schemeClr val="tx1"/>
                   </a:solidFill>
                   <a:latin typeface="微软雅黑" panose="020B0503020204020204" charset="-122"/>
                   <a:ea typeface="微软雅黑" panose="020B0503020204020204" charset="-122"/>
@@ -18141,7 +18605,7 @@
               <a:r>
                 <a:rPr lang="zh-CN" altLang="en-US" sz="2400" b="1" dirty="0">
                   <a:solidFill>
-                    <a:srgbClr val="0B1A3F"/>
+                    <a:schemeClr val="tx1"/>
                   </a:solidFill>
                   <a:latin typeface="微软雅黑" panose="020B0503020204020204" charset="-122"/>
                   <a:ea typeface="微软雅黑" panose="020B0503020204020204" charset="-122"/>
@@ -18152,7 +18616,7 @@
               <a:r>
                 <a:rPr lang="en-US" altLang="zh-CN" sz="2400" b="1" dirty="0">
                   <a:solidFill>
-                    <a:srgbClr val="0B1A3F"/>
+                    <a:schemeClr val="tx1"/>
                   </a:solidFill>
                   <a:latin typeface="微软雅黑" panose="020B0503020204020204" charset="-122"/>
                   <a:ea typeface="微软雅黑" panose="020B0503020204020204" charset="-122"/>
@@ -18163,7 +18627,7 @@
               <a:r>
                 <a:rPr lang="zh-CN" altLang="en-US" sz="2400" b="1" dirty="0">
                   <a:solidFill>
-                    <a:srgbClr val="0B1A3F"/>
+                    <a:schemeClr val="tx1"/>
                   </a:solidFill>
                   <a:latin typeface="微软雅黑" panose="020B0503020204020204" charset="-122"/>
                   <a:ea typeface="微软雅黑" panose="020B0503020204020204" charset="-122"/>
@@ -18173,7 +18637,7 @@
               </a:r>
               <a:endParaRPr lang="zh-CN" altLang="en-US" sz="2400" b="1" dirty="0">
                 <a:solidFill>
-                  <a:srgbClr val="0B1A3F"/>
+                  <a:schemeClr val="tx1"/>
                 </a:solidFill>
                 <a:latin typeface="微软雅黑" panose="020B0503020204020204" charset="-122"/>
                 <a:ea typeface="微软雅黑" panose="020B0503020204020204" charset="-122"/>
@@ -19307,7 +19771,7 @@
               <a:defRPr/>
             </a:pPr>
             <a:r>
-              <a:rPr kumimoji="0" lang="zh-CN" altLang="en-US" sz="2400" i="0" u="none" strike="noStrike" kern="1200" cap="none" spc="0" normalizeH="0" baseline="0" noProof="0" dirty="0">
+              <a:rPr kumimoji="0" lang="zh-CN" altLang="en-US" sz="2400" b="1" i="0" u="none" strike="noStrike" kern="1200" cap="none" spc="0" normalizeH="0" baseline="0" noProof="0" dirty="0">
                 <a:ln>
                   <a:noFill/>
                 </a:ln>
@@ -19323,7 +19787,7 @@
               </a:rPr>
               <a:t>掌握信用风险计量技术 </a:t>
             </a:r>
-            <a:endParaRPr kumimoji="0" lang="zh-CN" altLang="en-US" sz="2400" i="0" u="none" strike="noStrike" kern="1200" cap="none" spc="0" normalizeH="0" baseline="0" noProof="0" dirty="0">
+            <a:endParaRPr kumimoji="0" lang="zh-CN" altLang="en-US" sz="2400" b="1" i="0" u="none" strike="noStrike" kern="1200" cap="none" spc="0" normalizeH="0" baseline="0" noProof="0" dirty="0">
               <a:ln>
                 <a:noFill/>
               </a:ln>
@@ -20622,7 +21086,29 @@
                   <a:ea typeface="微软雅黑" panose="020B0503020204020204" charset="-122"/>
                   <a:cs typeface="微软雅黑" panose="020B0503020204020204" charset="-122"/>
                 </a:rPr>
-                <a:t>、完全市场化商业运行的企业征信制度</a:t>
+                <a:t>、</a:t>
+              </a:r>
+              <a:r>
+                <a:rPr lang="zh-CN" altLang="en-US" dirty="0">
+                  <a:solidFill>
+                    <a:srgbClr val="00B0F0"/>
+                  </a:solidFill>
+                  <a:latin typeface="微软雅黑" panose="020B0503020204020204" charset="-122"/>
+                  <a:ea typeface="微软雅黑" panose="020B0503020204020204" charset="-122"/>
+                  <a:cs typeface="微软雅黑" panose="020B0503020204020204" charset="-122"/>
+                </a:rPr>
+                <a:t>完全市场化商业运行</a:t>
+              </a:r>
+              <a:r>
+                <a:rPr lang="zh-CN" altLang="en-US" dirty="0">
+                  <a:solidFill>
+                    <a:srgbClr val="000000"/>
+                  </a:solidFill>
+                  <a:latin typeface="微软雅黑" panose="020B0503020204020204" charset="-122"/>
+                  <a:ea typeface="微软雅黑" panose="020B0503020204020204" charset="-122"/>
+                  <a:cs typeface="微软雅黑" panose="020B0503020204020204" charset="-122"/>
+                </a:rPr>
+                <a:t>的企业征信制度</a:t>
               </a:r>
               <a:endParaRPr lang="zh-CN" altLang="en-US" dirty="0">
                 <a:solidFill>
@@ -20659,7 +21145,7 @@
                   <a:ea typeface="微软雅黑" panose="020B0503020204020204" charset="-122"/>
                   <a:cs typeface="微软雅黑" panose="020B0503020204020204" charset="-122"/>
                 </a:rPr>
-                <a:t>典型代表：美国，按市场化方式运作，由邓白氏等著名公司为主题的企业征信体系。</a:t>
+                <a:t>典型代表：美国，按市场化方式运作，由邓白氏等著名公司为主体的企业征信体系。</a:t>
               </a:r>
               <a:endParaRPr lang="zh-CN" altLang="en-US" dirty="0">
                 <a:solidFill>
@@ -20698,7 +21184,29 @@
                   <a:ea typeface="微软雅黑" panose="020B0503020204020204" charset="-122"/>
                   <a:cs typeface="微软雅黑" panose="020B0503020204020204" charset="-122"/>
                 </a:rPr>
-                <a:t>、以中央银行建立的中央信贷登记为主体的企业征信制度</a:t>
+                <a:t>、</a:t>
+              </a:r>
+              <a:r>
+                <a:rPr lang="zh-CN" altLang="en-US" dirty="0">
+                  <a:solidFill>
+                    <a:srgbClr val="00B0F0"/>
+                  </a:solidFill>
+                  <a:latin typeface="微软雅黑" panose="020B0503020204020204" charset="-122"/>
+                  <a:ea typeface="微软雅黑" panose="020B0503020204020204" charset="-122"/>
+                  <a:cs typeface="微软雅黑" panose="020B0503020204020204" charset="-122"/>
+                </a:rPr>
+                <a:t>以中央银行建立的中央信贷登记为主体</a:t>
+              </a:r>
+              <a:r>
+                <a:rPr lang="zh-CN" altLang="en-US" dirty="0">
+                  <a:solidFill>
+                    <a:srgbClr val="000000"/>
+                  </a:solidFill>
+                  <a:latin typeface="微软雅黑" panose="020B0503020204020204" charset="-122"/>
+                  <a:ea typeface="微软雅黑" panose="020B0503020204020204" charset="-122"/>
+                  <a:cs typeface="微软雅黑" panose="020B0503020204020204" charset="-122"/>
+                </a:rPr>
+                <a:t>的企业征信制度</a:t>
               </a:r>
               <a:endParaRPr lang="en-US" altLang="zh-CN" dirty="0">
                 <a:solidFill>
@@ -20774,7 +21282,29 @@
                   <a:ea typeface="微软雅黑" panose="020B0503020204020204" charset="-122"/>
                   <a:cs typeface="微软雅黑" panose="020B0503020204020204" charset="-122"/>
                 </a:rPr>
-                <a:t>、由银行协会建立的会员制征信机构与商业性征信机构共同组成企业征信制度</a:t>
+                <a:t>、</a:t>
+              </a:r>
+              <a:r>
+                <a:rPr lang="zh-CN" altLang="en-US" dirty="0">
+                  <a:solidFill>
+                    <a:srgbClr val="00B0F0"/>
+                  </a:solidFill>
+                  <a:latin typeface="微软雅黑" panose="020B0503020204020204" charset="-122"/>
+                  <a:ea typeface="微软雅黑" panose="020B0503020204020204" charset="-122"/>
+                  <a:cs typeface="微软雅黑" panose="020B0503020204020204" charset="-122"/>
+                </a:rPr>
+                <a:t>由银行协会建立的会员制征信机构与商业性征信机构共同组成</a:t>
+              </a:r>
+              <a:r>
+                <a:rPr lang="zh-CN" altLang="en-US" dirty="0">
+                  <a:solidFill>
+                    <a:srgbClr val="000000"/>
+                  </a:solidFill>
+                  <a:latin typeface="微软雅黑" panose="020B0503020204020204" charset="-122"/>
+                  <a:ea typeface="微软雅黑" panose="020B0503020204020204" charset="-122"/>
+                  <a:cs typeface="微软雅黑" panose="020B0503020204020204" charset="-122"/>
+                </a:rPr>
+                <a:t>企业征信制度</a:t>
               </a:r>
               <a:endParaRPr lang="zh-CN" altLang="en-US" dirty="0">
                 <a:solidFill>
@@ -20877,7 +21407,7 @@
               <a:r>
                 <a:rPr lang="zh-CN" altLang="en-US" sz="2400" b="1" dirty="0">
                   <a:solidFill>
-                    <a:srgbClr val="0B1A3F"/>
+                    <a:schemeClr val="tx1"/>
                   </a:solidFill>
                   <a:latin typeface="微软雅黑" panose="020B0503020204020204" charset="-122"/>
                   <a:ea typeface="微软雅黑" panose="020B0503020204020204" charset="-122"/>
@@ -20886,7 +21416,7 @@
               </a:r>
               <a:endParaRPr lang="zh-CN" altLang="en-US" sz="2400" b="1" dirty="0">
                 <a:solidFill>
-                  <a:srgbClr val="0B1A3F"/>
+                  <a:schemeClr val="tx1"/>
                 </a:solidFill>
                 <a:latin typeface="微软雅黑" panose="020B0503020204020204" charset="-122"/>
                 <a:ea typeface="微软雅黑" panose="020B0503020204020204" charset="-122"/>
@@ -21835,11 +22365,21 @@
                   <a:latin typeface="微软雅黑" panose="020B0503020204020204" charset="-122"/>
                   <a:ea typeface="微软雅黑" panose="020B0503020204020204" charset="-122"/>
                 </a:rPr>
-                <a:t>个人的特点是人数众多</a:t>
+                <a:t>个人的特点是</a:t>
+              </a:r>
+              <a:r>
+                <a:rPr lang="zh-CN" altLang="en-US" sz="2000" b="1" dirty="0">
+                  <a:solidFill>
+                    <a:srgbClr val="00B0F0"/>
+                  </a:solidFill>
+                  <a:latin typeface="微软雅黑" panose="020B0503020204020204" charset="-122"/>
+                  <a:ea typeface="微软雅黑" panose="020B0503020204020204" charset="-122"/>
+                </a:rPr>
+                <a:t>人数众多</a:t>
               </a:r>
               <a:endParaRPr lang="zh-CN" altLang="en-US" sz="2000" b="1" dirty="0">
                 <a:solidFill>
-                  <a:srgbClr val="000000"/>
+                  <a:srgbClr val="00B0F0"/>
                 </a:solidFill>
                 <a:latin typeface="微软雅黑" panose="020B0503020204020204" charset="-122"/>
                 <a:ea typeface="微软雅黑" panose="020B0503020204020204" charset="-122"/>
@@ -21857,7 +22397,7 @@
         <p:spPr>
           <a:xfrm>
             <a:off x="6188075" y="5645150"/>
-            <a:ext cx="2476500" cy="645160"/>
+            <a:ext cx="2476500" cy="922020"/>
           </a:xfrm>
           <a:prstGeom prst="rect">
             <a:avLst/>
@@ -21874,7 +22414,7 @@
                 <a:latin typeface="微软雅黑" panose="020B0503020204020204" charset="-122"/>
                 <a:ea typeface="微软雅黑" panose="020B0503020204020204" charset="-122"/>
               </a:rPr>
-              <a:t>原则：批处理、成本最优、时间性</a:t>
+              <a:t>个人征信调查的原则：批处理、成本最优、时间性</a:t>
             </a:r>
             <a:endParaRPr lang="zh-CN" altLang="en-US">
               <a:latin typeface="微软雅黑" panose="020B0503020204020204" charset="-122"/>
@@ -22915,7 +23455,27 @@
                   <a:latin typeface="微软雅黑" panose="020B0503020204020204" charset="-122"/>
                   <a:ea typeface="微软雅黑" panose="020B0503020204020204" charset="-122"/>
                 </a:rPr>
-                <a:t>西方国家征信由信用局完成</a:t>
+                <a:t>西方国家征信由</a:t>
+              </a:r>
+              <a:r>
+                <a:rPr lang="zh-CN" altLang="en-US" sz="2800" b="1" dirty="0">
+                  <a:solidFill>
+                    <a:srgbClr val="00B0F0"/>
+                  </a:solidFill>
+                  <a:latin typeface="微软雅黑" panose="020B0503020204020204" charset="-122"/>
+                  <a:ea typeface="微软雅黑" panose="020B0503020204020204" charset="-122"/>
+                </a:rPr>
+                <a:t>信用局</a:t>
+              </a:r>
+              <a:r>
+                <a:rPr lang="zh-CN" altLang="en-US" sz="2800" b="1" dirty="0">
+                  <a:solidFill>
+                    <a:srgbClr val="130401"/>
+                  </a:solidFill>
+                  <a:latin typeface="微软雅黑" panose="020B0503020204020204" charset="-122"/>
+                  <a:ea typeface="微软雅黑" panose="020B0503020204020204" charset="-122"/>
+                </a:rPr>
+                <a:t>完成</a:t>
               </a:r>
               <a:endParaRPr lang="zh-CN" altLang="en-US" sz="2800" b="1" dirty="0">
                 <a:solidFill>
@@ -23025,7 +23585,27 @@
                   <a:latin typeface="微软雅黑" panose="020B0503020204020204" charset="-122"/>
                   <a:ea typeface="微软雅黑" panose="020B0503020204020204" charset="-122"/>
                 </a:rPr>
-                <a:t>在各项信用交易中形成的关于企业或消费者的各种记录也会反馈到数据库中，完成动态跟踪。</a:t>
+                <a:t>在各项信用交易中形成的关于企业或消费者的各种记录也会反馈到数据库中，完成</a:t>
+              </a:r>
+              <a:r>
+                <a:rPr lang="zh-CN" altLang="en-US" sz="2000" b="1" dirty="0">
+                  <a:solidFill>
+                    <a:srgbClr val="00B0F0"/>
+                  </a:solidFill>
+                  <a:latin typeface="微软雅黑" panose="020B0503020204020204" charset="-122"/>
+                  <a:ea typeface="微软雅黑" panose="020B0503020204020204" charset="-122"/>
+                </a:rPr>
+                <a:t>动态跟踪</a:t>
+              </a:r>
+              <a:r>
+                <a:rPr lang="zh-CN" altLang="en-US" sz="2000" b="1" dirty="0">
+                  <a:solidFill>
+                    <a:srgbClr val="000000"/>
+                  </a:solidFill>
+                  <a:latin typeface="微软雅黑" panose="020B0503020204020204" charset="-122"/>
+                  <a:ea typeface="微软雅黑" panose="020B0503020204020204" charset="-122"/>
+                </a:rPr>
+                <a:t>。</a:t>
               </a:r>
               <a:endParaRPr lang="zh-CN" altLang="en-US" sz="2000" b="1" dirty="0">
                 <a:solidFill>
@@ -23633,9 +24213,9 @@
         <p:grpSpPr>
           <a:xfrm>
             <a:off x="1703705" y="1536700"/>
-            <a:ext cx="8784590" cy="4687570"/>
+            <a:ext cx="8785225" cy="4687570"/>
             <a:chOff x="283" y="2553"/>
-            <a:chExt cx="13834" cy="7382"/>
+            <a:chExt cx="13835" cy="7382"/>
           </a:xfrm>
         </p:grpSpPr>
         <p:sp>
@@ -24418,8 +24998,8 @@
           </p:nvSpPr>
           <p:spPr>
             <a:xfrm>
-              <a:off x="1545" y="3033"/>
-              <a:ext cx="10940" cy="6712"/>
+              <a:off x="1546" y="4743"/>
+              <a:ext cx="10940" cy="2484"/>
             </a:xfrm>
             <a:prstGeom prst="rect">
               <a:avLst/>
@@ -24438,7 +25018,7 @@
                 <a:buChar char="n"/>
               </a:pPr>
               <a:r>
-                <a:rPr lang="zh-CN" altLang="en-US" dirty="0">
+                <a:rPr lang="zh-CN" altLang="en-US" sz="2000" dirty="0">
                   <a:solidFill>
                     <a:srgbClr val="000000"/>
                   </a:solidFill>
@@ -24446,43 +25026,43 @@
                   <a:ea typeface="微软雅黑" panose="020B0503020204020204" charset="-122"/>
                   <a:cs typeface="微软雅黑" panose="020B0503020204020204" charset="-122"/>
                 </a:rPr>
-                <a:t>美国全国信用报告协会设计了标准信用报告格式</a:t>
+                <a:t>美国全国信用报告协会设计了标准信用报告格式——“</a:t>
               </a:r>
               <a:r>
-                <a:rPr lang="en-US" altLang="zh-CN" dirty="0">
-                  <a:solidFill>
-                    <a:srgbClr val="FF0000"/>
+                <a:rPr lang="zh-CN" altLang="en-US" sz="2000" dirty="0">
+                  <a:solidFill>
+                    <a:srgbClr val="00B0F0"/>
                   </a:solidFill>
                   <a:latin typeface="微软雅黑" panose="020B0503020204020204" charset="-122"/>
                   <a:ea typeface="微软雅黑" panose="020B0503020204020204" charset="-122"/>
                   <a:cs typeface="微软雅黑" panose="020B0503020204020204" charset="-122"/>
                 </a:rPr>
-                <a:t>——“</a:t>
+                <a:t>信用观察2000</a:t>
               </a:r>
               <a:r>
-                <a:rPr lang="zh-CN" altLang="en-US" dirty="0">
-                  <a:solidFill>
-                    <a:srgbClr val="FF0000"/>
+                <a:rPr lang="zh-CN" altLang="en-US" sz="2000" dirty="0">
+                  <a:solidFill>
+                    <a:srgbClr val="000000"/>
                   </a:solidFill>
                   <a:latin typeface="微软雅黑" panose="020B0503020204020204" charset="-122"/>
                   <a:ea typeface="微软雅黑" panose="020B0503020204020204" charset="-122"/>
                   <a:cs typeface="微软雅黑" panose="020B0503020204020204" charset="-122"/>
                 </a:rPr>
-                <a:t>信用观察</a:t>
+                <a:t>”，对信用报告的</a:t>
               </a:r>
               <a:r>
-                <a:rPr lang="en-US" altLang="zh-CN" dirty="0">
-                  <a:solidFill>
-                    <a:srgbClr val="FF0000"/>
+                <a:rPr lang="zh-CN" altLang="en-US" sz="2000" dirty="0">
+                  <a:solidFill>
+                    <a:srgbClr val="00B0F0"/>
                   </a:solidFill>
                   <a:latin typeface="微软雅黑" panose="020B0503020204020204" charset="-122"/>
                   <a:ea typeface="微软雅黑" panose="020B0503020204020204" charset="-122"/>
                   <a:cs typeface="微软雅黑" panose="020B0503020204020204" charset="-122"/>
                 </a:rPr>
-                <a:t>2000”</a:t>
+                <a:t>内容</a:t>
               </a:r>
               <a:r>
-                <a:rPr lang="zh-CN" altLang="en-US" dirty="0">
+                <a:rPr lang="zh-CN" altLang="en-US" sz="2000" dirty="0">
                   <a:solidFill>
                     <a:srgbClr val="000000"/>
                   </a:solidFill>
@@ -24490,18 +25070,51 @@
                   <a:ea typeface="微软雅黑" panose="020B0503020204020204" charset="-122"/>
                   <a:cs typeface="微软雅黑" panose="020B0503020204020204" charset="-122"/>
                 </a:rPr>
-                <a:t>，对信用报告的内容和基本格式提出了基本要求。个人征信调查要包括以下几类信息：</a:t>
+                <a:t>和</a:t>
               </a:r>
               <a:r>
-                <a:rPr lang="zh-CN" altLang="en-US" dirty="0">
-                  <a:solidFill>
-                    <a:srgbClr val="0000FF"/>
+                <a:rPr lang="zh-CN" altLang="en-US" sz="2000" dirty="0">
+                  <a:solidFill>
+                    <a:srgbClr val="00B0F0"/>
                   </a:solidFill>
                   <a:latin typeface="微软雅黑" panose="020B0503020204020204" charset="-122"/>
                   <a:ea typeface="微软雅黑" panose="020B0503020204020204" charset="-122"/>
                   <a:cs typeface="微软雅黑" panose="020B0503020204020204" charset="-122"/>
                 </a:rPr>
-                <a:t>人口统计资料、流水帐信息、就业资料、公共记录资料、信用局查询记录。</a:t>
+                <a:t>基本格式</a:t>
+              </a:r>
+              <a:r>
+                <a:rPr lang="zh-CN" altLang="en-US" sz="2000" dirty="0">
+                  <a:solidFill>
+                    <a:srgbClr val="000000"/>
+                  </a:solidFill>
+                  <a:latin typeface="微软雅黑" panose="020B0503020204020204" charset="-122"/>
+                  <a:ea typeface="微软雅黑" panose="020B0503020204020204" charset="-122"/>
+                  <a:cs typeface="微软雅黑" panose="020B0503020204020204" charset="-122"/>
+                </a:rPr>
+                <a:t>提出了基本要求。个人征信调查要包括以下几类信息：</a:t>
+              </a:r>
+              <a:r>
+                <a:rPr lang="zh-CN" altLang="en-US" sz="2000" dirty="0">
+                  <a:solidFill>
+                    <a:srgbClr val="00B0F0"/>
+                  </a:solidFill>
+                  <a:latin typeface="微软雅黑" panose="020B0503020204020204" charset="-122"/>
+                  <a:ea typeface="微软雅黑" panose="020B0503020204020204" charset="-122"/>
+                  <a:cs typeface="微软雅黑" panose="020B0503020204020204" charset="-122"/>
+                </a:rPr>
+                <a:t>人口统计资料、流水帐信息、就业资料、公共记录资料、信用局查询记录</a:t>
+              </a:r>
+              <a:r>
+                <a:rPr lang="zh-CN" altLang="en-US" sz="2000" dirty="0">
+                  <a:solidFill>
+                    <a:srgbClr val="0000FF"/>
+                  </a:solidFill>
+                  <a:latin typeface="微软雅黑" panose="020B0503020204020204" charset="-122"/>
+                  <a:ea typeface="微软雅黑" panose="020B0503020204020204" charset="-122"/>
+                  <a:cs typeface="微软雅黑" panose="020B0503020204020204" charset="-122"/>
+                </a:rPr>
+                <a:t>。</a:t>
               </a:r>
               <a:endParaRPr lang="zh-CN" altLang="en-US" dirty="0">
                 <a:solidFill>
@@ -24513,70 +25126,11 @@
               </a:endParaRPr>
             </a:p>
             <a:p>
-              <a:pPr marL="342900" indent="-342900">
+              <a:pPr indent="0">
                 <a:buClrTx/>
                 <a:buFont typeface="Wingdings" panose="05000000000000000000" pitchFamily="2" charset="2"/>
-                <a:buChar char="n"/>
+                <a:buNone/>
               </a:pPr>
-              <a:endParaRPr lang="zh-CN" altLang="en-US" dirty="0">
-                <a:solidFill>
-                  <a:srgbClr val="0000FF"/>
-                </a:solidFill>
-                <a:latin typeface="微软雅黑" panose="020B0503020204020204" charset="-122"/>
-                <a:ea typeface="微软雅黑" panose="020B0503020204020204" charset="-122"/>
-                <a:cs typeface="微软雅黑" panose="020B0503020204020204" charset="-122"/>
-              </a:endParaRPr>
-            </a:p>
-            <a:p>
-              <a:pPr marL="342900" indent="-342900">
-                <a:buClrTx/>
-                <a:buFont typeface="Wingdings" panose="05000000000000000000" pitchFamily="2" charset="2"/>
-                <a:buChar char="n"/>
-              </a:pPr>
-              <a:r>
-                <a:rPr lang="en-US" altLang="zh-CN" dirty="0">
-                  <a:solidFill>
-                    <a:srgbClr val="000000"/>
-                  </a:solidFill>
-                  <a:latin typeface="微软雅黑" panose="020B0503020204020204" charset="-122"/>
-                  <a:ea typeface="微软雅黑" panose="020B0503020204020204" charset="-122"/>
-                  <a:cs typeface="微软雅黑" panose="020B0503020204020204" charset="-122"/>
-                </a:rPr>
-                <a:t>“</a:t>
-              </a:r>
-              <a:r>
-                <a:rPr lang="zh-CN" altLang="en-US" dirty="0">
-                  <a:solidFill>
-                    <a:srgbClr val="000000"/>
-                  </a:solidFill>
-                  <a:latin typeface="微软雅黑" panose="020B0503020204020204" charset="-122"/>
-                  <a:ea typeface="微软雅黑" panose="020B0503020204020204" charset="-122"/>
-                  <a:cs typeface="微软雅黑" panose="020B0503020204020204" charset="-122"/>
-                </a:rPr>
-                <a:t>信用观察</a:t>
-              </a:r>
-              <a:r>
-                <a:rPr lang="en-US" altLang="zh-CN" dirty="0">
-                  <a:solidFill>
-                    <a:srgbClr val="000000"/>
-                  </a:solidFill>
-                  <a:latin typeface="微软雅黑" panose="020B0503020204020204" charset="-122"/>
-                  <a:ea typeface="微软雅黑" panose="020B0503020204020204" charset="-122"/>
-                  <a:cs typeface="微软雅黑" panose="020B0503020204020204" charset="-122"/>
-                </a:rPr>
-                <a:t>2000”</a:t>
-              </a:r>
-              <a:r>
-                <a:rPr lang="zh-CN" altLang="en-US" dirty="0">
-                  <a:solidFill>
-                    <a:srgbClr val="000000"/>
-                  </a:solidFill>
-                  <a:latin typeface="微软雅黑" panose="020B0503020204020204" charset="-122"/>
-                  <a:ea typeface="微软雅黑" panose="020B0503020204020204" charset="-122"/>
-                  <a:cs typeface="微软雅黑" panose="020B0503020204020204" charset="-122"/>
-                </a:rPr>
-                <a:t>规定了对信用调查的基本要求，但由于信息收集的渠道不同，以及不同的评分标准和报告风格，各大信用局在收集信息当中也会体现不同的特色。</a:t>
-              </a:r>
               <a:endParaRPr lang="zh-CN" altLang="en-US" dirty="0">
                 <a:solidFill>
                   <a:srgbClr val="000000"/>
@@ -25284,7 +25838,29 @@
                   <a:ea typeface="微软雅黑" panose="020B0503020204020204" charset="-122"/>
                   <a:cs typeface="微软雅黑" panose="020B0503020204020204" charset="-122"/>
                 </a:rPr>
-                <a:t>由征信机构在一个独立或封闭的系统内部进行征信和提供征信服务的征信工作方式。</a:t>
+                <a:t>由征信机构</a:t>
+              </a:r>
+              <a:r>
+                <a:rPr lang="zh-CN" altLang="en-US" dirty="0">
+                  <a:solidFill>
+                    <a:srgbClr val="00B0F0"/>
+                  </a:solidFill>
+                  <a:latin typeface="微软雅黑" panose="020B0503020204020204" charset="-122"/>
+                  <a:ea typeface="微软雅黑" panose="020B0503020204020204" charset="-122"/>
+                  <a:cs typeface="微软雅黑" panose="020B0503020204020204" charset="-122"/>
+                </a:rPr>
+                <a:t>在一个独立或封闭的系统内部</a:t>
+              </a:r>
+              <a:r>
+                <a:rPr lang="zh-CN" altLang="en-US" dirty="0">
+                  <a:solidFill>
+                    <a:srgbClr val="000000"/>
+                  </a:solidFill>
+                  <a:latin typeface="微软雅黑" panose="020B0503020204020204" charset="-122"/>
+                  <a:ea typeface="微软雅黑" panose="020B0503020204020204" charset="-122"/>
+                  <a:cs typeface="微软雅黑" panose="020B0503020204020204" charset="-122"/>
+                </a:rPr>
+                <a:t>进行征信和提供征信服务的征信工作方式。</a:t>
               </a:r>
               <a:endParaRPr lang="zh-CN" altLang="en-US" dirty="0">
                 <a:solidFill>
@@ -25360,7 +25936,29 @@
                   <a:ea typeface="微软雅黑" panose="020B0503020204020204" charset="-122"/>
                   <a:cs typeface="微软雅黑" panose="020B0503020204020204" charset="-122"/>
                 </a:rPr>
-                <a:t>征信机构根据协议，从一家以上的征信数据源收集征信数据的形式。</a:t>
+                <a:t>征信机构根据协议，</a:t>
+              </a:r>
+              <a:r>
+                <a:rPr lang="zh-CN" altLang="en-US" dirty="0">
+                  <a:solidFill>
+                    <a:srgbClr val="00B0F0"/>
+                  </a:solidFill>
+                  <a:latin typeface="微软雅黑" panose="020B0503020204020204" charset="-122"/>
+                  <a:ea typeface="微软雅黑" panose="020B0503020204020204" charset="-122"/>
+                  <a:cs typeface="微软雅黑" panose="020B0503020204020204" charset="-122"/>
+                </a:rPr>
+                <a:t>从一家以上的征信数据源</a:t>
+              </a:r>
+              <a:r>
+                <a:rPr lang="zh-CN" altLang="en-US" dirty="0">
+                  <a:solidFill>
+                    <a:srgbClr val="000000"/>
+                  </a:solidFill>
+                  <a:latin typeface="微软雅黑" panose="020B0503020204020204" charset="-122"/>
+                  <a:ea typeface="微软雅黑" panose="020B0503020204020204" charset="-122"/>
+                  <a:cs typeface="微软雅黑" panose="020B0503020204020204" charset="-122"/>
+                </a:rPr>
+                <a:t>收集征信数据的形式。</a:t>
               </a:r>
               <a:endParaRPr lang="zh-CN" altLang="en-US" dirty="0">
                 <a:solidFill>
@@ -25447,7 +26045,95 @@
                   <a:ea typeface="微软雅黑" panose="020B0503020204020204" charset="-122"/>
                   <a:cs typeface="微软雅黑" panose="020B0503020204020204" charset="-122"/>
                 </a:rPr>
-                <a:t>从信息收集的角度来看，它是联合征信的一种，需要广泛地收集个人信用信息；从使用的角度来看，它很像同业征信，只能向有会员资格的金融机构提供服务。</a:t>
+                <a:t>从信息</a:t>
+              </a:r>
+              <a:r>
+                <a:rPr lang="zh-CN" altLang="en-US" dirty="0">
+                  <a:solidFill>
+                    <a:srgbClr val="00B0F0"/>
+                  </a:solidFill>
+                  <a:latin typeface="微软雅黑" panose="020B0503020204020204" charset="-122"/>
+                  <a:ea typeface="微软雅黑" panose="020B0503020204020204" charset="-122"/>
+                  <a:cs typeface="微软雅黑" panose="020B0503020204020204" charset="-122"/>
+                </a:rPr>
+                <a:t>收集的角度</a:t>
+              </a:r>
+              <a:r>
+                <a:rPr lang="zh-CN" altLang="en-US" dirty="0">
+                  <a:solidFill>
+                    <a:srgbClr val="000000"/>
+                  </a:solidFill>
+                  <a:latin typeface="微软雅黑" panose="020B0503020204020204" charset="-122"/>
+                  <a:ea typeface="微软雅黑" panose="020B0503020204020204" charset="-122"/>
+                  <a:cs typeface="微软雅黑" panose="020B0503020204020204" charset="-122"/>
+                </a:rPr>
+                <a:t>来看，它</a:t>
+              </a:r>
+              <a:r>
+                <a:rPr lang="zh-CN" altLang="en-US" dirty="0">
+                  <a:solidFill>
+                    <a:srgbClr val="00B0F0"/>
+                  </a:solidFill>
+                  <a:latin typeface="微软雅黑" panose="020B0503020204020204" charset="-122"/>
+                  <a:ea typeface="微软雅黑" panose="020B0503020204020204" charset="-122"/>
+                  <a:cs typeface="微软雅黑" panose="020B0503020204020204" charset="-122"/>
+                </a:rPr>
+                <a:t>是联合征信的一种</a:t>
+              </a:r>
+              <a:r>
+                <a:rPr lang="zh-CN" altLang="en-US" dirty="0">
+                  <a:solidFill>
+                    <a:srgbClr val="000000"/>
+                  </a:solidFill>
+                  <a:latin typeface="微软雅黑" panose="020B0503020204020204" charset="-122"/>
+                  <a:ea typeface="微软雅黑" panose="020B0503020204020204" charset="-122"/>
+                  <a:cs typeface="微软雅黑" panose="020B0503020204020204" charset="-122"/>
+                </a:rPr>
+                <a:t>，需要广泛地收集个人信用信息；从</a:t>
+              </a:r>
+              <a:r>
+                <a:rPr lang="zh-CN" altLang="en-US" dirty="0">
+                  <a:solidFill>
+                    <a:srgbClr val="00B0F0"/>
+                  </a:solidFill>
+                  <a:latin typeface="微软雅黑" panose="020B0503020204020204" charset="-122"/>
+                  <a:ea typeface="微软雅黑" panose="020B0503020204020204" charset="-122"/>
+                  <a:cs typeface="微软雅黑" panose="020B0503020204020204" charset="-122"/>
+                </a:rPr>
+                <a:t>使用的角度</a:t>
+              </a:r>
+              <a:r>
+                <a:rPr lang="zh-CN" altLang="en-US" dirty="0">
+                  <a:solidFill>
+                    <a:srgbClr val="000000"/>
+                  </a:solidFill>
+                  <a:latin typeface="微软雅黑" panose="020B0503020204020204" charset="-122"/>
+                  <a:ea typeface="微软雅黑" panose="020B0503020204020204" charset="-122"/>
+                  <a:cs typeface="微软雅黑" panose="020B0503020204020204" charset="-122"/>
+                </a:rPr>
+                <a:t>来看，它很像同业征信，只能向</a:t>
+              </a:r>
+              <a:r>
+                <a:rPr lang="zh-CN" altLang="en-US" dirty="0">
+                  <a:solidFill>
+                    <a:srgbClr val="00B0F0"/>
+                  </a:solidFill>
+                  <a:latin typeface="微软雅黑" panose="020B0503020204020204" charset="-122"/>
+                  <a:ea typeface="微软雅黑" panose="020B0503020204020204" charset="-122"/>
+                  <a:cs typeface="微软雅黑" panose="020B0503020204020204" charset="-122"/>
+                </a:rPr>
+                <a:t>有会员资格的金融机构</a:t>
+              </a:r>
+              <a:r>
+                <a:rPr lang="zh-CN" altLang="en-US" dirty="0">
+                  <a:solidFill>
+                    <a:srgbClr val="000000"/>
+                  </a:solidFill>
+                  <a:latin typeface="微软雅黑" panose="020B0503020204020204" charset="-122"/>
+                  <a:ea typeface="微软雅黑" panose="020B0503020204020204" charset="-122"/>
+                  <a:cs typeface="微软雅黑" panose="020B0503020204020204" charset="-122"/>
+                </a:rPr>
+                <a:t>提供服务。</a:t>
               </a:r>
               <a:endParaRPr lang="zh-CN" altLang="en-US" dirty="0">
                 <a:solidFill>
@@ -33550,7 +34236,7 @@
                 <a:buNone/>
               </a:pPr>
               <a:r>
-                <a:rPr lang="zh-CN" altLang="en-US" sz="2000" b="1" dirty="0">
+                <a:rPr lang="zh-CN" altLang="en-US" sz="2000" dirty="0">
                   <a:solidFill>
                     <a:srgbClr val="000000"/>
                   </a:solidFill>
@@ -33558,7 +34244,40 @@
                   <a:ea typeface="微软雅黑" panose="020B0503020204020204" charset="-122"/>
                   <a:cs typeface="微软雅黑" panose="020B0503020204020204" charset="-122"/>
                 </a:rPr>
-                <a:t>征信就是资信调查，是指征信机构通过各类手段广泛收集、处理信用信息，以验证调查对象的信用状况。</a:t>
+                <a:t>征信就是</a:t>
+              </a:r>
+              <a:r>
+                <a:rPr lang="zh-CN" altLang="en-US" sz="2000" dirty="0">
+                  <a:solidFill>
+                    <a:srgbClr val="00B0F0"/>
+                  </a:solidFill>
+                  <a:latin typeface="微软雅黑" panose="020B0503020204020204" charset="-122"/>
+                  <a:ea typeface="微软雅黑" panose="020B0503020204020204" charset="-122"/>
+                  <a:cs typeface="微软雅黑" panose="020B0503020204020204" charset="-122"/>
+                </a:rPr>
+                <a:t>资信调查</a:t>
+              </a:r>
+              <a:r>
+                <a:rPr lang="zh-CN" altLang="en-US" sz="2000" dirty="0">
+                  <a:solidFill>
+                    <a:srgbClr val="000000"/>
+                  </a:solidFill>
+                  <a:latin typeface="微软雅黑" panose="020B0503020204020204" charset="-122"/>
+                  <a:ea typeface="微软雅黑" panose="020B0503020204020204" charset="-122"/>
+                  <a:cs typeface="微软雅黑" panose="020B0503020204020204" charset="-122"/>
+                </a:rPr>
+                <a:t>，是指征信机构通过各类手段广泛收集、处理信用信息，以验证调查对象的信用状况</a:t>
+              </a:r>
+              <a:r>
+                <a:rPr lang="zh-CN" altLang="en-US" sz="2000" b="1" dirty="0">
+                  <a:solidFill>
+                    <a:srgbClr val="000000"/>
+                  </a:solidFill>
+                  <a:latin typeface="微软雅黑" panose="020B0503020204020204" charset="-122"/>
+                  <a:ea typeface="微软雅黑" panose="020B0503020204020204" charset="-122"/>
+                  <a:cs typeface="微软雅黑" panose="020B0503020204020204" charset="-122"/>
+                </a:rPr>
+                <a:t>。</a:t>
               </a:r>
               <a:endParaRPr lang="zh-CN" altLang="en-US" sz="2000" b="1" dirty="0">
                 <a:solidFill>
@@ -33597,9 +34316,9 @@
                 <a:buNone/>
               </a:pPr>
               <a:r>
-                <a:rPr lang="zh-CN" altLang="en-US" sz="2000" b="1" dirty="0">
-                  <a:solidFill>
-                    <a:srgbClr val="000000"/>
+                <a:rPr lang="zh-CN" altLang="en-US" sz="2000" dirty="0">
+                  <a:solidFill>
+                    <a:schemeClr val="tx1"/>
                   </a:solidFill>
                   <a:latin typeface="微软雅黑" panose="020B0503020204020204" charset="-122"/>
                   <a:ea typeface="微软雅黑" panose="020B0503020204020204" charset="-122"/>
@@ -33607,9 +34326,9 @@
                 </a:rPr>
                 <a:t>征信有广义和狭义之分：</a:t>
               </a:r>
-              <a:endParaRPr lang="zh-CN" altLang="en-US" sz="2000" b="1" dirty="0">
+              <a:endParaRPr lang="zh-CN" altLang="en-US" sz="2000" dirty="0">
                 <a:solidFill>
-                  <a:srgbClr val="000000"/>
+                  <a:schemeClr val="tx1"/>
                 </a:solidFill>
                 <a:latin typeface="微软雅黑" panose="020B0503020204020204" charset="-122"/>
                 <a:ea typeface="微软雅黑" panose="020B0503020204020204" charset="-122"/>
@@ -33626,9 +34345,9 @@
                 <a:buAutoNum type="circleNumDbPlain"/>
               </a:pPr>
               <a:r>
-                <a:rPr lang="zh-CN" altLang="en-US" sz="2000" b="1" dirty="0">
-                  <a:solidFill>
-                    <a:srgbClr val="FF0000"/>
+                <a:rPr lang="zh-CN" altLang="en-US" sz="2000" dirty="0">
+                  <a:solidFill>
+                    <a:srgbClr val="00B0F0"/>
                   </a:solidFill>
                   <a:latin typeface="微软雅黑" panose="020B0503020204020204" charset="-122"/>
                   <a:ea typeface="微软雅黑" panose="020B0503020204020204" charset="-122"/>
@@ -33637,9 +34356,9 @@
                 <a:t>广义的征信</a:t>
               </a:r>
               <a:r>
-                <a:rPr lang="zh-CN" altLang="en-US" sz="2000" b="1" dirty="0">
-                  <a:solidFill>
-                    <a:srgbClr val="000000"/>
+                <a:rPr lang="zh-CN" altLang="en-US" sz="2000" dirty="0">
+                  <a:solidFill>
+                    <a:schemeClr val="tx1"/>
                   </a:solidFill>
                   <a:latin typeface="微软雅黑" panose="020B0503020204020204" charset="-122"/>
                   <a:ea typeface="微软雅黑" panose="020B0503020204020204" charset="-122"/>
@@ -33647,9 +34366,9 @@
                 </a:rPr>
                 <a:t>泛指调查、了解、验证他人信用。</a:t>
               </a:r>
-              <a:endParaRPr lang="zh-CN" altLang="en-US" sz="2000" b="1" dirty="0">
+              <a:endParaRPr lang="zh-CN" altLang="en-US" sz="2000" dirty="0">
                 <a:solidFill>
-                  <a:srgbClr val="000000"/>
+                  <a:schemeClr val="tx1"/>
                 </a:solidFill>
                 <a:latin typeface="微软雅黑" panose="020B0503020204020204" charset="-122"/>
                 <a:ea typeface="微软雅黑" panose="020B0503020204020204" charset="-122"/>
@@ -33666,9 +34385,9 @@
                 <a:buAutoNum type="circleNumDbPlain"/>
               </a:pPr>
               <a:r>
-                <a:rPr lang="zh-CN" altLang="en-US" sz="2000" b="1" dirty="0">
-                  <a:solidFill>
-                    <a:srgbClr val="FF0000"/>
+                <a:rPr lang="zh-CN" altLang="en-US" sz="2000" dirty="0">
+                  <a:solidFill>
+                    <a:srgbClr val="00B0F0"/>
                   </a:solidFill>
                   <a:latin typeface="微软雅黑" panose="020B0503020204020204" charset="-122"/>
                   <a:ea typeface="微软雅黑" panose="020B0503020204020204" charset="-122"/>
@@ -33677,15 +34396,70 @@
                 <a:t>狭义的征信</a:t>
               </a:r>
               <a:r>
-                <a:rPr lang="zh-CN" altLang="en-US" sz="2000" b="1" dirty="0">
-                  <a:solidFill>
-                    <a:srgbClr val="000000"/>
+                <a:rPr lang="zh-CN" altLang="en-US" sz="2000" dirty="0">
+                  <a:solidFill>
+                    <a:schemeClr val="tx1"/>
                   </a:solidFill>
                   <a:latin typeface="微软雅黑" panose="020B0503020204020204" charset="-122"/>
                   <a:ea typeface="微软雅黑" panose="020B0503020204020204" charset="-122"/>
                   <a:cs typeface="微软雅黑" panose="020B0503020204020204" charset="-122"/>
                 </a:rPr>
-                <a:t>主要是指信用机构对企业或个人信用进行调查、验证并出具信用报告。 </a:t>
+                <a:t>主要是指</a:t>
+              </a:r>
+              <a:r>
+                <a:rPr lang="zh-CN" altLang="en-US" sz="2000" dirty="0">
+                  <a:solidFill>
+                    <a:srgbClr val="00B0F0"/>
+                  </a:solidFill>
+                  <a:latin typeface="微软雅黑" panose="020B0503020204020204" charset="-122"/>
+                  <a:ea typeface="微软雅黑" panose="020B0503020204020204" charset="-122"/>
+                  <a:cs typeface="微软雅黑" panose="020B0503020204020204" charset="-122"/>
+                </a:rPr>
+                <a:t>信用机构</a:t>
+              </a:r>
+              <a:r>
+                <a:rPr lang="zh-CN" altLang="en-US" sz="2000" dirty="0">
+                  <a:solidFill>
+                    <a:schemeClr val="tx1"/>
+                  </a:solidFill>
+                  <a:latin typeface="微软雅黑" panose="020B0503020204020204" charset="-122"/>
+                  <a:ea typeface="微软雅黑" panose="020B0503020204020204" charset="-122"/>
+                  <a:cs typeface="微软雅黑" panose="020B0503020204020204" charset="-122"/>
+                </a:rPr>
+                <a:t>对企业或个人信用进行调查、验证并出具</a:t>
+              </a:r>
+              <a:r>
+                <a:rPr lang="zh-CN" altLang="en-US" sz="2000" dirty="0">
+                  <a:solidFill>
+                    <a:srgbClr val="00B0F0"/>
+                  </a:solidFill>
+                  <a:latin typeface="微软雅黑" panose="020B0503020204020204" charset="-122"/>
+                  <a:ea typeface="微软雅黑" panose="020B0503020204020204" charset="-122"/>
+                  <a:cs typeface="微软雅黑" panose="020B0503020204020204" charset="-122"/>
+                </a:rPr>
+                <a:t>信用报告</a:t>
+              </a:r>
+              <a:r>
+                <a:rPr lang="zh-CN" altLang="en-US" sz="2000" dirty="0">
+                  <a:solidFill>
+                    <a:schemeClr val="tx1"/>
+                  </a:solidFill>
+                  <a:latin typeface="微软雅黑" panose="020B0503020204020204" charset="-122"/>
+                  <a:ea typeface="微软雅黑" panose="020B0503020204020204" charset="-122"/>
+                  <a:cs typeface="微软雅黑" panose="020B0503020204020204" charset="-122"/>
+                </a:rPr>
+                <a:t>。</a:t>
+              </a:r>
+              <a:r>
+                <a:rPr lang="zh-CN" altLang="en-US" sz="2000" b="1" dirty="0">
+                  <a:solidFill>
+                    <a:srgbClr val="000000"/>
+                  </a:solidFill>
+                  <a:latin typeface="微软雅黑" panose="020B0503020204020204" charset="-122"/>
+                  <a:ea typeface="微软雅黑" panose="020B0503020204020204" charset="-122"/>
+                  <a:cs typeface="微软雅黑" panose="020B0503020204020204" charset="-122"/>
+                </a:rPr>
+                <a:t> </a:t>
               </a:r>
               <a:endParaRPr lang="zh-CN" altLang="en-US" b="1" dirty="0">
                 <a:solidFill>
@@ -34173,10 +34947,10 @@
         </p:nvGrpSpPr>
         <p:grpSpPr>
           <a:xfrm>
-            <a:off x="1954530" y="1379855"/>
-            <a:ext cx="8383270" cy="4940935"/>
-            <a:chOff x="575" y="2398"/>
-            <a:chExt cx="13044" cy="7531"/>
+            <a:off x="1954530" y="994080"/>
+            <a:ext cx="8383913" cy="5327366"/>
+            <a:chOff x="575" y="1810"/>
+            <a:chExt cx="13045" cy="8120"/>
           </a:xfrm>
         </p:grpSpPr>
         <p:sp>
@@ -34446,8 +35220,8 @@
           </p:nvSpPr>
           <p:spPr bwMode="auto">
             <a:xfrm>
-              <a:off x="1458" y="2728"/>
-              <a:ext cx="11353" cy="6713"/>
+              <a:off x="1421" y="1810"/>
+              <a:ext cx="11353" cy="7839"/>
             </a:xfrm>
             <a:prstGeom prst="rect">
               <a:avLst/>
@@ -34626,7 +35400,7 @@
                 <a:defRPr/>
               </a:pPr>
               <a:r>
-                <a:rPr kumimoji="0" lang="zh-CN" altLang="en-US" sz="2000" b="1" i="0" u="none" strike="noStrike" kern="1200" cap="none" spc="0" normalizeH="0" baseline="0" noProof="0" dirty="0">
+                <a:rPr kumimoji="0" lang="zh-CN" altLang="en-US" sz="2000" i="0" u="none" strike="noStrike" kern="1200" cap="none" spc="0" normalizeH="0" baseline="0" noProof="0" dirty="0">
                   <a:ln>
                     <a:noFill/>
                   </a:ln>
@@ -34640,7 +35414,143 @@
                   <a:ea typeface="微软雅黑" panose="020B0503020204020204" charset="-122"/>
                   <a:cs typeface="微软雅黑" panose="020B0503020204020204" charset="-122"/>
                 </a:rPr>
-                <a:t>一个国家的信用管理体系建设和征信服务的全面开展，必须创造必要的法治环境。要保障征信数据的开放，规范授信和信用管理行为，保护消费者的权益，就必须有一系列相关的法律法规及相应的惩罚机制。</a:t>
+                <a:t>一个国家的信用管理体系建设和征信服务的全面开展，必须创造必要的法治环境。要保障</a:t>
+              </a:r>
+              <a:r>
+                <a:rPr kumimoji="0" lang="zh-CN" altLang="en-US" sz="2000" i="0" u="none" strike="noStrike" kern="1200" cap="none" spc="0" normalizeH="0" baseline="0" noProof="0" dirty="0">
+                  <a:ln>
+                    <a:noFill/>
+                  </a:ln>
+                  <a:solidFill>
+                    <a:srgbClr val="00B0F0"/>
+                  </a:solidFill>
+                  <a:effectLst/>
+                  <a:uLnTx/>
+                  <a:uFillTx/>
+                  <a:latin typeface="微软雅黑" panose="020B0503020204020204" charset="-122"/>
+                  <a:ea typeface="微软雅黑" panose="020B0503020204020204" charset="-122"/>
+                  <a:cs typeface="微软雅黑" panose="020B0503020204020204" charset="-122"/>
+                </a:rPr>
+                <a:t>征信数据的开放</a:t>
+              </a:r>
+              <a:r>
+                <a:rPr kumimoji="0" lang="zh-CN" altLang="en-US" sz="2000" i="0" u="none" strike="noStrike" kern="1200" cap="none" spc="0" normalizeH="0" baseline="0" noProof="0" dirty="0">
+                  <a:ln>
+                    <a:noFill/>
+                  </a:ln>
+                  <a:solidFill>
+                    <a:srgbClr val="000000"/>
+                  </a:solidFill>
+                  <a:effectLst/>
+                  <a:uLnTx/>
+                  <a:uFillTx/>
+                  <a:latin typeface="微软雅黑" panose="020B0503020204020204" charset="-122"/>
+                  <a:ea typeface="微软雅黑" panose="020B0503020204020204" charset="-122"/>
+                  <a:cs typeface="微软雅黑" panose="020B0503020204020204" charset="-122"/>
+                </a:rPr>
+                <a:t>，</a:t>
+              </a:r>
+              <a:r>
+                <a:rPr kumimoji="0" lang="zh-CN" altLang="en-US" sz="2000" i="0" u="none" strike="noStrike" kern="1200" cap="none" spc="0" normalizeH="0" baseline="0" noProof="0" dirty="0">
+                  <a:ln>
+                    <a:noFill/>
+                  </a:ln>
+                  <a:solidFill>
+                    <a:srgbClr val="00B0F0"/>
+                  </a:solidFill>
+                  <a:effectLst/>
+                  <a:uLnTx/>
+                  <a:uFillTx/>
+                  <a:latin typeface="微软雅黑" panose="020B0503020204020204" charset="-122"/>
+                  <a:ea typeface="微软雅黑" panose="020B0503020204020204" charset="-122"/>
+                  <a:cs typeface="微软雅黑" panose="020B0503020204020204" charset="-122"/>
+                </a:rPr>
+                <a:t>规范授信和信用管理行为</a:t>
+              </a:r>
+              <a:r>
+                <a:rPr kumimoji="0" lang="zh-CN" altLang="en-US" sz="2000" i="0" u="none" strike="noStrike" kern="1200" cap="none" spc="0" normalizeH="0" baseline="0" noProof="0" dirty="0">
+                  <a:ln>
+                    <a:noFill/>
+                  </a:ln>
+                  <a:solidFill>
+                    <a:srgbClr val="000000"/>
+                  </a:solidFill>
+                  <a:effectLst/>
+                  <a:uLnTx/>
+                  <a:uFillTx/>
+                  <a:latin typeface="微软雅黑" panose="020B0503020204020204" charset="-122"/>
+                  <a:ea typeface="微软雅黑" panose="020B0503020204020204" charset="-122"/>
+                  <a:cs typeface="微软雅黑" panose="020B0503020204020204" charset="-122"/>
+                </a:rPr>
+                <a:t>，</a:t>
+              </a:r>
+              <a:r>
+                <a:rPr kumimoji="0" lang="zh-CN" altLang="en-US" sz="2000" i="0" u="none" strike="noStrike" kern="1200" cap="none" spc="0" normalizeH="0" baseline="0" noProof="0" dirty="0">
+                  <a:ln>
+                    <a:noFill/>
+                  </a:ln>
+                  <a:solidFill>
+                    <a:srgbClr val="00B0F0"/>
+                  </a:solidFill>
+                  <a:effectLst/>
+                  <a:uLnTx/>
+                  <a:uFillTx/>
+                  <a:latin typeface="微软雅黑" panose="020B0503020204020204" charset="-122"/>
+                  <a:ea typeface="微软雅黑" panose="020B0503020204020204" charset="-122"/>
+                  <a:cs typeface="微软雅黑" panose="020B0503020204020204" charset="-122"/>
+                </a:rPr>
+                <a:t>保护消费者的权益</a:t>
+              </a:r>
+              <a:r>
+                <a:rPr kumimoji="0" lang="zh-CN" altLang="en-US" sz="2000" i="0" u="none" strike="noStrike" kern="1200" cap="none" spc="0" normalizeH="0" baseline="0" noProof="0" dirty="0">
+                  <a:ln>
+                    <a:noFill/>
+                  </a:ln>
+                  <a:solidFill>
+                    <a:srgbClr val="000000"/>
+                  </a:solidFill>
+                  <a:effectLst/>
+                  <a:uLnTx/>
+                  <a:uFillTx/>
+                  <a:latin typeface="微软雅黑" panose="020B0503020204020204" charset="-122"/>
+                  <a:ea typeface="微软雅黑" panose="020B0503020204020204" charset="-122"/>
+                  <a:cs typeface="微软雅黑" panose="020B0503020204020204" charset="-122"/>
+                </a:rPr>
+                <a:t>，就</a:t>
+              </a:r>
+              <a:r>
+                <a:rPr kumimoji="0" lang="zh-CN" altLang="en-US" sz="2000" i="0" u="none" strike="noStrike" kern="1200" cap="none" spc="0" normalizeH="0" baseline="0" noProof="0" dirty="0">
+                  <a:ln>
+                    <a:noFill/>
+                  </a:ln>
+                  <a:solidFill>
+                    <a:srgbClr val="00B0F0"/>
+                  </a:solidFill>
+                  <a:effectLst/>
+                  <a:uLnTx/>
+                  <a:uFillTx/>
+                  <a:latin typeface="微软雅黑" panose="020B0503020204020204" charset="-122"/>
+                  <a:ea typeface="微软雅黑" panose="020B0503020204020204" charset="-122"/>
+                  <a:cs typeface="微软雅黑" panose="020B0503020204020204" charset="-122"/>
+                </a:rPr>
+                <a:t>必须有一系列相关的法律法规及相应的惩罚机制</a:t>
+              </a:r>
+              <a:r>
+                <a:rPr kumimoji="0" lang="zh-CN" altLang="en-US" sz="2000" i="0" u="none" strike="noStrike" kern="1200" cap="none" spc="0" normalizeH="0" baseline="0" noProof="0" dirty="0">
+                  <a:ln>
+                    <a:noFill/>
+                  </a:ln>
+                  <a:solidFill>
+                    <a:srgbClr val="000000"/>
+                  </a:solidFill>
+                  <a:effectLst/>
+                  <a:uLnTx/>
+                  <a:uFillTx/>
+                  <a:latin typeface="微软雅黑" panose="020B0503020204020204" charset="-122"/>
+                  <a:ea typeface="微软雅黑" panose="020B0503020204020204" charset="-122"/>
+                  <a:cs typeface="微软雅黑" panose="020B0503020204020204" charset="-122"/>
+                </a:rPr>
+                <a:t>。</a:t>
               </a:r>
               <a:endParaRPr kumimoji="0" lang="zh-CN" altLang="en-US" sz="2000" b="1" i="0" u="none" strike="noStrike" kern="1200" cap="none" spc="0" normalizeH="0" baseline="0" noProof="0" dirty="0">
                 <a:ln>
@@ -34770,7 +35680,109 @@
                   <a:ea typeface="微软雅黑" panose="020B0503020204020204" charset="-122"/>
                   <a:cs typeface="微软雅黑" panose="020B0503020204020204" charset="-122"/>
                 </a:rPr>
-                <a:t>征信数据是制作征信产品的原材料，是开展信用管理服务的基础性条件。</a:t>
+                <a:t>征信数据是制作征信产品的原材料，是开展信用管理服务的</a:t>
+              </a:r>
+              <a:r>
+                <a:rPr kumimoji="0" lang="zh-CN" altLang="en-US" sz="2000" b="0" i="0" u="none" strike="noStrike" kern="1200" cap="none" spc="0" normalizeH="0" baseline="0" noProof="0" dirty="0">
+                  <a:ln>
+                    <a:noFill/>
+                  </a:ln>
+                  <a:solidFill>
+                    <a:srgbClr val="00B0F0"/>
+                  </a:solidFill>
+                  <a:effectLst/>
+                  <a:uLnTx/>
+                  <a:uFillTx/>
+                  <a:latin typeface="微软雅黑" panose="020B0503020204020204" charset="-122"/>
+                  <a:ea typeface="微软雅黑" panose="020B0503020204020204" charset="-122"/>
+                  <a:cs typeface="微软雅黑" panose="020B0503020204020204" charset="-122"/>
+                </a:rPr>
+                <a:t>基础性条件</a:t>
+              </a:r>
+              <a:r>
+                <a:rPr kumimoji="0" lang="zh-CN" altLang="en-US" sz="2000" b="0" i="0" u="none" strike="noStrike" kern="1200" cap="none" spc="0" normalizeH="0" baseline="0" noProof="0" dirty="0">
+                  <a:ln>
+                    <a:noFill/>
+                  </a:ln>
+                  <a:solidFill>
+                    <a:srgbClr val="000000"/>
+                  </a:solidFill>
+                  <a:effectLst/>
+                  <a:uLnTx/>
+                  <a:uFillTx/>
+                  <a:latin typeface="微软雅黑" panose="020B0503020204020204" charset="-122"/>
+                  <a:ea typeface="微软雅黑" panose="020B0503020204020204" charset="-122"/>
+                  <a:cs typeface="微软雅黑" panose="020B0503020204020204" charset="-122"/>
+                </a:rPr>
+                <a:t>。征信行业的从业机构必须能够</a:t>
+              </a:r>
+              <a:r>
+                <a:rPr kumimoji="0" lang="zh-CN" altLang="en-US" sz="2000" b="0" i="0" u="none" strike="noStrike" kern="1200" cap="none" spc="0" normalizeH="0" baseline="0" noProof="0" dirty="0">
+                  <a:ln>
+                    <a:noFill/>
+                  </a:ln>
+                  <a:solidFill>
+                    <a:srgbClr val="00B0F0"/>
+                  </a:solidFill>
+                  <a:effectLst/>
+                  <a:uLnTx/>
+                  <a:uFillTx/>
+                  <a:latin typeface="微软雅黑" panose="020B0503020204020204" charset="-122"/>
+                  <a:ea typeface="微软雅黑" panose="020B0503020204020204" charset="-122"/>
+                  <a:cs typeface="微软雅黑" panose="020B0503020204020204" charset="-122"/>
+                </a:rPr>
+                <a:t>合法地取得</a:t>
+              </a:r>
+              <a:r>
+                <a:rPr kumimoji="0" lang="zh-CN" altLang="en-US" sz="2000" b="0" i="0" u="none" strike="noStrike" kern="1200" cap="none" spc="0" normalizeH="0" baseline="0" noProof="0" dirty="0">
+                  <a:ln>
+                    <a:noFill/>
+                  </a:ln>
+                  <a:solidFill>
+                    <a:srgbClr val="000000"/>
+                  </a:solidFill>
+                  <a:effectLst/>
+                  <a:uLnTx/>
+                  <a:uFillTx/>
+                  <a:latin typeface="微软雅黑" panose="020B0503020204020204" charset="-122"/>
+                  <a:ea typeface="微软雅黑" panose="020B0503020204020204" charset="-122"/>
+                  <a:cs typeface="微软雅黑" panose="020B0503020204020204" charset="-122"/>
+                </a:rPr>
+                <a:t>各种真实的企业和个人信用信息、行业及社会数据，并</a:t>
+              </a:r>
+              <a:r>
+                <a:rPr kumimoji="0" lang="zh-CN" altLang="en-US" sz="2000" b="0" i="0" u="none" strike="noStrike" kern="1200" cap="none" spc="0" normalizeH="0" baseline="0" noProof="0" dirty="0">
+                  <a:ln>
+                    <a:noFill/>
+                  </a:ln>
+                  <a:solidFill>
+                    <a:srgbClr val="00B0F0"/>
+                  </a:solidFill>
+                  <a:effectLst/>
+                  <a:uLnTx/>
+                  <a:uFillTx/>
+                  <a:latin typeface="微软雅黑" panose="020B0503020204020204" charset="-122"/>
+                  <a:ea typeface="微软雅黑" panose="020B0503020204020204" charset="-122"/>
+                  <a:cs typeface="微软雅黑" panose="020B0503020204020204" charset="-122"/>
+                </a:rPr>
+                <a:t>在法律规范下对经过处理的信息进行公开和公正的报告</a:t>
+              </a:r>
+              <a:r>
+                <a:rPr kumimoji="0" lang="zh-CN" altLang="en-US" sz="2000" b="0" i="0" u="none" strike="noStrike" kern="1200" cap="none" spc="0" normalizeH="0" baseline="0" noProof="0" dirty="0">
+                  <a:ln>
+                    <a:noFill/>
+                  </a:ln>
+                  <a:solidFill>
+                    <a:srgbClr val="000000"/>
+                  </a:solidFill>
+                  <a:effectLst/>
+                  <a:uLnTx/>
+                  <a:uFillTx/>
+                  <a:latin typeface="微软雅黑" panose="020B0503020204020204" charset="-122"/>
+                  <a:ea typeface="微软雅黑" panose="020B0503020204020204" charset="-122"/>
+                  <a:cs typeface="微软雅黑" panose="020B0503020204020204" charset="-122"/>
+                </a:rPr>
+                <a:t>。</a:t>
               </a:r>
               <a:endParaRPr kumimoji="0" lang="zh-CN" altLang="en-US" sz="2000" b="0" i="0" u="none" strike="noStrike" kern="1200" cap="none" spc="0" normalizeH="0" baseline="0" noProof="0" dirty="0">
                 <a:ln>
@@ -34885,7 +35897,109 @@
                   <a:ea typeface="微软雅黑" panose="020B0503020204020204" charset="-122"/>
                   <a:cs typeface="微软雅黑" panose="020B0503020204020204" charset="-122"/>
                 </a:rPr>
-                <a:t>规范授信行为的法律可分为两类：一类目的在于保护消费者的权益；另一类目的在于控制和指导授信金融机构的工作方式和业务范围。</a:t>
+                <a:t>规范授信行为的法律可分为</a:t>
+              </a:r>
+              <a:r>
+                <a:rPr kumimoji="0" lang="zh-CN" altLang="en-US" sz="2000" b="0" i="0" u="none" strike="noStrike" kern="1200" cap="none" spc="0" normalizeH="0" baseline="0" noProof="0" dirty="0">
+                  <a:ln>
+                    <a:noFill/>
+                  </a:ln>
+                  <a:solidFill>
+                    <a:srgbClr val="00B0F0"/>
+                  </a:solidFill>
+                  <a:effectLst/>
+                  <a:uLnTx/>
+                  <a:uFillTx/>
+                  <a:latin typeface="微软雅黑" panose="020B0503020204020204" charset="-122"/>
+                  <a:ea typeface="微软雅黑" panose="020B0503020204020204" charset="-122"/>
+                  <a:cs typeface="微软雅黑" panose="020B0503020204020204" charset="-122"/>
+                </a:rPr>
+                <a:t>两类</a:t>
+              </a:r>
+              <a:r>
+                <a:rPr kumimoji="0" lang="zh-CN" altLang="en-US" sz="2000" b="0" i="0" u="none" strike="noStrike" kern="1200" cap="none" spc="0" normalizeH="0" baseline="0" noProof="0" dirty="0">
+                  <a:ln>
+                    <a:noFill/>
+                  </a:ln>
+                  <a:solidFill>
+                    <a:srgbClr val="000000"/>
+                  </a:solidFill>
+                  <a:effectLst/>
+                  <a:uLnTx/>
+                  <a:uFillTx/>
+                  <a:latin typeface="微软雅黑" panose="020B0503020204020204" charset="-122"/>
+                  <a:ea typeface="微软雅黑" panose="020B0503020204020204" charset="-122"/>
+                  <a:cs typeface="微软雅黑" panose="020B0503020204020204" charset="-122"/>
+                </a:rPr>
+                <a:t>：一类目的在于</a:t>
+              </a:r>
+              <a:r>
+                <a:rPr kumimoji="0" lang="zh-CN" altLang="en-US" sz="2000" b="0" i="0" u="none" strike="noStrike" kern="1200" cap="none" spc="0" normalizeH="0" baseline="0" noProof="0" dirty="0">
+                  <a:ln>
+                    <a:noFill/>
+                  </a:ln>
+                  <a:solidFill>
+                    <a:srgbClr val="00B0F0"/>
+                  </a:solidFill>
+                  <a:effectLst/>
+                  <a:uLnTx/>
+                  <a:uFillTx/>
+                  <a:latin typeface="微软雅黑" panose="020B0503020204020204" charset="-122"/>
+                  <a:ea typeface="微软雅黑" panose="020B0503020204020204" charset="-122"/>
+                  <a:cs typeface="微软雅黑" panose="020B0503020204020204" charset="-122"/>
+                </a:rPr>
+                <a:t>保护消费者的权益</a:t>
+              </a:r>
+              <a:r>
+                <a:rPr kumimoji="0" lang="zh-CN" altLang="en-US" sz="2000" b="0" i="0" u="none" strike="noStrike" kern="1200" cap="none" spc="0" normalizeH="0" baseline="0" noProof="0" dirty="0">
+                  <a:ln>
+                    <a:noFill/>
+                  </a:ln>
+                  <a:solidFill>
+                    <a:srgbClr val="000000"/>
+                  </a:solidFill>
+                  <a:effectLst/>
+                  <a:uLnTx/>
+                  <a:uFillTx/>
+                  <a:latin typeface="微软雅黑" panose="020B0503020204020204" charset="-122"/>
+                  <a:ea typeface="微软雅黑" panose="020B0503020204020204" charset="-122"/>
+                  <a:cs typeface="微软雅黑" panose="020B0503020204020204" charset="-122"/>
+                </a:rPr>
+                <a:t>；另一类目的在于</a:t>
+              </a:r>
+              <a:r>
+                <a:rPr kumimoji="0" lang="zh-CN" altLang="en-US" sz="2000" b="0" i="0" u="none" strike="noStrike" kern="1200" cap="none" spc="0" normalizeH="0" baseline="0" noProof="0" dirty="0">
+                  <a:ln>
+                    <a:noFill/>
+                  </a:ln>
+                  <a:solidFill>
+                    <a:srgbClr val="00B0F0"/>
+                  </a:solidFill>
+                  <a:effectLst/>
+                  <a:uLnTx/>
+                  <a:uFillTx/>
+                  <a:latin typeface="微软雅黑" panose="020B0503020204020204" charset="-122"/>
+                  <a:ea typeface="微软雅黑" panose="020B0503020204020204" charset="-122"/>
+                  <a:cs typeface="微软雅黑" panose="020B0503020204020204" charset="-122"/>
+                </a:rPr>
+                <a:t>控制和指导授信金融机构</a:t>
+              </a:r>
+              <a:r>
+                <a:rPr kumimoji="0" lang="zh-CN" altLang="en-US" sz="2000" b="0" i="0" u="none" strike="noStrike" kern="1200" cap="none" spc="0" normalizeH="0" baseline="0" noProof="0" dirty="0">
+                  <a:ln>
+                    <a:noFill/>
+                  </a:ln>
+                  <a:solidFill>
+                    <a:srgbClr val="000000"/>
+                  </a:solidFill>
+                  <a:effectLst/>
+                  <a:uLnTx/>
+                  <a:uFillTx/>
+                  <a:latin typeface="微软雅黑" panose="020B0503020204020204" charset="-122"/>
+                  <a:ea typeface="微软雅黑" panose="020B0503020204020204" charset="-122"/>
+                  <a:cs typeface="微软雅黑" panose="020B0503020204020204" charset="-122"/>
+                </a:rPr>
+                <a:t>的工作方式和业务范围。</a:t>
               </a:r>
               <a:endParaRPr kumimoji="0" lang="en-US" altLang="zh-CN" sz="2000" b="0" i="0" u="none" strike="noStrike" kern="1200" cap="none" spc="0" normalizeH="0" baseline="0" noProof="0" dirty="0">
                 <a:ln>
@@ -35000,7 +36114,75 @@
                   <a:ea typeface="微软雅黑" panose="020B0503020204020204" charset="-122"/>
                   <a:cs typeface="微软雅黑" panose="020B0503020204020204" charset="-122"/>
                 </a:rPr>
-                <a:t>基本可以分为银行相关信用法律和非银行相关信用法律两类。</a:t>
+                <a:t>基本可以分为</a:t>
+              </a:r>
+              <a:r>
+                <a:rPr kumimoji="0" lang="zh-CN" altLang="en-US" sz="2000" b="0" i="0" u="none" strike="noStrike" kern="1200" cap="none" spc="0" normalizeH="0" baseline="0" noProof="0" dirty="0">
+                  <a:ln>
+                    <a:noFill/>
+                  </a:ln>
+                  <a:solidFill>
+                    <a:srgbClr val="00B0F0"/>
+                  </a:solidFill>
+                  <a:effectLst/>
+                  <a:uLnTx/>
+                  <a:uFillTx/>
+                  <a:latin typeface="微软雅黑" panose="020B0503020204020204" charset="-122"/>
+                  <a:ea typeface="微软雅黑" panose="020B0503020204020204" charset="-122"/>
+                  <a:cs typeface="微软雅黑" panose="020B0503020204020204" charset="-122"/>
+                </a:rPr>
+                <a:t>银行相关信用法律</a:t>
+              </a:r>
+              <a:r>
+                <a:rPr kumimoji="0" lang="zh-CN" altLang="en-US" sz="2000" b="0" i="0" u="none" strike="noStrike" kern="1200" cap="none" spc="0" normalizeH="0" baseline="0" noProof="0" dirty="0">
+                  <a:ln>
+                    <a:noFill/>
+                  </a:ln>
+                  <a:solidFill>
+                    <a:srgbClr val="000000"/>
+                  </a:solidFill>
+                  <a:effectLst/>
+                  <a:uLnTx/>
+                  <a:uFillTx/>
+                  <a:latin typeface="微软雅黑" panose="020B0503020204020204" charset="-122"/>
+                  <a:ea typeface="微软雅黑" panose="020B0503020204020204" charset="-122"/>
+                  <a:cs typeface="微软雅黑" panose="020B0503020204020204" charset="-122"/>
+                </a:rPr>
+                <a:t>和</a:t>
+              </a:r>
+              <a:r>
+                <a:rPr kumimoji="0" lang="zh-CN" altLang="en-US" sz="2000" b="0" i="0" u="none" strike="noStrike" kern="1200" cap="none" spc="0" normalizeH="0" baseline="0" noProof="0" dirty="0">
+                  <a:ln>
+                    <a:noFill/>
+                  </a:ln>
+                  <a:solidFill>
+                    <a:srgbClr val="00B0F0"/>
+                  </a:solidFill>
+                  <a:effectLst/>
+                  <a:uLnTx/>
+                  <a:uFillTx/>
+                  <a:latin typeface="微软雅黑" panose="020B0503020204020204" charset="-122"/>
+                  <a:ea typeface="微软雅黑" panose="020B0503020204020204" charset="-122"/>
+                  <a:cs typeface="微软雅黑" panose="020B0503020204020204" charset="-122"/>
+                </a:rPr>
+                <a:t>非银行相关信用法律</a:t>
+              </a:r>
+              <a:r>
+                <a:rPr kumimoji="0" lang="zh-CN" altLang="en-US" sz="2000" b="0" i="0" u="none" strike="noStrike" kern="1200" cap="none" spc="0" normalizeH="0" baseline="0" noProof="0" dirty="0">
+                  <a:ln>
+                    <a:noFill/>
+                  </a:ln>
+                  <a:solidFill>
+                    <a:srgbClr val="000000"/>
+                  </a:solidFill>
+                  <a:effectLst/>
+                  <a:uLnTx/>
+                  <a:uFillTx/>
+                  <a:latin typeface="微软雅黑" panose="020B0503020204020204" charset="-122"/>
+                  <a:ea typeface="微软雅黑" panose="020B0503020204020204" charset="-122"/>
+                  <a:cs typeface="微软雅黑" panose="020B0503020204020204" charset="-122"/>
+                </a:rPr>
+                <a:t>两类。</a:t>
               </a:r>
               <a:endParaRPr kumimoji="0" lang="zh-CN" altLang="en-US" sz="2000" b="0" i="0" u="none" strike="noStrike" kern="1200" cap="none" spc="0" normalizeH="0" baseline="0" noProof="0" dirty="0">
                 <a:ln>
@@ -35621,15 +36803,15 @@
                   <a:ea typeface="微软雅黑" panose="020B0503020204020204" charset="-122"/>
                   <a:cs typeface="微软雅黑" panose="020B0503020204020204" charset="-122"/>
                 </a:rPr>
-                <a:t>    按照征信机构获取信息的方式，征信渠道可以划分为</a:t>
+                <a:t>    按照征信机构</a:t>
               </a:r>
               <a:r>
-                <a:rPr kumimoji="0" lang="zh-CN" altLang="en-US" sz="2000" b="1" i="0" u="none" strike="noStrike" kern="1200" cap="none" spc="0" normalizeH="0" baseline="0" noProof="0" dirty="0">
+                <a:rPr kumimoji="0" lang="zh-CN" altLang="en-US" sz="2000" b="0" i="0" u="none" strike="noStrike" kern="1200" cap="none" spc="0" normalizeH="0" baseline="0" noProof="0" dirty="0">
                   <a:ln>
                     <a:noFill/>
                   </a:ln>
                   <a:solidFill>
-                    <a:srgbClr val="FF0000"/>
+                    <a:srgbClr val="00B0F0"/>
                   </a:solidFill>
                   <a:effectLst/>
                   <a:uLnTx/>
@@ -35638,10 +36820,44 @@
                   <a:ea typeface="微软雅黑" panose="020B0503020204020204" charset="-122"/>
                   <a:cs typeface="微软雅黑" panose="020B0503020204020204" charset="-122"/>
                 </a:rPr>
-                <a:t>直接渠道</a:t>
+                <a:t>获取信息的方式</a:t>
               </a:r>
               <a:r>
                 <a:rPr kumimoji="0" lang="zh-CN" altLang="en-US" sz="2000" b="0" i="0" u="none" strike="noStrike" kern="1200" cap="none" spc="0" normalizeH="0" baseline="0" noProof="0" dirty="0">
+                  <a:ln>
+                    <a:noFill/>
+                  </a:ln>
+                  <a:solidFill>
+                    <a:schemeClr val="tx1"/>
+                  </a:solidFill>
+                  <a:effectLst/>
+                  <a:uLnTx/>
+                  <a:uFillTx/>
+                  <a:latin typeface="微软雅黑" panose="020B0503020204020204" charset="-122"/>
+                  <a:ea typeface="微软雅黑" panose="020B0503020204020204" charset="-122"/>
+                  <a:cs typeface="微软雅黑" panose="020B0503020204020204" charset="-122"/>
+                </a:rPr>
+                <a:t>，征信渠道可以划分为</a:t>
+              </a:r>
+              <a:r>
+                <a:rPr kumimoji="0" lang="zh-CN" altLang="en-US" sz="2000" i="0" u="none" strike="noStrike" kern="1200" cap="none" spc="0" normalizeH="0" baseline="0" noProof="0" dirty="0">
+                  <a:ln>
+                    <a:noFill/>
+                  </a:ln>
+                  <a:solidFill>
+                    <a:srgbClr val="00B0F0"/>
+                  </a:solidFill>
+                  <a:effectLst/>
+                  <a:uLnTx/>
+                  <a:uFillTx/>
+                  <a:latin typeface="微软雅黑" panose="020B0503020204020204" charset="-122"/>
+                  <a:ea typeface="微软雅黑" panose="020B0503020204020204" charset="-122"/>
+                  <a:cs typeface="微软雅黑" panose="020B0503020204020204" charset="-122"/>
+                </a:rPr>
+                <a:t>直接渠道（主要渠道）</a:t>
+              </a:r>
+              <a:r>
+                <a:rPr kumimoji="0" lang="zh-CN" altLang="en-US" sz="2000" i="0" u="none" strike="noStrike" kern="1200" cap="none" spc="0" normalizeH="0" baseline="0" noProof="0" dirty="0">
                   <a:ln>
                     <a:noFill/>
                   </a:ln>
@@ -35658,12 +36874,12 @@
                 <a:t>和</a:t>
               </a:r>
               <a:r>
-                <a:rPr kumimoji="0" lang="zh-CN" altLang="en-US" sz="2000" b="1" i="0" u="none" strike="noStrike" kern="1200" cap="none" spc="0" normalizeH="0" baseline="0" noProof="0" dirty="0">
+                <a:rPr kumimoji="0" lang="zh-CN" altLang="en-US" sz="2000" i="0" u="none" strike="noStrike" kern="1200" cap="none" spc="0" normalizeH="0" baseline="0" noProof="0" dirty="0">
                   <a:ln>
                     <a:noFill/>
                   </a:ln>
                   <a:solidFill>
-                    <a:srgbClr val="FF0000"/>
+                    <a:srgbClr val="00B0F0"/>
                   </a:solidFill>
                   <a:effectLst/>
                   <a:uLnTx/>
@@ -35689,7 +36905,109 @@
                   <a:ea typeface="微软雅黑" panose="020B0503020204020204" charset="-122"/>
                   <a:cs typeface="微软雅黑" panose="020B0503020204020204" charset="-122"/>
                 </a:rPr>
-                <a:t>。直接渠道是指征信机构通过各种公开手段拿到企业或个人的征信资料。间接渠道是指征信机构在法律、法规允许的范围内从调查公司等其他第三方信息提供机构获得资料。</a:t>
+                <a:t>。直接渠道是指征信机构通过各种</a:t>
+              </a:r>
+              <a:r>
+                <a:rPr kumimoji="0" lang="zh-CN" altLang="en-US" sz="2000" b="0" i="0" u="none" strike="noStrike" kern="1200" cap="none" spc="0" normalizeH="0" baseline="0" noProof="0" dirty="0">
+                  <a:ln>
+                    <a:noFill/>
+                  </a:ln>
+                  <a:solidFill>
+                    <a:srgbClr val="00B0F0"/>
+                  </a:solidFill>
+                  <a:effectLst/>
+                  <a:uLnTx/>
+                  <a:uFillTx/>
+                  <a:latin typeface="微软雅黑" panose="020B0503020204020204" charset="-122"/>
+                  <a:ea typeface="微软雅黑" panose="020B0503020204020204" charset="-122"/>
+                  <a:cs typeface="微软雅黑" panose="020B0503020204020204" charset="-122"/>
+                </a:rPr>
+                <a:t>公开手段</a:t>
+              </a:r>
+              <a:r>
+                <a:rPr kumimoji="0" lang="zh-CN" altLang="en-US" sz="2000" b="0" i="0" u="none" strike="noStrike" kern="1200" cap="none" spc="0" normalizeH="0" baseline="0" noProof="0" dirty="0">
+                  <a:ln>
+                    <a:noFill/>
+                  </a:ln>
+                  <a:solidFill>
+                    <a:schemeClr val="tx1"/>
+                  </a:solidFill>
+                  <a:effectLst/>
+                  <a:uLnTx/>
+                  <a:uFillTx/>
+                  <a:latin typeface="微软雅黑" panose="020B0503020204020204" charset="-122"/>
+                  <a:ea typeface="微软雅黑" panose="020B0503020204020204" charset="-122"/>
+                  <a:cs typeface="微软雅黑" panose="020B0503020204020204" charset="-122"/>
+                </a:rPr>
+                <a:t>拿到企业或个人的征信资料。间接渠道是指征信机构在法律、法规</a:t>
+              </a:r>
+              <a:r>
+                <a:rPr kumimoji="0" lang="zh-CN" altLang="en-US" sz="2000" b="0" i="0" u="none" strike="noStrike" kern="1200" cap="none" spc="0" normalizeH="0" baseline="0" noProof="0" dirty="0">
+                  <a:ln>
+                    <a:noFill/>
+                  </a:ln>
+                  <a:solidFill>
+                    <a:srgbClr val="00B0F0"/>
+                  </a:solidFill>
+                  <a:effectLst/>
+                  <a:uLnTx/>
+                  <a:uFillTx/>
+                  <a:latin typeface="微软雅黑" panose="020B0503020204020204" charset="-122"/>
+                  <a:ea typeface="微软雅黑" panose="020B0503020204020204" charset="-122"/>
+                  <a:cs typeface="微软雅黑" panose="020B0503020204020204" charset="-122"/>
+                </a:rPr>
+                <a:t>允许的范围内</a:t>
+              </a:r>
+              <a:r>
+                <a:rPr kumimoji="0" lang="zh-CN" altLang="en-US" sz="2000" b="0" i="0" u="none" strike="noStrike" kern="1200" cap="none" spc="0" normalizeH="0" baseline="0" noProof="0" dirty="0">
+                  <a:ln>
+                    <a:noFill/>
+                  </a:ln>
+                  <a:solidFill>
+                    <a:schemeClr val="tx1"/>
+                  </a:solidFill>
+                  <a:effectLst/>
+                  <a:uLnTx/>
+                  <a:uFillTx/>
+                  <a:latin typeface="微软雅黑" panose="020B0503020204020204" charset="-122"/>
+                  <a:ea typeface="微软雅黑" panose="020B0503020204020204" charset="-122"/>
+                  <a:cs typeface="微软雅黑" panose="020B0503020204020204" charset="-122"/>
+                </a:rPr>
+                <a:t>从调查公司等其他</a:t>
+              </a:r>
+              <a:r>
+                <a:rPr kumimoji="0" lang="zh-CN" altLang="en-US" sz="2000" b="0" i="0" u="none" strike="noStrike" kern="1200" cap="none" spc="0" normalizeH="0" baseline="0" noProof="0" dirty="0">
+                  <a:ln>
+                    <a:noFill/>
+                  </a:ln>
+                  <a:solidFill>
+                    <a:srgbClr val="00B0F0"/>
+                  </a:solidFill>
+                  <a:effectLst/>
+                  <a:uLnTx/>
+                  <a:uFillTx/>
+                  <a:latin typeface="微软雅黑" panose="020B0503020204020204" charset="-122"/>
+                  <a:ea typeface="微软雅黑" panose="020B0503020204020204" charset="-122"/>
+                  <a:cs typeface="微软雅黑" panose="020B0503020204020204" charset="-122"/>
+                </a:rPr>
+                <a:t>第三方信息提供机构</a:t>
+              </a:r>
+              <a:r>
+                <a:rPr kumimoji="0" lang="zh-CN" altLang="en-US" sz="2000" b="0" i="0" u="none" strike="noStrike" kern="1200" cap="none" spc="0" normalizeH="0" baseline="0" noProof="0" dirty="0">
+                  <a:ln>
+                    <a:noFill/>
+                  </a:ln>
+                  <a:solidFill>
+                    <a:schemeClr val="tx1"/>
+                  </a:solidFill>
+                  <a:effectLst/>
+                  <a:uLnTx/>
+                  <a:uFillTx/>
+                  <a:latin typeface="微软雅黑" panose="020B0503020204020204" charset="-122"/>
+                  <a:ea typeface="微软雅黑" panose="020B0503020204020204" charset="-122"/>
+                  <a:cs typeface="微软雅黑" panose="020B0503020204020204" charset="-122"/>
+                </a:rPr>
+                <a:t>获得资料。</a:t>
               </a:r>
               <a:endParaRPr kumimoji="0" lang="zh-CN" altLang="en-US" sz="2000" b="0" i="0" u="none" strike="noStrike" kern="1200" cap="none" spc="0" normalizeH="0" baseline="0" noProof="0" dirty="0">
                 <a:ln>
@@ -38434,9 +39752,9 @@
                 <a:buFontTx/>
               </a:pPr>
               <a:r>
-                <a:rPr lang="en-US" altLang="zh-CN" sz="2400" dirty="0">
-                  <a:solidFill>
-                    <a:srgbClr val="0B1A3F"/>
+                <a:rPr lang="en-US" altLang="zh-CN" sz="2400" b="1" dirty="0">
+                  <a:solidFill>
+                    <a:schemeClr val="tx1"/>
                   </a:solidFill>
                   <a:latin typeface="微软雅黑" panose="020B0503020204020204" charset="-122"/>
                   <a:ea typeface="微软雅黑" panose="020B0503020204020204" charset="-122"/>
@@ -38445,9 +39763,9 @@
                 <a:t>(</a:t>
               </a:r>
               <a:r>
-                <a:rPr lang="zh-CN" altLang="en-US" sz="2400" dirty="0">
-                  <a:solidFill>
-                    <a:srgbClr val="0B1A3F"/>
+                <a:rPr lang="zh-CN" altLang="en-US" sz="2400" b="1" dirty="0">
+                  <a:solidFill>
+                    <a:schemeClr val="tx1"/>
                   </a:solidFill>
                   <a:latin typeface="微软雅黑" panose="020B0503020204020204" charset="-122"/>
                   <a:ea typeface="微软雅黑" panose="020B0503020204020204" charset="-122"/>
@@ -38456,9 +39774,9 @@
                 <a:t>一</a:t>
               </a:r>
               <a:r>
-                <a:rPr lang="en-US" altLang="zh-CN" sz="2400" dirty="0">
-                  <a:solidFill>
-                    <a:srgbClr val="0B1A3F"/>
+                <a:rPr lang="en-US" altLang="zh-CN" sz="2400" b="1" dirty="0">
+                  <a:solidFill>
+                    <a:schemeClr val="tx1"/>
                   </a:solidFill>
                   <a:latin typeface="微软雅黑" panose="020B0503020204020204" charset="-122"/>
                   <a:ea typeface="微软雅黑" panose="020B0503020204020204" charset="-122"/>
@@ -38467,9 +39785,9 @@
                 <a:t>) </a:t>
               </a:r>
               <a:r>
-                <a:rPr lang="zh-CN" altLang="en-US" sz="2400" dirty="0">
-                  <a:solidFill>
-                    <a:srgbClr val="0B1A3F"/>
+                <a:rPr lang="zh-CN" altLang="en-US" sz="2400" b="1" dirty="0">
+                  <a:solidFill>
+                    <a:schemeClr val="tx1"/>
                   </a:solidFill>
                   <a:latin typeface="微软雅黑" panose="020B0503020204020204" charset="-122"/>
                   <a:ea typeface="微软雅黑" panose="020B0503020204020204" charset="-122"/>
@@ -38477,9 +39795,9 @@
                 </a:rPr>
                 <a:t>信用数据概述</a:t>
               </a:r>
-              <a:endParaRPr lang="zh-CN" altLang="en-US" sz="2400" dirty="0">
+              <a:endParaRPr lang="zh-CN" altLang="en-US" sz="2400" b="1" dirty="0">
                 <a:solidFill>
-                  <a:srgbClr val="0B1A3F"/>
+                  <a:schemeClr val="tx1"/>
                 </a:solidFill>
                 <a:latin typeface="微软雅黑" panose="020B0503020204020204" charset="-122"/>
                 <a:ea typeface="微软雅黑" panose="020B0503020204020204" charset="-122"/>
@@ -38519,16 +39837,56 @@
               <a:r>
                 <a:rPr lang="zh-CN" altLang="en-US" dirty="0">
                   <a:solidFill>
-                    <a:srgbClr val="11275E"/>
+                    <a:schemeClr val="tx1"/>
                   </a:solidFill>
                   <a:latin typeface="微软雅黑" panose="020B0503020204020204" charset="-122"/>
                   <a:ea typeface="微软雅黑" panose="020B0503020204020204" charset="-122"/>
                 </a:rPr>
-                <a:t>征信服务离不开信用数据，信用数据是征信机构从事信用工作必备的基础。征信业务，无论是企业征信还是个人征信，都是建立在对大量信用数据的收集、整理、分析和归纳的基础上。信用机构必须具备数据收集、保存、传输、整理、分析的技术能力。</a:t>
+                <a:t>征信服务离不开信用数据，信用数据是征信机构从事信用工作必备的基础。征信业务，无论是企业征信还是个人征信，都是建立在</a:t>
+              </a:r>
+              <a:r>
+                <a:rPr lang="zh-CN" altLang="en-US" dirty="0">
+                  <a:solidFill>
+                    <a:srgbClr val="00B0F0"/>
+                  </a:solidFill>
+                  <a:latin typeface="微软雅黑" panose="020B0503020204020204" charset="-122"/>
+                  <a:ea typeface="微软雅黑" panose="020B0503020204020204" charset="-122"/>
+                </a:rPr>
+                <a:t>对大量信用数据的收集、整理、分析和归纳的基础上</a:t>
+              </a:r>
+              <a:r>
+                <a:rPr lang="zh-CN" altLang="en-US" dirty="0">
+                  <a:solidFill>
+                    <a:schemeClr val="tx1"/>
+                  </a:solidFill>
+                  <a:latin typeface="微软雅黑" panose="020B0503020204020204" charset="-122"/>
+                  <a:ea typeface="微软雅黑" panose="020B0503020204020204" charset="-122"/>
+                </a:rPr>
+                <a:t>。信用机构必须具备数据收集、保存、传输、整理、分析的</a:t>
+              </a:r>
+              <a:r>
+                <a:rPr lang="zh-CN" altLang="en-US" dirty="0">
+                  <a:solidFill>
+                    <a:srgbClr val="00B0F0"/>
+                  </a:solidFill>
+                  <a:latin typeface="微软雅黑" panose="020B0503020204020204" charset="-122"/>
+                  <a:ea typeface="微软雅黑" panose="020B0503020204020204" charset="-122"/>
+                </a:rPr>
+                <a:t>技术能力</a:t>
+              </a:r>
+              <a:r>
+                <a:rPr lang="zh-CN" altLang="en-US" dirty="0">
+                  <a:solidFill>
+                    <a:schemeClr val="tx1"/>
+                  </a:solidFill>
+                  <a:latin typeface="微软雅黑" panose="020B0503020204020204" charset="-122"/>
+                  <a:ea typeface="微软雅黑" panose="020B0503020204020204" charset="-122"/>
+                </a:rPr>
+                <a:t>。</a:t>
               </a:r>
               <a:endParaRPr lang="zh-CN" altLang="en-US" dirty="0">
                 <a:solidFill>
-                  <a:srgbClr val="11275E"/>
+                  <a:schemeClr val="tx1"/>
                 </a:solidFill>
                 <a:latin typeface="微软雅黑" panose="020B0503020204020204" charset="-122"/>
                 <a:ea typeface="微软雅黑" panose="020B0503020204020204" charset="-122"/>
@@ -39217,7 +40575,7 @@
                 <a:r>
                   <a:rPr lang="zh-CN" altLang="en-US" b="1" dirty="0">
                     <a:solidFill>
-                      <a:srgbClr val="0000FF"/>
+                      <a:srgbClr val="00B0F0"/>
                     </a:solidFill>
                     <a:latin typeface="微软雅黑" panose="020B0503020204020204" charset="-122"/>
                     <a:ea typeface="微软雅黑" panose="020B0503020204020204" charset="-122"/>
@@ -39226,7 +40584,7 @@
                 </a:r>
                 <a:endParaRPr lang="zh-CN" altLang="en-US" b="1" dirty="0">
                   <a:solidFill>
-                    <a:srgbClr val="0000FF"/>
+                    <a:srgbClr val="00B0F0"/>
                   </a:solidFill>
                   <a:latin typeface="微软雅黑" panose="020B0503020204020204" charset="-122"/>
                   <a:ea typeface="微软雅黑" panose="020B0503020204020204" charset="-122"/>
@@ -39265,7 +40623,7 @@
                 <a:r>
                   <a:rPr lang="zh-CN" altLang="en-US" b="1" dirty="0">
                     <a:solidFill>
-                      <a:srgbClr val="0000FF"/>
+                      <a:srgbClr val="00B0F0"/>
                     </a:solidFill>
                     <a:latin typeface="微软雅黑" panose="020B0503020204020204" charset="-122"/>
                     <a:ea typeface="微软雅黑" panose="020B0503020204020204" charset="-122"/>
@@ -39274,7 +40632,7 @@
                 </a:r>
                 <a:endParaRPr lang="zh-CN" altLang="en-US" b="1" dirty="0">
                   <a:solidFill>
-                    <a:srgbClr val="0000FF"/>
+                    <a:srgbClr val="00B0F0"/>
                   </a:solidFill>
                   <a:latin typeface="微软雅黑" panose="020B0503020204020204" charset="-122"/>
                   <a:ea typeface="微软雅黑" panose="020B0503020204020204" charset="-122"/>

--- a/files/slides/lecture_5.pptx
+++ b/files/slides/lecture_5.pptx
@@ -8,7 +8,7 @@
     <p:notesMasterId r:id="rId5"/>
   </p:notesMasterIdLst>
   <p:handoutMasterIdLst>
-    <p:handoutMasterId r:id="rId29"/>
+    <p:handoutMasterId r:id="rId28"/>
   </p:handoutMasterIdLst>
   <p:sldIdLst>
     <p:sldId id="276" r:id="rId3"/>
@@ -17,25 +17,24 @@
     <p:sldId id="317" r:id="rId7"/>
     <p:sldId id="318" r:id="rId8"/>
     <p:sldId id="373" r:id="rId9"/>
-    <p:sldId id="319" r:id="rId10"/>
-    <p:sldId id="320" r:id="rId11"/>
-    <p:sldId id="321" r:id="rId12"/>
-    <p:sldId id="322" r:id="rId13"/>
-    <p:sldId id="323" r:id="rId14"/>
-    <p:sldId id="324" r:id="rId15"/>
-    <p:sldId id="325" r:id="rId16"/>
-    <p:sldId id="327" r:id="rId17"/>
-    <p:sldId id="328" r:id="rId18"/>
-    <p:sldId id="329" r:id="rId19"/>
-    <p:sldId id="330" r:id="rId20"/>
-    <p:sldId id="331" r:id="rId21"/>
-    <p:sldId id="332" r:id="rId22"/>
-    <p:sldId id="333" r:id="rId23"/>
-    <p:sldId id="334" r:id="rId24"/>
-    <p:sldId id="335" r:id="rId25"/>
-    <p:sldId id="336" r:id="rId26"/>
-    <p:sldId id="337" r:id="rId27"/>
-    <p:sldId id="283" r:id="rId28"/>
+    <p:sldId id="320" r:id="rId10"/>
+    <p:sldId id="321" r:id="rId11"/>
+    <p:sldId id="322" r:id="rId12"/>
+    <p:sldId id="323" r:id="rId13"/>
+    <p:sldId id="324" r:id="rId14"/>
+    <p:sldId id="325" r:id="rId15"/>
+    <p:sldId id="327" r:id="rId16"/>
+    <p:sldId id="328" r:id="rId17"/>
+    <p:sldId id="329" r:id="rId18"/>
+    <p:sldId id="330" r:id="rId19"/>
+    <p:sldId id="331" r:id="rId20"/>
+    <p:sldId id="332" r:id="rId21"/>
+    <p:sldId id="333" r:id="rId22"/>
+    <p:sldId id="334" r:id="rId23"/>
+    <p:sldId id="335" r:id="rId24"/>
+    <p:sldId id="336" r:id="rId25"/>
+    <p:sldId id="337" r:id="rId26"/>
+    <p:sldId id="283" r:id="rId27"/>
   </p:sldIdLst>
   <p:sldSz cx="12192000" cy="6858000"/>
   <p:notesSz cx="7103745" cy="10234295"/>
@@ -1735,84 +1734,6 @@
 </file>
 
 <file path=ppt/notesSlides/notesSlide22.xml><?xml version="1.0" encoding="utf-8"?>
-<p:notes xmlns:a="http://schemas.openxmlformats.org/drawingml/2006/main" xmlns:r="http://schemas.openxmlformats.org/officeDocument/2006/relationships" xmlns:p="http://schemas.openxmlformats.org/presentationml/2006/main">
-  <p:cSld>
-    <p:spTree>
-      <p:nvGrpSpPr>
-        <p:cNvPr id="1" name=""/>
-        <p:cNvGrpSpPr/>
-        <p:nvPr/>
-      </p:nvGrpSpPr>
-      <p:grpSpPr>
-        <a:xfrm>
-          <a:off x="0" y="0"/>
-          <a:ext cx="0" cy="0"/>
-          <a:chOff x="0" y="0"/>
-          <a:chExt cx="0" cy="0"/>
-        </a:xfrm>
-      </p:grpSpPr>
-      <p:sp>
-        <p:nvSpPr>
-          <p:cNvPr id="2" name="幻灯片图像占位符 1"/>
-          <p:cNvSpPr>
-            <a:spLocks noGrp="true" noRot="true" noChangeAspect="true"/>
-          </p:cNvSpPr>
-          <p:nvPr>
-            <p:ph type="sldImg"/>
-          </p:nvPr>
-        </p:nvSpPr>
-        <p:spPr/>
-      </p:sp>
-      <p:sp>
-        <p:nvSpPr>
-          <p:cNvPr id="3" name="备注占位符 2"/>
-          <p:cNvSpPr>
-            <a:spLocks noGrp="true"/>
-          </p:cNvSpPr>
-          <p:nvPr>
-            <p:ph type="body" idx="1"/>
-          </p:nvPr>
-        </p:nvSpPr>
-        <p:spPr/>
-        <p:txBody>
-          <a:bodyPr/>
-          <a:lstStyle/>
-          <a:p>
-            <a:endParaRPr lang="zh-CN" dirty="0"/>
-          </a:p>
-        </p:txBody>
-      </p:sp>
-      <p:sp>
-        <p:nvSpPr>
-          <p:cNvPr id="4" name="灯片编号占位符 3"/>
-          <p:cNvSpPr>
-            <a:spLocks noGrp="true"/>
-          </p:cNvSpPr>
-          <p:nvPr>
-            <p:ph type="sldNum" sz="quarter" idx="10"/>
-          </p:nvPr>
-        </p:nvSpPr>
-        <p:spPr/>
-        <p:txBody>
-          <a:bodyPr/>
-          <a:lstStyle/>
-          <a:p>
-            <a:fld id="{7B963944-84AD-4C31-99FF-18D9B5868545}" type="slidenum">
-              <a:rPr lang="zh-CN" altLang="en-US" smtClean="0"/>
-            </a:fld>
-            <a:endParaRPr lang="zh-CN" altLang="en-US"/>
-          </a:p>
-        </p:txBody>
-      </p:sp>
-    </p:spTree>
-  </p:cSld>
-  <p:clrMapOvr>
-    <a:masterClrMapping/>
-  </p:clrMapOvr>
-</p:notes>
-</file>
-
-<file path=ppt/notesSlides/notesSlide23.xml><?xml version="1.0" encoding="utf-8"?>
 <p:notes xmlns:a="http://schemas.openxmlformats.org/drawingml/2006/main" xmlns:r="http://schemas.openxmlformats.org/officeDocument/2006/relationships" xmlns:p="http://schemas.openxmlformats.org/presentationml/2006/main">
   <p:cSld>
     <p:spTree>
@@ -6295,1016 +6216,6 @@
       </p:sp>
       <p:grpSp>
         <p:nvGrpSpPr>
-          <p:cNvPr id="13" name="组合 12"/>
-          <p:cNvGrpSpPr/>
-          <p:nvPr/>
-        </p:nvGrpSpPr>
-        <p:grpSpPr>
-          <a:xfrm>
-            <a:off x="1259205" y="1315720"/>
-            <a:ext cx="9674225" cy="4911725"/>
-            <a:chOff x="-645" y="1964"/>
-            <a:chExt cx="15235" cy="7735"/>
-          </a:xfrm>
-        </p:grpSpPr>
-        <p:sp>
-          <p:nvSpPr>
-            <p:cNvPr id="2" name="标题 1"/>
-            <p:cNvSpPr>
-              <a:spLocks noGrp="true"/>
-            </p:cNvSpPr>
-            <p:nvPr/>
-          </p:nvSpPr>
-          <p:spPr>
-            <a:xfrm>
-              <a:off x="295" y="1964"/>
-              <a:ext cx="13530" cy="887"/>
-            </a:xfrm>
-            <a:prstGeom prst="rect">
-              <a:avLst/>
-            </a:prstGeom>
-            <a:noFill/>
-            <a:ln w="9525">
-              <a:noFill/>
-            </a:ln>
-          </p:spPr>
-          <p:txBody>
-            <a:bodyPr vert="horz" wrap="square" lIns="91440" tIns="45720" rIns="91440" bIns="45720" anchor="ctr" anchorCtr="false"/>
-            <a:lstStyle>
-              <a:lvl1pPr algn="l" rtl="0" eaLnBrk="0" fontAlgn="base" hangingPunct="0">
-                <a:spcBef>
-                  <a:spcPct val="0"/>
-                </a:spcBef>
-                <a:spcAft>
-                  <a:spcPct val="0"/>
-                </a:spcAft>
-                <a:defRPr sz="3600" b="1" kern="1200">
-                  <a:solidFill>
-                    <a:schemeClr val="bg1"/>
-                  </a:solidFill>
-                  <a:latin typeface="+mj-lt"/>
-                  <a:ea typeface="+mj-ea"/>
-                  <a:cs typeface="+mj-cs"/>
-                </a:defRPr>
-              </a:lvl1pPr>
-              <a:lvl2pPr algn="l" rtl="0" eaLnBrk="0" fontAlgn="base" hangingPunct="0">
-                <a:spcBef>
-                  <a:spcPct val="0"/>
-                </a:spcBef>
-                <a:spcAft>
-                  <a:spcPct val="0"/>
-                </a:spcAft>
-                <a:defRPr sz="3600" b="1">
-                  <a:solidFill>
-                    <a:schemeClr val="bg1"/>
-                  </a:solidFill>
-                  <a:latin typeface="黑体" panose="02010609060101010101" pitchFamily="49" charset="-122"/>
-                  <a:ea typeface="黑体" panose="02010609060101010101" pitchFamily="49" charset="-122"/>
-                </a:defRPr>
-              </a:lvl2pPr>
-              <a:lvl3pPr algn="l" rtl="0" eaLnBrk="0" fontAlgn="base" hangingPunct="0">
-                <a:spcBef>
-                  <a:spcPct val="0"/>
-                </a:spcBef>
-                <a:spcAft>
-                  <a:spcPct val="0"/>
-                </a:spcAft>
-                <a:defRPr sz="3600" b="1">
-                  <a:solidFill>
-                    <a:schemeClr val="bg1"/>
-                  </a:solidFill>
-                  <a:latin typeface="黑体" panose="02010609060101010101" pitchFamily="49" charset="-122"/>
-                  <a:ea typeface="黑体" panose="02010609060101010101" pitchFamily="49" charset="-122"/>
-                </a:defRPr>
-              </a:lvl3pPr>
-              <a:lvl4pPr algn="l" rtl="0" eaLnBrk="0" fontAlgn="base" hangingPunct="0">
-                <a:spcBef>
-                  <a:spcPct val="0"/>
-                </a:spcBef>
-                <a:spcAft>
-                  <a:spcPct val="0"/>
-                </a:spcAft>
-                <a:defRPr sz="3600" b="1">
-                  <a:solidFill>
-                    <a:schemeClr val="bg1"/>
-                  </a:solidFill>
-                  <a:latin typeface="黑体" panose="02010609060101010101" pitchFamily="49" charset="-122"/>
-                  <a:ea typeface="黑体" panose="02010609060101010101" pitchFamily="49" charset="-122"/>
-                </a:defRPr>
-              </a:lvl4pPr>
-              <a:lvl5pPr algn="l" rtl="0" eaLnBrk="0" fontAlgn="base" hangingPunct="0">
-                <a:spcBef>
-                  <a:spcPct val="0"/>
-                </a:spcBef>
-                <a:spcAft>
-                  <a:spcPct val="0"/>
-                </a:spcAft>
-                <a:defRPr sz="3600" b="1">
-                  <a:solidFill>
-                    <a:schemeClr val="bg1"/>
-                  </a:solidFill>
-                  <a:latin typeface="黑体" panose="02010609060101010101" pitchFamily="49" charset="-122"/>
-                  <a:ea typeface="黑体" panose="02010609060101010101" pitchFamily="49" charset="-122"/>
-                </a:defRPr>
-              </a:lvl5pPr>
-              <a:lvl6pPr marL="457200" algn="l" rtl="0" eaLnBrk="0" fontAlgn="base" hangingPunct="0">
-                <a:spcBef>
-                  <a:spcPct val="0"/>
-                </a:spcBef>
-                <a:spcAft>
-                  <a:spcPct val="0"/>
-                </a:spcAft>
-                <a:defRPr sz="3600" b="1">
-                  <a:solidFill>
-                    <a:schemeClr val="bg1"/>
-                  </a:solidFill>
-                  <a:latin typeface="黑体" panose="02010609060101010101" pitchFamily="49" charset="-122"/>
-                  <a:ea typeface="黑体" panose="02010609060101010101" pitchFamily="49" charset="-122"/>
-                </a:defRPr>
-              </a:lvl6pPr>
-              <a:lvl7pPr marL="914400" algn="l" rtl="0" eaLnBrk="0" fontAlgn="base" hangingPunct="0">
-                <a:spcBef>
-                  <a:spcPct val="0"/>
-                </a:spcBef>
-                <a:spcAft>
-                  <a:spcPct val="0"/>
-                </a:spcAft>
-                <a:defRPr sz="3600" b="1">
-                  <a:solidFill>
-                    <a:schemeClr val="bg1"/>
-                  </a:solidFill>
-                  <a:latin typeface="黑体" panose="02010609060101010101" pitchFamily="49" charset="-122"/>
-                  <a:ea typeface="黑体" panose="02010609060101010101" pitchFamily="49" charset="-122"/>
-                </a:defRPr>
-              </a:lvl7pPr>
-              <a:lvl8pPr marL="1371600" algn="l" rtl="0" eaLnBrk="0" fontAlgn="base" hangingPunct="0">
-                <a:spcBef>
-                  <a:spcPct val="0"/>
-                </a:spcBef>
-                <a:spcAft>
-                  <a:spcPct val="0"/>
-                </a:spcAft>
-                <a:defRPr sz="3600" b="1">
-                  <a:solidFill>
-                    <a:schemeClr val="bg1"/>
-                  </a:solidFill>
-                  <a:latin typeface="黑体" panose="02010609060101010101" pitchFamily="49" charset="-122"/>
-                  <a:ea typeface="黑体" panose="02010609060101010101" pitchFamily="49" charset="-122"/>
-                </a:defRPr>
-              </a:lvl8pPr>
-              <a:lvl9pPr marL="1828800" algn="l" rtl="0" eaLnBrk="0" fontAlgn="base" hangingPunct="0">
-                <a:spcBef>
-                  <a:spcPct val="0"/>
-                </a:spcBef>
-                <a:spcAft>
-                  <a:spcPct val="0"/>
-                </a:spcAft>
-                <a:defRPr sz="3600" b="1">
-                  <a:solidFill>
-                    <a:schemeClr val="bg1"/>
-                  </a:solidFill>
-                  <a:latin typeface="黑体" panose="02010609060101010101" pitchFamily="49" charset="-122"/>
-                  <a:ea typeface="黑体" panose="02010609060101010101" pitchFamily="49" charset="-122"/>
-                </a:defRPr>
-              </a:lvl9pPr>
-            </a:lstStyle>
-            <a:p>
-              <a:r>
-                <a:rPr lang="zh-CN" altLang="en-US" sz="2400" dirty="0">
-                  <a:solidFill>
-                    <a:srgbClr val="130401"/>
-                  </a:solidFill>
-                  <a:latin typeface="微软雅黑" panose="020B0503020204020204" charset="-122"/>
-                  <a:ea typeface="微软雅黑" panose="020B0503020204020204" charset="-122"/>
-                </a:rPr>
-                <a:t>（二）信用数据服务</a:t>
-              </a:r>
-              <a:endParaRPr lang="zh-CN" altLang="en-US" sz="2400" dirty="0">
-                <a:solidFill>
-                  <a:srgbClr val="130401"/>
-                </a:solidFill>
-                <a:latin typeface="微软雅黑" panose="020B0503020204020204" charset="-122"/>
-                <a:ea typeface="微软雅黑" panose="020B0503020204020204" charset="-122"/>
-              </a:endParaRPr>
-            </a:p>
-          </p:txBody>
-        </p:sp>
-        <p:pic>
-          <p:nvPicPr>
-            <p:cNvPr id="3" name="AutoShape 81"/>
-            <p:cNvPicPr/>
-            <p:nvPr/>
-          </p:nvPicPr>
-          <p:blipFill>
-            <a:blip r:embed="rId4"/>
-            <a:stretch>
-              <a:fillRect/>
-            </a:stretch>
-          </p:blipFill>
-          <p:spPr>
-            <a:xfrm>
-              <a:off x="-645" y="3371"/>
-              <a:ext cx="8193" cy="6263"/>
-            </a:xfrm>
-            <a:prstGeom prst="rect">
-              <a:avLst/>
-            </a:prstGeom>
-            <a:noFill/>
-            <a:ln w="9525">
-              <a:noFill/>
-            </a:ln>
-          </p:spPr>
-        </p:pic>
-        <p:pic>
-          <p:nvPicPr>
-            <p:cNvPr id="4" name="圆角矩形 43"/>
-            <p:cNvPicPr/>
-            <p:nvPr/>
-          </p:nvPicPr>
-          <p:blipFill>
-            <a:blip r:embed="rId5"/>
-            <a:stretch>
-              <a:fillRect/>
-            </a:stretch>
-          </p:blipFill>
-          <p:spPr>
-            <a:xfrm>
-              <a:off x="2238" y="2661"/>
-              <a:ext cx="2475" cy="1718"/>
-            </a:xfrm>
-            <a:prstGeom prst="rect">
-              <a:avLst/>
-            </a:prstGeom>
-            <a:noFill/>
-            <a:ln w="9525">
-              <a:noFill/>
-            </a:ln>
-          </p:spPr>
-        </p:pic>
-        <p:pic>
-          <p:nvPicPr>
-            <p:cNvPr id="5" name="AutoShape 81"/>
-            <p:cNvPicPr/>
-            <p:nvPr/>
-          </p:nvPicPr>
-          <p:blipFill>
-            <a:blip r:embed="rId6"/>
-            <a:stretch>
-              <a:fillRect/>
-            </a:stretch>
-          </p:blipFill>
-          <p:spPr>
-            <a:xfrm>
-              <a:off x="6530" y="3306"/>
-              <a:ext cx="8060" cy="6393"/>
-            </a:xfrm>
-            <a:prstGeom prst="rect">
-              <a:avLst/>
-            </a:prstGeom>
-            <a:noFill/>
-            <a:ln w="9525">
-              <a:noFill/>
-            </a:ln>
-          </p:spPr>
-        </p:pic>
-        <p:pic>
-          <p:nvPicPr>
-            <p:cNvPr id="6" name="圆角矩形 17"/>
-            <p:cNvPicPr/>
-            <p:nvPr/>
-          </p:nvPicPr>
-          <p:blipFill>
-            <a:blip r:embed="rId7"/>
-            <a:stretch>
-              <a:fillRect/>
-            </a:stretch>
-          </p:blipFill>
-          <p:spPr>
-            <a:xfrm>
-              <a:off x="9318" y="2684"/>
-              <a:ext cx="2485" cy="1717"/>
-            </a:xfrm>
-            <a:prstGeom prst="rect">
-              <a:avLst/>
-            </a:prstGeom>
-            <a:noFill/>
-            <a:ln w="9525">
-              <a:noFill/>
-            </a:ln>
-          </p:spPr>
-        </p:pic>
-        <p:pic>
-          <p:nvPicPr>
-            <p:cNvPr id="7" name="AutoShape 69"/>
-            <p:cNvPicPr/>
-            <p:nvPr/>
-          </p:nvPicPr>
-          <p:blipFill>
-            <a:blip r:embed="rId8"/>
-            <a:stretch>
-              <a:fillRect/>
-            </a:stretch>
-          </p:blipFill>
-          <p:spPr>
-            <a:xfrm>
-              <a:off x="9893" y="3079"/>
-              <a:ext cx="1335" cy="1392"/>
-            </a:xfrm>
-            <a:prstGeom prst="rect">
-              <a:avLst/>
-            </a:prstGeom>
-            <a:noFill/>
-            <a:ln w="9525">
-              <a:noFill/>
-            </a:ln>
-          </p:spPr>
-        </p:pic>
-        <p:pic>
-          <p:nvPicPr>
-            <p:cNvPr id="8" name="AutoShape 69"/>
-            <p:cNvPicPr/>
-            <p:nvPr/>
-          </p:nvPicPr>
-          <p:blipFill>
-            <a:blip r:embed="rId9"/>
-            <a:stretch>
-              <a:fillRect/>
-            </a:stretch>
-          </p:blipFill>
-          <p:spPr>
-            <a:xfrm>
-              <a:off x="2808" y="3099"/>
-              <a:ext cx="1335" cy="1400"/>
-            </a:xfrm>
-            <a:prstGeom prst="rect">
-              <a:avLst/>
-            </a:prstGeom>
-            <a:noFill/>
-            <a:ln w="9525">
-              <a:noFill/>
-            </a:ln>
-          </p:spPr>
-        </p:pic>
-        <p:sp>
-          <p:nvSpPr>
-            <p:cNvPr id="9" name="矩形 76"/>
-            <p:cNvSpPr/>
-            <p:nvPr/>
-          </p:nvSpPr>
-          <p:spPr>
-            <a:xfrm>
-              <a:off x="785" y="4174"/>
-              <a:ext cx="5360" cy="1890"/>
-            </a:xfrm>
-            <a:prstGeom prst="rect">
-              <a:avLst/>
-            </a:prstGeom>
-            <a:noFill/>
-            <a:ln w="9525">
-              <a:noFill/>
-            </a:ln>
-          </p:spPr>
-          <p:txBody>
-            <a:bodyPr anchor="t" anchorCtr="false">
-              <a:spAutoFit/>
-            </a:bodyPr>
-            <a:p>
-              <a:pPr>
-                <a:buClrTx/>
-                <a:buFont typeface="Arial" panose="020B0604020202020204" pitchFamily="34" charset="0"/>
-              </a:pPr>
-              <a:r>
-                <a:rPr lang="zh-CN" altLang="en-US" b="1" dirty="0">
-                  <a:solidFill>
-                    <a:srgbClr val="00B0F0"/>
-                  </a:solidFill>
-                  <a:latin typeface="微软雅黑" panose="020B0503020204020204" charset="-122"/>
-                  <a:ea typeface="微软雅黑" panose="020B0503020204020204" charset="-122"/>
-                </a:rPr>
-                <a:t>利用征信数据库为企业与消费者提供商务信息服务</a:t>
-              </a:r>
-              <a:endParaRPr lang="zh-CN" altLang="en-US" b="1" dirty="0">
-                <a:solidFill>
-                  <a:srgbClr val="00B0F0"/>
-                </a:solidFill>
-                <a:latin typeface="微软雅黑" panose="020B0503020204020204" charset="-122"/>
-                <a:ea typeface="微软雅黑" panose="020B0503020204020204" charset="-122"/>
-              </a:endParaRPr>
-            </a:p>
-          </p:txBody>
-        </p:sp>
-        <p:sp>
-          <p:nvSpPr>
-            <p:cNvPr id="10" name="矩形 47"/>
-            <p:cNvSpPr/>
-            <p:nvPr/>
-          </p:nvSpPr>
-          <p:spPr>
-            <a:xfrm>
-              <a:off x="710" y="6186"/>
-              <a:ext cx="5675" cy="1600"/>
-            </a:xfrm>
-            <a:prstGeom prst="rect">
-              <a:avLst/>
-            </a:prstGeom>
-            <a:noFill/>
-            <a:ln w="9525">
-              <a:noFill/>
-            </a:ln>
-          </p:spPr>
-          <p:txBody>
-            <a:bodyPr anchor="t" anchorCtr="false">
-              <a:spAutoFit/>
-            </a:bodyPr>
-            <a:p>
-              <a:pPr>
-                <a:buClrTx/>
-                <a:buFont typeface="Arial" panose="020B0604020202020204" pitchFamily="34" charset="0"/>
-              </a:pPr>
-              <a:r>
-                <a:rPr lang="zh-CN" altLang="en-US" sz="2000" dirty="0">
-                  <a:solidFill>
-                    <a:srgbClr val="000000"/>
-                  </a:solidFill>
-                  <a:latin typeface="微软雅黑" panose="020B0503020204020204" charset="-122"/>
-                  <a:ea typeface="微软雅黑" panose="020B0503020204020204" charset="-122"/>
-                </a:rPr>
-                <a:t>基于企业信用数据库和个人信用数据库，我们可以为企业和消费者之间搭起信息的桥梁</a:t>
-              </a:r>
-              <a:endParaRPr lang="zh-CN" altLang="en-US" sz="2000" dirty="0">
-                <a:solidFill>
-                  <a:srgbClr val="000000"/>
-                </a:solidFill>
-                <a:latin typeface="微软雅黑" panose="020B0503020204020204" charset="-122"/>
-                <a:ea typeface="微软雅黑" panose="020B0503020204020204" charset="-122"/>
-              </a:endParaRPr>
-            </a:p>
-          </p:txBody>
-        </p:sp>
-        <p:sp>
-          <p:nvSpPr>
-            <p:cNvPr id="11" name="矩形 48"/>
-            <p:cNvSpPr/>
-            <p:nvPr/>
-          </p:nvSpPr>
-          <p:spPr>
-            <a:xfrm>
-              <a:off x="7510" y="4174"/>
-              <a:ext cx="6105" cy="727"/>
-            </a:xfrm>
-            <a:prstGeom prst="rect">
-              <a:avLst/>
-            </a:prstGeom>
-            <a:noFill/>
-            <a:ln w="9525">
-              <a:noFill/>
-            </a:ln>
-          </p:spPr>
-          <p:txBody>
-            <a:bodyPr anchor="t" anchorCtr="false">
-              <a:spAutoFit/>
-            </a:bodyPr>
-            <a:p>
-              <a:pPr>
-                <a:buClrTx/>
-                <a:buFont typeface="Arial" panose="020B0604020202020204" pitchFamily="34" charset="0"/>
-              </a:pPr>
-              <a:r>
-                <a:rPr lang="zh-CN" altLang="en-US" b="1" dirty="0">
-                  <a:solidFill>
-                    <a:srgbClr val="00B0F0"/>
-                  </a:solidFill>
-                  <a:latin typeface="微软雅黑" panose="020B0503020204020204" charset="-122"/>
-                  <a:ea typeface="微软雅黑" panose="020B0503020204020204" charset="-122"/>
-                </a:rPr>
-                <a:t>向社会提供综合性研究报告</a:t>
-              </a:r>
-              <a:endParaRPr lang="zh-CN" altLang="en-US" b="1" dirty="0">
-                <a:solidFill>
-                  <a:srgbClr val="00B0F0"/>
-                </a:solidFill>
-                <a:latin typeface="微软雅黑" panose="020B0503020204020204" charset="-122"/>
-                <a:ea typeface="微软雅黑" panose="020B0503020204020204" charset="-122"/>
-              </a:endParaRPr>
-            </a:p>
-          </p:txBody>
-        </p:sp>
-        <p:sp>
-          <p:nvSpPr>
-            <p:cNvPr id="15" name="矩形 49"/>
-            <p:cNvSpPr/>
-            <p:nvPr/>
-          </p:nvSpPr>
-          <p:spPr>
-            <a:xfrm>
-              <a:off x="7930" y="5441"/>
-              <a:ext cx="5280" cy="2082"/>
-            </a:xfrm>
-            <a:prstGeom prst="rect">
-              <a:avLst/>
-            </a:prstGeom>
-            <a:noFill/>
-            <a:ln w="9525">
-              <a:noFill/>
-            </a:ln>
-          </p:spPr>
-          <p:txBody>
-            <a:bodyPr anchor="t" anchorCtr="false">
-              <a:spAutoFit/>
-            </a:bodyPr>
-            <a:p>
-              <a:pPr>
-                <a:buClrTx/>
-                <a:buFont typeface="Arial" panose="020B0604020202020204" pitchFamily="34" charset="0"/>
-              </a:pPr>
-              <a:r>
-                <a:rPr lang="zh-CN" altLang="en-US" sz="2000" dirty="0">
-                  <a:solidFill>
-                    <a:srgbClr val="000000"/>
-                  </a:solidFill>
-                  <a:latin typeface="微软雅黑" panose="020B0503020204020204" charset="-122"/>
-                  <a:ea typeface="微软雅黑" panose="020B0503020204020204" charset="-122"/>
-                </a:rPr>
-                <a:t>定期发布不守信用黑名单和诚信企业，向社会公开有关资料，监督、约束不良商业行为，鼓励诚实守信。</a:t>
-              </a:r>
-              <a:endParaRPr lang="zh-CN" altLang="en-US" sz="2000" dirty="0">
-                <a:solidFill>
-                  <a:srgbClr val="000000"/>
-                </a:solidFill>
-                <a:latin typeface="微软雅黑" panose="020B0503020204020204" charset="-122"/>
-                <a:ea typeface="微软雅黑" panose="020B0503020204020204" charset="-122"/>
-              </a:endParaRPr>
-            </a:p>
-          </p:txBody>
-        </p:sp>
-      </p:grpSp>
-    </p:spTree>
-  </p:cSld>
-  <p:clrMapOvr>
-    <a:masterClrMapping/>
-  </p:clrMapOvr>
-  <mc:AlternateContent xmlns:mc="http://schemas.openxmlformats.org/markup-compatibility/2006">
-    <mc:Choice xmlns:p14="http://schemas.microsoft.com/office/powerpoint/2010/main" Requires="p14">
-      <p:transition spd="slow" p14:dur="1250" advTm="0"/>
-    </mc:Choice>
-    <mc:Fallback>
-      <p:transition spd="slow" advTm="0"/>
-    </mc:Fallback>
-  </mc:AlternateContent>
-  <p:timing>
-    <p:tnLst>
-      <p:par>
-        <p:cTn id="1" dur="indefinite" restart="never" nodeType="tmRoot"/>
-      </p:par>
-    </p:tnLst>
-  </p:timing>
-</p:sld>
-</file>
-
-<file path=ppt/slides/slide11.xml><?xml version="1.0" encoding="utf-8"?>
-<p:sld xmlns:a="http://schemas.openxmlformats.org/drawingml/2006/main" xmlns:r="http://schemas.openxmlformats.org/officeDocument/2006/relationships" xmlns:p="http://schemas.openxmlformats.org/presentationml/2006/main">
-  <p:cSld>
-    <p:spTree>
-      <p:nvGrpSpPr>
-        <p:cNvPr id="1" name=""/>
-        <p:cNvGrpSpPr/>
-        <p:nvPr/>
-      </p:nvGrpSpPr>
-      <p:grpSpPr>
-        <a:xfrm>
-          <a:off x="0" y="0"/>
-          <a:ext cx="0" cy="0"/>
-          <a:chOff x="0" y="0"/>
-          <a:chExt cx="0" cy="0"/>
-        </a:xfrm>
-      </p:grpSpPr>
-      <p:grpSp>
-        <p:nvGrpSpPr>
-          <p:cNvPr id="18" name="组合 17"/>
-          <p:cNvGrpSpPr/>
-          <p:nvPr/>
-        </p:nvGrpSpPr>
-        <p:grpSpPr>
-          <a:xfrm>
-            <a:off x="-2" y="0"/>
-            <a:ext cx="12192002" cy="6858000"/>
-            <a:chOff x="-2" y="0"/>
-            <a:chExt cx="12192002" cy="6858000"/>
-          </a:xfrm>
-        </p:grpSpPr>
-        <p:pic>
-          <p:nvPicPr>
-            <p:cNvPr id="19" name="图片 18"/>
-            <p:cNvPicPr>
-              <a:picLocks noChangeAspect="true"/>
-            </p:cNvPicPr>
-            <p:nvPr/>
-          </p:nvPicPr>
-          <p:blipFill rotWithShape="true">
-            <a:blip r:embed="rId1" cstate="screen">
-              <a:extLst>
-                <a:ext uri="{BEBA8EAE-BF5A-486C-A8C5-ECC9F3942E4B}">
-                  <a14:imgProps xmlns:a14="http://schemas.microsoft.com/office/drawing/2010/main">
-                    <a14:imgLayer r:embed="rId2">
-                      <a14:imgEffect>
-                        <a14:brightnessContrast bright="9000"/>
-                      </a14:imgEffect>
-                    </a14:imgLayer>
-                  </a14:imgProps>
-                </a:ext>
-              </a:extLst>
-            </a:blip>
-            <a:srcRect/>
-            <a:stretch>
-              <a:fillRect/>
-            </a:stretch>
-          </p:blipFill>
-          <p:spPr>
-            <a:xfrm>
-              <a:off x="-1" y="0"/>
-              <a:ext cx="12192001" cy="6858000"/>
-            </a:xfrm>
-            <a:prstGeom prst="rect">
-              <a:avLst/>
-            </a:prstGeom>
-          </p:spPr>
-        </p:pic>
-        <p:pic>
-          <p:nvPicPr>
-            <p:cNvPr id="20" name="图片 19"/>
-            <p:cNvPicPr>
-              <a:picLocks noChangeAspect="true"/>
-            </p:cNvPicPr>
-            <p:nvPr/>
-          </p:nvPicPr>
-          <p:blipFill>
-            <a:blip r:embed="rId3">
-              <a:lum bright="70000" contrast="-70000"/>
-            </a:blip>
-            <a:srcRect l="4950"/>
-            <a:stretch>
-              <a:fillRect/>
-            </a:stretch>
-          </p:blipFill>
-          <p:spPr>
-            <a:xfrm>
-              <a:off x="5707965" y="2575"/>
-              <a:ext cx="6484035" cy="77036"/>
-            </a:xfrm>
-            <a:custGeom>
-              <a:avLst/>
-              <a:gdLst>
-                <a:gd name="connsiteX0" fmla="*/ 137250 w 4702465"/>
-                <a:gd name="connsiteY0" fmla="*/ 0 h 222240"/>
-                <a:gd name="connsiteX1" fmla="*/ 4702465 w 4702465"/>
-                <a:gd name="connsiteY1" fmla="*/ 0 h 222240"/>
-                <a:gd name="connsiteX2" fmla="*/ 4702465 w 4702465"/>
-                <a:gd name="connsiteY2" fmla="*/ 222240 h 222240"/>
-                <a:gd name="connsiteX3" fmla="*/ 0 w 4702465"/>
-                <a:gd name="connsiteY3" fmla="*/ 222240 h 222240"/>
-              </a:gdLst>
-              <a:ahLst/>
-              <a:cxnLst>
-                <a:cxn ang="0">
-                  <a:pos x="connsiteX0" y="connsiteY0"/>
-                </a:cxn>
-                <a:cxn ang="0">
-                  <a:pos x="connsiteX1" y="connsiteY1"/>
-                </a:cxn>
-                <a:cxn ang="0">
-                  <a:pos x="connsiteX2" y="connsiteY2"/>
-                </a:cxn>
-                <a:cxn ang="0">
-                  <a:pos x="connsiteX3" y="connsiteY3"/>
-                </a:cxn>
-              </a:cxnLst>
-              <a:rect l="l" t="t" r="r" b="b"/>
-              <a:pathLst>
-                <a:path w="4702465" h="222240">
-                  <a:moveTo>
-                    <a:pt x="137250" y="0"/>
-                  </a:moveTo>
-                  <a:lnTo>
-                    <a:pt x="4702465" y="0"/>
-                  </a:lnTo>
-                  <a:lnTo>
-                    <a:pt x="4702465" y="222240"/>
-                  </a:lnTo>
-                  <a:lnTo>
-                    <a:pt x="0" y="222240"/>
-                  </a:lnTo>
-                  <a:close/>
-                </a:path>
-              </a:pathLst>
-            </a:custGeom>
-            <a:solidFill>
-              <a:schemeClr val="bg1"/>
-            </a:solidFill>
-          </p:spPr>
-        </p:pic>
-        <p:pic>
-          <p:nvPicPr>
-            <p:cNvPr id="21" name="图片 20"/>
-            <p:cNvPicPr>
-              <a:picLocks noChangeAspect="true"/>
-            </p:cNvPicPr>
-            <p:nvPr/>
-          </p:nvPicPr>
-          <p:blipFill>
-            <a:blip r:embed="rId3">
-              <a:lum bright="70000" contrast="-70000"/>
-            </a:blip>
-            <a:srcRect l="4950" r="26116"/>
-            <a:stretch>
-              <a:fillRect/>
-            </a:stretch>
-          </p:blipFill>
-          <p:spPr>
-            <a:xfrm flipH="true" flipV="true">
-              <a:off x="-2" y="2575"/>
-              <a:ext cx="4702465" cy="77036"/>
-            </a:xfrm>
-            <a:custGeom>
-              <a:avLst/>
-              <a:gdLst>
-                <a:gd name="connsiteX0" fmla="*/ 137250 w 4702465"/>
-                <a:gd name="connsiteY0" fmla="*/ 0 h 222240"/>
-                <a:gd name="connsiteX1" fmla="*/ 4702465 w 4702465"/>
-                <a:gd name="connsiteY1" fmla="*/ 0 h 222240"/>
-                <a:gd name="connsiteX2" fmla="*/ 4702465 w 4702465"/>
-                <a:gd name="connsiteY2" fmla="*/ 222240 h 222240"/>
-                <a:gd name="connsiteX3" fmla="*/ 0 w 4702465"/>
-                <a:gd name="connsiteY3" fmla="*/ 222240 h 222240"/>
-              </a:gdLst>
-              <a:ahLst/>
-              <a:cxnLst>
-                <a:cxn ang="0">
-                  <a:pos x="connsiteX0" y="connsiteY0"/>
-                </a:cxn>
-                <a:cxn ang="0">
-                  <a:pos x="connsiteX1" y="connsiteY1"/>
-                </a:cxn>
-                <a:cxn ang="0">
-                  <a:pos x="connsiteX2" y="connsiteY2"/>
-                </a:cxn>
-                <a:cxn ang="0">
-                  <a:pos x="connsiteX3" y="connsiteY3"/>
-                </a:cxn>
-              </a:cxnLst>
-              <a:rect l="l" t="t" r="r" b="b"/>
-              <a:pathLst>
-                <a:path w="4702465" h="222240">
-                  <a:moveTo>
-                    <a:pt x="137250" y="0"/>
-                  </a:moveTo>
-                  <a:lnTo>
-                    <a:pt x="4702465" y="0"/>
-                  </a:lnTo>
-                  <a:lnTo>
-                    <a:pt x="4702465" y="222240"/>
-                  </a:lnTo>
-                  <a:lnTo>
-                    <a:pt x="0" y="222240"/>
-                  </a:lnTo>
-                  <a:close/>
-                </a:path>
-              </a:pathLst>
-            </a:custGeom>
-            <a:solidFill>
-              <a:schemeClr val="bg1"/>
-            </a:solidFill>
-          </p:spPr>
-        </p:pic>
-        <p:pic>
-          <p:nvPicPr>
-            <p:cNvPr id="22" name="图片 21"/>
-            <p:cNvPicPr>
-              <a:picLocks noChangeAspect="true"/>
-            </p:cNvPicPr>
-            <p:nvPr/>
-          </p:nvPicPr>
-          <p:blipFill>
-            <a:blip r:embed="rId3">
-              <a:lum bright="70000" contrast="-70000"/>
-            </a:blip>
-            <a:srcRect l="4950"/>
-            <a:stretch>
-              <a:fillRect/>
-            </a:stretch>
-          </p:blipFill>
-          <p:spPr>
-            <a:xfrm rot="10800000">
-              <a:off x="-2" y="6759208"/>
-              <a:ext cx="6484035" cy="95234"/>
-            </a:xfrm>
-            <a:custGeom>
-              <a:avLst/>
-              <a:gdLst>
-                <a:gd name="connsiteX0" fmla="*/ 137250 w 4702465"/>
-                <a:gd name="connsiteY0" fmla="*/ 0 h 222240"/>
-                <a:gd name="connsiteX1" fmla="*/ 4702465 w 4702465"/>
-                <a:gd name="connsiteY1" fmla="*/ 0 h 222240"/>
-                <a:gd name="connsiteX2" fmla="*/ 4702465 w 4702465"/>
-                <a:gd name="connsiteY2" fmla="*/ 222240 h 222240"/>
-                <a:gd name="connsiteX3" fmla="*/ 0 w 4702465"/>
-                <a:gd name="connsiteY3" fmla="*/ 222240 h 222240"/>
-              </a:gdLst>
-              <a:ahLst/>
-              <a:cxnLst>
-                <a:cxn ang="0">
-                  <a:pos x="connsiteX0" y="connsiteY0"/>
-                </a:cxn>
-                <a:cxn ang="0">
-                  <a:pos x="connsiteX1" y="connsiteY1"/>
-                </a:cxn>
-                <a:cxn ang="0">
-                  <a:pos x="connsiteX2" y="connsiteY2"/>
-                </a:cxn>
-                <a:cxn ang="0">
-                  <a:pos x="connsiteX3" y="connsiteY3"/>
-                </a:cxn>
-              </a:cxnLst>
-              <a:rect l="l" t="t" r="r" b="b"/>
-              <a:pathLst>
-                <a:path w="4702465" h="222240">
-                  <a:moveTo>
-                    <a:pt x="137250" y="0"/>
-                  </a:moveTo>
-                  <a:lnTo>
-                    <a:pt x="4702465" y="0"/>
-                  </a:lnTo>
-                  <a:lnTo>
-                    <a:pt x="4702465" y="222240"/>
-                  </a:lnTo>
-                  <a:lnTo>
-                    <a:pt x="0" y="222240"/>
-                  </a:lnTo>
-                  <a:close/>
-                </a:path>
-              </a:pathLst>
-            </a:custGeom>
-            <a:solidFill>
-              <a:schemeClr val="bg1"/>
-            </a:solidFill>
-          </p:spPr>
-        </p:pic>
-        <p:pic>
-          <p:nvPicPr>
-            <p:cNvPr id="25" name="图片 24"/>
-            <p:cNvPicPr>
-              <a:picLocks noChangeAspect="true"/>
-            </p:cNvPicPr>
-            <p:nvPr/>
-          </p:nvPicPr>
-          <p:blipFill>
-            <a:blip r:embed="rId3">
-              <a:lum bright="70000" contrast="-70000"/>
-            </a:blip>
-            <a:srcRect l="4950" r="26116"/>
-            <a:stretch>
-              <a:fillRect/>
-            </a:stretch>
-          </p:blipFill>
-          <p:spPr>
-            <a:xfrm rot="10800000" flipH="true" flipV="true">
-              <a:off x="7489535" y="6759208"/>
-              <a:ext cx="4702465" cy="95234"/>
-            </a:xfrm>
-            <a:custGeom>
-              <a:avLst/>
-              <a:gdLst>
-                <a:gd name="connsiteX0" fmla="*/ 137250 w 4702465"/>
-                <a:gd name="connsiteY0" fmla="*/ 0 h 222240"/>
-                <a:gd name="connsiteX1" fmla="*/ 4702465 w 4702465"/>
-                <a:gd name="connsiteY1" fmla="*/ 0 h 222240"/>
-                <a:gd name="connsiteX2" fmla="*/ 4702465 w 4702465"/>
-                <a:gd name="connsiteY2" fmla="*/ 222240 h 222240"/>
-                <a:gd name="connsiteX3" fmla="*/ 0 w 4702465"/>
-                <a:gd name="connsiteY3" fmla="*/ 222240 h 222240"/>
-              </a:gdLst>
-              <a:ahLst/>
-              <a:cxnLst>
-                <a:cxn ang="0">
-                  <a:pos x="connsiteX0" y="connsiteY0"/>
-                </a:cxn>
-                <a:cxn ang="0">
-                  <a:pos x="connsiteX1" y="connsiteY1"/>
-                </a:cxn>
-                <a:cxn ang="0">
-                  <a:pos x="connsiteX2" y="connsiteY2"/>
-                </a:cxn>
-                <a:cxn ang="0">
-                  <a:pos x="connsiteX3" y="connsiteY3"/>
-                </a:cxn>
-              </a:cxnLst>
-              <a:rect l="l" t="t" r="r" b="b"/>
-              <a:pathLst>
-                <a:path w="4702465" h="222240">
-                  <a:moveTo>
-                    <a:pt x="137250" y="0"/>
-                  </a:moveTo>
-                  <a:lnTo>
-                    <a:pt x="4702465" y="0"/>
-                  </a:lnTo>
-                  <a:lnTo>
-                    <a:pt x="4702465" y="222240"/>
-                  </a:lnTo>
-                  <a:lnTo>
-                    <a:pt x="0" y="222240"/>
-                  </a:lnTo>
-                  <a:close/>
-                </a:path>
-              </a:pathLst>
-            </a:custGeom>
-            <a:solidFill>
-              <a:schemeClr val="bg1"/>
-            </a:solidFill>
-          </p:spPr>
-        </p:pic>
-      </p:grpSp>
-      <p:pic>
-        <p:nvPicPr>
-          <p:cNvPr id="12" name="图片 11"/>
-          <p:cNvPicPr>
-            <a:picLocks noChangeAspect="true"/>
-          </p:cNvPicPr>
-          <p:nvPr/>
-        </p:nvPicPr>
-        <p:blipFill>
-          <a:blip r:embed="rId3"/>
-          <a:stretch>
-            <a:fillRect/>
-          </a:stretch>
-        </p:blipFill>
-        <p:spPr>
-          <a:xfrm rot="10800000">
-            <a:off x="0" y="79375"/>
-            <a:ext cx="12192000" cy="638175"/>
-          </a:xfrm>
-          <a:prstGeom prst="rect">
-            <a:avLst/>
-          </a:prstGeom>
-          <a:solidFill>
-            <a:schemeClr val="bg1"/>
-          </a:solidFill>
-        </p:spPr>
-      </p:pic>
-      <p:sp>
-        <p:nvSpPr>
-          <p:cNvPr id="14" name="文本框 13"/>
-          <p:cNvSpPr txBox="true"/>
-          <p:nvPr/>
-        </p:nvSpPr>
-        <p:spPr>
-          <a:xfrm>
-            <a:off x="314325" y="137160"/>
-            <a:ext cx="7472045" cy="583565"/>
-          </a:xfrm>
-          <a:prstGeom prst="rect">
-            <a:avLst/>
-          </a:prstGeom>
-          <a:noFill/>
-        </p:spPr>
-        <p:txBody>
-          <a:bodyPr wrap="square" rtlCol="0">
-            <a:spAutoFit/>
-          </a:bodyPr>
-          <a:p>
-            <a:r>
-              <a:rPr lang="zh-CN" altLang="en-US" sz="3200" dirty="0">
-                <a:solidFill>
-                  <a:schemeClr val="bg1"/>
-                </a:solidFill>
-                <a:latin typeface="微软雅黑" panose="020B0503020204020204" charset="-122"/>
-                <a:ea typeface="微软雅黑" panose="020B0503020204020204" charset="-122"/>
-                <a:sym typeface="+mn-ea"/>
-              </a:rPr>
-              <a:t>四、</a:t>
-            </a:r>
-            <a:r>
-              <a:rPr lang="zh-CN" altLang="en-US" sz="3200" dirty="0">
-                <a:solidFill>
-                  <a:srgbClr val="FFFFFF"/>
-                </a:solidFill>
-                <a:latin typeface="黑体" panose="02010609060101010101" pitchFamily="49" charset="-122"/>
-                <a:ea typeface="黑体" panose="02010609060101010101" pitchFamily="49" charset="-122"/>
-                <a:sym typeface="+mn-ea"/>
-              </a:rPr>
-              <a:t>信用数据</a:t>
-            </a:r>
-            <a:endParaRPr lang="zh-CN" altLang="en-US" sz="3200" dirty="0">
-              <a:solidFill>
-                <a:schemeClr val="bg1"/>
-              </a:solidFill>
-              <a:latin typeface="微软雅黑" panose="020B0503020204020204" charset="-122"/>
-              <a:ea typeface="微软雅黑" panose="020B0503020204020204" charset="-122"/>
-              <a:sym typeface="+mn-ea"/>
-            </a:endParaRPr>
-          </a:p>
-        </p:txBody>
-      </p:sp>
-      <p:grpSp>
-        <p:nvGrpSpPr>
           <p:cNvPr id="2" name="组合 1"/>
           <p:cNvGrpSpPr/>
           <p:nvPr/>
@@ -7940,7 +6851,7 @@
 </p:sld>
 </file>
 
-<file path=ppt/slides/slide12.xml><?xml version="1.0" encoding="utf-8"?>
+<file path=ppt/slides/slide11.xml><?xml version="1.0" encoding="utf-8"?>
 <p:sld xmlns:a="http://schemas.openxmlformats.org/drawingml/2006/main" xmlns:r="http://schemas.openxmlformats.org/officeDocument/2006/relationships" xmlns:p="http://schemas.openxmlformats.org/presentationml/2006/main">
   <p:cSld>
     <p:spTree>
@@ -9419,7 +8330,7 @@
 </p:sld>
 </file>
 
-<file path=ppt/slides/slide13.xml><?xml version="1.0" encoding="utf-8"?>
+<file path=ppt/slides/slide12.xml><?xml version="1.0" encoding="utf-8"?>
 <p:sld xmlns:a="http://schemas.openxmlformats.org/drawingml/2006/main" xmlns:r="http://schemas.openxmlformats.org/officeDocument/2006/relationships" xmlns:p="http://schemas.openxmlformats.org/presentationml/2006/main">
   <p:cSld>
     <p:spTree>
@@ -10541,7 +9452,7 @@
 </p:sld>
 </file>
 
-<file path=ppt/slides/slide14.xml><?xml version="1.0" encoding="utf-8"?>
+<file path=ppt/slides/slide13.xml><?xml version="1.0" encoding="utf-8"?>
 <p:sld xmlns:a="http://schemas.openxmlformats.org/drawingml/2006/main" xmlns:r="http://schemas.openxmlformats.org/officeDocument/2006/relationships" xmlns:p="http://schemas.openxmlformats.org/presentationml/2006/main">
   <p:cSld>
     <p:spTree>
@@ -11823,7 +10734,7 @@
 </p:sld>
 </file>
 
-<file path=ppt/slides/slide15.xml><?xml version="1.0" encoding="utf-8"?>
+<file path=ppt/slides/slide14.xml><?xml version="1.0" encoding="utf-8"?>
 <p:sld xmlns:a="http://schemas.openxmlformats.org/drawingml/2006/main" xmlns:r="http://schemas.openxmlformats.org/officeDocument/2006/relationships" xmlns:p="http://schemas.openxmlformats.org/presentationml/2006/main">
   <p:cSld>
     <p:spTree>
@@ -12563,7 +11474,7 @@
 </p:sld>
 </file>
 
-<file path=ppt/slides/slide16.xml><?xml version="1.0" encoding="utf-8"?>
+<file path=ppt/slides/slide15.xml><?xml version="1.0" encoding="utf-8"?>
 <p:sld xmlns:a="http://schemas.openxmlformats.org/drawingml/2006/main" xmlns:r="http://schemas.openxmlformats.org/officeDocument/2006/relationships" xmlns:p="http://schemas.openxmlformats.org/presentationml/2006/main">
   <p:cSld>
     <p:spTree>
@@ -13780,7 +12691,7 @@
 </p:sld>
 </file>
 
-<file path=ppt/slides/slide17.xml><?xml version="1.0" encoding="utf-8"?>
+<file path=ppt/slides/slide16.xml><?xml version="1.0" encoding="utf-8"?>
 <p:sld xmlns:a="http://schemas.openxmlformats.org/drawingml/2006/main" xmlns:r="http://schemas.openxmlformats.org/officeDocument/2006/relationships" xmlns:p="http://schemas.openxmlformats.org/presentationml/2006/main">
   <p:cSld>
     <p:spTree>
@@ -15547,7 +14458,7 @@
 </p:sld>
 </file>
 
-<file path=ppt/slides/slide18.xml><?xml version="1.0" encoding="utf-8"?>
+<file path=ppt/slides/slide17.xml><?xml version="1.0" encoding="utf-8"?>
 <p:sld xmlns:a="http://schemas.openxmlformats.org/drawingml/2006/main" xmlns:r="http://schemas.openxmlformats.org/officeDocument/2006/relationships" xmlns:p="http://schemas.openxmlformats.org/presentationml/2006/main">
   <p:cSld>
     <p:spTree>
@@ -16449,7 +15360,7 @@
 </p:sld>
 </file>
 
-<file path=ppt/slides/slide19.xml><?xml version="1.0" encoding="utf-8"?>
+<file path=ppt/slides/slide18.xml><?xml version="1.0" encoding="utf-8"?>
 <p:sld xmlns:a="http://schemas.openxmlformats.org/drawingml/2006/main" xmlns:r="http://schemas.openxmlformats.org/officeDocument/2006/relationships" xmlns:p="http://schemas.openxmlformats.org/presentationml/2006/main">
   <p:cSld>
     <p:spTree>
@@ -18670,1157 +17581,7 @@
 </p:sld>
 </file>
 
-<file path=ppt/slides/slide2.xml><?xml version="1.0" encoding="utf-8"?>
-<p:sld xmlns:a="http://schemas.openxmlformats.org/drawingml/2006/main" xmlns:r="http://schemas.openxmlformats.org/officeDocument/2006/relationships" xmlns:p="http://schemas.openxmlformats.org/presentationml/2006/main">
-  <p:cSld>
-    <p:spTree>
-      <p:nvGrpSpPr>
-        <p:cNvPr id="1" name=""/>
-        <p:cNvGrpSpPr/>
-        <p:nvPr/>
-      </p:nvGrpSpPr>
-      <p:grpSpPr>
-        <a:xfrm>
-          <a:off x="0" y="0"/>
-          <a:ext cx="0" cy="0"/>
-          <a:chOff x="0" y="0"/>
-          <a:chExt cx="0" cy="0"/>
-        </a:xfrm>
-      </p:grpSpPr>
-      <p:grpSp>
-        <p:nvGrpSpPr>
-          <p:cNvPr id="31" name="组合 30"/>
-          <p:cNvGrpSpPr/>
-          <p:nvPr/>
-        </p:nvGrpSpPr>
-        <p:grpSpPr>
-          <a:xfrm>
-            <a:off x="-2" y="-6950"/>
-            <a:ext cx="12192002" cy="6864950"/>
-            <a:chOff x="-2" y="2575"/>
-            <a:chExt cx="12192002" cy="6864950"/>
-          </a:xfrm>
-        </p:grpSpPr>
-        <p:pic>
-          <p:nvPicPr>
-            <p:cNvPr id="39" name="图片 38"/>
-            <p:cNvPicPr>
-              <a:picLocks noChangeAspect="true"/>
-            </p:cNvPicPr>
-            <p:nvPr/>
-          </p:nvPicPr>
-          <p:blipFill rotWithShape="true">
-            <a:blip r:embed="rId1" cstate="screen">
-              <a:extLst>
-                <a:ext uri="{BEBA8EAE-BF5A-486C-A8C5-ECC9F3942E4B}">
-                  <a14:imgProps xmlns:a14="http://schemas.microsoft.com/office/drawing/2010/main">
-                    <a14:imgLayer r:embed="rId2">
-                      <a14:imgEffect>
-                        <a14:brightnessContrast bright="9000"/>
-                      </a14:imgEffect>
-                    </a14:imgLayer>
-                  </a14:imgProps>
-                </a:ext>
-              </a:extLst>
-            </a:blip>
-            <a:srcRect/>
-            <a:stretch>
-              <a:fillRect/>
-            </a:stretch>
-          </p:blipFill>
-          <p:spPr>
-            <a:xfrm>
-              <a:off x="-1" y="9525"/>
-              <a:ext cx="12192001" cy="6858000"/>
-            </a:xfrm>
-            <a:prstGeom prst="rect">
-              <a:avLst/>
-            </a:prstGeom>
-          </p:spPr>
-        </p:pic>
-        <p:pic>
-          <p:nvPicPr>
-            <p:cNvPr id="45" name="图片 44"/>
-            <p:cNvPicPr>
-              <a:picLocks noChangeAspect="true"/>
-            </p:cNvPicPr>
-            <p:nvPr/>
-          </p:nvPicPr>
-          <p:blipFill>
-            <a:blip r:embed="rId3">
-              <a:lum bright="70000" contrast="-70000"/>
-            </a:blip>
-            <a:srcRect l="4950"/>
-            <a:stretch>
-              <a:fillRect/>
-            </a:stretch>
-          </p:blipFill>
-          <p:spPr>
-            <a:xfrm>
-              <a:off x="5707965" y="2575"/>
-              <a:ext cx="6484035" cy="77036"/>
-            </a:xfrm>
-            <a:custGeom>
-              <a:avLst/>
-              <a:gdLst>
-                <a:gd name="connsiteX0" fmla="*/ 137250 w 4702465"/>
-                <a:gd name="connsiteY0" fmla="*/ 0 h 222240"/>
-                <a:gd name="connsiteX1" fmla="*/ 4702465 w 4702465"/>
-                <a:gd name="connsiteY1" fmla="*/ 0 h 222240"/>
-                <a:gd name="connsiteX2" fmla="*/ 4702465 w 4702465"/>
-                <a:gd name="connsiteY2" fmla="*/ 222240 h 222240"/>
-                <a:gd name="connsiteX3" fmla="*/ 0 w 4702465"/>
-                <a:gd name="connsiteY3" fmla="*/ 222240 h 222240"/>
-              </a:gdLst>
-              <a:ahLst/>
-              <a:cxnLst>
-                <a:cxn ang="0">
-                  <a:pos x="connsiteX0" y="connsiteY0"/>
-                </a:cxn>
-                <a:cxn ang="0">
-                  <a:pos x="connsiteX1" y="connsiteY1"/>
-                </a:cxn>
-                <a:cxn ang="0">
-                  <a:pos x="connsiteX2" y="connsiteY2"/>
-                </a:cxn>
-                <a:cxn ang="0">
-                  <a:pos x="connsiteX3" y="connsiteY3"/>
-                </a:cxn>
-              </a:cxnLst>
-              <a:rect l="l" t="t" r="r" b="b"/>
-              <a:pathLst>
-                <a:path w="4702465" h="222240">
-                  <a:moveTo>
-                    <a:pt x="137250" y="0"/>
-                  </a:moveTo>
-                  <a:lnTo>
-                    <a:pt x="4702465" y="0"/>
-                  </a:lnTo>
-                  <a:lnTo>
-                    <a:pt x="4702465" y="222240"/>
-                  </a:lnTo>
-                  <a:lnTo>
-                    <a:pt x="0" y="222240"/>
-                  </a:lnTo>
-                  <a:close/>
-                </a:path>
-              </a:pathLst>
-            </a:custGeom>
-            <a:solidFill>
-              <a:schemeClr val="bg1"/>
-            </a:solidFill>
-          </p:spPr>
-        </p:pic>
-        <p:pic>
-          <p:nvPicPr>
-            <p:cNvPr id="46" name="图片 45"/>
-            <p:cNvPicPr>
-              <a:picLocks noChangeAspect="true"/>
-            </p:cNvPicPr>
-            <p:nvPr/>
-          </p:nvPicPr>
-          <p:blipFill>
-            <a:blip r:embed="rId3">
-              <a:lum bright="70000" contrast="-70000"/>
-            </a:blip>
-            <a:srcRect l="4950" r="26116"/>
-            <a:stretch>
-              <a:fillRect/>
-            </a:stretch>
-          </p:blipFill>
-          <p:spPr>
-            <a:xfrm flipH="true" flipV="true">
-              <a:off x="-2" y="2575"/>
-              <a:ext cx="4702465" cy="77036"/>
-            </a:xfrm>
-            <a:custGeom>
-              <a:avLst/>
-              <a:gdLst>
-                <a:gd name="connsiteX0" fmla="*/ 137250 w 4702465"/>
-                <a:gd name="connsiteY0" fmla="*/ 0 h 222240"/>
-                <a:gd name="connsiteX1" fmla="*/ 4702465 w 4702465"/>
-                <a:gd name="connsiteY1" fmla="*/ 0 h 222240"/>
-                <a:gd name="connsiteX2" fmla="*/ 4702465 w 4702465"/>
-                <a:gd name="connsiteY2" fmla="*/ 222240 h 222240"/>
-                <a:gd name="connsiteX3" fmla="*/ 0 w 4702465"/>
-                <a:gd name="connsiteY3" fmla="*/ 222240 h 222240"/>
-              </a:gdLst>
-              <a:ahLst/>
-              <a:cxnLst>
-                <a:cxn ang="0">
-                  <a:pos x="connsiteX0" y="connsiteY0"/>
-                </a:cxn>
-                <a:cxn ang="0">
-                  <a:pos x="connsiteX1" y="connsiteY1"/>
-                </a:cxn>
-                <a:cxn ang="0">
-                  <a:pos x="connsiteX2" y="connsiteY2"/>
-                </a:cxn>
-                <a:cxn ang="0">
-                  <a:pos x="connsiteX3" y="connsiteY3"/>
-                </a:cxn>
-              </a:cxnLst>
-              <a:rect l="l" t="t" r="r" b="b"/>
-              <a:pathLst>
-                <a:path w="4702465" h="222240">
-                  <a:moveTo>
-                    <a:pt x="137250" y="0"/>
-                  </a:moveTo>
-                  <a:lnTo>
-                    <a:pt x="4702465" y="0"/>
-                  </a:lnTo>
-                  <a:lnTo>
-                    <a:pt x="4702465" y="222240"/>
-                  </a:lnTo>
-                  <a:lnTo>
-                    <a:pt x="0" y="222240"/>
-                  </a:lnTo>
-                  <a:close/>
-                </a:path>
-              </a:pathLst>
-            </a:custGeom>
-            <a:solidFill>
-              <a:schemeClr val="bg1"/>
-            </a:solidFill>
-          </p:spPr>
-        </p:pic>
-        <p:pic>
-          <p:nvPicPr>
-            <p:cNvPr id="47" name="图片 46"/>
-            <p:cNvPicPr>
-              <a:picLocks noChangeAspect="true"/>
-            </p:cNvPicPr>
-            <p:nvPr/>
-          </p:nvPicPr>
-          <p:blipFill>
-            <a:blip r:embed="rId3">
-              <a:lum bright="70000" contrast="-70000"/>
-            </a:blip>
-            <a:srcRect l="4950"/>
-            <a:stretch>
-              <a:fillRect/>
-            </a:stretch>
-          </p:blipFill>
-          <p:spPr>
-            <a:xfrm rot="10800000">
-              <a:off x="-2" y="6765558"/>
-              <a:ext cx="6484035" cy="95234"/>
-            </a:xfrm>
-            <a:custGeom>
-              <a:avLst/>
-              <a:gdLst>
-                <a:gd name="connsiteX0" fmla="*/ 137250 w 4702465"/>
-                <a:gd name="connsiteY0" fmla="*/ 0 h 222240"/>
-                <a:gd name="connsiteX1" fmla="*/ 4702465 w 4702465"/>
-                <a:gd name="connsiteY1" fmla="*/ 0 h 222240"/>
-                <a:gd name="connsiteX2" fmla="*/ 4702465 w 4702465"/>
-                <a:gd name="connsiteY2" fmla="*/ 222240 h 222240"/>
-                <a:gd name="connsiteX3" fmla="*/ 0 w 4702465"/>
-                <a:gd name="connsiteY3" fmla="*/ 222240 h 222240"/>
-              </a:gdLst>
-              <a:ahLst/>
-              <a:cxnLst>
-                <a:cxn ang="0">
-                  <a:pos x="connsiteX0" y="connsiteY0"/>
-                </a:cxn>
-                <a:cxn ang="0">
-                  <a:pos x="connsiteX1" y="connsiteY1"/>
-                </a:cxn>
-                <a:cxn ang="0">
-                  <a:pos x="connsiteX2" y="connsiteY2"/>
-                </a:cxn>
-                <a:cxn ang="0">
-                  <a:pos x="connsiteX3" y="connsiteY3"/>
-                </a:cxn>
-              </a:cxnLst>
-              <a:rect l="l" t="t" r="r" b="b"/>
-              <a:pathLst>
-                <a:path w="4702465" h="222240">
-                  <a:moveTo>
-                    <a:pt x="137250" y="0"/>
-                  </a:moveTo>
-                  <a:lnTo>
-                    <a:pt x="4702465" y="0"/>
-                  </a:lnTo>
-                  <a:lnTo>
-                    <a:pt x="4702465" y="222240"/>
-                  </a:lnTo>
-                  <a:lnTo>
-                    <a:pt x="0" y="222240"/>
-                  </a:lnTo>
-                  <a:close/>
-                </a:path>
-              </a:pathLst>
-            </a:custGeom>
-            <a:solidFill>
-              <a:schemeClr val="bg1"/>
-            </a:solidFill>
-          </p:spPr>
-        </p:pic>
-        <p:pic>
-          <p:nvPicPr>
-            <p:cNvPr id="48" name="图片 47"/>
-            <p:cNvPicPr>
-              <a:picLocks noChangeAspect="true"/>
-            </p:cNvPicPr>
-            <p:nvPr/>
-          </p:nvPicPr>
-          <p:blipFill>
-            <a:blip r:embed="rId3">
-              <a:lum bright="70000" contrast="-70000"/>
-            </a:blip>
-            <a:srcRect l="4950" r="26116"/>
-            <a:stretch>
-              <a:fillRect/>
-            </a:stretch>
-          </p:blipFill>
-          <p:spPr>
-            <a:xfrm rot="10800000" flipH="true" flipV="true">
-              <a:off x="7489535" y="6765558"/>
-              <a:ext cx="4702465" cy="95234"/>
-            </a:xfrm>
-            <a:custGeom>
-              <a:avLst/>
-              <a:gdLst>
-                <a:gd name="connsiteX0" fmla="*/ 137250 w 4702465"/>
-                <a:gd name="connsiteY0" fmla="*/ 0 h 222240"/>
-                <a:gd name="connsiteX1" fmla="*/ 4702465 w 4702465"/>
-                <a:gd name="connsiteY1" fmla="*/ 0 h 222240"/>
-                <a:gd name="connsiteX2" fmla="*/ 4702465 w 4702465"/>
-                <a:gd name="connsiteY2" fmla="*/ 222240 h 222240"/>
-                <a:gd name="connsiteX3" fmla="*/ 0 w 4702465"/>
-                <a:gd name="connsiteY3" fmla="*/ 222240 h 222240"/>
-              </a:gdLst>
-              <a:ahLst/>
-              <a:cxnLst>
-                <a:cxn ang="0">
-                  <a:pos x="connsiteX0" y="connsiteY0"/>
-                </a:cxn>
-                <a:cxn ang="0">
-                  <a:pos x="connsiteX1" y="connsiteY1"/>
-                </a:cxn>
-                <a:cxn ang="0">
-                  <a:pos x="connsiteX2" y="connsiteY2"/>
-                </a:cxn>
-                <a:cxn ang="0">
-                  <a:pos x="connsiteX3" y="connsiteY3"/>
-                </a:cxn>
-              </a:cxnLst>
-              <a:rect l="l" t="t" r="r" b="b"/>
-              <a:pathLst>
-                <a:path w="4702465" h="222240">
-                  <a:moveTo>
-                    <a:pt x="137250" y="0"/>
-                  </a:moveTo>
-                  <a:lnTo>
-                    <a:pt x="4702465" y="0"/>
-                  </a:lnTo>
-                  <a:lnTo>
-                    <a:pt x="4702465" y="222240"/>
-                  </a:lnTo>
-                  <a:lnTo>
-                    <a:pt x="0" y="222240"/>
-                  </a:lnTo>
-                  <a:close/>
-                </a:path>
-              </a:pathLst>
-            </a:custGeom>
-            <a:solidFill>
-              <a:schemeClr val="bg1"/>
-            </a:solidFill>
-          </p:spPr>
-        </p:pic>
-      </p:grpSp>
-      <p:pic>
-        <p:nvPicPr>
-          <p:cNvPr id="12" name="图片 11"/>
-          <p:cNvPicPr>
-            <a:picLocks noChangeAspect="true"/>
-          </p:cNvPicPr>
-          <p:nvPr/>
-        </p:nvPicPr>
-        <p:blipFill>
-          <a:blip r:embed="rId3"/>
-          <a:stretch>
-            <a:fillRect/>
-          </a:stretch>
-        </p:blipFill>
-        <p:spPr>
-          <a:xfrm rot="10800000">
-            <a:off x="0" y="79375"/>
-            <a:ext cx="12192000" cy="638175"/>
-          </a:xfrm>
-          <a:prstGeom prst="rect">
-            <a:avLst/>
-          </a:prstGeom>
-          <a:solidFill>
-            <a:schemeClr val="bg1"/>
-          </a:solidFill>
-        </p:spPr>
-      </p:pic>
-      <p:sp>
-        <p:nvSpPr>
-          <p:cNvPr id="14" name="文本框 13"/>
-          <p:cNvSpPr txBox="true"/>
-          <p:nvPr/>
-        </p:nvSpPr>
-        <p:spPr>
-          <a:xfrm>
-            <a:off x="314325" y="137160"/>
-            <a:ext cx="9579610" cy="583565"/>
-          </a:xfrm>
-          <a:prstGeom prst="rect">
-            <a:avLst/>
-          </a:prstGeom>
-          <a:noFill/>
-        </p:spPr>
-        <p:txBody>
-          <a:bodyPr wrap="square" rtlCol="0">
-            <a:spAutoFit/>
-          </a:bodyPr>
-          <a:p>
-            <a:r>
-              <a:rPr lang="zh-CN" sz="3200" dirty="0">
-                <a:solidFill>
-                  <a:schemeClr val="bg1"/>
-                </a:solidFill>
-                <a:latin typeface="微软雅黑" panose="020B0503020204020204" charset="-122"/>
-                <a:ea typeface="微软雅黑" panose="020B0503020204020204" charset="-122"/>
-              </a:rPr>
-              <a:t>本章简介</a:t>
-            </a:r>
-            <a:endParaRPr lang="zh-CN" sz="3200" dirty="0">
-              <a:solidFill>
-                <a:schemeClr val="bg1"/>
-              </a:solidFill>
-              <a:latin typeface="微软雅黑" panose="020B0503020204020204" charset="-122"/>
-              <a:ea typeface="微软雅黑" panose="020B0503020204020204" charset="-122"/>
-            </a:endParaRPr>
-          </a:p>
-        </p:txBody>
-      </p:sp>
-      <p:sp>
-        <p:nvSpPr>
-          <p:cNvPr id="4" name="Rectangle 2"/>
-          <p:cNvSpPr>
-            <a:spLocks noGrp="true"/>
-          </p:cNvSpPr>
-          <p:nvPr>
-            <p:ph type="title"/>
-          </p:nvPr>
-        </p:nvSpPr>
-        <p:spPr>
-          <a:xfrm>
-            <a:off x="2288540" y="3790315"/>
-            <a:ext cx="669290" cy="2041525"/>
-          </a:xfrm>
-        </p:spPr>
-        <p:txBody>
-          <a:bodyPr vert="horz" wrap="square" lIns="91440" tIns="45720" rIns="91440" bIns="45720" anchor="ctr" anchorCtr="false">
-            <a:normAutofit/>
-          </a:bodyPr>
-          <a:p>
-            <a:pPr eaLnBrk="1" hangingPunct="1"/>
-            <a:r>
-              <a:rPr lang="zh-CN" altLang="en-US" sz="2800" dirty="0">
-                <a:solidFill>
-                  <a:schemeClr val="tx1"/>
-                </a:solidFill>
-                <a:effectLst>
-                  <a:outerShdw blurRad="38100" dist="19050" dir="2700000" algn="tl" rotWithShape="0">
-                    <a:schemeClr val="dk1">
-                      <a:alpha val="40000"/>
-                    </a:schemeClr>
-                  </a:outerShdw>
-                </a:effectLst>
-                <a:latin typeface="微软雅黑" panose="020B0503020204020204" charset="-122"/>
-                <a:ea typeface="微软雅黑" panose="020B0503020204020204" charset="-122"/>
-              </a:rPr>
-              <a:t>本章大纲</a:t>
-            </a:r>
-            <a:endParaRPr lang="zh-CN" altLang="en-US" sz="2800" dirty="0">
-              <a:solidFill>
-                <a:schemeClr val="tx1"/>
-              </a:solidFill>
-              <a:effectLst>
-                <a:outerShdw blurRad="38100" dist="19050" dir="2700000" algn="tl" rotWithShape="0">
-                  <a:schemeClr val="dk1">
-                    <a:alpha val="40000"/>
-                  </a:schemeClr>
-                </a:outerShdw>
-              </a:effectLst>
-              <a:latin typeface="微软雅黑" panose="020B0503020204020204" charset="-122"/>
-              <a:ea typeface="微软雅黑" panose="020B0503020204020204" charset="-122"/>
-            </a:endParaRPr>
-          </a:p>
-        </p:txBody>
-      </p:sp>
-      <p:sp>
-        <p:nvSpPr>
-          <p:cNvPr id="9" name="Rectangle 83"/>
-          <p:cNvSpPr>
-            <a:spLocks noChangeArrowheads="true"/>
-          </p:cNvSpPr>
-          <p:nvPr/>
-        </p:nvSpPr>
-        <p:spPr bwMode="auto">
-          <a:xfrm>
-            <a:off x="4131945" y="3928110"/>
-            <a:ext cx="4276725" cy="2122805"/>
-          </a:xfrm>
-          <a:prstGeom prst="rect">
-            <a:avLst/>
-          </a:prstGeom>
-          <a:noFill/>
-          <a:ln w="9525" algn="ctr">
-            <a:noFill/>
-            <a:miter lim="800000"/>
-          </a:ln>
-          <a:effectLst/>
-        </p:spPr>
-        <p:txBody>
-          <a:bodyPr wrap="square" anchor="ctr">
-            <a:spAutoFit/>
-          </a:bodyPr>
-          <a:p>
-            <a:pPr marL="0" marR="0" lvl="0" indent="0" algn="l" defTabSz="914400" rtl="0" fontAlgn="base">
-              <a:lnSpc>
-                <a:spcPct val="150000"/>
-              </a:lnSpc>
-              <a:spcBef>
-                <a:spcPct val="0"/>
-              </a:spcBef>
-              <a:spcAft>
-                <a:spcPct val="0"/>
-              </a:spcAft>
-              <a:buClrTx/>
-              <a:buSzTx/>
-              <a:buFontTx/>
-              <a:buNone/>
-              <a:defRPr/>
-            </a:pPr>
-            <a:r>
-              <a:rPr kumimoji="0" lang="zh-CN" altLang="en-US" sz="2400" i="0" u="none" strike="noStrike" kern="1200" cap="none" spc="0" normalizeH="0" baseline="0" noProof="0" dirty="0">
-                <a:ln>
-                  <a:noFill/>
-                </a:ln>
-                <a:effectLst/>
-                <a:uLnTx/>
-                <a:uFillTx/>
-                <a:latin typeface="微软雅黑" panose="020B0503020204020204" charset="-122"/>
-                <a:ea typeface="微软雅黑" panose="020B0503020204020204" charset="-122"/>
-                <a:cs typeface="微软雅黑" panose="020B0503020204020204" charset="-122"/>
-              </a:rPr>
-              <a:t>第一节  信用评级</a:t>
-            </a:r>
-            <a:endParaRPr kumimoji="0" lang="zh-CN" altLang="en-US" sz="2400" i="0" u="none" strike="noStrike" kern="1200" cap="none" spc="0" normalizeH="0" baseline="0" noProof="0" dirty="0">
-              <a:ln>
-                <a:noFill/>
-              </a:ln>
-              <a:solidFill>
-                <a:schemeClr val="tx1"/>
-              </a:solidFill>
-              <a:effectLst/>
-              <a:uLnTx/>
-              <a:uFillTx/>
-              <a:latin typeface="微软雅黑" panose="020B0503020204020204" charset="-122"/>
-              <a:ea typeface="微软雅黑" panose="020B0503020204020204" charset="-122"/>
-              <a:cs typeface="微软雅黑" panose="020B0503020204020204" charset="-122"/>
-            </a:endParaRPr>
-          </a:p>
-          <a:p>
-            <a:pPr marL="0" marR="0" lvl="0" indent="0" algn="l" defTabSz="914400" rtl="0" fontAlgn="base">
-              <a:lnSpc>
-                <a:spcPct val="150000"/>
-              </a:lnSpc>
-              <a:spcBef>
-                <a:spcPct val="0"/>
-              </a:spcBef>
-              <a:spcAft>
-                <a:spcPct val="0"/>
-              </a:spcAft>
-              <a:buClrTx/>
-              <a:buSzTx/>
-              <a:buFontTx/>
-              <a:buNone/>
-              <a:defRPr/>
-            </a:pPr>
-            <a:r>
-              <a:rPr kumimoji="0" lang="zh-CN" altLang="en-US" sz="2400" i="0" u="none" strike="noStrike" kern="1200" cap="none" spc="0" normalizeH="0" baseline="0" noProof="0" dirty="0">
-                <a:ln w="12700" cmpd="sng">
-                  <a:solidFill>
-                    <a:schemeClr val="accent4"/>
-                  </a:solidFill>
-                  <a:prstDash val="solid"/>
-                </a:ln>
-                <a:gradFill>
-                  <a:gsLst>
-                    <a:gs pos="0">
-                      <a:schemeClr val="accent4"/>
-                    </a:gs>
-                    <a:gs pos="4000">
-                      <a:schemeClr val="accent4">
-                        <a:lumMod val="60000"/>
-                        <a:lumOff val="40000"/>
-                      </a:schemeClr>
-                    </a:gs>
-                    <a:gs pos="87000">
-                      <a:schemeClr val="accent4">
-                        <a:lumMod val="20000"/>
-                        <a:lumOff val="80000"/>
-                      </a:schemeClr>
-                    </a:gs>
-                  </a:gsLst>
-                  <a:lin ang="5400000"/>
-                </a:gradFill>
-                <a:effectLst/>
-                <a:uLnTx/>
-                <a:uFillTx/>
-                <a:latin typeface="微软雅黑" panose="020B0503020204020204" charset="-122"/>
-                <a:ea typeface="微软雅黑" panose="020B0503020204020204" charset="-122"/>
-                <a:cs typeface="微软雅黑" panose="020B0503020204020204" charset="-122"/>
-              </a:rPr>
-              <a:t>第二节  征信概述</a:t>
-            </a:r>
-            <a:r>
-              <a:rPr kumimoji="0" lang="zh-CN" altLang="en-US" sz="2400" b="1" i="0" u="none" strike="noStrike" kern="1200" cap="none" spc="0" normalizeH="0" baseline="0" noProof="0" dirty="0">
-                <a:ln w="12700" cmpd="sng">
-                  <a:solidFill>
-                    <a:schemeClr val="accent4"/>
-                  </a:solidFill>
-                  <a:prstDash val="solid"/>
-                </a:ln>
-                <a:gradFill>
-                  <a:gsLst>
-                    <a:gs pos="0">
-                      <a:schemeClr val="accent4"/>
-                    </a:gs>
-                    <a:gs pos="4000">
-                      <a:schemeClr val="accent4">
-                        <a:lumMod val="60000"/>
-                        <a:lumOff val="40000"/>
-                      </a:schemeClr>
-                    </a:gs>
-                    <a:gs pos="87000">
-                      <a:schemeClr val="accent4">
-                        <a:lumMod val="20000"/>
-                        <a:lumOff val="80000"/>
-                      </a:schemeClr>
-                    </a:gs>
-                  </a:gsLst>
-                  <a:lin ang="5400000"/>
-                </a:gradFill>
-                <a:effectLst/>
-                <a:uLnTx/>
-                <a:uFillTx/>
-                <a:latin typeface="微软雅黑" panose="020B0503020204020204" charset="-122"/>
-                <a:ea typeface="微软雅黑" panose="020B0503020204020204" charset="-122"/>
-                <a:cs typeface="微软雅黑" panose="020B0503020204020204" charset="-122"/>
-              </a:rPr>
-              <a:t> </a:t>
-            </a:r>
-            <a:endParaRPr kumimoji="0" lang="zh-CN" altLang="en-US" sz="2400" i="0" u="none" strike="noStrike" kern="1200" cap="none" spc="0" normalizeH="0" baseline="0" noProof="0" dirty="0">
-              <a:ln>
-                <a:noFill/>
-              </a:ln>
-              <a:solidFill>
-                <a:schemeClr val="tx1"/>
-              </a:solidFill>
-              <a:effectLst/>
-              <a:uLnTx/>
-              <a:uFillTx/>
-              <a:latin typeface="微软雅黑" panose="020B0503020204020204" charset="-122"/>
-              <a:ea typeface="微软雅黑" panose="020B0503020204020204" charset="-122"/>
-              <a:cs typeface="微软雅黑" panose="020B0503020204020204" charset="-122"/>
-            </a:endParaRPr>
-          </a:p>
-          <a:p>
-            <a:pPr marL="0" marR="0" lvl="0" indent="0" algn="l" defTabSz="914400" rtl="0" fontAlgn="base">
-              <a:lnSpc>
-                <a:spcPct val="150000"/>
-              </a:lnSpc>
-              <a:spcBef>
-                <a:spcPct val="0"/>
-              </a:spcBef>
-              <a:spcAft>
-                <a:spcPct val="0"/>
-              </a:spcAft>
-              <a:buClrTx/>
-              <a:buSzTx/>
-              <a:buFontTx/>
-              <a:buNone/>
-              <a:defRPr/>
-            </a:pPr>
-            <a:r>
-              <a:rPr kumimoji="0" lang="zh-CN" altLang="en-US" sz="2400" i="0" u="none" strike="noStrike" kern="1200" cap="none" spc="0" normalizeH="0" baseline="0" noProof="0" dirty="0">
-                <a:ln>
-                  <a:noFill/>
-                </a:ln>
-                <a:effectLst/>
-                <a:uLnTx/>
-                <a:uFillTx/>
-                <a:latin typeface="微软雅黑" panose="020B0503020204020204" charset="-122"/>
-                <a:ea typeface="微软雅黑" panose="020B0503020204020204" charset="-122"/>
-                <a:cs typeface="微软雅黑" panose="020B0503020204020204" charset="-122"/>
-              </a:rPr>
-              <a:t>第三节  信用风险计量模型</a:t>
-            </a:r>
-            <a:r>
-              <a:rPr kumimoji="0" lang="zh-CN" altLang="en-US" sz="2400" i="0" u="none" strike="noStrike" kern="1200" cap="none" spc="0" normalizeH="0" baseline="0" noProof="0" dirty="0">
-                <a:ln>
-                  <a:noFill/>
-                </a:ln>
-                <a:solidFill>
-                  <a:schemeClr val="tx1"/>
-                </a:solidFill>
-                <a:effectLst/>
-                <a:uLnTx/>
-                <a:uFillTx/>
-                <a:latin typeface="微软雅黑" panose="020B0503020204020204" charset="-122"/>
-                <a:ea typeface="微软雅黑" panose="020B0503020204020204" charset="-122"/>
-                <a:cs typeface="微软雅黑" panose="020B0503020204020204" charset="-122"/>
-              </a:rPr>
-              <a:t> </a:t>
-            </a:r>
-            <a:endParaRPr kumimoji="0" lang="zh-CN" altLang="en-US" sz="2400" i="0" u="none" strike="noStrike" kern="1200" cap="none" spc="0" normalizeH="0" baseline="0" noProof="0" dirty="0">
-              <a:ln>
-                <a:noFill/>
-              </a:ln>
-              <a:solidFill>
-                <a:schemeClr val="tx1"/>
-              </a:solidFill>
-              <a:effectLst/>
-              <a:uLnTx/>
-              <a:uFillTx/>
-              <a:latin typeface="微软雅黑" panose="020B0503020204020204" charset="-122"/>
-              <a:ea typeface="微软雅黑" panose="020B0503020204020204" charset="-122"/>
-              <a:cs typeface="微软雅黑" panose="020B0503020204020204" charset="-122"/>
-            </a:endParaRPr>
-          </a:p>
-          <a:p>
-            <a:pPr marL="0" marR="0" lvl="0" indent="0" algn="l" defTabSz="914400" rtl="0" eaLnBrk="1" fontAlgn="base" latinLnBrk="0" hangingPunct="1">
-              <a:lnSpc>
-                <a:spcPct val="100000"/>
-              </a:lnSpc>
-              <a:spcBef>
-                <a:spcPct val="0"/>
-              </a:spcBef>
-              <a:spcAft>
-                <a:spcPct val="0"/>
-              </a:spcAft>
-              <a:buClrTx/>
-              <a:buSzTx/>
-              <a:buFontTx/>
-              <a:buNone/>
-              <a:defRPr/>
-            </a:pPr>
-            <a:endParaRPr kumimoji="0" lang="zh-CN" altLang="en-US" sz="2400" i="0" u="none" strike="noStrike" kern="1200" cap="none" spc="0" normalizeH="0" baseline="0" noProof="0" dirty="0">
-              <a:ln>
-                <a:noFill/>
-              </a:ln>
-              <a:solidFill>
-                <a:schemeClr val="tx1"/>
-              </a:solidFill>
-              <a:effectLst/>
-              <a:uLnTx/>
-              <a:uFillTx/>
-              <a:latin typeface="微软雅黑" panose="020B0503020204020204" charset="-122"/>
-              <a:ea typeface="微软雅黑" panose="020B0503020204020204" charset="-122"/>
-              <a:cs typeface="微软雅黑" panose="020B0503020204020204" charset="-122"/>
-            </a:endParaRPr>
-          </a:p>
-        </p:txBody>
-      </p:sp>
-      <p:sp>
-        <p:nvSpPr>
-          <p:cNvPr id="10" name="Rectangle 84"/>
-          <p:cNvSpPr>
-            <a:spLocks noChangeArrowheads="true"/>
-          </p:cNvSpPr>
-          <p:nvPr/>
-        </p:nvSpPr>
-        <p:spPr bwMode="auto">
-          <a:xfrm>
-            <a:off x="2288540" y="1738154"/>
-            <a:ext cx="601663" cy="1468755"/>
-          </a:xfrm>
-          <a:prstGeom prst="rect">
-            <a:avLst/>
-          </a:prstGeom>
-          <a:noFill/>
-          <a:ln w="9525" algn="ctr">
-            <a:noFill/>
-            <a:miter lim="800000"/>
-          </a:ln>
-          <a:effectLst/>
-        </p:spPr>
-        <p:txBody>
-          <a:bodyPr anchor="ctr">
-            <a:spAutoFit/>
-          </a:bodyPr>
-          <a:p>
-            <a:pPr marL="0" marR="0" lvl="0" indent="0" algn="l" defTabSz="914400" rtl="0" eaLnBrk="1" fontAlgn="base" latinLnBrk="0" hangingPunct="1">
-              <a:lnSpc>
-                <a:spcPct val="80000"/>
-              </a:lnSpc>
-              <a:spcBef>
-                <a:spcPct val="20000"/>
-              </a:spcBef>
-              <a:spcAft>
-                <a:spcPct val="0"/>
-              </a:spcAft>
-              <a:buClr>
-                <a:schemeClr val="hlink"/>
-              </a:buClr>
-              <a:buSzTx/>
-              <a:buFont typeface="Wingdings" panose="05000000000000000000" pitchFamily="2" charset="2"/>
-              <a:buNone/>
-              <a:tabLst>
-                <a:tab pos="266700" algn="l"/>
-              </a:tabLst>
-              <a:defRPr/>
-            </a:pPr>
-            <a:r>
-              <a:rPr kumimoji="0" lang="zh-CN" altLang="en-US" sz="2800" i="0" u="none" strike="noStrike" kern="1200" cap="none" spc="0" normalizeH="0" baseline="0" noProof="0" dirty="0">
-                <a:solidFill>
-                  <a:schemeClr val="tx1"/>
-                </a:solidFill>
-                <a:effectLst>
-                  <a:outerShdw blurRad="38100" dist="19050" dir="2700000" algn="tl" rotWithShape="0">
-                    <a:schemeClr val="dk1">
-                      <a:alpha val="40000"/>
-                    </a:schemeClr>
-                  </a:outerShdw>
-                </a:effectLst>
-                <a:uLnTx/>
-                <a:uFillTx/>
-                <a:latin typeface="微软雅黑" panose="020B0503020204020204" charset="-122"/>
-                <a:ea typeface="微软雅黑" panose="020B0503020204020204" charset="-122"/>
-                <a:cs typeface="+mn-cs"/>
-              </a:rPr>
-              <a:t>学习目标</a:t>
-            </a:r>
-            <a:endParaRPr kumimoji="0" lang="zh-CN" altLang="en-US" sz="2800" i="0" u="none" strike="noStrike" kern="1200" cap="none" spc="0" normalizeH="0" baseline="0" noProof="0" dirty="0">
-              <a:solidFill>
-                <a:schemeClr val="tx1"/>
-              </a:solidFill>
-              <a:effectLst>
-                <a:outerShdw blurRad="38100" dist="19050" dir="2700000" algn="tl" rotWithShape="0">
-                  <a:schemeClr val="dk1">
-                    <a:alpha val="40000"/>
-                  </a:schemeClr>
-                </a:outerShdw>
-              </a:effectLst>
-              <a:uLnTx/>
-              <a:uFillTx/>
-              <a:latin typeface="微软雅黑" panose="020B0503020204020204" charset="-122"/>
-              <a:ea typeface="微软雅黑" panose="020B0503020204020204" charset="-122"/>
-              <a:cs typeface="+mn-cs"/>
-            </a:endParaRPr>
-          </a:p>
-        </p:txBody>
-      </p:sp>
-      <p:sp>
-        <p:nvSpPr>
-          <p:cNvPr id="11" name="AutoShape 4"/>
-          <p:cNvSpPr>
-            <a:spLocks noChangeArrowheads="true"/>
-          </p:cNvSpPr>
-          <p:nvPr/>
-        </p:nvSpPr>
-        <p:spPr bwMode="blackWhite">
-          <a:xfrm>
-            <a:off x="3429000" y="1564005"/>
-            <a:ext cx="7762240" cy="495300"/>
-          </a:xfrm>
-          <a:prstGeom prst="roundRect">
-            <a:avLst>
-              <a:gd name="adj" fmla="val 9106"/>
-            </a:avLst>
-          </a:prstGeom>
-          <a:gradFill rotWithShape="true">
-            <a:gsLst>
-              <a:gs pos="0">
-                <a:schemeClr val="accent2"/>
-              </a:gs>
-              <a:gs pos="100000">
-                <a:schemeClr val="accent2">
-                  <a:gamma/>
-                  <a:tint val="69804"/>
-                  <a:invGamma/>
-                </a:schemeClr>
-              </a:gs>
-            </a:gsLst>
-            <a:lin ang="5400000" scaled="true"/>
-          </a:gradFill>
-          <a:ln w="25400">
-            <a:solidFill>
-              <a:schemeClr val="bg1"/>
-            </a:solidFill>
-            <a:round/>
-          </a:ln>
-          <a:effectLst/>
-        </p:spPr>
-        <p:txBody>
-          <a:bodyPr wrap="none" anchor="ctr"/>
-          <a:p>
-            <a:pPr marL="0" marR="0" lvl="0" indent="0" algn="ctr" defTabSz="914400" rtl="0" eaLnBrk="0" fontAlgn="base" latinLnBrk="0" hangingPunct="0">
-              <a:lnSpc>
-                <a:spcPct val="80000"/>
-              </a:lnSpc>
-              <a:spcBef>
-                <a:spcPct val="20000"/>
-              </a:spcBef>
-              <a:spcAft>
-                <a:spcPct val="0"/>
-              </a:spcAft>
-              <a:buClr>
-                <a:schemeClr val="hlink"/>
-              </a:buClr>
-              <a:buSzTx/>
-              <a:buFont typeface="Wingdings" panose="05000000000000000000" pitchFamily="2" charset="2"/>
-              <a:buNone/>
-              <a:defRPr/>
-            </a:pPr>
-            <a:r>
-              <a:rPr kumimoji="0" lang="zh-CN" altLang="en-US" sz="2400" i="0" u="none" strike="noStrike" kern="1200" cap="none" spc="0" normalizeH="0" baseline="0" noProof="0" dirty="0">
-                <a:ln>
-                  <a:noFill/>
-                </a:ln>
-                <a:solidFill>
-                  <a:schemeClr val="tx1"/>
-                </a:solidFill>
-                <a:effectLst/>
-                <a:uLnTx/>
-                <a:uFillTx/>
-                <a:latin typeface="微软雅黑" panose="020B0503020204020204" charset="-122"/>
-                <a:ea typeface="微软雅黑" panose="020B0503020204020204" charset="-122"/>
-                <a:cs typeface="+mn-cs"/>
-              </a:rPr>
-              <a:t>了解征信的渠道和征信调查方法</a:t>
-            </a:r>
-            <a:endParaRPr kumimoji="0" lang="zh-CN" altLang="en-US" sz="2400" i="0" u="none" strike="noStrike" kern="1200" cap="none" spc="0" normalizeH="0" baseline="0" noProof="0" dirty="0">
-              <a:ln>
-                <a:noFill/>
-              </a:ln>
-              <a:solidFill>
-                <a:schemeClr val="tx1"/>
-              </a:solidFill>
-              <a:effectLst/>
-              <a:uLnTx/>
-              <a:uFillTx/>
-              <a:latin typeface="微软雅黑" panose="020B0503020204020204" charset="-122"/>
-              <a:ea typeface="微软雅黑" panose="020B0503020204020204" charset="-122"/>
-              <a:cs typeface="+mn-cs"/>
-            </a:endParaRPr>
-          </a:p>
-        </p:txBody>
-      </p:sp>
-      <p:sp>
-        <p:nvSpPr>
-          <p:cNvPr id="17" name="AutoShape 5"/>
-          <p:cNvSpPr>
-            <a:spLocks noChangeArrowheads="true"/>
-          </p:cNvSpPr>
-          <p:nvPr/>
-        </p:nvSpPr>
-        <p:spPr bwMode="blackWhite">
-          <a:xfrm>
-            <a:off x="3429000" y="2152650"/>
-            <a:ext cx="7762240" cy="655955"/>
-          </a:xfrm>
-          <a:prstGeom prst="roundRect">
-            <a:avLst>
-              <a:gd name="adj" fmla="val 9106"/>
-            </a:avLst>
-          </a:prstGeom>
-          <a:gradFill rotWithShape="true">
-            <a:gsLst>
-              <a:gs pos="0">
-                <a:srgbClr val="699D5F"/>
-              </a:gs>
-              <a:gs pos="100000">
-                <a:srgbClr val="96BB8F"/>
-              </a:gs>
-            </a:gsLst>
-            <a:lin ang="5400000" scaled="true"/>
-          </a:gradFill>
-          <a:ln w="25400">
-            <a:solidFill>
-              <a:schemeClr val="bg1"/>
-            </a:solidFill>
-            <a:round/>
-          </a:ln>
-          <a:effectLst/>
-        </p:spPr>
-        <p:txBody>
-          <a:bodyPr wrap="none" anchor="ctr"/>
-          <a:p>
-            <a:pPr marL="0" marR="0" lvl="0" indent="0" algn="ctr" defTabSz="914400" rtl="0" eaLnBrk="0" fontAlgn="base" latinLnBrk="0" hangingPunct="0">
-              <a:lnSpc>
-                <a:spcPct val="80000"/>
-              </a:lnSpc>
-              <a:spcBef>
-                <a:spcPct val="20000"/>
-              </a:spcBef>
-              <a:spcAft>
-                <a:spcPct val="0"/>
-              </a:spcAft>
-              <a:buClr>
-                <a:schemeClr val="hlink"/>
-              </a:buClr>
-              <a:buSzTx/>
-              <a:buFont typeface="Wingdings" panose="05000000000000000000" pitchFamily="2" charset="2"/>
-              <a:buNone/>
-              <a:defRPr/>
-            </a:pPr>
-            <a:r>
-              <a:rPr kumimoji="0" lang="zh-CN" altLang="en-US" sz="2400" i="0" u="none" strike="noStrike" kern="1200" cap="none" spc="0" normalizeH="0" baseline="0" noProof="0" dirty="0">
-                <a:ln>
-                  <a:noFill/>
-                </a:ln>
-                <a:solidFill>
-                  <a:schemeClr val="tx1"/>
-                </a:solidFill>
-                <a:effectLst/>
-                <a:uLnTx/>
-                <a:uFillTx/>
-                <a:latin typeface="微软雅黑" panose="020B0503020204020204" charset="-122"/>
-                <a:ea typeface="微软雅黑" panose="020B0503020204020204" charset="-122"/>
-                <a:cs typeface="+mn-cs"/>
-              </a:rPr>
-              <a:t>了解信用评级程序、标准，了解信用评级机构运作流程</a:t>
-            </a:r>
-            <a:endParaRPr kumimoji="0" lang="zh-CN" altLang="en-US" sz="2400" i="0" u="none" strike="noStrike" kern="1200" cap="none" spc="0" normalizeH="0" baseline="0" noProof="0" dirty="0">
-              <a:ln>
-                <a:noFill/>
-              </a:ln>
-              <a:solidFill>
-                <a:schemeClr val="tx1"/>
-              </a:solidFill>
-              <a:effectLst/>
-              <a:uLnTx/>
-              <a:uFillTx/>
-              <a:latin typeface="微软雅黑" panose="020B0503020204020204" charset="-122"/>
-              <a:ea typeface="微软雅黑" panose="020B0503020204020204" charset="-122"/>
-              <a:cs typeface="+mn-cs"/>
-            </a:endParaRPr>
-          </a:p>
-        </p:txBody>
-      </p:sp>
-      <p:sp>
-        <p:nvSpPr>
-          <p:cNvPr id="18" name="AutoShape 6"/>
-          <p:cNvSpPr>
-            <a:spLocks noChangeArrowheads="true"/>
-          </p:cNvSpPr>
-          <p:nvPr/>
-        </p:nvSpPr>
-        <p:spPr bwMode="blackWhite">
-          <a:xfrm>
-            <a:off x="3429000" y="2901950"/>
-            <a:ext cx="7762240" cy="611505"/>
-          </a:xfrm>
-          <a:prstGeom prst="roundRect">
-            <a:avLst>
-              <a:gd name="adj" fmla="val 9106"/>
-            </a:avLst>
-          </a:prstGeom>
-          <a:gradFill rotWithShape="true">
-            <a:gsLst>
-              <a:gs pos="0">
-                <a:schemeClr val="hlink"/>
-              </a:gs>
-              <a:gs pos="100000">
-                <a:schemeClr val="hlink">
-                  <a:gamma/>
-                  <a:tint val="69804"/>
-                  <a:invGamma/>
-                </a:schemeClr>
-              </a:gs>
-            </a:gsLst>
-            <a:lin ang="5400000" scaled="true"/>
-          </a:gradFill>
-          <a:ln w="25400">
-            <a:solidFill>
-              <a:schemeClr val="bg1"/>
-            </a:solidFill>
-            <a:round/>
-          </a:ln>
-          <a:effectLst/>
-        </p:spPr>
-        <p:txBody>
-          <a:bodyPr wrap="none" anchor="ctr"/>
-          <a:p>
-            <a:pPr marL="0" marR="0" lvl="0" indent="0" algn="ctr" defTabSz="914400" rtl="0" eaLnBrk="0" fontAlgn="base" latinLnBrk="0" hangingPunct="0">
-              <a:lnSpc>
-                <a:spcPct val="80000"/>
-              </a:lnSpc>
-              <a:spcBef>
-                <a:spcPct val="20000"/>
-              </a:spcBef>
-              <a:spcAft>
-                <a:spcPct val="0"/>
-              </a:spcAft>
-              <a:buClr>
-                <a:schemeClr val="hlink"/>
-              </a:buClr>
-              <a:buSzTx/>
-              <a:buFont typeface="Wingdings" panose="05000000000000000000" pitchFamily="2" charset="2"/>
-              <a:buNone/>
-              <a:defRPr/>
-            </a:pPr>
-            <a:r>
-              <a:rPr kumimoji="0" lang="zh-CN" altLang="en-US" sz="2400" b="1" i="0" u="none" strike="noStrike" kern="1200" cap="none" spc="0" normalizeH="0" baseline="0" noProof="0" dirty="0">
-                <a:ln>
-                  <a:noFill/>
-                </a:ln>
-                <a:solidFill>
-                  <a:schemeClr val="tx1"/>
-                </a:solidFill>
-                <a:effectLst/>
-                <a:uLnTx/>
-                <a:uFillTx/>
-                <a:latin typeface="微软雅黑" panose="020B0503020204020204" charset="-122"/>
-                <a:ea typeface="微软雅黑" panose="020B0503020204020204" charset="-122"/>
-                <a:cs typeface="微软雅黑" panose="020B0503020204020204" charset="-122"/>
-              </a:rPr>
-              <a:t>掌握信用风险计量技术 </a:t>
-            </a:r>
-            <a:endParaRPr kumimoji="0" lang="zh-CN" altLang="en-US" sz="2400" b="1" i="0" u="none" strike="noStrike" kern="1200" cap="none" spc="0" normalizeH="0" baseline="0" noProof="0" dirty="0">
-              <a:ln>
-                <a:noFill/>
-              </a:ln>
-              <a:solidFill>
-                <a:schemeClr val="tx1"/>
-              </a:solidFill>
-              <a:effectLst/>
-              <a:uLnTx/>
-              <a:uFillTx/>
-              <a:latin typeface="微软雅黑" panose="020B0503020204020204" charset="-122"/>
-              <a:ea typeface="微软雅黑" panose="020B0503020204020204" charset="-122"/>
-              <a:cs typeface="微软雅黑" panose="020B0503020204020204" charset="-122"/>
-            </a:endParaRPr>
-          </a:p>
-        </p:txBody>
-      </p:sp>
-    </p:spTree>
-  </p:cSld>
-  <p:clrMapOvr>
-    <a:masterClrMapping/>
-  </p:clrMapOvr>
-  <mc:AlternateContent xmlns:mc="http://schemas.openxmlformats.org/markup-compatibility/2006">
-    <mc:Choice xmlns:p14="http://schemas.microsoft.com/office/powerpoint/2010/main" Requires="p14">
-      <p:transition p14:dur="0" advClick="false" advTm="0"/>
-    </mc:Choice>
-    <mc:Fallback>
-      <p:transition advClick="false" advTm="0"/>
-    </mc:Fallback>
-  </mc:AlternateContent>
-</p:sld>
-</file>
-
-<file path=ppt/slides/slide20.xml><?xml version="1.0" encoding="utf-8"?>
+<file path=ppt/slides/slide19.xml><?xml version="1.0" encoding="utf-8"?>
 <p:sld xmlns:a="http://schemas.openxmlformats.org/drawingml/2006/main" xmlns:r="http://schemas.openxmlformats.org/officeDocument/2006/relationships" xmlns:p="http://schemas.openxmlformats.org/presentationml/2006/main">
   <p:cSld>
     <p:spTree>
@@ -21448,7 +19209,1157 @@
 </p:sld>
 </file>
 
-<file path=ppt/slides/slide21.xml><?xml version="1.0" encoding="utf-8"?>
+<file path=ppt/slides/slide2.xml><?xml version="1.0" encoding="utf-8"?>
+<p:sld xmlns:a="http://schemas.openxmlformats.org/drawingml/2006/main" xmlns:r="http://schemas.openxmlformats.org/officeDocument/2006/relationships" xmlns:p="http://schemas.openxmlformats.org/presentationml/2006/main">
+  <p:cSld>
+    <p:spTree>
+      <p:nvGrpSpPr>
+        <p:cNvPr id="1" name=""/>
+        <p:cNvGrpSpPr/>
+        <p:nvPr/>
+      </p:nvGrpSpPr>
+      <p:grpSpPr>
+        <a:xfrm>
+          <a:off x="0" y="0"/>
+          <a:ext cx="0" cy="0"/>
+          <a:chOff x="0" y="0"/>
+          <a:chExt cx="0" cy="0"/>
+        </a:xfrm>
+      </p:grpSpPr>
+      <p:grpSp>
+        <p:nvGrpSpPr>
+          <p:cNvPr id="31" name="组合 30"/>
+          <p:cNvGrpSpPr/>
+          <p:nvPr/>
+        </p:nvGrpSpPr>
+        <p:grpSpPr>
+          <a:xfrm>
+            <a:off x="-2" y="-6950"/>
+            <a:ext cx="12192002" cy="6864950"/>
+            <a:chOff x="-2" y="2575"/>
+            <a:chExt cx="12192002" cy="6864950"/>
+          </a:xfrm>
+        </p:grpSpPr>
+        <p:pic>
+          <p:nvPicPr>
+            <p:cNvPr id="39" name="图片 38"/>
+            <p:cNvPicPr>
+              <a:picLocks noChangeAspect="true"/>
+            </p:cNvPicPr>
+            <p:nvPr/>
+          </p:nvPicPr>
+          <p:blipFill rotWithShape="true">
+            <a:blip r:embed="rId1" cstate="screen">
+              <a:extLst>
+                <a:ext uri="{BEBA8EAE-BF5A-486C-A8C5-ECC9F3942E4B}">
+                  <a14:imgProps xmlns:a14="http://schemas.microsoft.com/office/drawing/2010/main">
+                    <a14:imgLayer r:embed="rId2">
+                      <a14:imgEffect>
+                        <a14:brightnessContrast bright="9000"/>
+                      </a14:imgEffect>
+                    </a14:imgLayer>
+                  </a14:imgProps>
+                </a:ext>
+              </a:extLst>
+            </a:blip>
+            <a:srcRect/>
+            <a:stretch>
+              <a:fillRect/>
+            </a:stretch>
+          </p:blipFill>
+          <p:spPr>
+            <a:xfrm>
+              <a:off x="-1" y="9525"/>
+              <a:ext cx="12192001" cy="6858000"/>
+            </a:xfrm>
+            <a:prstGeom prst="rect">
+              <a:avLst/>
+            </a:prstGeom>
+          </p:spPr>
+        </p:pic>
+        <p:pic>
+          <p:nvPicPr>
+            <p:cNvPr id="45" name="图片 44"/>
+            <p:cNvPicPr>
+              <a:picLocks noChangeAspect="true"/>
+            </p:cNvPicPr>
+            <p:nvPr/>
+          </p:nvPicPr>
+          <p:blipFill>
+            <a:blip r:embed="rId3">
+              <a:lum bright="70000" contrast="-70000"/>
+            </a:blip>
+            <a:srcRect l="4950"/>
+            <a:stretch>
+              <a:fillRect/>
+            </a:stretch>
+          </p:blipFill>
+          <p:spPr>
+            <a:xfrm>
+              <a:off x="5707965" y="2575"/>
+              <a:ext cx="6484035" cy="77036"/>
+            </a:xfrm>
+            <a:custGeom>
+              <a:avLst/>
+              <a:gdLst>
+                <a:gd name="connsiteX0" fmla="*/ 137250 w 4702465"/>
+                <a:gd name="connsiteY0" fmla="*/ 0 h 222240"/>
+                <a:gd name="connsiteX1" fmla="*/ 4702465 w 4702465"/>
+                <a:gd name="connsiteY1" fmla="*/ 0 h 222240"/>
+                <a:gd name="connsiteX2" fmla="*/ 4702465 w 4702465"/>
+                <a:gd name="connsiteY2" fmla="*/ 222240 h 222240"/>
+                <a:gd name="connsiteX3" fmla="*/ 0 w 4702465"/>
+                <a:gd name="connsiteY3" fmla="*/ 222240 h 222240"/>
+              </a:gdLst>
+              <a:ahLst/>
+              <a:cxnLst>
+                <a:cxn ang="0">
+                  <a:pos x="connsiteX0" y="connsiteY0"/>
+                </a:cxn>
+                <a:cxn ang="0">
+                  <a:pos x="connsiteX1" y="connsiteY1"/>
+                </a:cxn>
+                <a:cxn ang="0">
+                  <a:pos x="connsiteX2" y="connsiteY2"/>
+                </a:cxn>
+                <a:cxn ang="0">
+                  <a:pos x="connsiteX3" y="connsiteY3"/>
+                </a:cxn>
+              </a:cxnLst>
+              <a:rect l="l" t="t" r="r" b="b"/>
+              <a:pathLst>
+                <a:path w="4702465" h="222240">
+                  <a:moveTo>
+                    <a:pt x="137250" y="0"/>
+                  </a:moveTo>
+                  <a:lnTo>
+                    <a:pt x="4702465" y="0"/>
+                  </a:lnTo>
+                  <a:lnTo>
+                    <a:pt x="4702465" y="222240"/>
+                  </a:lnTo>
+                  <a:lnTo>
+                    <a:pt x="0" y="222240"/>
+                  </a:lnTo>
+                  <a:close/>
+                </a:path>
+              </a:pathLst>
+            </a:custGeom>
+            <a:solidFill>
+              <a:schemeClr val="bg1"/>
+            </a:solidFill>
+          </p:spPr>
+        </p:pic>
+        <p:pic>
+          <p:nvPicPr>
+            <p:cNvPr id="46" name="图片 45"/>
+            <p:cNvPicPr>
+              <a:picLocks noChangeAspect="true"/>
+            </p:cNvPicPr>
+            <p:nvPr/>
+          </p:nvPicPr>
+          <p:blipFill>
+            <a:blip r:embed="rId3">
+              <a:lum bright="70000" contrast="-70000"/>
+            </a:blip>
+            <a:srcRect l="4950" r="26116"/>
+            <a:stretch>
+              <a:fillRect/>
+            </a:stretch>
+          </p:blipFill>
+          <p:spPr>
+            <a:xfrm flipH="true" flipV="true">
+              <a:off x="-2" y="2575"/>
+              <a:ext cx="4702465" cy="77036"/>
+            </a:xfrm>
+            <a:custGeom>
+              <a:avLst/>
+              <a:gdLst>
+                <a:gd name="connsiteX0" fmla="*/ 137250 w 4702465"/>
+                <a:gd name="connsiteY0" fmla="*/ 0 h 222240"/>
+                <a:gd name="connsiteX1" fmla="*/ 4702465 w 4702465"/>
+                <a:gd name="connsiteY1" fmla="*/ 0 h 222240"/>
+                <a:gd name="connsiteX2" fmla="*/ 4702465 w 4702465"/>
+                <a:gd name="connsiteY2" fmla="*/ 222240 h 222240"/>
+                <a:gd name="connsiteX3" fmla="*/ 0 w 4702465"/>
+                <a:gd name="connsiteY3" fmla="*/ 222240 h 222240"/>
+              </a:gdLst>
+              <a:ahLst/>
+              <a:cxnLst>
+                <a:cxn ang="0">
+                  <a:pos x="connsiteX0" y="connsiteY0"/>
+                </a:cxn>
+                <a:cxn ang="0">
+                  <a:pos x="connsiteX1" y="connsiteY1"/>
+                </a:cxn>
+                <a:cxn ang="0">
+                  <a:pos x="connsiteX2" y="connsiteY2"/>
+                </a:cxn>
+                <a:cxn ang="0">
+                  <a:pos x="connsiteX3" y="connsiteY3"/>
+                </a:cxn>
+              </a:cxnLst>
+              <a:rect l="l" t="t" r="r" b="b"/>
+              <a:pathLst>
+                <a:path w="4702465" h="222240">
+                  <a:moveTo>
+                    <a:pt x="137250" y="0"/>
+                  </a:moveTo>
+                  <a:lnTo>
+                    <a:pt x="4702465" y="0"/>
+                  </a:lnTo>
+                  <a:lnTo>
+                    <a:pt x="4702465" y="222240"/>
+                  </a:lnTo>
+                  <a:lnTo>
+                    <a:pt x="0" y="222240"/>
+                  </a:lnTo>
+                  <a:close/>
+                </a:path>
+              </a:pathLst>
+            </a:custGeom>
+            <a:solidFill>
+              <a:schemeClr val="bg1"/>
+            </a:solidFill>
+          </p:spPr>
+        </p:pic>
+        <p:pic>
+          <p:nvPicPr>
+            <p:cNvPr id="47" name="图片 46"/>
+            <p:cNvPicPr>
+              <a:picLocks noChangeAspect="true"/>
+            </p:cNvPicPr>
+            <p:nvPr/>
+          </p:nvPicPr>
+          <p:blipFill>
+            <a:blip r:embed="rId3">
+              <a:lum bright="70000" contrast="-70000"/>
+            </a:blip>
+            <a:srcRect l="4950"/>
+            <a:stretch>
+              <a:fillRect/>
+            </a:stretch>
+          </p:blipFill>
+          <p:spPr>
+            <a:xfrm rot="10800000">
+              <a:off x="-2" y="6765558"/>
+              <a:ext cx="6484035" cy="95234"/>
+            </a:xfrm>
+            <a:custGeom>
+              <a:avLst/>
+              <a:gdLst>
+                <a:gd name="connsiteX0" fmla="*/ 137250 w 4702465"/>
+                <a:gd name="connsiteY0" fmla="*/ 0 h 222240"/>
+                <a:gd name="connsiteX1" fmla="*/ 4702465 w 4702465"/>
+                <a:gd name="connsiteY1" fmla="*/ 0 h 222240"/>
+                <a:gd name="connsiteX2" fmla="*/ 4702465 w 4702465"/>
+                <a:gd name="connsiteY2" fmla="*/ 222240 h 222240"/>
+                <a:gd name="connsiteX3" fmla="*/ 0 w 4702465"/>
+                <a:gd name="connsiteY3" fmla="*/ 222240 h 222240"/>
+              </a:gdLst>
+              <a:ahLst/>
+              <a:cxnLst>
+                <a:cxn ang="0">
+                  <a:pos x="connsiteX0" y="connsiteY0"/>
+                </a:cxn>
+                <a:cxn ang="0">
+                  <a:pos x="connsiteX1" y="connsiteY1"/>
+                </a:cxn>
+                <a:cxn ang="0">
+                  <a:pos x="connsiteX2" y="connsiteY2"/>
+                </a:cxn>
+                <a:cxn ang="0">
+                  <a:pos x="connsiteX3" y="connsiteY3"/>
+                </a:cxn>
+              </a:cxnLst>
+              <a:rect l="l" t="t" r="r" b="b"/>
+              <a:pathLst>
+                <a:path w="4702465" h="222240">
+                  <a:moveTo>
+                    <a:pt x="137250" y="0"/>
+                  </a:moveTo>
+                  <a:lnTo>
+                    <a:pt x="4702465" y="0"/>
+                  </a:lnTo>
+                  <a:lnTo>
+                    <a:pt x="4702465" y="222240"/>
+                  </a:lnTo>
+                  <a:lnTo>
+                    <a:pt x="0" y="222240"/>
+                  </a:lnTo>
+                  <a:close/>
+                </a:path>
+              </a:pathLst>
+            </a:custGeom>
+            <a:solidFill>
+              <a:schemeClr val="bg1"/>
+            </a:solidFill>
+          </p:spPr>
+        </p:pic>
+        <p:pic>
+          <p:nvPicPr>
+            <p:cNvPr id="48" name="图片 47"/>
+            <p:cNvPicPr>
+              <a:picLocks noChangeAspect="true"/>
+            </p:cNvPicPr>
+            <p:nvPr/>
+          </p:nvPicPr>
+          <p:blipFill>
+            <a:blip r:embed="rId3">
+              <a:lum bright="70000" contrast="-70000"/>
+            </a:blip>
+            <a:srcRect l="4950" r="26116"/>
+            <a:stretch>
+              <a:fillRect/>
+            </a:stretch>
+          </p:blipFill>
+          <p:spPr>
+            <a:xfrm rot="10800000" flipH="true" flipV="true">
+              <a:off x="7489535" y="6765558"/>
+              <a:ext cx="4702465" cy="95234"/>
+            </a:xfrm>
+            <a:custGeom>
+              <a:avLst/>
+              <a:gdLst>
+                <a:gd name="connsiteX0" fmla="*/ 137250 w 4702465"/>
+                <a:gd name="connsiteY0" fmla="*/ 0 h 222240"/>
+                <a:gd name="connsiteX1" fmla="*/ 4702465 w 4702465"/>
+                <a:gd name="connsiteY1" fmla="*/ 0 h 222240"/>
+                <a:gd name="connsiteX2" fmla="*/ 4702465 w 4702465"/>
+                <a:gd name="connsiteY2" fmla="*/ 222240 h 222240"/>
+                <a:gd name="connsiteX3" fmla="*/ 0 w 4702465"/>
+                <a:gd name="connsiteY3" fmla="*/ 222240 h 222240"/>
+              </a:gdLst>
+              <a:ahLst/>
+              <a:cxnLst>
+                <a:cxn ang="0">
+                  <a:pos x="connsiteX0" y="connsiteY0"/>
+                </a:cxn>
+                <a:cxn ang="0">
+                  <a:pos x="connsiteX1" y="connsiteY1"/>
+                </a:cxn>
+                <a:cxn ang="0">
+                  <a:pos x="connsiteX2" y="connsiteY2"/>
+                </a:cxn>
+                <a:cxn ang="0">
+                  <a:pos x="connsiteX3" y="connsiteY3"/>
+                </a:cxn>
+              </a:cxnLst>
+              <a:rect l="l" t="t" r="r" b="b"/>
+              <a:pathLst>
+                <a:path w="4702465" h="222240">
+                  <a:moveTo>
+                    <a:pt x="137250" y="0"/>
+                  </a:moveTo>
+                  <a:lnTo>
+                    <a:pt x="4702465" y="0"/>
+                  </a:lnTo>
+                  <a:lnTo>
+                    <a:pt x="4702465" y="222240"/>
+                  </a:lnTo>
+                  <a:lnTo>
+                    <a:pt x="0" y="222240"/>
+                  </a:lnTo>
+                  <a:close/>
+                </a:path>
+              </a:pathLst>
+            </a:custGeom>
+            <a:solidFill>
+              <a:schemeClr val="bg1"/>
+            </a:solidFill>
+          </p:spPr>
+        </p:pic>
+      </p:grpSp>
+      <p:pic>
+        <p:nvPicPr>
+          <p:cNvPr id="12" name="图片 11"/>
+          <p:cNvPicPr>
+            <a:picLocks noChangeAspect="true"/>
+          </p:cNvPicPr>
+          <p:nvPr/>
+        </p:nvPicPr>
+        <p:blipFill>
+          <a:blip r:embed="rId3"/>
+          <a:stretch>
+            <a:fillRect/>
+          </a:stretch>
+        </p:blipFill>
+        <p:spPr>
+          <a:xfrm rot="10800000">
+            <a:off x="0" y="79375"/>
+            <a:ext cx="12192000" cy="638175"/>
+          </a:xfrm>
+          <a:prstGeom prst="rect">
+            <a:avLst/>
+          </a:prstGeom>
+          <a:solidFill>
+            <a:schemeClr val="bg1"/>
+          </a:solidFill>
+        </p:spPr>
+      </p:pic>
+      <p:sp>
+        <p:nvSpPr>
+          <p:cNvPr id="14" name="文本框 13"/>
+          <p:cNvSpPr txBox="true"/>
+          <p:nvPr/>
+        </p:nvSpPr>
+        <p:spPr>
+          <a:xfrm>
+            <a:off x="314325" y="137160"/>
+            <a:ext cx="9579610" cy="583565"/>
+          </a:xfrm>
+          <a:prstGeom prst="rect">
+            <a:avLst/>
+          </a:prstGeom>
+          <a:noFill/>
+        </p:spPr>
+        <p:txBody>
+          <a:bodyPr wrap="square" rtlCol="0">
+            <a:spAutoFit/>
+          </a:bodyPr>
+          <a:p>
+            <a:r>
+              <a:rPr lang="zh-CN" sz="3200" dirty="0">
+                <a:solidFill>
+                  <a:schemeClr val="bg1"/>
+                </a:solidFill>
+                <a:latin typeface="微软雅黑" panose="020B0503020204020204" charset="-122"/>
+                <a:ea typeface="微软雅黑" panose="020B0503020204020204" charset="-122"/>
+              </a:rPr>
+              <a:t>本章简介</a:t>
+            </a:r>
+            <a:endParaRPr lang="zh-CN" sz="3200" dirty="0">
+              <a:solidFill>
+                <a:schemeClr val="bg1"/>
+              </a:solidFill>
+              <a:latin typeface="微软雅黑" panose="020B0503020204020204" charset="-122"/>
+              <a:ea typeface="微软雅黑" panose="020B0503020204020204" charset="-122"/>
+            </a:endParaRPr>
+          </a:p>
+        </p:txBody>
+      </p:sp>
+      <p:sp>
+        <p:nvSpPr>
+          <p:cNvPr id="4" name="Rectangle 2"/>
+          <p:cNvSpPr>
+            <a:spLocks noGrp="true"/>
+          </p:cNvSpPr>
+          <p:nvPr>
+            <p:ph type="title"/>
+          </p:nvPr>
+        </p:nvSpPr>
+        <p:spPr>
+          <a:xfrm>
+            <a:off x="2288540" y="3790315"/>
+            <a:ext cx="669290" cy="2041525"/>
+          </a:xfrm>
+        </p:spPr>
+        <p:txBody>
+          <a:bodyPr vert="horz" wrap="square" lIns="91440" tIns="45720" rIns="91440" bIns="45720" anchor="ctr" anchorCtr="false">
+            <a:normAutofit/>
+          </a:bodyPr>
+          <a:p>
+            <a:pPr eaLnBrk="1" hangingPunct="1"/>
+            <a:r>
+              <a:rPr lang="zh-CN" altLang="en-US" sz="2800" dirty="0">
+                <a:solidFill>
+                  <a:schemeClr val="tx1"/>
+                </a:solidFill>
+                <a:effectLst>
+                  <a:outerShdw blurRad="38100" dist="19050" dir="2700000" algn="tl" rotWithShape="0">
+                    <a:schemeClr val="dk1">
+                      <a:alpha val="40000"/>
+                    </a:schemeClr>
+                  </a:outerShdw>
+                </a:effectLst>
+                <a:latin typeface="微软雅黑" panose="020B0503020204020204" charset="-122"/>
+                <a:ea typeface="微软雅黑" panose="020B0503020204020204" charset="-122"/>
+              </a:rPr>
+              <a:t>本章大纲</a:t>
+            </a:r>
+            <a:endParaRPr lang="zh-CN" altLang="en-US" sz="2800" dirty="0">
+              <a:solidFill>
+                <a:schemeClr val="tx1"/>
+              </a:solidFill>
+              <a:effectLst>
+                <a:outerShdw blurRad="38100" dist="19050" dir="2700000" algn="tl" rotWithShape="0">
+                  <a:schemeClr val="dk1">
+                    <a:alpha val="40000"/>
+                  </a:schemeClr>
+                </a:outerShdw>
+              </a:effectLst>
+              <a:latin typeface="微软雅黑" panose="020B0503020204020204" charset="-122"/>
+              <a:ea typeface="微软雅黑" panose="020B0503020204020204" charset="-122"/>
+            </a:endParaRPr>
+          </a:p>
+        </p:txBody>
+      </p:sp>
+      <p:sp>
+        <p:nvSpPr>
+          <p:cNvPr id="9" name="Rectangle 83"/>
+          <p:cNvSpPr>
+            <a:spLocks noChangeArrowheads="true"/>
+          </p:cNvSpPr>
+          <p:nvPr/>
+        </p:nvSpPr>
+        <p:spPr bwMode="auto">
+          <a:xfrm>
+            <a:off x="4131945" y="3928110"/>
+            <a:ext cx="4276725" cy="2122805"/>
+          </a:xfrm>
+          <a:prstGeom prst="rect">
+            <a:avLst/>
+          </a:prstGeom>
+          <a:noFill/>
+          <a:ln w="9525" algn="ctr">
+            <a:noFill/>
+            <a:miter lim="800000"/>
+          </a:ln>
+          <a:effectLst/>
+        </p:spPr>
+        <p:txBody>
+          <a:bodyPr wrap="square" anchor="ctr">
+            <a:spAutoFit/>
+          </a:bodyPr>
+          <a:p>
+            <a:pPr marL="0" marR="0" lvl="0" indent="0" algn="l" defTabSz="914400" rtl="0" fontAlgn="base">
+              <a:lnSpc>
+                <a:spcPct val="150000"/>
+              </a:lnSpc>
+              <a:spcBef>
+                <a:spcPct val="0"/>
+              </a:spcBef>
+              <a:spcAft>
+                <a:spcPct val="0"/>
+              </a:spcAft>
+              <a:buClrTx/>
+              <a:buSzTx/>
+              <a:buFontTx/>
+              <a:buNone/>
+              <a:defRPr/>
+            </a:pPr>
+            <a:r>
+              <a:rPr kumimoji="0" lang="zh-CN" altLang="en-US" sz="2400" i="0" u="none" strike="noStrike" kern="1200" cap="none" spc="0" normalizeH="0" baseline="0" noProof="0" dirty="0">
+                <a:ln>
+                  <a:noFill/>
+                </a:ln>
+                <a:effectLst/>
+                <a:uLnTx/>
+                <a:uFillTx/>
+                <a:latin typeface="微软雅黑" panose="020B0503020204020204" charset="-122"/>
+                <a:ea typeface="微软雅黑" panose="020B0503020204020204" charset="-122"/>
+                <a:cs typeface="微软雅黑" panose="020B0503020204020204" charset="-122"/>
+              </a:rPr>
+              <a:t>第一节  信用评级</a:t>
+            </a:r>
+            <a:endParaRPr kumimoji="0" lang="zh-CN" altLang="en-US" sz="2400" i="0" u="none" strike="noStrike" kern="1200" cap="none" spc="0" normalizeH="0" baseline="0" noProof="0" dirty="0">
+              <a:ln>
+                <a:noFill/>
+              </a:ln>
+              <a:solidFill>
+                <a:schemeClr val="tx1"/>
+              </a:solidFill>
+              <a:effectLst/>
+              <a:uLnTx/>
+              <a:uFillTx/>
+              <a:latin typeface="微软雅黑" panose="020B0503020204020204" charset="-122"/>
+              <a:ea typeface="微软雅黑" panose="020B0503020204020204" charset="-122"/>
+              <a:cs typeface="微软雅黑" panose="020B0503020204020204" charset="-122"/>
+            </a:endParaRPr>
+          </a:p>
+          <a:p>
+            <a:pPr marL="0" marR="0" lvl="0" indent="0" algn="l" defTabSz="914400" rtl="0" fontAlgn="base">
+              <a:lnSpc>
+                <a:spcPct val="150000"/>
+              </a:lnSpc>
+              <a:spcBef>
+                <a:spcPct val="0"/>
+              </a:spcBef>
+              <a:spcAft>
+                <a:spcPct val="0"/>
+              </a:spcAft>
+              <a:buClrTx/>
+              <a:buSzTx/>
+              <a:buFontTx/>
+              <a:buNone/>
+              <a:defRPr/>
+            </a:pPr>
+            <a:r>
+              <a:rPr kumimoji="0" lang="zh-CN" altLang="en-US" sz="2400" i="0" u="none" strike="noStrike" kern="1200" cap="none" spc="0" normalizeH="0" baseline="0" noProof="0" dirty="0">
+                <a:ln w="12700" cmpd="sng">
+                  <a:solidFill>
+                    <a:schemeClr val="accent4"/>
+                  </a:solidFill>
+                  <a:prstDash val="solid"/>
+                </a:ln>
+                <a:gradFill>
+                  <a:gsLst>
+                    <a:gs pos="0">
+                      <a:schemeClr val="accent4"/>
+                    </a:gs>
+                    <a:gs pos="4000">
+                      <a:schemeClr val="accent4">
+                        <a:lumMod val="60000"/>
+                        <a:lumOff val="40000"/>
+                      </a:schemeClr>
+                    </a:gs>
+                    <a:gs pos="87000">
+                      <a:schemeClr val="accent4">
+                        <a:lumMod val="20000"/>
+                        <a:lumOff val="80000"/>
+                      </a:schemeClr>
+                    </a:gs>
+                  </a:gsLst>
+                  <a:lin ang="5400000"/>
+                </a:gradFill>
+                <a:effectLst/>
+                <a:uLnTx/>
+                <a:uFillTx/>
+                <a:latin typeface="微软雅黑" panose="020B0503020204020204" charset="-122"/>
+                <a:ea typeface="微软雅黑" panose="020B0503020204020204" charset="-122"/>
+                <a:cs typeface="微软雅黑" panose="020B0503020204020204" charset="-122"/>
+              </a:rPr>
+              <a:t>第二节  征信概述</a:t>
+            </a:r>
+            <a:r>
+              <a:rPr kumimoji="0" lang="zh-CN" altLang="en-US" sz="2400" b="1" i="0" u="none" strike="noStrike" kern="1200" cap="none" spc="0" normalizeH="0" baseline="0" noProof="0" dirty="0">
+                <a:ln w="12700" cmpd="sng">
+                  <a:solidFill>
+                    <a:schemeClr val="accent4"/>
+                  </a:solidFill>
+                  <a:prstDash val="solid"/>
+                </a:ln>
+                <a:gradFill>
+                  <a:gsLst>
+                    <a:gs pos="0">
+                      <a:schemeClr val="accent4"/>
+                    </a:gs>
+                    <a:gs pos="4000">
+                      <a:schemeClr val="accent4">
+                        <a:lumMod val="60000"/>
+                        <a:lumOff val="40000"/>
+                      </a:schemeClr>
+                    </a:gs>
+                    <a:gs pos="87000">
+                      <a:schemeClr val="accent4">
+                        <a:lumMod val="20000"/>
+                        <a:lumOff val="80000"/>
+                      </a:schemeClr>
+                    </a:gs>
+                  </a:gsLst>
+                  <a:lin ang="5400000"/>
+                </a:gradFill>
+                <a:effectLst/>
+                <a:uLnTx/>
+                <a:uFillTx/>
+                <a:latin typeface="微软雅黑" panose="020B0503020204020204" charset="-122"/>
+                <a:ea typeface="微软雅黑" panose="020B0503020204020204" charset="-122"/>
+                <a:cs typeface="微软雅黑" panose="020B0503020204020204" charset="-122"/>
+              </a:rPr>
+              <a:t> </a:t>
+            </a:r>
+            <a:endParaRPr kumimoji="0" lang="zh-CN" altLang="en-US" sz="2400" i="0" u="none" strike="noStrike" kern="1200" cap="none" spc="0" normalizeH="0" baseline="0" noProof="0" dirty="0">
+              <a:ln>
+                <a:noFill/>
+              </a:ln>
+              <a:solidFill>
+                <a:schemeClr val="tx1"/>
+              </a:solidFill>
+              <a:effectLst/>
+              <a:uLnTx/>
+              <a:uFillTx/>
+              <a:latin typeface="微软雅黑" panose="020B0503020204020204" charset="-122"/>
+              <a:ea typeface="微软雅黑" panose="020B0503020204020204" charset="-122"/>
+              <a:cs typeface="微软雅黑" panose="020B0503020204020204" charset="-122"/>
+            </a:endParaRPr>
+          </a:p>
+          <a:p>
+            <a:pPr marL="0" marR="0" lvl="0" indent="0" algn="l" defTabSz="914400" rtl="0" fontAlgn="base">
+              <a:lnSpc>
+                <a:spcPct val="150000"/>
+              </a:lnSpc>
+              <a:spcBef>
+                <a:spcPct val="0"/>
+              </a:spcBef>
+              <a:spcAft>
+                <a:spcPct val="0"/>
+              </a:spcAft>
+              <a:buClrTx/>
+              <a:buSzTx/>
+              <a:buFontTx/>
+              <a:buNone/>
+              <a:defRPr/>
+            </a:pPr>
+            <a:r>
+              <a:rPr kumimoji="0" lang="zh-CN" altLang="en-US" sz="2400" i="0" u="none" strike="noStrike" kern="1200" cap="none" spc="0" normalizeH="0" baseline="0" noProof="0" dirty="0">
+                <a:ln>
+                  <a:noFill/>
+                </a:ln>
+                <a:effectLst/>
+                <a:uLnTx/>
+                <a:uFillTx/>
+                <a:latin typeface="微软雅黑" panose="020B0503020204020204" charset="-122"/>
+                <a:ea typeface="微软雅黑" panose="020B0503020204020204" charset="-122"/>
+                <a:cs typeface="微软雅黑" panose="020B0503020204020204" charset="-122"/>
+              </a:rPr>
+              <a:t>第三节  信用风险计量模型</a:t>
+            </a:r>
+            <a:r>
+              <a:rPr kumimoji="0" lang="zh-CN" altLang="en-US" sz="2400" i="0" u="none" strike="noStrike" kern="1200" cap="none" spc="0" normalizeH="0" baseline="0" noProof="0" dirty="0">
+                <a:ln>
+                  <a:noFill/>
+                </a:ln>
+                <a:solidFill>
+                  <a:schemeClr val="tx1"/>
+                </a:solidFill>
+                <a:effectLst/>
+                <a:uLnTx/>
+                <a:uFillTx/>
+                <a:latin typeface="微软雅黑" panose="020B0503020204020204" charset="-122"/>
+                <a:ea typeface="微软雅黑" panose="020B0503020204020204" charset="-122"/>
+                <a:cs typeface="微软雅黑" panose="020B0503020204020204" charset="-122"/>
+              </a:rPr>
+              <a:t> </a:t>
+            </a:r>
+            <a:endParaRPr kumimoji="0" lang="zh-CN" altLang="en-US" sz="2400" i="0" u="none" strike="noStrike" kern="1200" cap="none" spc="0" normalizeH="0" baseline="0" noProof="0" dirty="0">
+              <a:ln>
+                <a:noFill/>
+              </a:ln>
+              <a:solidFill>
+                <a:schemeClr val="tx1"/>
+              </a:solidFill>
+              <a:effectLst/>
+              <a:uLnTx/>
+              <a:uFillTx/>
+              <a:latin typeface="微软雅黑" panose="020B0503020204020204" charset="-122"/>
+              <a:ea typeface="微软雅黑" panose="020B0503020204020204" charset="-122"/>
+              <a:cs typeface="微软雅黑" panose="020B0503020204020204" charset="-122"/>
+            </a:endParaRPr>
+          </a:p>
+          <a:p>
+            <a:pPr marL="0" marR="0" lvl="0" indent="0" algn="l" defTabSz="914400" rtl="0" eaLnBrk="1" fontAlgn="base" latinLnBrk="0" hangingPunct="1">
+              <a:lnSpc>
+                <a:spcPct val="100000"/>
+              </a:lnSpc>
+              <a:spcBef>
+                <a:spcPct val="0"/>
+              </a:spcBef>
+              <a:spcAft>
+                <a:spcPct val="0"/>
+              </a:spcAft>
+              <a:buClrTx/>
+              <a:buSzTx/>
+              <a:buFontTx/>
+              <a:buNone/>
+              <a:defRPr/>
+            </a:pPr>
+            <a:endParaRPr kumimoji="0" lang="zh-CN" altLang="en-US" sz="2400" i="0" u="none" strike="noStrike" kern="1200" cap="none" spc="0" normalizeH="0" baseline="0" noProof="0" dirty="0">
+              <a:ln>
+                <a:noFill/>
+              </a:ln>
+              <a:solidFill>
+                <a:schemeClr val="tx1"/>
+              </a:solidFill>
+              <a:effectLst/>
+              <a:uLnTx/>
+              <a:uFillTx/>
+              <a:latin typeface="微软雅黑" panose="020B0503020204020204" charset="-122"/>
+              <a:ea typeface="微软雅黑" panose="020B0503020204020204" charset="-122"/>
+              <a:cs typeface="微软雅黑" panose="020B0503020204020204" charset="-122"/>
+            </a:endParaRPr>
+          </a:p>
+        </p:txBody>
+      </p:sp>
+      <p:sp>
+        <p:nvSpPr>
+          <p:cNvPr id="10" name="Rectangle 84"/>
+          <p:cNvSpPr>
+            <a:spLocks noChangeArrowheads="true"/>
+          </p:cNvSpPr>
+          <p:nvPr/>
+        </p:nvSpPr>
+        <p:spPr bwMode="auto">
+          <a:xfrm>
+            <a:off x="2288540" y="1738154"/>
+            <a:ext cx="601663" cy="1468755"/>
+          </a:xfrm>
+          <a:prstGeom prst="rect">
+            <a:avLst/>
+          </a:prstGeom>
+          <a:noFill/>
+          <a:ln w="9525" algn="ctr">
+            <a:noFill/>
+            <a:miter lim="800000"/>
+          </a:ln>
+          <a:effectLst/>
+        </p:spPr>
+        <p:txBody>
+          <a:bodyPr anchor="ctr">
+            <a:spAutoFit/>
+          </a:bodyPr>
+          <a:p>
+            <a:pPr marL="0" marR="0" lvl="0" indent="0" algn="l" defTabSz="914400" rtl="0" eaLnBrk="1" fontAlgn="base" latinLnBrk="0" hangingPunct="1">
+              <a:lnSpc>
+                <a:spcPct val="80000"/>
+              </a:lnSpc>
+              <a:spcBef>
+                <a:spcPct val="20000"/>
+              </a:spcBef>
+              <a:spcAft>
+                <a:spcPct val="0"/>
+              </a:spcAft>
+              <a:buClr>
+                <a:schemeClr val="hlink"/>
+              </a:buClr>
+              <a:buSzTx/>
+              <a:buFont typeface="Wingdings" panose="05000000000000000000" pitchFamily="2" charset="2"/>
+              <a:buNone/>
+              <a:tabLst>
+                <a:tab pos="266700" algn="l"/>
+              </a:tabLst>
+              <a:defRPr/>
+            </a:pPr>
+            <a:r>
+              <a:rPr kumimoji="0" lang="zh-CN" altLang="en-US" sz="2800" i="0" u="none" strike="noStrike" kern="1200" cap="none" spc="0" normalizeH="0" baseline="0" noProof="0" dirty="0">
+                <a:solidFill>
+                  <a:schemeClr val="tx1"/>
+                </a:solidFill>
+                <a:effectLst>
+                  <a:outerShdw blurRad="38100" dist="19050" dir="2700000" algn="tl" rotWithShape="0">
+                    <a:schemeClr val="dk1">
+                      <a:alpha val="40000"/>
+                    </a:schemeClr>
+                  </a:outerShdw>
+                </a:effectLst>
+                <a:uLnTx/>
+                <a:uFillTx/>
+                <a:latin typeface="微软雅黑" panose="020B0503020204020204" charset="-122"/>
+                <a:ea typeface="微软雅黑" panose="020B0503020204020204" charset="-122"/>
+                <a:cs typeface="+mn-cs"/>
+              </a:rPr>
+              <a:t>学习目标</a:t>
+            </a:r>
+            <a:endParaRPr kumimoji="0" lang="zh-CN" altLang="en-US" sz="2800" i="0" u="none" strike="noStrike" kern="1200" cap="none" spc="0" normalizeH="0" baseline="0" noProof="0" dirty="0">
+              <a:solidFill>
+                <a:schemeClr val="tx1"/>
+              </a:solidFill>
+              <a:effectLst>
+                <a:outerShdw blurRad="38100" dist="19050" dir="2700000" algn="tl" rotWithShape="0">
+                  <a:schemeClr val="dk1">
+                    <a:alpha val="40000"/>
+                  </a:schemeClr>
+                </a:outerShdw>
+              </a:effectLst>
+              <a:uLnTx/>
+              <a:uFillTx/>
+              <a:latin typeface="微软雅黑" panose="020B0503020204020204" charset="-122"/>
+              <a:ea typeface="微软雅黑" panose="020B0503020204020204" charset="-122"/>
+              <a:cs typeface="+mn-cs"/>
+            </a:endParaRPr>
+          </a:p>
+        </p:txBody>
+      </p:sp>
+      <p:sp>
+        <p:nvSpPr>
+          <p:cNvPr id="11" name="AutoShape 4"/>
+          <p:cNvSpPr>
+            <a:spLocks noChangeArrowheads="true"/>
+          </p:cNvSpPr>
+          <p:nvPr/>
+        </p:nvSpPr>
+        <p:spPr bwMode="blackWhite">
+          <a:xfrm>
+            <a:off x="3429000" y="1564005"/>
+            <a:ext cx="7762240" cy="495300"/>
+          </a:xfrm>
+          <a:prstGeom prst="roundRect">
+            <a:avLst>
+              <a:gd name="adj" fmla="val 9106"/>
+            </a:avLst>
+          </a:prstGeom>
+          <a:gradFill rotWithShape="true">
+            <a:gsLst>
+              <a:gs pos="0">
+                <a:schemeClr val="accent2"/>
+              </a:gs>
+              <a:gs pos="100000">
+                <a:schemeClr val="accent2">
+                  <a:gamma/>
+                  <a:tint val="69804"/>
+                  <a:invGamma/>
+                </a:schemeClr>
+              </a:gs>
+            </a:gsLst>
+            <a:lin ang="5400000" scaled="true"/>
+          </a:gradFill>
+          <a:ln w="25400">
+            <a:solidFill>
+              <a:schemeClr val="bg1"/>
+            </a:solidFill>
+            <a:round/>
+          </a:ln>
+          <a:effectLst/>
+        </p:spPr>
+        <p:txBody>
+          <a:bodyPr wrap="none" anchor="ctr"/>
+          <a:p>
+            <a:pPr marL="0" marR="0" lvl="0" indent="0" algn="ctr" defTabSz="914400" rtl="0" eaLnBrk="0" fontAlgn="base" latinLnBrk="0" hangingPunct="0">
+              <a:lnSpc>
+                <a:spcPct val="80000"/>
+              </a:lnSpc>
+              <a:spcBef>
+                <a:spcPct val="20000"/>
+              </a:spcBef>
+              <a:spcAft>
+                <a:spcPct val="0"/>
+              </a:spcAft>
+              <a:buClr>
+                <a:schemeClr val="hlink"/>
+              </a:buClr>
+              <a:buSzTx/>
+              <a:buFont typeface="Wingdings" panose="05000000000000000000" pitchFamily="2" charset="2"/>
+              <a:buNone/>
+              <a:defRPr/>
+            </a:pPr>
+            <a:r>
+              <a:rPr kumimoji="0" lang="zh-CN" altLang="en-US" sz="2400" i="0" u="none" strike="noStrike" kern="1200" cap="none" spc="0" normalizeH="0" baseline="0" noProof="0" dirty="0">
+                <a:ln>
+                  <a:noFill/>
+                </a:ln>
+                <a:solidFill>
+                  <a:schemeClr val="tx1"/>
+                </a:solidFill>
+                <a:effectLst/>
+                <a:uLnTx/>
+                <a:uFillTx/>
+                <a:latin typeface="微软雅黑" panose="020B0503020204020204" charset="-122"/>
+                <a:ea typeface="微软雅黑" panose="020B0503020204020204" charset="-122"/>
+                <a:cs typeface="+mn-cs"/>
+              </a:rPr>
+              <a:t>了解征信的渠道和征信调查方法</a:t>
+            </a:r>
+            <a:endParaRPr kumimoji="0" lang="zh-CN" altLang="en-US" sz="2400" i="0" u="none" strike="noStrike" kern="1200" cap="none" spc="0" normalizeH="0" baseline="0" noProof="0" dirty="0">
+              <a:ln>
+                <a:noFill/>
+              </a:ln>
+              <a:solidFill>
+                <a:schemeClr val="tx1"/>
+              </a:solidFill>
+              <a:effectLst/>
+              <a:uLnTx/>
+              <a:uFillTx/>
+              <a:latin typeface="微软雅黑" panose="020B0503020204020204" charset="-122"/>
+              <a:ea typeface="微软雅黑" panose="020B0503020204020204" charset="-122"/>
+              <a:cs typeface="+mn-cs"/>
+            </a:endParaRPr>
+          </a:p>
+        </p:txBody>
+      </p:sp>
+      <p:sp>
+        <p:nvSpPr>
+          <p:cNvPr id="17" name="AutoShape 5"/>
+          <p:cNvSpPr>
+            <a:spLocks noChangeArrowheads="true"/>
+          </p:cNvSpPr>
+          <p:nvPr/>
+        </p:nvSpPr>
+        <p:spPr bwMode="blackWhite">
+          <a:xfrm>
+            <a:off x="3429000" y="2152650"/>
+            <a:ext cx="7762240" cy="655955"/>
+          </a:xfrm>
+          <a:prstGeom prst="roundRect">
+            <a:avLst>
+              <a:gd name="adj" fmla="val 9106"/>
+            </a:avLst>
+          </a:prstGeom>
+          <a:gradFill rotWithShape="true">
+            <a:gsLst>
+              <a:gs pos="0">
+                <a:srgbClr val="699D5F"/>
+              </a:gs>
+              <a:gs pos="100000">
+                <a:srgbClr val="96BB8F"/>
+              </a:gs>
+            </a:gsLst>
+            <a:lin ang="5400000" scaled="true"/>
+          </a:gradFill>
+          <a:ln w="25400">
+            <a:solidFill>
+              <a:schemeClr val="bg1"/>
+            </a:solidFill>
+            <a:round/>
+          </a:ln>
+          <a:effectLst/>
+        </p:spPr>
+        <p:txBody>
+          <a:bodyPr wrap="none" anchor="ctr"/>
+          <a:p>
+            <a:pPr marL="0" marR="0" lvl="0" indent="0" algn="ctr" defTabSz="914400" rtl="0" eaLnBrk="0" fontAlgn="base" latinLnBrk="0" hangingPunct="0">
+              <a:lnSpc>
+                <a:spcPct val="80000"/>
+              </a:lnSpc>
+              <a:spcBef>
+                <a:spcPct val="20000"/>
+              </a:spcBef>
+              <a:spcAft>
+                <a:spcPct val="0"/>
+              </a:spcAft>
+              <a:buClr>
+                <a:schemeClr val="hlink"/>
+              </a:buClr>
+              <a:buSzTx/>
+              <a:buFont typeface="Wingdings" panose="05000000000000000000" pitchFamily="2" charset="2"/>
+              <a:buNone/>
+              <a:defRPr/>
+            </a:pPr>
+            <a:r>
+              <a:rPr kumimoji="0" lang="zh-CN" altLang="en-US" sz="2400" i="0" u="none" strike="noStrike" kern="1200" cap="none" spc="0" normalizeH="0" baseline="0" noProof="0" dirty="0">
+                <a:ln>
+                  <a:noFill/>
+                </a:ln>
+                <a:solidFill>
+                  <a:schemeClr val="tx1"/>
+                </a:solidFill>
+                <a:effectLst/>
+                <a:uLnTx/>
+                <a:uFillTx/>
+                <a:latin typeface="微软雅黑" panose="020B0503020204020204" charset="-122"/>
+                <a:ea typeface="微软雅黑" panose="020B0503020204020204" charset="-122"/>
+                <a:cs typeface="+mn-cs"/>
+              </a:rPr>
+              <a:t>了解信用评级程序、标准，了解信用评级机构运作流程</a:t>
+            </a:r>
+            <a:endParaRPr kumimoji="0" lang="zh-CN" altLang="en-US" sz="2400" i="0" u="none" strike="noStrike" kern="1200" cap="none" spc="0" normalizeH="0" baseline="0" noProof="0" dirty="0">
+              <a:ln>
+                <a:noFill/>
+              </a:ln>
+              <a:solidFill>
+                <a:schemeClr val="tx1"/>
+              </a:solidFill>
+              <a:effectLst/>
+              <a:uLnTx/>
+              <a:uFillTx/>
+              <a:latin typeface="微软雅黑" panose="020B0503020204020204" charset="-122"/>
+              <a:ea typeface="微软雅黑" panose="020B0503020204020204" charset="-122"/>
+              <a:cs typeface="+mn-cs"/>
+            </a:endParaRPr>
+          </a:p>
+        </p:txBody>
+      </p:sp>
+      <p:sp>
+        <p:nvSpPr>
+          <p:cNvPr id="18" name="AutoShape 6"/>
+          <p:cNvSpPr>
+            <a:spLocks noChangeArrowheads="true"/>
+          </p:cNvSpPr>
+          <p:nvPr/>
+        </p:nvSpPr>
+        <p:spPr bwMode="blackWhite">
+          <a:xfrm>
+            <a:off x="3429000" y="2901950"/>
+            <a:ext cx="7762240" cy="611505"/>
+          </a:xfrm>
+          <a:prstGeom prst="roundRect">
+            <a:avLst>
+              <a:gd name="adj" fmla="val 9106"/>
+            </a:avLst>
+          </a:prstGeom>
+          <a:gradFill rotWithShape="true">
+            <a:gsLst>
+              <a:gs pos="0">
+                <a:schemeClr val="hlink"/>
+              </a:gs>
+              <a:gs pos="100000">
+                <a:schemeClr val="hlink">
+                  <a:gamma/>
+                  <a:tint val="69804"/>
+                  <a:invGamma/>
+                </a:schemeClr>
+              </a:gs>
+            </a:gsLst>
+            <a:lin ang="5400000" scaled="true"/>
+          </a:gradFill>
+          <a:ln w="25400">
+            <a:solidFill>
+              <a:schemeClr val="bg1"/>
+            </a:solidFill>
+            <a:round/>
+          </a:ln>
+          <a:effectLst/>
+        </p:spPr>
+        <p:txBody>
+          <a:bodyPr wrap="none" anchor="ctr"/>
+          <a:p>
+            <a:pPr marL="0" marR="0" lvl="0" indent="0" algn="ctr" defTabSz="914400" rtl="0" eaLnBrk="0" fontAlgn="base" latinLnBrk="0" hangingPunct="0">
+              <a:lnSpc>
+                <a:spcPct val="80000"/>
+              </a:lnSpc>
+              <a:spcBef>
+                <a:spcPct val="20000"/>
+              </a:spcBef>
+              <a:spcAft>
+                <a:spcPct val="0"/>
+              </a:spcAft>
+              <a:buClr>
+                <a:schemeClr val="hlink"/>
+              </a:buClr>
+              <a:buSzTx/>
+              <a:buFont typeface="Wingdings" panose="05000000000000000000" pitchFamily="2" charset="2"/>
+              <a:buNone/>
+              <a:defRPr/>
+            </a:pPr>
+            <a:r>
+              <a:rPr kumimoji="0" lang="zh-CN" altLang="en-US" sz="2400" b="1" i="0" u="none" strike="noStrike" kern="1200" cap="none" spc="0" normalizeH="0" baseline="0" noProof="0" dirty="0">
+                <a:ln>
+                  <a:noFill/>
+                </a:ln>
+                <a:solidFill>
+                  <a:schemeClr val="tx1"/>
+                </a:solidFill>
+                <a:effectLst/>
+                <a:uLnTx/>
+                <a:uFillTx/>
+                <a:latin typeface="微软雅黑" panose="020B0503020204020204" charset="-122"/>
+                <a:ea typeface="微软雅黑" panose="020B0503020204020204" charset="-122"/>
+                <a:cs typeface="微软雅黑" panose="020B0503020204020204" charset="-122"/>
+              </a:rPr>
+              <a:t>掌握信用风险计量技术 </a:t>
+            </a:r>
+            <a:endParaRPr kumimoji="0" lang="zh-CN" altLang="en-US" sz="2400" b="1" i="0" u="none" strike="noStrike" kern="1200" cap="none" spc="0" normalizeH="0" baseline="0" noProof="0" dirty="0">
+              <a:ln>
+                <a:noFill/>
+              </a:ln>
+              <a:solidFill>
+                <a:schemeClr val="tx1"/>
+              </a:solidFill>
+              <a:effectLst/>
+              <a:uLnTx/>
+              <a:uFillTx/>
+              <a:latin typeface="微软雅黑" panose="020B0503020204020204" charset="-122"/>
+              <a:ea typeface="微软雅黑" panose="020B0503020204020204" charset="-122"/>
+              <a:cs typeface="微软雅黑" panose="020B0503020204020204" charset="-122"/>
+            </a:endParaRPr>
+          </a:p>
+        </p:txBody>
+      </p:sp>
+    </p:spTree>
+  </p:cSld>
+  <p:clrMapOvr>
+    <a:masterClrMapping/>
+  </p:clrMapOvr>
+  <mc:AlternateContent xmlns:mc="http://schemas.openxmlformats.org/markup-compatibility/2006">
+    <mc:Choice xmlns:p14="http://schemas.microsoft.com/office/powerpoint/2010/main" Requires="p14">
+      <p:transition p14:dur="0" advClick="false" advTm="0"/>
+    </mc:Choice>
+    <mc:Fallback>
+      <p:transition advClick="false" advTm="0"/>
+    </mc:Fallback>
+  </mc:AlternateContent>
+</p:sld>
+</file>
+
+<file path=ppt/slides/slide20.xml><?xml version="1.0" encoding="utf-8"?>
 <p:sld xmlns:a="http://schemas.openxmlformats.org/drawingml/2006/main" xmlns:r="http://schemas.openxmlformats.org/officeDocument/2006/relationships" xmlns:p="http://schemas.openxmlformats.org/presentationml/2006/main">
   <p:cSld>
     <p:spTree>
@@ -22446,7 +21357,7 @@
 </p:sld>
 </file>
 
-<file path=ppt/slides/slide22.xml><?xml version="1.0" encoding="utf-8"?>
+<file path=ppt/slides/slide21.xml><?xml version="1.0" encoding="utf-8"?>
 <p:sld xmlns:a="http://schemas.openxmlformats.org/drawingml/2006/main" xmlns:r="http://schemas.openxmlformats.org/officeDocument/2006/relationships" xmlns:p="http://schemas.openxmlformats.org/presentationml/2006/main">
   <p:cSld>
     <p:spTree>
@@ -23773,7 +22684,7 @@
 </p:sld>
 </file>
 
-<file path=ppt/slides/slide23.xml><?xml version="1.0" encoding="utf-8"?>
+<file path=ppt/slides/slide22.xml><?xml version="1.0" encoding="utf-8"?>
 <p:sld xmlns:a="http://schemas.openxmlformats.org/drawingml/2006/main" xmlns:r="http://schemas.openxmlformats.org/officeDocument/2006/relationships" xmlns:p="http://schemas.openxmlformats.org/presentationml/2006/main">
   <p:cSld>
     <p:spTree>
@@ -25207,7 +24118,7 @@
 </p:sld>
 </file>
 
-<file path=ppt/slides/slide24.xml><?xml version="1.0" encoding="utf-8"?>
+<file path=ppt/slides/slide23.xml><?xml version="1.0" encoding="utf-8"?>
 <p:sld xmlns:a="http://schemas.openxmlformats.org/drawingml/2006/main" xmlns:r="http://schemas.openxmlformats.org/officeDocument/2006/relationships" xmlns:p="http://schemas.openxmlformats.org/presentationml/2006/main">
   <p:cSld>
     <p:spTree>
@@ -26627,7 +25538,7 @@
 </p:sld>
 </file>
 
-<file path=ppt/slides/slide25.xml><?xml version="1.0" encoding="utf-8"?>
+<file path=ppt/slides/slide24.xml><?xml version="1.0" encoding="utf-8"?>
 <p:sld xmlns:a="http://schemas.openxmlformats.org/drawingml/2006/main" xmlns:r="http://schemas.openxmlformats.org/officeDocument/2006/relationships" xmlns:p="http://schemas.openxmlformats.org/presentationml/2006/main">
   <p:cSld>
     <p:spTree>
@@ -36656,360 +35567,126 @@
           </a:p>
         </p:txBody>
       </p:sp>
-      <p:grpSp>
-        <p:nvGrpSpPr>
-          <p:cNvPr id="27" name="组合 26"/>
-          <p:cNvGrpSpPr/>
+      <p:sp>
+        <p:nvSpPr>
+          <p:cNvPr id="13" name="流程图: 存储数据 3"/>
+          <p:cNvSpPr/>
           <p:nvPr/>
-        </p:nvGrpSpPr>
-        <p:grpSpPr>
+        </p:nvSpPr>
+        <p:spPr bwMode="auto">
+          <a:xfrm rot="5400000">
+            <a:off x="2130425" y="3166745"/>
+            <a:ext cx="4208780" cy="2879725"/>
+          </a:xfrm>
+          <a:prstGeom prst="flowChartOnlineStorage">
+            <a:avLst/>
+          </a:prstGeom>
+        </p:spPr>
+        <p:style>
+          <a:lnRef idx="2">
+            <a:schemeClr val="accent1"/>
+          </a:lnRef>
+          <a:fillRef idx="1">
+            <a:schemeClr val="lt1"/>
+          </a:fillRef>
+          <a:effectRef idx="0">
+            <a:schemeClr val="accent1"/>
+          </a:effectRef>
+          <a:fontRef idx="minor">
+            <a:schemeClr val="dk1"/>
+          </a:fontRef>
+        </p:style>
+        <p:txBody>
+          <a:bodyPr vert="horz" wrap="square" lIns="91440" tIns="45720" rIns="91440" bIns="45720" numCol="1" rtlCol="0" anchor="t" anchorCtr="false" compatLnSpc="true"/>
+          <a:lstStyle/>
+          <a:p>
+            <a:pPr marL="0" marR="0" lvl="0" indent="0" algn="l" defTabSz="914400" rtl="0" eaLnBrk="1" fontAlgn="base" latinLnBrk="0" hangingPunct="1">
+              <a:lnSpc>
+                <a:spcPct val="100000"/>
+              </a:lnSpc>
+              <a:spcBef>
+                <a:spcPct val="0"/>
+              </a:spcBef>
+              <a:spcAft>
+                <a:spcPct val="0"/>
+              </a:spcAft>
+              <a:buClrTx/>
+              <a:buSzTx/>
+              <a:buFont typeface="Arial" panose="020B0604020202020204" pitchFamily="34" charset="0"/>
+              <a:buNone/>
+              <a:defRPr/>
+            </a:pPr>
+            <a:endParaRPr kumimoji="0" lang="zh-CN" altLang="en-US" sz="2400" b="0" i="0" u="none" strike="noStrike" kern="1200" cap="none" spc="0" normalizeH="0" baseline="0" noProof="0" dirty="0">
+              <a:ln>
+                <a:noFill/>
+              </a:ln>
+              <a:solidFill>
+                <a:schemeClr val="tx1"/>
+              </a:solidFill>
+              <a:effectLst/>
+              <a:uLnTx/>
+              <a:uFillTx/>
+              <a:latin typeface="微软雅黑" panose="020B0503020204020204" charset="-122"/>
+              <a:ea typeface="微软雅黑" panose="020B0503020204020204" charset="-122"/>
+              <a:cs typeface="+mn-cs"/>
+            </a:endParaRPr>
+          </a:p>
+        </p:txBody>
+      </p:sp>
+      <p:sp>
+        <p:nvSpPr>
+          <p:cNvPr id="15" name="箭头: 五边形 4"/>
+          <p:cNvSpPr/>
+          <p:nvPr/>
+        </p:nvSpPr>
+        <p:spPr bwMode="auto">
           <a:xfrm>
-            <a:off x="1445260" y="904875"/>
-            <a:ext cx="9300845" cy="5953125"/>
-            <a:chOff x="1" y="2035"/>
-            <a:chExt cx="14647" cy="9375"/>
+            <a:off x="1984375" y="904875"/>
+            <a:ext cx="8323580" cy="1576705"/>
           </a:xfrm>
-        </p:grpSpPr>
-        <p:sp>
-          <p:nvSpPr>
-            <p:cNvPr id="13" name="流程图: 存储数据 3"/>
-            <p:cNvSpPr/>
-            <p:nvPr/>
-          </p:nvSpPr>
-          <p:spPr bwMode="auto">
-            <a:xfrm rot="5400000">
-              <a:off x="-1046" y="5219"/>
-              <a:ext cx="6628" cy="4535"/>
-            </a:xfrm>
-            <a:prstGeom prst="flowChartOnlineStorage">
-              <a:avLst/>
-            </a:prstGeom>
-          </p:spPr>
-          <p:style>
-            <a:lnRef idx="2">
-              <a:schemeClr val="accent1"/>
-            </a:lnRef>
-            <a:fillRef idx="1">
-              <a:schemeClr val="lt1"/>
-            </a:fillRef>
-            <a:effectRef idx="0">
-              <a:schemeClr val="accent1"/>
-            </a:effectRef>
-            <a:fontRef idx="minor">
-              <a:schemeClr val="dk1"/>
-            </a:fontRef>
-          </p:style>
-          <p:txBody>
-            <a:bodyPr vert="horz" wrap="square" lIns="91440" tIns="45720" rIns="91440" bIns="45720" numCol="1" rtlCol="0" anchor="t" anchorCtr="false" compatLnSpc="true"/>
-            <a:lstStyle/>
-            <a:p>
-              <a:pPr marL="0" marR="0" lvl="0" indent="0" algn="l" defTabSz="914400" rtl="0" eaLnBrk="1" fontAlgn="base" latinLnBrk="0" hangingPunct="1">
-                <a:lnSpc>
-                  <a:spcPct val="100000"/>
-                </a:lnSpc>
-                <a:spcBef>
-                  <a:spcPct val="0"/>
-                </a:spcBef>
-                <a:spcAft>
-                  <a:spcPct val="0"/>
-                </a:spcAft>
-                <a:buClrTx/>
-                <a:buSzTx/>
-                <a:buFont typeface="Arial" panose="020B0604020202020204" pitchFamily="34" charset="0"/>
-                <a:buNone/>
-                <a:defRPr/>
-              </a:pPr>
-              <a:endParaRPr kumimoji="0" lang="zh-CN" altLang="en-US" sz="2400" b="0" i="0" u="none" strike="noStrike" kern="1200" cap="none" spc="0" normalizeH="0" baseline="0" noProof="0" dirty="0">
-                <a:ln>
-                  <a:noFill/>
-                </a:ln>
-                <a:solidFill>
-                  <a:schemeClr val="tx1"/>
-                </a:solidFill>
-                <a:effectLst/>
-                <a:uLnTx/>
-                <a:uFillTx/>
-                <a:latin typeface="微软雅黑" panose="020B0503020204020204" charset="-122"/>
-                <a:ea typeface="微软雅黑" panose="020B0503020204020204" charset="-122"/>
-                <a:cs typeface="+mn-cs"/>
-              </a:endParaRPr>
-            </a:p>
-          </p:txBody>
-        </p:sp>
-        <p:sp>
-          <p:nvSpPr>
-            <p:cNvPr id="15" name="箭头: 五边形 4"/>
-            <p:cNvSpPr/>
-            <p:nvPr/>
-          </p:nvSpPr>
-          <p:spPr bwMode="auto">
-            <a:xfrm>
-              <a:off x="850" y="2035"/>
-              <a:ext cx="13108" cy="2483"/>
-            </a:xfrm>
-            <a:prstGeom prst="homePlate">
-              <a:avLst/>
-            </a:prstGeom>
-            <a:solidFill>
-              <a:srgbClr val="EDF1D7"/>
-            </a:solidFill>
-          </p:spPr>
-          <p:style>
-            <a:lnRef idx="2">
-              <a:schemeClr val="accent2"/>
-            </a:lnRef>
-            <a:fillRef idx="1">
-              <a:schemeClr val="lt1"/>
-            </a:fillRef>
-            <a:effectRef idx="0">
-              <a:schemeClr val="accent2"/>
-            </a:effectRef>
-            <a:fontRef idx="minor">
-              <a:schemeClr val="dk1"/>
-            </a:fontRef>
-          </p:style>
-          <p:txBody>
-            <a:bodyPr vert="horz" wrap="square" lIns="91440" tIns="45720" rIns="91440" bIns="45720" numCol="1" rtlCol="0" anchor="t" anchorCtr="false" compatLnSpc="true"/>
-            <a:lstStyle/>
-            <a:p>
-              <a:pPr marL="0" marR="0" lvl="0" indent="0" algn="l" defTabSz="914400" rtl="0" eaLnBrk="1" fontAlgn="base" latinLnBrk="0" hangingPunct="1">
-                <a:lnSpc>
-                  <a:spcPct val="100000"/>
-                </a:lnSpc>
-                <a:spcBef>
-                  <a:spcPct val="0"/>
-                </a:spcBef>
-                <a:spcAft>
-                  <a:spcPct val="0"/>
-                </a:spcAft>
-                <a:buClrTx/>
-                <a:buSzTx/>
-                <a:buFont typeface="Arial" panose="020B0604020202020204" pitchFamily="34" charset="0"/>
-                <a:buNone/>
-                <a:defRPr/>
-              </a:pPr>
-              <a:r>
-                <a:rPr kumimoji="0" lang="zh-CN" altLang="en-US" sz="2000" b="0" i="0" u="none" strike="noStrike" kern="1200" cap="none" spc="0" normalizeH="0" baseline="0" noProof="0" dirty="0">
-                  <a:ln>
-                    <a:noFill/>
-                  </a:ln>
-                  <a:solidFill>
-                    <a:schemeClr val="tx1"/>
-                  </a:solidFill>
-                  <a:effectLst/>
-                  <a:uLnTx/>
-                  <a:uFillTx/>
-                  <a:latin typeface="微软雅黑" panose="020B0503020204020204" charset="-122"/>
-                  <a:ea typeface="微软雅黑" panose="020B0503020204020204" charset="-122"/>
-                  <a:cs typeface="微软雅黑" panose="020B0503020204020204" charset="-122"/>
-                </a:rPr>
-                <a:t>    按照征信机构</a:t>
-              </a:r>
-              <a:r>
-                <a:rPr kumimoji="0" lang="zh-CN" altLang="en-US" sz="2000" b="0" i="0" u="none" strike="noStrike" kern="1200" cap="none" spc="0" normalizeH="0" baseline="0" noProof="0" dirty="0">
-                  <a:ln>
-                    <a:noFill/>
-                  </a:ln>
-                  <a:solidFill>
-                    <a:srgbClr val="00B0F0"/>
-                  </a:solidFill>
-                  <a:effectLst/>
-                  <a:uLnTx/>
-                  <a:uFillTx/>
-                  <a:latin typeface="微软雅黑" panose="020B0503020204020204" charset="-122"/>
-                  <a:ea typeface="微软雅黑" panose="020B0503020204020204" charset="-122"/>
-                  <a:cs typeface="微软雅黑" panose="020B0503020204020204" charset="-122"/>
-                </a:rPr>
-                <a:t>获取信息的方式</a:t>
-              </a:r>
-              <a:r>
-                <a:rPr kumimoji="0" lang="zh-CN" altLang="en-US" sz="2000" b="0" i="0" u="none" strike="noStrike" kern="1200" cap="none" spc="0" normalizeH="0" baseline="0" noProof="0" dirty="0">
-                  <a:ln>
-                    <a:noFill/>
-                  </a:ln>
-                  <a:solidFill>
-                    <a:schemeClr val="tx1"/>
-                  </a:solidFill>
-                  <a:effectLst/>
-                  <a:uLnTx/>
-                  <a:uFillTx/>
-                  <a:latin typeface="微软雅黑" panose="020B0503020204020204" charset="-122"/>
-                  <a:ea typeface="微软雅黑" panose="020B0503020204020204" charset="-122"/>
-                  <a:cs typeface="微软雅黑" panose="020B0503020204020204" charset="-122"/>
-                </a:rPr>
-                <a:t>，征信渠道可以划分为</a:t>
-              </a:r>
-              <a:r>
-                <a:rPr kumimoji="0" lang="zh-CN" altLang="en-US" sz="2000" i="0" u="none" strike="noStrike" kern="1200" cap="none" spc="0" normalizeH="0" baseline="0" noProof="0" dirty="0">
-                  <a:ln>
-                    <a:noFill/>
-                  </a:ln>
-                  <a:solidFill>
-                    <a:srgbClr val="00B0F0"/>
-                  </a:solidFill>
-                  <a:effectLst/>
-                  <a:uLnTx/>
-                  <a:uFillTx/>
-                  <a:latin typeface="微软雅黑" panose="020B0503020204020204" charset="-122"/>
-                  <a:ea typeface="微软雅黑" panose="020B0503020204020204" charset="-122"/>
-                  <a:cs typeface="微软雅黑" panose="020B0503020204020204" charset="-122"/>
-                </a:rPr>
-                <a:t>直接渠道（主要渠道）</a:t>
-              </a:r>
-              <a:r>
-                <a:rPr kumimoji="0" lang="zh-CN" altLang="en-US" sz="2000" i="0" u="none" strike="noStrike" kern="1200" cap="none" spc="0" normalizeH="0" baseline="0" noProof="0" dirty="0">
-                  <a:ln>
-                    <a:noFill/>
-                  </a:ln>
-                  <a:solidFill>
-                    <a:schemeClr val="tx1"/>
-                  </a:solidFill>
-                  <a:effectLst/>
-                  <a:uLnTx/>
-                  <a:uFillTx/>
-                  <a:latin typeface="微软雅黑" panose="020B0503020204020204" charset="-122"/>
-                  <a:ea typeface="微软雅黑" panose="020B0503020204020204" charset="-122"/>
-                  <a:cs typeface="微软雅黑" panose="020B0503020204020204" charset="-122"/>
-                </a:rPr>
-                <a:t>和</a:t>
-              </a:r>
-              <a:r>
-                <a:rPr kumimoji="0" lang="zh-CN" altLang="en-US" sz="2000" i="0" u="none" strike="noStrike" kern="1200" cap="none" spc="0" normalizeH="0" baseline="0" noProof="0" dirty="0">
-                  <a:ln>
-                    <a:noFill/>
-                  </a:ln>
-                  <a:solidFill>
-                    <a:srgbClr val="00B0F0"/>
-                  </a:solidFill>
-                  <a:effectLst/>
-                  <a:uLnTx/>
-                  <a:uFillTx/>
-                  <a:latin typeface="微软雅黑" panose="020B0503020204020204" charset="-122"/>
-                  <a:ea typeface="微软雅黑" panose="020B0503020204020204" charset="-122"/>
-                  <a:cs typeface="微软雅黑" panose="020B0503020204020204" charset="-122"/>
-                </a:rPr>
-                <a:t>间接渠道</a:t>
-              </a:r>
-              <a:r>
-                <a:rPr kumimoji="0" lang="zh-CN" altLang="en-US" sz="2000" b="0" i="0" u="none" strike="noStrike" kern="1200" cap="none" spc="0" normalizeH="0" baseline="0" noProof="0" dirty="0">
-                  <a:ln>
-                    <a:noFill/>
-                  </a:ln>
-                  <a:solidFill>
-                    <a:schemeClr val="tx1"/>
-                  </a:solidFill>
-                  <a:effectLst/>
-                  <a:uLnTx/>
-                  <a:uFillTx/>
-                  <a:latin typeface="微软雅黑" panose="020B0503020204020204" charset="-122"/>
-                  <a:ea typeface="微软雅黑" panose="020B0503020204020204" charset="-122"/>
-                  <a:cs typeface="微软雅黑" panose="020B0503020204020204" charset="-122"/>
-                </a:rPr>
-                <a:t>。直接渠道是指征信机构通过各种</a:t>
-              </a:r>
-              <a:r>
-                <a:rPr kumimoji="0" lang="zh-CN" altLang="en-US" sz="2000" b="0" i="0" u="none" strike="noStrike" kern="1200" cap="none" spc="0" normalizeH="0" baseline="0" noProof="0" dirty="0">
-                  <a:ln>
-                    <a:noFill/>
-                  </a:ln>
-                  <a:solidFill>
-                    <a:srgbClr val="00B0F0"/>
-                  </a:solidFill>
-                  <a:effectLst/>
-                  <a:uLnTx/>
-                  <a:uFillTx/>
-                  <a:latin typeface="微软雅黑" panose="020B0503020204020204" charset="-122"/>
-                  <a:ea typeface="微软雅黑" panose="020B0503020204020204" charset="-122"/>
-                  <a:cs typeface="微软雅黑" panose="020B0503020204020204" charset="-122"/>
-                </a:rPr>
-                <a:t>公开手段</a:t>
-              </a:r>
-              <a:r>
-                <a:rPr kumimoji="0" lang="zh-CN" altLang="en-US" sz="2000" b="0" i="0" u="none" strike="noStrike" kern="1200" cap="none" spc="0" normalizeH="0" baseline="0" noProof="0" dirty="0">
-                  <a:ln>
-                    <a:noFill/>
-                  </a:ln>
-                  <a:solidFill>
-                    <a:schemeClr val="tx1"/>
-                  </a:solidFill>
-                  <a:effectLst/>
-                  <a:uLnTx/>
-                  <a:uFillTx/>
-                  <a:latin typeface="微软雅黑" panose="020B0503020204020204" charset="-122"/>
-                  <a:ea typeface="微软雅黑" panose="020B0503020204020204" charset="-122"/>
-                  <a:cs typeface="微软雅黑" panose="020B0503020204020204" charset="-122"/>
-                </a:rPr>
-                <a:t>拿到企业或个人的征信资料。间接渠道是指征信机构在法律、法规</a:t>
-              </a:r>
-              <a:r>
-                <a:rPr kumimoji="0" lang="zh-CN" altLang="en-US" sz="2000" b="0" i="0" u="none" strike="noStrike" kern="1200" cap="none" spc="0" normalizeH="0" baseline="0" noProof="0" dirty="0">
-                  <a:ln>
-                    <a:noFill/>
-                  </a:ln>
-                  <a:solidFill>
-                    <a:srgbClr val="00B0F0"/>
-                  </a:solidFill>
-                  <a:effectLst/>
-                  <a:uLnTx/>
-                  <a:uFillTx/>
-                  <a:latin typeface="微软雅黑" panose="020B0503020204020204" charset="-122"/>
-                  <a:ea typeface="微软雅黑" panose="020B0503020204020204" charset="-122"/>
-                  <a:cs typeface="微软雅黑" panose="020B0503020204020204" charset="-122"/>
-                </a:rPr>
-                <a:t>允许的范围内</a:t>
-              </a:r>
-              <a:r>
-                <a:rPr kumimoji="0" lang="zh-CN" altLang="en-US" sz="2000" b="0" i="0" u="none" strike="noStrike" kern="1200" cap="none" spc="0" normalizeH="0" baseline="0" noProof="0" dirty="0">
-                  <a:ln>
-                    <a:noFill/>
-                  </a:ln>
-                  <a:solidFill>
-                    <a:schemeClr val="tx1"/>
-                  </a:solidFill>
-                  <a:effectLst/>
-                  <a:uLnTx/>
-                  <a:uFillTx/>
-                  <a:latin typeface="微软雅黑" panose="020B0503020204020204" charset="-122"/>
-                  <a:ea typeface="微软雅黑" panose="020B0503020204020204" charset="-122"/>
-                  <a:cs typeface="微软雅黑" panose="020B0503020204020204" charset="-122"/>
-                </a:rPr>
-                <a:t>从调查公司等其他</a:t>
-              </a:r>
-              <a:r>
-                <a:rPr kumimoji="0" lang="zh-CN" altLang="en-US" sz="2000" b="0" i="0" u="none" strike="noStrike" kern="1200" cap="none" spc="0" normalizeH="0" baseline="0" noProof="0" dirty="0">
-                  <a:ln>
-                    <a:noFill/>
-                  </a:ln>
-                  <a:solidFill>
-                    <a:srgbClr val="00B0F0"/>
-                  </a:solidFill>
-                  <a:effectLst/>
-                  <a:uLnTx/>
-                  <a:uFillTx/>
-                  <a:latin typeface="微软雅黑" panose="020B0503020204020204" charset="-122"/>
-                  <a:ea typeface="微软雅黑" panose="020B0503020204020204" charset="-122"/>
-                  <a:cs typeface="微软雅黑" panose="020B0503020204020204" charset="-122"/>
-                </a:rPr>
-                <a:t>第三方信息提供机构</a:t>
-              </a:r>
-              <a:r>
-                <a:rPr kumimoji="0" lang="zh-CN" altLang="en-US" sz="2000" b="0" i="0" u="none" strike="noStrike" kern="1200" cap="none" spc="0" normalizeH="0" baseline="0" noProof="0" dirty="0">
-                  <a:ln>
-                    <a:noFill/>
-                  </a:ln>
-                  <a:solidFill>
-                    <a:schemeClr val="tx1"/>
-                  </a:solidFill>
-                  <a:effectLst/>
-                  <a:uLnTx/>
-                  <a:uFillTx/>
-                  <a:latin typeface="微软雅黑" panose="020B0503020204020204" charset="-122"/>
-                  <a:ea typeface="微软雅黑" panose="020B0503020204020204" charset="-122"/>
-                  <a:cs typeface="微软雅黑" panose="020B0503020204020204" charset="-122"/>
-                </a:rPr>
-                <a:t>获得资料。</a:t>
-              </a:r>
-              <a:endParaRPr kumimoji="0" lang="zh-CN" altLang="en-US" sz="2000" b="0" i="0" u="none" strike="noStrike" kern="1200" cap="none" spc="0" normalizeH="0" baseline="0" noProof="0" dirty="0">
+          <a:prstGeom prst="homePlate">
+            <a:avLst/>
+          </a:prstGeom>
+          <a:solidFill>
+            <a:srgbClr val="EDF1D7"/>
+          </a:solidFill>
+        </p:spPr>
+        <p:style>
+          <a:lnRef idx="2">
+            <a:schemeClr val="accent2"/>
+          </a:lnRef>
+          <a:fillRef idx="1">
+            <a:schemeClr val="lt1"/>
+          </a:fillRef>
+          <a:effectRef idx="0">
+            <a:schemeClr val="accent2"/>
+          </a:effectRef>
+          <a:fontRef idx="minor">
+            <a:schemeClr val="dk1"/>
+          </a:fontRef>
+        </p:style>
+        <p:txBody>
+          <a:bodyPr vert="horz" wrap="square" lIns="91440" tIns="45720" rIns="91440" bIns="45720" numCol="1" rtlCol="0" anchor="t" anchorCtr="false" compatLnSpc="true"/>
+          <a:lstStyle/>
+          <a:p>
+            <a:pPr marL="0" marR="0" lvl="0" indent="0" algn="l" defTabSz="914400" rtl="0" eaLnBrk="1" fontAlgn="base" latinLnBrk="0" hangingPunct="1">
+              <a:lnSpc>
+                <a:spcPct val="100000"/>
+              </a:lnSpc>
+              <a:spcBef>
+                <a:spcPct val="0"/>
+              </a:spcBef>
+              <a:spcAft>
+                <a:spcPct val="0"/>
+              </a:spcAft>
+              <a:buClrTx/>
+              <a:buSzTx/>
+              <a:buFont typeface="Arial" panose="020B0604020202020204" pitchFamily="34" charset="0"/>
+              <a:buNone/>
+              <a:defRPr/>
+            </a:pPr>
+            <a:r>
+              <a:rPr kumimoji="0" lang="zh-CN" altLang="en-US" sz="2000" b="0" i="0" u="none" strike="noStrike" kern="1200" cap="none" spc="0" normalizeH="0" baseline="0" noProof="0" dirty="0">
                 <a:ln>
                   <a:noFill/>
                 </a:ln>
@@ -37022,60 +35699,28 @@
                 <a:latin typeface="微软雅黑" panose="020B0503020204020204" charset="-122"/>
                 <a:ea typeface="微软雅黑" panose="020B0503020204020204" charset="-122"/>
                 <a:cs typeface="微软雅黑" panose="020B0503020204020204" charset="-122"/>
-              </a:endParaRPr>
-            </a:p>
-          </p:txBody>
-        </p:sp>
-        <p:sp>
-          <p:nvSpPr>
-            <p:cNvPr id="16" name="流程图: 存储数据 5"/>
-            <p:cNvSpPr/>
-            <p:nvPr/>
-          </p:nvSpPr>
-          <p:spPr bwMode="auto">
-            <a:xfrm rot="5400000">
-              <a:off x="3584" y="5186"/>
-              <a:ext cx="6628" cy="4535"/>
-            </a:xfrm>
-            <a:prstGeom prst="flowChartOnlineStorage">
-              <a:avLst/>
-            </a:prstGeom>
-          </p:spPr>
-          <p:style>
-            <a:lnRef idx="2">
-              <a:schemeClr val="accent1"/>
-            </a:lnRef>
-            <a:fillRef idx="1">
-              <a:schemeClr val="lt1"/>
-            </a:fillRef>
-            <a:effectRef idx="0">
-              <a:schemeClr val="accent1"/>
-            </a:effectRef>
-            <a:fontRef idx="minor">
-              <a:schemeClr val="dk1"/>
-            </a:fontRef>
-          </p:style>
-          <p:txBody>
-            <a:bodyPr vert="horz" wrap="square" lIns="91440" tIns="45720" rIns="91440" bIns="45720" numCol="1" rtlCol="0" anchor="t" anchorCtr="false" compatLnSpc="true"/>
-            <a:lstStyle/>
-            <a:p>
-              <a:pPr marL="0" marR="0" lvl="0" indent="0" algn="l" defTabSz="914400" rtl="0" eaLnBrk="1" fontAlgn="base" latinLnBrk="0" hangingPunct="1">
-                <a:lnSpc>
-                  <a:spcPct val="100000"/>
-                </a:lnSpc>
-                <a:spcBef>
-                  <a:spcPct val="0"/>
-                </a:spcBef>
-                <a:spcAft>
-                  <a:spcPct val="0"/>
-                </a:spcAft>
-                <a:buClrTx/>
-                <a:buSzTx/>
-                <a:buFont typeface="Arial" panose="020B0604020202020204" pitchFamily="34" charset="0"/>
-                <a:buNone/>
-                <a:defRPr/>
-              </a:pPr>
-              <a:endParaRPr kumimoji="0" lang="zh-CN" altLang="en-US" sz="2400" b="0" i="0" u="none" strike="noStrike" kern="1200" cap="none" spc="0" normalizeH="0" baseline="0" noProof="0">
+              </a:rPr>
+              <a:t>    按照征信机构</a:t>
+            </a:r>
+            <a:r>
+              <a:rPr kumimoji="0" lang="zh-CN" altLang="en-US" sz="2000" b="0" i="0" u="none" strike="noStrike" kern="1200" cap="none" spc="0" normalizeH="0" baseline="0" noProof="0" dirty="0">
+                <a:ln>
+                  <a:noFill/>
+                </a:ln>
+                <a:solidFill>
+                  <a:srgbClr val="00B0F0"/>
+                </a:solidFill>
+                <a:effectLst/>
+                <a:uLnTx/>
+                <a:uFillTx/>
+                <a:latin typeface="微软雅黑" panose="020B0503020204020204" charset="-122"/>
+                <a:ea typeface="微软雅黑" panose="020B0503020204020204" charset="-122"/>
+                <a:cs typeface="微软雅黑" panose="020B0503020204020204" charset="-122"/>
+              </a:rPr>
+              <a:t>获取信息的方式</a:t>
+            </a:r>
+            <a:r>
+              <a:rPr kumimoji="0" lang="zh-CN" altLang="en-US" sz="2000" b="0" i="0" u="none" strike="noStrike" kern="1200" cap="none" spc="0" normalizeH="0" baseline="0" noProof="0" dirty="0">
                 <a:ln>
                   <a:noFill/>
                 </a:ln>
@@ -37087,61 +35732,29 @@
                 <a:uFillTx/>
                 <a:latin typeface="微软雅黑" panose="020B0503020204020204" charset="-122"/>
                 <a:ea typeface="微软雅黑" panose="020B0503020204020204" charset="-122"/>
-                <a:cs typeface="+mn-cs"/>
-              </a:endParaRPr>
-            </a:p>
-          </p:txBody>
-        </p:sp>
-        <p:sp>
-          <p:nvSpPr>
-            <p:cNvPr id="17" name="流程图: 存储数据 6"/>
-            <p:cNvSpPr/>
-            <p:nvPr/>
-          </p:nvSpPr>
-          <p:spPr bwMode="auto">
-            <a:xfrm rot="5400000">
-              <a:off x="8134" y="5219"/>
-              <a:ext cx="7370" cy="5013"/>
-            </a:xfrm>
-            <a:prstGeom prst="flowChartOnlineStorage">
-              <a:avLst/>
-            </a:prstGeom>
-          </p:spPr>
-          <p:style>
-            <a:lnRef idx="2">
-              <a:schemeClr val="accent1"/>
-            </a:lnRef>
-            <a:fillRef idx="1">
-              <a:schemeClr val="lt1"/>
-            </a:fillRef>
-            <a:effectRef idx="0">
-              <a:schemeClr val="accent1"/>
-            </a:effectRef>
-            <a:fontRef idx="minor">
-              <a:schemeClr val="dk1"/>
-            </a:fontRef>
-          </p:style>
-          <p:txBody>
-            <a:bodyPr vert="horz" wrap="square" lIns="91440" tIns="45720" rIns="91440" bIns="45720" numCol="1" rtlCol="0" anchor="t" anchorCtr="false" compatLnSpc="true"/>
-            <a:lstStyle/>
-            <a:p>
-              <a:pPr marL="0" marR="0" lvl="0" indent="0" algn="l" defTabSz="914400" rtl="0" eaLnBrk="1" fontAlgn="base" latinLnBrk="0" hangingPunct="1">
-                <a:lnSpc>
-                  <a:spcPct val="100000"/>
-                </a:lnSpc>
-                <a:spcBef>
-                  <a:spcPct val="0"/>
-                </a:spcBef>
-                <a:spcAft>
-                  <a:spcPct val="0"/>
-                </a:spcAft>
-                <a:buClrTx/>
-                <a:buSzTx/>
-                <a:buFont typeface="Arial" panose="020B0604020202020204" pitchFamily="34" charset="0"/>
-                <a:buNone/>
-                <a:defRPr/>
-              </a:pPr>
-              <a:endParaRPr kumimoji="0" lang="zh-CN" altLang="en-US" sz="2400" b="0" i="0" u="none" strike="noStrike" kern="1200" cap="none" spc="0" normalizeH="0" baseline="0" noProof="0">
+                <a:cs typeface="微软雅黑" panose="020B0503020204020204" charset="-122"/>
+              </a:rPr>
+              <a:t>，征信渠道可以划分为</a:t>
+            </a:r>
+            <a:r>
+              <a:rPr kumimoji="0" lang="zh-CN" altLang="en-US" sz="2000" i="0" u="none" strike="noStrike" kern="1200" cap="none" spc="0" normalizeH="0" baseline="0" noProof="0" dirty="0">
+                <a:ln>
+                  <a:noFill/>
+                </a:ln>
+                <a:solidFill>
+                  <a:srgbClr val="00B0F0"/>
+                </a:solidFill>
+                <a:effectLst/>
+                <a:uLnTx/>
+                <a:uFillTx/>
+                <a:latin typeface="微软雅黑" panose="020B0503020204020204" charset="-122"/>
+                <a:ea typeface="微软雅黑" panose="020B0503020204020204" charset="-122"/>
+                <a:cs typeface="微软雅黑" panose="020B0503020204020204" charset="-122"/>
+              </a:rPr>
+              <a:t>直接渠道（主要渠道）</a:t>
+            </a:r>
+            <a:r>
+              <a:rPr kumimoji="0" lang="zh-CN" altLang="en-US" sz="2000" i="0" u="none" strike="noStrike" kern="1200" cap="none" spc="0" normalizeH="0" baseline="0" noProof="0" dirty="0">
                 <a:ln>
                   <a:noFill/>
                 </a:ln>
@@ -37153,495 +35766,543 @@
                 <a:uFillTx/>
                 <a:latin typeface="微软雅黑" panose="020B0503020204020204" charset="-122"/>
                 <a:ea typeface="微软雅黑" panose="020B0503020204020204" charset="-122"/>
-                <a:cs typeface="+mn-cs"/>
-              </a:endParaRPr>
-            </a:p>
-          </p:txBody>
-        </p:sp>
-        <p:sp>
-          <p:nvSpPr>
-            <p:cNvPr id="23" name="文本框 7"/>
-            <p:cNvSpPr txBox="true"/>
-            <p:nvPr/>
-          </p:nvSpPr>
-          <p:spPr>
-            <a:xfrm>
-              <a:off x="95" y="4783"/>
-              <a:ext cx="4733" cy="4117"/>
-            </a:xfrm>
-            <a:prstGeom prst="rect">
-              <a:avLst/>
-            </a:prstGeom>
-            <a:noFill/>
-            <a:ln w="9525">
-              <a:noFill/>
-            </a:ln>
-          </p:spPr>
-          <p:txBody>
-            <a:bodyPr anchor="t" anchorCtr="false">
-              <a:spAutoFit/>
-            </a:bodyPr>
-            <a:p>
-              <a:pPr eaLnBrk="0" hangingPunct="0"/>
-              <a:r>
-                <a:rPr lang="en-US" altLang="zh-CN" dirty="0">
-                  <a:latin typeface="微软雅黑" panose="020B0503020204020204" charset="-122"/>
-                  <a:ea typeface="微软雅黑" panose="020B0503020204020204" charset="-122"/>
-                  <a:cs typeface="微软雅黑" panose="020B0503020204020204" charset="-122"/>
-                </a:rPr>
-                <a:t>1. </a:t>
-              </a:r>
-              <a:r>
-                <a:rPr lang="zh-CN" altLang="en-US" dirty="0">
-                  <a:latin typeface="微软雅黑" panose="020B0503020204020204" charset="-122"/>
-                  <a:ea typeface="微软雅黑" panose="020B0503020204020204" charset="-122"/>
-                  <a:cs typeface="微软雅黑" panose="020B0503020204020204" charset="-122"/>
-                </a:rPr>
-                <a:t>个人征信渠道</a:t>
-              </a:r>
-              <a:endParaRPr lang="zh-CN" altLang="en-US" dirty="0">
+                <a:cs typeface="微软雅黑" panose="020B0503020204020204" charset="-122"/>
+              </a:rPr>
+              <a:t>和</a:t>
+            </a:r>
+            <a:r>
+              <a:rPr kumimoji="0" lang="zh-CN" altLang="en-US" sz="2000" i="0" u="none" strike="noStrike" kern="1200" cap="none" spc="0" normalizeH="0" baseline="0" noProof="0" dirty="0">
+                <a:ln>
+                  <a:noFill/>
+                </a:ln>
+                <a:solidFill>
+                  <a:srgbClr val="00B0F0"/>
+                </a:solidFill>
+                <a:effectLst/>
+                <a:uLnTx/>
+                <a:uFillTx/>
                 <a:latin typeface="微软雅黑" panose="020B0503020204020204" charset="-122"/>
                 <a:ea typeface="微软雅黑" panose="020B0503020204020204" charset="-122"/>
                 <a:cs typeface="微软雅黑" panose="020B0503020204020204" charset="-122"/>
-              </a:endParaRPr>
-            </a:p>
-            <a:p>
-              <a:pPr eaLnBrk="0" hangingPunct="0"/>
-              <a:endParaRPr lang="en-US" altLang="zh-CN" sz="2000" dirty="0">
+              </a:rPr>
+              <a:t>间接渠道</a:t>
+            </a:r>
+            <a:r>
+              <a:rPr kumimoji="0" lang="zh-CN" altLang="en-US" sz="2000" b="0" i="0" u="none" strike="noStrike" kern="1200" cap="none" spc="0" normalizeH="0" baseline="0" noProof="0" dirty="0">
+                <a:ln>
+                  <a:noFill/>
+                </a:ln>
+                <a:solidFill>
+                  <a:schemeClr val="tx1"/>
+                </a:solidFill>
+                <a:effectLst/>
+                <a:uLnTx/>
+                <a:uFillTx/>
                 <a:latin typeface="微软雅黑" panose="020B0503020204020204" charset="-122"/>
                 <a:ea typeface="微软雅黑" panose="020B0503020204020204" charset="-122"/>
                 <a:cs typeface="微软雅黑" panose="020B0503020204020204" charset="-122"/>
-              </a:endParaRPr>
-            </a:p>
-            <a:p>
-              <a:pPr eaLnBrk="0" hangingPunct="0"/>
-              <a:r>
-                <a:rPr lang="en-US" altLang="zh-CN" sz="2000" dirty="0">
-                  <a:latin typeface="微软雅黑" panose="020B0503020204020204" charset="-122"/>
-                  <a:ea typeface="微软雅黑" panose="020B0503020204020204" charset="-122"/>
-                  <a:cs typeface="微软雅黑" panose="020B0503020204020204" charset="-122"/>
-                </a:rPr>
-                <a:t>(1) </a:t>
-              </a:r>
-              <a:r>
-                <a:rPr lang="zh-CN" altLang="en-US" sz="2000" dirty="0">
-                  <a:latin typeface="微软雅黑" panose="020B0503020204020204" charset="-122"/>
-                  <a:ea typeface="微软雅黑" panose="020B0503020204020204" charset="-122"/>
-                  <a:cs typeface="微软雅黑" panose="020B0503020204020204" charset="-122"/>
-                </a:rPr>
-                <a:t>商业银行、信用卡公司、公用事业机构和零售商。</a:t>
-              </a:r>
-              <a:endParaRPr lang="zh-CN" altLang="en-US" sz="2000" dirty="0">
+              </a:rPr>
+              <a:t>。直接渠道是指征信机构通过各种</a:t>
+            </a:r>
+            <a:r>
+              <a:rPr kumimoji="0" lang="zh-CN" altLang="en-US" sz="2000" b="0" i="0" u="none" strike="noStrike" kern="1200" cap="none" spc="0" normalizeH="0" baseline="0" noProof="0" dirty="0">
+                <a:ln>
+                  <a:noFill/>
+                </a:ln>
+                <a:solidFill>
+                  <a:srgbClr val="00B0F0"/>
+                </a:solidFill>
+                <a:effectLst/>
+                <a:uLnTx/>
+                <a:uFillTx/>
                 <a:latin typeface="微软雅黑" panose="020B0503020204020204" charset="-122"/>
                 <a:ea typeface="微软雅黑" panose="020B0503020204020204" charset="-122"/>
                 <a:cs typeface="微软雅黑" panose="020B0503020204020204" charset="-122"/>
-              </a:endParaRPr>
-            </a:p>
-            <a:p>
-              <a:pPr eaLnBrk="0" hangingPunct="0"/>
-              <a:r>
-                <a:rPr lang="en-US" altLang="zh-CN" sz="2000" dirty="0">
-                  <a:latin typeface="微软雅黑" panose="020B0503020204020204" charset="-122"/>
-                  <a:ea typeface="微软雅黑" panose="020B0503020204020204" charset="-122"/>
-                  <a:cs typeface="微软雅黑" panose="020B0503020204020204" charset="-122"/>
-                </a:rPr>
-                <a:t>(2) </a:t>
-              </a:r>
-              <a:r>
-                <a:rPr lang="zh-CN" altLang="en-US" sz="2000" dirty="0">
-                  <a:latin typeface="微软雅黑" panose="020B0503020204020204" charset="-122"/>
-                  <a:ea typeface="微软雅黑" panose="020B0503020204020204" charset="-122"/>
-                  <a:cs typeface="微软雅黑" panose="020B0503020204020204" charset="-122"/>
-                </a:rPr>
-                <a:t>就业单位。</a:t>
-              </a:r>
-              <a:endParaRPr lang="zh-CN" altLang="en-US" sz="2000" dirty="0">
+              </a:rPr>
+              <a:t>公开手段</a:t>
+            </a:r>
+            <a:r>
+              <a:rPr kumimoji="0" lang="zh-CN" altLang="en-US" sz="2000" b="0" i="0" u="none" strike="noStrike" kern="1200" cap="none" spc="0" normalizeH="0" baseline="0" noProof="0" dirty="0">
+                <a:ln>
+                  <a:noFill/>
+                </a:ln>
+                <a:solidFill>
+                  <a:schemeClr val="tx1"/>
+                </a:solidFill>
+                <a:effectLst/>
+                <a:uLnTx/>
+                <a:uFillTx/>
                 <a:latin typeface="微软雅黑" panose="020B0503020204020204" charset="-122"/>
                 <a:ea typeface="微软雅黑" panose="020B0503020204020204" charset="-122"/>
                 <a:cs typeface="微软雅黑" panose="020B0503020204020204" charset="-122"/>
-              </a:endParaRPr>
-            </a:p>
-            <a:p>
-              <a:pPr eaLnBrk="0" hangingPunct="0"/>
-              <a:r>
-                <a:rPr lang="en-US" altLang="zh-CN" sz="2000" dirty="0">
-                  <a:latin typeface="微软雅黑" panose="020B0503020204020204" charset="-122"/>
-                  <a:ea typeface="微软雅黑" panose="020B0503020204020204" charset="-122"/>
-                  <a:cs typeface="微软雅黑" panose="020B0503020204020204" charset="-122"/>
-                </a:rPr>
-                <a:t>(3) </a:t>
-              </a:r>
-              <a:r>
-                <a:rPr lang="zh-CN" altLang="en-US" sz="2000" dirty="0">
-                  <a:latin typeface="微软雅黑" panose="020B0503020204020204" charset="-122"/>
-                  <a:ea typeface="微软雅黑" panose="020B0503020204020204" charset="-122"/>
-                  <a:cs typeface="微软雅黑" panose="020B0503020204020204" charset="-122"/>
-                </a:rPr>
-                <a:t>公安、法院、税务、劳动人事等政府部门。</a:t>
-              </a:r>
-              <a:endParaRPr lang="zh-CN" altLang="en-US" sz="2000" dirty="0">
+              </a:rPr>
+              <a:t>拿到企业或个人的征信资料。间接渠道是指征信机构在法律、法规</a:t>
+            </a:r>
+            <a:r>
+              <a:rPr kumimoji="0" lang="zh-CN" altLang="en-US" sz="2000" b="0" i="0" u="none" strike="noStrike" kern="1200" cap="none" spc="0" normalizeH="0" baseline="0" noProof="0" dirty="0">
+                <a:ln>
+                  <a:noFill/>
+                </a:ln>
+                <a:solidFill>
+                  <a:srgbClr val="00B0F0"/>
+                </a:solidFill>
+                <a:effectLst/>
+                <a:uLnTx/>
+                <a:uFillTx/>
                 <a:latin typeface="微软雅黑" panose="020B0503020204020204" charset="-122"/>
                 <a:ea typeface="微软雅黑" panose="020B0503020204020204" charset="-122"/>
                 <a:cs typeface="微软雅黑" panose="020B0503020204020204" charset="-122"/>
-              </a:endParaRPr>
-            </a:p>
-          </p:txBody>
-        </p:sp>
-        <p:sp>
-          <p:nvSpPr>
-            <p:cNvPr id="24" name="文本框 8"/>
-            <p:cNvSpPr txBox="true"/>
-            <p:nvPr/>
-          </p:nvSpPr>
-          <p:spPr>
-            <a:xfrm>
-              <a:off x="4728" y="4783"/>
-              <a:ext cx="4987" cy="5572"/>
-            </a:xfrm>
-            <a:prstGeom prst="rect">
-              <a:avLst/>
-            </a:prstGeom>
-            <a:noFill/>
-            <a:ln w="9525">
-              <a:noFill/>
-            </a:ln>
-          </p:spPr>
-          <p:txBody>
-            <a:bodyPr anchor="t" anchorCtr="false">
-              <a:spAutoFit/>
-            </a:bodyPr>
-            <a:p>
-              <a:pPr eaLnBrk="0" hangingPunct="0"/>
-              <a:r>
-                <a:rPr lang="en-US" altLang="zh-CN" dirty="0">
-                  <a:latin typeface="微软雅黑" panose="020B0503020204020204" charset="-122"/>
-                  <a:ea typeface="微软雅黑" panose="020B0503020204020204" charset="-122"/>
-                  <a:cs typeface="微软雅黑" panose="020B0503020204020204" charset="-122"/>
-                </a:rPr>
-                <a:t>2. </a:t>
-              </a:r>
-              <a:r>
-                <a:rPr lang="zh-CN" altLang="en-US" dirty="0">
-                  <a:latin typeface="微软雅黑" panose="020B0503020204020204" charset="-122"/>
-                  <a:ea typeface="微软雅黑" panose="020B0503020204020204" charset="-122"/>
-                  <a:cs typeface="微软雅黑" panose="020B0503020204020204" charset="-122"/>
-                </a:rPr>
-                <a:t>企业征信渠道</a:t>
-              </a:r>
-              <a:endParaRPr lang="zh-CN" altLang="en-US" dirty="0">
+              </a:rPr>
+              <a:t>允许的范围内</a:t>
+            </a:r>
+            <a:r>
+              <a:rPr kumimoji="0" lang="zh-CN" altLang="en-US" sz="2000" b="0" i="0" u="none" strike="noStrike" kern="1200" cap="none" spc="0" normalizeH="0" baseline="0" noProof="0" dirty="0">
+                <a:ln>
+                  <a:noFill/>
+                </a:ln>
+                <a:solidFill>
+                  <a:schemeClr val="tx1"/>
+                </a:solidFill>
+                <a:effectLst/>
+                <a:uLnTx/>
+                <a:uFillTx/>
                 <a:latin typeface="微软雅黑" panose="020B0503020204020204" charset="-122"/>
                 <a:ea typeface="微软雅黑" panose="020B0503020204020204" charset="-122"/>
                 <a:cs typeface="微软雅黑" panose="020B0503020204020204" charset="-122"/>
-              </a:endParaRPr>
-            </a:p>
-            <a:p>
-              <a:pPr eaLnBrk="0" hangingPunct="0"/>
-              <a:endParaRPr lang="en-US" altLang="zh-CN" sz="2000" dirty="0">
+              </a:rPr>
+              <a:t>从调查公司等其他</a:t>
+            </a:r>
+            <a:r>
+              <a:rPr kumimoji="0" lang="zh-CN" altLang="en-US" sz="2000" b="0" i="0" u="none" strike="noStrike" kern="1200" cap="none" spc="0" normalizeH="0" baseline="0" noProof="0" dirty="0">
+                <a:ln>
+                  <a:noFill/>
+                </a:ln>
+                <a:solidFill>
+                  <a:srgbClr val="00B0F0"/>
+                </a:solidFill>
+                <a:effectLst/>
+                <a:uLnTx/>
+                <a:uFillTx/>
                 <a:latin typeface="微软雅黑" panose="020B0503020204020204" charset="-122"/>
                 <a:ea typeface="微软雅黑" panose="020B0503020204020204" charset="-122"/>
                 <a:cs typeface="微软雅黑" panose="020B0503020204020204" charset="-122"/>
-              </a:endParaRPr>
-            </a:p>
-            <a:p>
-              <a:pPr eaLnBrk="0" hangingPunct="0"/>
-              <a:r>
-                <a:rPr lang="en-US" altLang="zh-CN" sz="2000" dirty="0">
-                  <a:latin typeface="微软雅黑" panose="020B0503020204020204" charset="-122"/>
-                  <a:ea typeface="微软雅黑" panose="020B0503020204020204" charset="-122"/>
-                  <a:cs typeface="微软雅黑" panose="020B0503020204020204" charset="-122"/>
-                </a:rPr>
-                <a:t>(1) </a:t>
-              </a:r>
-              <a:r>
-                <a:rPr lang="zh-CN" altLang="en-US" sz="2000" dirty="0">
-                  <a:latin typeface="微软雅黑" panose="020B0503020204020204" charset="-122"/>
-                  <a:ea typeface="微软雅黑" panose="020B0503020204020204" charset="-122"/>
-                  <a:cs typeface="微软雅黑" panose="020B0503020204020204" charset="-122"/>
-                </a:rPr>
-                <a:t>市场监督部门及税务部门。</a:t>
-              </a:r>
-              <a:endParaRPr lang="zh-CN" altLang="en-US" sz="2000" dirty="0">
+              </a:rPr>
+              <a:t>第三方信息提供机构</a:t>
+            </a:r>
+            <a:r>
+              <a:rPr kumimoji="0" lang="zh-CN" altLang="en-US" sz="2000" b="0" i="0" u="none" strike="noStrike" kern="1200" cap="none" spc="0" normalizeH="0" baseline="0" noProof="0" dirty="0">
+                <a:ln>
+                  <a:noFill/>
+                </a:ln>
+                <a:solidFill>
+                  <a:schemeClr val="tx1"/>
+                </a:solidFill>
+                <a:effectLst/>
+                <a:uLnTx/>
+                <a:uFillTx/>
                 <a:latin typeface="微软雅黑" panose="020B0503020204020204" charset="-122"/>
                 <a:ea typeface="微软雅黑" panose="020B0503020204020204" charset="-122"/>
                 <a:cs typeface="微软雅黑" panose="020B0503020204020204" charset="-122"/>
-              </a:endParaRPr>
-            </a:p>
-            <a:p>
-              <a:pPr eaLnBrk="0" hangingPunct="0"/>
-              <a:r>
-                <a:rPr lang="en-US" altLang="zh-CN" sz="2000" dirty="0">
-                  <a:latin typeface="微软雅黑" panose="020B0503020204020204" charset="-122"/>
-                  <a:ea typeface="微软雅黑" panose="020B0503020204020204" charset="-122"/>
-                  <a:cs typeface="微软雅黑" panose="020B0503020204020204" charset="-122"/>
-                </a:rPr>
-                <a:t>(2) </a:t>
-              </a:r>
-              <a:r>
-                <a:rPr lang="zh-CN" altLang="en-US" sz="2000" dirty="0">
-                  <a:latin typeface="微软雅黑" panose="020B0503020204020204" charset="-122"/>
-                  <a:ea typeface="微软雅黑" panose="020B0503020204020204" charset="-122"/>
-                  <a:cs typeface="微软雅黑" panose="020B0503020204020204" charset="-122"/>
-                </a:rPr>
-                <a:t>商业银行。</a:t>
-              </a:r>
-              <a:endParaRPr lang="zh-CN" altLang="en-US" sz="2000" dirty="0">
+              </a:rPr>
+              <a:t>获得资料。</a:t>
+            </a:r>
+            <a:endParaRPr kumimoji="0" lang="zh-CN" altLang="en-US" sz="2000" b="0" i="0" u="none" strike="noStrike" kern="1200" cap="none" spc="0" normalizeH="0" baseline="0" noProof="0" dirty="0">
+              <a:ln>
+                <a:noFill/>
+              </a:ln>
+              <a:solidFill>
+                <a:schemeClr val="tx1"/>
+              </a:solidFill>
+              <a:effectLst/>
+              <a:uLnTx/>
+              <a:uFillTx/>
+              <a:latin typeface="微软雅黑" panose="020B0503020204020204" charset="-122"/>
+              <a:ea typeface="微软雅黑" panose="020B0503020204020204" charset="-122"/>
+              <a:cs typeface="微软雅黑" panose="020B0503020204020204" charset="-122"/>
+            </a:endParaRPr>
+          </a:p>
+        </p:txBody>
+      </p:sp>
+      <p:sp>
+        <p:nvSpPr>
+          <p:cNvPr id="16" name="流程图: 存储数据 5"/>
+          <p:cNvSpPr/>
+          <p:nvPr/>
+        </p:nvSpPr>
+        <p:spPr bwMode="auto">
+          <a:xfrm rot="5400000">
+            <a:off x="6051550" y="3145790"/>
+            <a:ext cx="4208780" cy="2879725"/>
+          </a:xfrm>
+          <a:prstGeom prst="flowChartOnlineStorage">
+            <a:avLst/>
+          </a:prstGeom>
+        </p:spPr>
+        <p:style>
+          <a:lnRef idx="2">
+            <a:schemeClr val="accent1"/>
+          </a:lnRef>
+          <a:fillRef idx="1">
+            <a:schemeClr val="lt1"/>
+          </a:fillRef>
+          <a:effectRef idx="0">
+            <a:schemeClr val="accent1"/>
+          </a:effectRef>
+          <a:fontRef idx="minor">
+            <a:schemeClr val="dk1"/>
+          </a:fontRef>
+        </p:style>
+        <p:txBody>
+          <a:bodyPr vert="horz" wrap="square" lIns="91440" tIns="45720" rIns="91440" bIns="45720" numCol="1" rtlCol="0" anchor="t" anchorCtr="false" compatLnSpc="true"/>
+          <a:lstStyle/>
+          <a:p>
+            <a:pPr marL="0" marR="0" lvl="0" indent="0" algn="l" defTabSz="914400" rtl="0" eaLnBrk="1" fontAlgn="base" latinLnBrk="0" hangingPunct="1">
+              <a:lnSpc>
+                <a:spcPct val="100000"/>
+              </a:lnSpc>
+              <a:spcBef>
+                <a:spcPct val="0"/>
+              </a:spcBef>
+              <a:spcAft>
+                <a:spcPct val="0"/>
+              </a:spcAft>
+              <a:buClrTx/>
+              <a:buSzTx/>
+              <a:buFont typeface="Arial" panose="020B0604020202020204" pitchFamily="34" charset="0"/>
+              <a:buNone/>
+              <a:defRPr/>
+            </a:pPr>
+            <a:endParaRPr kumimoji="0" lang="zh-CN" altLang="en-US" sz="2400" b="0" i="0" u="none" strike="noStrike" kern="1200" cap="none" spc="0" normalizeH="0" baseline="0" noProof="0">
+              <a:ln>
+                <a:noFill/>
+              </a:ln>
+              <a:solidFill>
+                <a:schemeClr val="tx1"/>
+              </a:solidFill>
+              <a:effectLst/>
+              <a:uLnTx/>
+              <a:uFillTx/>
+              <a:latin typeface="微软雅黑" panose="020B0503020204020204" charset="-122"/>
+              <a:ea typeface="微软雅黑" panose="020B0503020204020204" charset="-122"/>
+              <a:cs typeface="+mn-cs"/>
+            </a:endParaRPr>
+          </a:p>
+        </p:txBody>
+      </p:sp>
+      <p:sp>
+        <p:nvSpPr>
+          <p:cNvPr id="23" name="文本框 7"/>
+          <p:cNvSpPr txBox="true"/>
+          <p:nvPr/>
+        </p:nvSpPr>
+        <p:spPr>
+          <a:xfrm>
+            <a:off x="2854960" y="2889885"/>
+            <a:ext cx="3005455" cy="2614295"/>
+          </a:xfrm>
+          <a:prstGeom prst="rect">
+            <a:avLst/>
+          </a:prstGeom>
+          <a:noFill/>
+          <a:ln w="9525">
+            <a:noFill/>
+          </a:ln>
+        </p:spPr>
+        <p:txBody>
+          <a:bodyPr anchor="t" anchorCtr="false">
+            <a:spAutoFit/>
+          </a:bodyPr>
+          <a:p>
+            <a:pPr eaLnBrk="0" hangingPunct="0"/>
+            <a:r>
+              <a:rPr lang="en-US" altLang="zh-CN" dirty="0">
                 <a:latin typeface="微软雅黑" panose="020B0503020204020204" charset="-122"/>
                 <a:ea typeface="微软雅黑" panose="020B0503020204020204" charset="-122"/>
                 <a:cs typeface="微软雅黑" panose="020B0503020204020204" charset="-122"/>
-              </a:endParaRPr>
-            </a:p>
-            <a:p>
-              <a:pPr eaLnBrk="0" hangingPunct="0"/>
-              <a:r>
-                <a:rPr lang="en-US" altLang="zh-CN" sz="2000" dirty="0">
-                  <a:latin typeface="微软雅黑" panose="020B0503020204020204" charset="-122"/>
-                  <a:ea typeface="微软雅黑" panose="020B0503020204020204" charset="-122"/>
-                  <a:cs typeface="微软雅黑" panose="020B0503020204020204" charset="-122"/>
-                </a:rPr>
-                <a:t>(3) </a:t>
-              </a:r>
-              <a:r>
-                <a:rPr lang="zh-CN" altLang="en-US" sz="2000" dirty="0">
-                  <a:latin typeface="微软雅黑" panose="020B0503020204020204" charset="-122"/>
-                  <a:ea typeface="微软雅黑" panose="020B0503020204020204" charset="-122"/>
-                  <a:cs typeface="微软雅黑" panose="020B0503020204020204" charset="-122"/>
-                </a:rPr>
-                <a:t>法院、公安等政府部门。</a:t>
-              </a:r>
-              <a:endParaRPr lang="zh-CN" altLang="en-US" sz="2000" dirty="0">
+              </a:rPr>
+              <a:t>1. </a:t>
+            </a:r>
+            <a:r>
+              <a:rPr lang="zh-CN" altLang="en-US" dirty="0">
                 <a:latin typeface="微软雅黑" panose="020B0503020204020204" charset="-122"/>
                 <a:ea typeface="微软雅黑" panose="020B0503020204020204" charset="-122"/>
                 <a:cs typeface="微软雅黑" panose="020B0503020204020204" charset="-122"/>
-              </a:endParaRPr>
-            </a:p>
-            <a:p>
-              <a:pPr eaLnBrk="0" hangingPunct="0"/>
-              <a:r>
-                <a:rPr lang="en-US" altLang="zh-CN" sz="2000" dirty="0">
-                  <a:latin typeface="微软雅黑" panose="020B0503020204020204" charset="-122"/>
-                  <a:ea typeface="微软雅黑" panose="020B0503020204020204" charset="-122"/>
-                  <a:cs typeface="微软雅黑" panose="020B0503020204020204" charset="-122"/>
-                </a:rPr>
-                <a:t>(4) </a:t>
-              </a:r>
-              <a:r>
-                <a:rPr lang="zh-CN" altLang="en-US" sz="2000" dirty="0">
-                  <a:latin typeface="微软雅黑" panose="020B0503020204020204" charset="-122"/>
-                  <a:ea typeface="微软雅黑" panose="020B0503020204020204" charset="-122"/>
-                  <a:cs typeface="微软雅黑" panose="020B0503020204020204" charset="-122"/>
-                </a:rPr>
-                <a:t>官方公报及数据库。</a:t>
-              </a:r>
-              <a:endParaRPr lang="zh-CN" altLang="en-US" sz="2000" dirty="0">
+              </a:rPr>
+              <a:t>个人征信渠道</a:t>
+            </a:r>
+            <a:endParaRPr lang="zh-CN" altLang="en-US" dirty="0">
+              <a:latin typeface="微软雅黑" panose="020B0503020204020204" charset="-122"/>
+              <a:ea typeface="微软雅黑" panose="020B0503020204020204" charset="-122"/>
+              <a:cs typeface="微软雅黑" panose="020B0503020204020204" charset="-122"/>
+            </a:endParaRPr>
+          </a:p>
+          <a:p>
+            <a:pPr eaLnBrk="0" hangingPunct="0"/>
+            <a:endParaRPr lang="en-US" altLang="zh-CN" sz="2000" dirty="0">
+              <a:latin typeface="微软雅黑" panose="020B0503020204020204" charset="-122"/>
+              <a:ea typeface="微软雅黑" panose="020B0503020204020204" charset="-122"/>
+              <a:cs typeface="微软雅黑" panose="020B0503020204020204" charset="-122"/>
+            </a:endParaRPr>
+          </a:p>
+          <a:p>
+            <a:pPr eaLnBrk="0" hangingPunct="0"/>
+            <a:r>
+              <a:rPr lang="en-US" altLang="zh-CN" sz="2000" dirty="0">
                 <a:latin typeface="微软雅黑" panose="020B0503020204020204" charset="-122"/>
                 <a:ea typeface="微软雅黑" panose="020B0503020204020204" charset="-122"/>
                 <a:cs typeface="微软雅黑" panose="020B0503020204020204" charset="-122"/>
-              </a:endParaRPr>
-            </a:p>
-            <a:p>
-              <a:pPr eaLnBrk="0" hangingPunct="0"/>
-              <a:r>
-                <a:rPr lang="en-US" altLang="zh-CN" sz="2000" dirty="0">
-                  <a:latin typeface="微软雅黑" panose="020B0503020204020204" charset="-122"/>
-                  <a:ea typeface="微软雅黑" panose="020B0503020204020204" charset="-122"/>
-                  <a:cs typeface="微软雅黑" panose="020B0503020204020204" charset="-122"/>
-                </a:rPr>
-                <a:t>(5) </a:t>
-              </a:r>
-              <a:r>
-                <a:rPr lang="zh-CN" altLang="en-US" sz="2000" dirty="0">
-                  <a:latin typeface="微软雅黑" panose="020B0503020204020204" charset="-122"/>
-                  <a:ea typeface="微软雅黑" panose="020B0503020204020204" charset="-122"/>
-                  <a:cs typeface="微软雅黑" panose="020B0503020204020204" charset="-122"/>
-                </a:rPr>
-                <a:t>报纸、杂志等新闻出版物及商业互联网站。</a:t>
-              </a:r>
-              <a:endParaRPr lang="zh-CN" altLang="en-US" sz="2000" dirty="0">
+              </a:rPr>
+              <a:t>(1) </a:t>
+            </a:r>
+            <a:r>
+              <a:rPr lang="zh-CN" altLang="en-US" sz="2000" dirty="0">
                 <a:latin typeface="微软雅黑" panose="020B0503020204020204" charset="-122"/>
                 <a:ea typeface="微软雅黑" panose="020B0503020204020204" charset="-122"/>
                 <a:cs typeface="微软雅黑" panose="020B0503020204020204" charset="-122"/>
-              </a:endParaRPr>
-            </a:p>
-            <a:p>
-              <a:pPr eaLnBrk="0" hangingPunct="0"/>
-              <a:endParaRPr lang="zh-CN" altLang="en-US" sz="2000" dirty="0">
+              </a:rPr>
+              <a:t>商业银行、信用卡公司、公用事业机构和零售商。</a:t>
+            </a:r>
+            <a:endParaRPr lang="zh-CN" altLang="en-US" sz="2000" dirty="0">
+              <a:latin typeface="微软雅黑" panose="020B0503020204020204" charset="-122"/>
+              <a:ea typeface="微软雅黑" panose="020B0503020204020204" charset="-122"/>
+              <a:cs typeface="微软雅黑" panose="020B0503020204020204" charset="-122"/>
+            </a:endParaRPr>
+          </a:p>
+          <a:p>
+            <a:pPr eaLnBrk="0" hangingPunct="0"/>
+            <a:r>
+              <a:rPr lang="en-US" altLang="zh-CN" sz="2000" dirty="0">
                 <a:latin typeface="微软雅黑" panose="020B0503020204020204" charset="-122"/>
                 <a:ea typeface="微软雅黑" panose="020B0503020204020204" charset="-122"/>
                 <a:cs typeface="微软雅黑" panose="020B0503020204020204" charset="-122"/>
-              </a:endParaRPr>
-            </a:p>
-          </p:txBody>
-        </p:sp>
-        <p:sp>
-          <p:nvSpPr>
-            <p:cNvPr id="26" name="文本框 9"/>
-            <p:cNvSpPr txBox="true"/>
-            <p:nvPr/>
-          </p:nvSpPr>
-          <p:spPr>
-            <a:xfrm>
-              <a:off x="9298" y="4563"/>
-              <a:ext cx="5350" cy="6057"/>
-            </a:xfrm>
-            <a:prstGeom prst="rect">
-              <a:avLst/>
-            </a:prstGeom>
-            <a:noFill/>
-            <a:ln w="9525">
-              <a:noFill/>
-            </a:ln>
-          </p:spPr>
-          <p:txBody>
-            <a:bodyPr anchor="t" anchorCtr="false">
-              <a:spAutoFit/>
-            </a:bodyPr>
-            <a:p>
-              <a:pPr eaLnBrk="0" hangingPunct="0"/>
-              <a:r>
-                <a:rPr lang="en-US" altLang="zh-CN" dirty="0">
-                  <a:latin typeface="微软雅黑" panose="020B0503020204020204" charset="-122"/>
-                  <a:ea typeface="微软雅黑" panose="020B0503020204020204" charset="-122"/>
-                  <a:cs typeface="微软雅黑" panose="020B0503020204020204" charset="-122"/>
-                </a:rPr>
-                <a:t>3. </a:t>
-              </a:r>
-              <a:r>
-                <a:rPr lang="zh-CN" altLang="en-US" dirty="0">
-                  <a:latin typeface="微软雅黑" panose="020B0503020204020204" charset="-122"/>
-                  <a:ea typeface="微软雅黑" panose="020B0503020204020204" charset="-122"/>
-                  <a:cs typeface="微软雅黑" panose="020B0503020204020204" charset="-122"/>
-                </a:rPr>
-                <a:t>征信渠道的使用</a:t>
-              </a:r>
-              <a:endParaRPr lang="zh-CN" altLang="en-US" dirty="0">
+              </a:rPr>
+              <a:t>(2) </a:t>
+            </a:r>
+            <a:r>
+              <a:rPr lang="zh-CN" altLang="en-US" sz="2000" dirty="0">
                 <a:latin typeface="微软雅黑" panose="020B0503020204020204" charset="-122"/>
                 <a:ea typeface="微软雅黑" panose="020B0503020204020204" charset="-122"/>
                 <a:cs typeface="微软雅黑" panose="020B0503020204020204" charset="-122"/>
-              </a:endParaRPr>
-            </a:p>
-            <a:p>
-              <a:pPr eaLnBrk="0" hangingPunct="0"/>
-              <a:r>
-                <a:rPr lang="en-US" altLang="zh-CN" sz="2000" dirty="0">
-                  <a:latin typeface="微软雅黑" panose="020B0503020204020204" charset="-122"/>
-                  <a:ea typeface="微软雅黑" panose="020B0503020204020204" charset="-122"/>
-                  <a:cs typeface="微软雅黑" panose="020B0503020204020204" charset="-122"/>
-                </a:rPr>
-                <a:t>(1) </a:t>
-              </a:r>
-              <a:r>
-                <a:rPr lang="zh-CN" altLang="en-US" sz="2000" dirty="0">
-                  <a:latin typeface="微软雅黑" panose="020B0503020204020204" charset="-122"/>
-                  <a:ea typeface="微软雅黑" panose="020B0503020204020204" charset="-122"/>
-                  <a:cs typeface="微软雅黑" panose="020B0503020204020204" charset="-122"/>
-                </a:rPr>
-                <a:t>通过合法、公开的渠道免费获取信用信息。</a:t>
-              </a:r>
-              <a:endParaRPr lang="zh-CN" altLang="en-US" sz="2000" dirty="0">
+              </a:rPr>
+              <a:t>就业单位。</a:t>
+            </a:r>
+            <a:endParaRPr lang="zh-CN" altLang="en-US" sz="2000" dirty="0">
+              <a:latin typeface="微软雅黑" panose="020B0503020204020204" charset="-122"/>
+              <a:ea typeface="微软雅黑" panose="020B0503020204020204" charset="-122"/>
+              <a:cs typeface="微软雅黑" panose="020B0503020204020204" charset="-122"/>
+            </a:endParaRPr>
+          </a:p>
+          <a:p>
+            <a:pPr eaLnBrk="0" hangingPunct="0"/>
+            <a:r>
+              <a:rPr lang="en-US" altLang="zh-CN" sz="2000" dirty="0">
                 <a:latin typeface="微软雅黑" panose="020B0503020204020204" charset="-122"/>
                 <a:ea typeface="微软雅黑" panose="020B0503020204020204" charset="-122"/>
                 <a:cs typeface="微软雅黑" panose="020B0503020204020204" charset="-122"/>
-              </a:endParaRPr>
-            </a:p>
-            <a:p>
-              <a:pPr eaLnBrk="0" hangingPunct="0"/>
-              <a:r>
-                <a:rPr lang="en-US" altLang="zh-CN" sz="2000" dirty="0">
-                  <a:latin typeface="微软雅黑" panose="020B0503020204020204" charset="-122"/>
-                  <a:ea typeface="微软雅黑" panose="020B0503020204020204" charset="-122"/>
-                  <a:cs typeface="微软雅黑" panose="020B0503020204020204" charset="-122"/>
-                </a:rPr>
-                <a:t>(2) </a:t>
-              </a:r>
-              <a:r>
-                <a:rPr lang="zh-CN" altLang="en-US" sz="2000" dirty="0">
-                  <a:latin typeface="微软雅黑" panose="020B0503020204020204" charset="-122"/>
-                  <a:ea typeface="微软雅黑" panose="020B0503020204020204" charset="-122"/>
-                  <a:cs typeface="微软雅黑" panose="020B0503020204020204" charset="-122"/>
-                </a:rPr>
-                <a:t>企业、个人自愿提供信用信息。</a:t>
-              </a:r>
-              <a:endParaRPr lang="zh-CN" altLang="en-US" sz="2000" dirty="0">
+              </a:rPr>
+              <a:t>(3) </a:t>
+            </a:r>
+            <a:r>
+              <a:rPr lang="zh-CN" altLang="en-US" sz="2000" dirty="0">
                 <a:latin typeface="微软雅黑" panose="020B0503020204020204" charset="-122"/>
                 <a:ea typeface="微软雅黑" panose="020B0503020204020204" charset="-122"/>
                 <a:cs typeface="微软雅黑" panose="020B0503020204020204" charset="-122"/>
-              </a:endParaRPr>
-            </a:p>
-            <a:p>
-              <a:pPr eaLnBrk="0" hangingPunct="0"/>
-              <a:r>
-                <a:rPr lang="en-US" altLang="zh-CN" sz="2000" dirty="0">
-                  <a:latin typeface="微软雅黑" panose="020B0503020204020204" charset="-122"/>
-                  <a:ea typeface="微软雅黑" panose="020B0503020204020204" charset="-122"/>
-                  <a:cs typeface="微软雅黑" panose="020B0503020204020204" charset="-122"/>
-                </a:rPr>
-                <a:t>(3) </a:t>
-              </a:r>
-              <a:r>
-                <a:rPr lang="zh-CN" altLang="en-US" sz="2000" dirty="0">
-                  <a:latin typeface="微软雅黑" panose="020B0503020204020204" charset="-122"/>
-                  <a:ea typeface="微软雅黑" panose="020B0503020204020204" charset="-122"/>
-                  <a:cs typeface="微软雅黑" panose="020B0503020204020204" charset="-122"/>
-                </a:rPr>
-                <a:t>依法或按照合约从政府有关部门或单位以及其他信息提供单位获取信息。</a:t>
-              </a:r>
-              <a:endParaRPr lang="zh-CN" altLang="en-US" sz="2000" dirty="0">
+              </a:rPr>
+              <a:t>公安、法院、税务、劳动人事等政府部门。</a:t>
+            </a:r>
+            <a:endParaRPr lang="zh-CN" altLang="en-US" sz="2000" dirty="0">
+              <a:latin typeface="微软雅黑" panose="020B0503020204020204" charset="-122"/>
+              <a:ea typeface="微软雅黑" panose="020B0503020204020204" charset="-122"/>
+              <a:cs typeface="微软雅黑" panose="020B0503020204020204" charset="-122"/>
+            </a:endParaRPr>
+          </a:p>
+        </p:txBody>
+      </p:sp>
+      <p:sp>
+        <p:nvSpPr>
+          <p:cNvPr id="24" name="文本框 8"/>
+          <p:cNvSpPr txBox="true"/>
+          <p:nvPr/>
+        </p:nvSpPr>
+        <p:spPr>
+          <a:xfrm>
+            <a:off x="6777990" y="2889885"/>
+            <a:ext cx="3166745" cy="3538220"/>
+          </a:xfrm>
+          <a:prstGeom prst="rect">
+            <a:avLst/>
+          </a:prstGeom>
+          <a:noFill/>
+          <a:ln w="9525">
+            <a:noFill/>
+          </a:ln>
+        </p:spPr>
+        <p:txBody>
+          <a:bodyPr anchor="t" anchorCtr="false">
+            <a:spAutoFit/>
+          </a:bodyPr>
+          <a:p>
+            <a:pPr eaLnBrk="0" hangingPunct="0"/>
+            <a:r>
+              <a:rPr lang="en-US" altLang="zh-CN" dirty="0">
                 <a:latin typeface="微软雅黑" panose="020B0503020204020204" charset="-122"/>
                 <a:ea typeface="微软雅黑" panose="020B0503020204020204" charset="-122"/>
                 <a:cs typeface="微软雅黑" panose="020B0503020204020204" charset="-122"/>
-              </a:endParaRPr>
-            </a:p>
-            <a:p>
-              <a:pPr eaLnBrk="0" hangingPunct="0"/>
-              <a:r>
-                <a:rPr lang="en-US" altLang="zh-CN" sz="2000" dirty="0">
-                  <a:latin typeface="微软雅黑" panose="020B0503020204020204" charset="-122"/>
-                  <a:ea typeface="微软雅黑" panose="020B0503020204020204" charset="-122"/>
-                  <a:cs typeface="微软雅黑" panose="020B0503020204020204" charset="-122"/>
-                </a:rPr>
-                <a:t>(4) </a:t>
-              </a:r>
-              <a:r>
-                <a:rPr lang="zh-CN" altLang="en-US" sz="2000" dirty="0">
-                  <a:latin typeface="微软雅黑" panose="020B0503020204020204" charset="-122"/>
-                  <a:ea typeface="微软雅黑" panose="020B0503020204020204" charset="-122"/>
-                  <a:cs typeface="微软雅黑" panose="020B0503020204020204" charset="-122"/>
-                </a:rPr>
-                <a:t>通过金融机构特别是商业银行获取信息。</a:t>
-              </a:r>
-              <a:endParaRPr lang="zh-CN" altLang="en-US" sz="2000" dirty="0">
+              </a:rPr>
+              <a:t>2. </a:t>
+            </a:r>
+            <a:r>
+              <a:rPr lang="zh-CN" altLang="en-US" dirty="0">
                 <a:latin typeface="微软雅黑" panose="020B0503020204020204" charset="-122"/>
                 <a:ea typeface="微软雅黑" panose="020B0503020204020204" charset="-122"/>
                 <a:cs typeface="微软雅黑" panose="020B0503020204020204" charset="-122"/>
-              </a:endParaRPr>
-            </a:p>
-            <a:p>
-              <a:pPr eaLnBrk="0" hangingPunct="0"/>
-              <a:r>
-                <a:rPr lang="en-US" altLang="zh-CN" sz="2000" dirty="0">
-                  <a:latin typeface="微软雅黑" panose="020B0503020204020204" charset="-122"/>
-                  <a:ea typeface="微软雅黑" panose="020B0503020204020204" charset="-122"/>
-                  <a:cs typeface="微软雅黑" panose="020B0503020204020204" charset="-122"/>
-                </a:rPr>
-                <a:t>(5) </a:t>
-              </a:r>
-              <a:r>
-                <a:rPr lang="zh-CN" altLang="en-US" sz="2000" dirty="0">
-                  <a:latin typeface="微软雅黑" panose="020B0503020204020204" charset="-122"/>
-                  <a:ea typeface="微软雅黑" panose="020B0503020204020204" charset="-122"/>
-                  <a:cs typeface="微软雅黑" panose="020B0503020204020204" charset="-122"/>
-                </a:rPr>
-                <a:t>通过间接的渠道获得信息。</a:t>
-              </a:r>
-              <a:endParaRPr lang="zh-CN" altLang="en-US" dirty="0">
+              </a:rPr>
+              <a:t>企业征信渠道</a:t>
+            </a:r>
+            <a:endParaRPr lang="zh-CN" altLang="en-US" dirty="0">
+              <a:latin typeface="微软雅黑" panose="020B0503020204020204" charset="-122"/>
+              <a:ea typeface="微软雅黑" panose="020B0503020204020204" charset="-122"/>
+              <a:cs typeface="微软雅黑" panose="020B0503020204020204" charset="-122"/>
+            </a:endParaRPr>
+          </a:p>
+          <a:p>
+            <a:pPr eaLnBrk="0" hangingPunct="0"/>
+            <a:endParaRPr lang="en-US" altLang="zh-CN" sz="2000" dirty="0">
+              <a:latin typeface="微软雅黑" panose="020B0503020204020204" charset="-122"/>
+              <a:ea typeface="微软雅黑" panose="020B0503020204020204" charset="-122"/>
+              <a:cs typeface="微软雅黑" panose="020B0503020204020204" charset="-122"/>
+            </a:endParaRPr>
+          </a:p>
+          <a:p>
+            <a:pPr eaLnBrk="0" hangingPunct="0"/>
+            <a:r>
+              <a:rPr lang="en-US" altLang="zh-CN" sz="2000" dirty="0">
                 <a:latin typeface="微软雅黑" panose="020B0503020204020204" charset="-122"/>
                 <a:ea typeface="微软雅黑" panose="020B0503020204020204" charset="-122"/>
                 <a:cs typeface="微软雅黑" panose="020B0503020204020204" charset="-122"/>
-              </a:endParaRPr>
-            </a:p>
-          </p:txBody>
-        </p:sp>
-      </p:grpSp>
+              </a:rPr>
+              <a:t>(1) </a:t>
+            </a:r>
+            <a:r>
+              <a:rPr lang="zh-CN" altLang="en-US" sz="2000" dirty="0">
+                <a:latin typeface="微软雅黑" panose="020B0503020204020204" charset="-122"/>
+                <a:ea typeface="微软雅黑" panose="020B0503020204020204" charset="-122"/>
+                <a:cs typeface="微软雅黑" panose="020B0503020204020204" charset="-122"/>
+              </a:rPr>
+              <a:t>市场监督部门及税务部门。</a:t>
+            </a:r>
+            <a:endParaRPr lang="zh-CN" altLang="en-US" sz="2000" dirty="0">
+              <a:latin typeface="微软雅黑" panose="020B0503020204020204" charset="-122"/>
+              <a:ea typeface="微软雅黑" panose="020B0503020204020204" charset="-122"/>
+              <a:cs typeface="微软雅黑" panose="020B0503020204020204" charset="-122"/>
+            </a:endParaRPr>
+          </a:p>
+          <a:p>
+            <a:pPr eaLnBrk="0" hangingPunct="0"/>
+            <a:r>
+              <a:rPr lang="en-US" altLang="zh-CN" sz="2000" dirty="0">
+                <a:latin typeface="微软雅黑" panose="020B0503020204020204" charset="-122"/>
+                <a:ea typeface="微软雅黑" panose="020B0503020204020204" charset="-122"/>
+                <a:cs typeface="微软雅黑" panose="020B0503020204020204" charset="-122"/>
+              </a:rPr>
+              <a:t>(2) </a:t>
+            </a:r>
+            <a:r>
+              <a:rPr lang="zh-CN" altLang="en-US" sz="2000" dirty="0">
+                <a:latin typeface="微软雅黑" panose="020B0503020204020204" charset="-122"/>
+                <a:ea typeface="微软雅黑" panose="020B0503020204020204" charset="-122"/>
+                <a:cs typeface="微软雅黑" panose="020B0503020204020204" charset="-122"/>
+              </a:rPr>
+              <a:t>商业银行。</a:t>
+            </a:r>
+            <a:endParaRPr lang="zh-CN" altLang="en-US" sz="2000" dirty="0">
+              <a:latin typeface="微软雅黑" panose="020B0503020204020204" charset="-122"/>
+              <a:ea typeface="微软雅黑" panose="020B0503020204020204" charset="-122"/>
+              <a:cs typeface="微软雅黑" panose="020B0503020204020204" charset="-122"/>
+            </a:endParaRPr>
+          </a:p>
+          <a:p>
+            <a:pPr eaLnBrk="0" hangingPunct="0"/>
+            <a:r>
+              <a:rPr lang="en-US" altLang="zh-CN" sz="2000" dirty="0">
+                <a:latin typeface="微软雅黑" panose="020B0503020204020204" charset="-122"/>
+                <a:ea typeface="微软雅黑" panose="020B0503020204020204" charset="-122"/>
+                <a:cs typeface="微软雅黑" panose="020B0503020204020204" charset="-122"/>
+              </a:rPr>
+              <a:t>(3) </a:t>
+            </a:r>
+            <a:r>
+              <a:rPr lang="zh-CN" altLang="en-US" sz="2000" dirty="0">
+                <a:latin typeface="微软雅黑" panose="020B0503020204020204" charset="-122"/>
+                <a:ea typeface="微软雅黑" panose="020B0503020204020204" charset="-122"/>
+                <a:cs typeface="微软雅黑" panose="020B0503020204020204" charset="-122"/>
+              </a:rPr>
+              <a:t>法院、公安等政府部门。</a:t>
+            </a:r>
+            <a:endParaRPr lang="zh-CN" altLang="en-US" sz="2000" dirty="0">
+              <a:latin typeface="微软雅黑" panose="020B0503020204020204" charset="-122"/>
+              <a:ea typeface="微软雅黑" panose="020B0503020204020204" charset="-122"/>
+              <a:cs typeface="微软雅黑" panose="020B0503020204020204" charset="-122"/>
+            </a:endParaRPr>
+          </a:p>
+          <a:p>
+            <a:pPr eaLnBrk="0" hangingPunct="0"/>
+            <a:r>
+              <a:rPr lang="en-US" altLang="zh-CN" sz="2000" dirty="0">
+                <a:latin typeface="微软雅黑" panose="020B0503020204020204" charset="-122"/>
+                <a:ea typeface="微软雅黑" panose="020B0503020204020204" charset="-122"/>
+                <a:cs typeface="微软雅黑" panose="020B0503020204020204" charset="-122"/>
+              </a:rPr>
+              <a:t>(4) </a:t>
+            </a:r>
+            <a:r>
+              <a:rPr lang="zh-CN" altLang="en-US" sz="2000" dirty="0">
+                <a:latin typeface="微软雅黑" panose="020B0503020204020204" charset="-122"/>
+                <a:ea typeface="微软雅黑" panose="020B0503020204020204" charset="-122"/>
+                <a:cs typeface="微软雅黑" panose="020B0503020204020204" charset="-122"/>
+              </a:rPr>
+              <a:t>官方公报及数据库。</a:t>
+            </a:r>
+            <a:endParaRPr lang="zh-CN" altLang="en-US" sz="2000" dirty="0">
+              <a:latin typeface="微软雅黑" panose="020B0503020204020204" charset="-122"/>
+              <a:ea typeface="微软雅黑" panose="020B0503020204020204" charset="-122"/>
+              <a:cs typeface="微软雅黑" panose="020B0503020204020204" charset="-122"/>
+            </a:endParaRPr>
+          </a:p>
+          <a:p>
+            <a:pPr eaLnBrk="0" hangingPunct="0"/>
+            <a:r>
+              <a:rPr lang="en-US" altLang="zh-CN" sz="2000" dirty="0">
+                <a:latin typeface="微软雅黑" panose="020B0503020204020204" charset="-122"/>
+                <a:ea typeface="微软雅黑" panose="020B0503020204020204" charset="-122"/>
+                <a:cs typeface="微软雅黑" panose="020B0503020204020204" charset="-122"/>
+              </a:rPr>
+              <a:t>(5) </a:t>
+            </a:r>
+            <a:r>
+              <a:rPr lang="zh-CN" altLang="en-US" sz="2000" dirty="0">
+                <a:latin typeface="微软雅黑" panose="020B0503020204020204" charset="-122"/>
+                <a:ea typeface="微软雅黑" panose="020B0503020204020204" charset="-122"/>
+                <a:cs typeface="微软雅黑" panose="020B0503020204020204" charset="-122"/>
+              </a:rPr>
+              <a:t>报纸、杂志等新闻出版物及商业互联网站。</a:t>
+            </a:r>
+            <a:endParaRPr lang="zh-CN" altLang="en-US" sz="2000" dirty="0">
+              <a:latin typeface="微软雅黑" panose="020B0503020204020204" charset="-122"/>
+              <a:ea typeface="微软雅黑" panose="020B0503020204020204" charset="-122"/>
+              <a:cs typeface="微软雅黑" panose="020B0503020204020204" charset="-122"/>
+            </a:endParaRPr>
+          </a:p>
+          <a:p>
+            <a:pPr eaLnBrk="0" hangingPunct="0"/>
+            <a:endParaRPr lang="zh-CN" altLang="en-US" sz="2000" dirty="0">
+              <a:latin typeface="微软雅黑" panose="020B0503020204020204" charset="-122"/>
+              <a:ea typeface="微软雅黑" panose="020B0503020204020204" charset="-122"/>
+              <a:cs typeface="微软雅黑" panose="020B0503020204020204" charset="-122"/>
+            </a:endParaRPr>
+          </a:p>
+        </p:txBody>
+      </p:sp>
     </p:spTree>
   </p:cSld>
   <p:clrMapOvr>
@@ -38083,1580 +36744,6 @@
                 <a:ea typeface="微软雅黑" panose="020B0503020204020204" charset="-122"/>
                 <a:sym typeface="+mn-ea"/>
               </a:rPr>
-              <a:t>三、征信渠道</a:t>
-            </a:r>
-            <a:endParaRPr lang="zh-CN" altLang="en-US" sz="3200" dirty="0">
-              <a:solidFill>
-                <a:schemeClr val="bg1"/>
-              </a:solidFill>
-              <a:latin typeface="微软雅黑" panose="020B0503020204020204" charset="-122"/>
-              <a:ea typeface="微软雅黑" panose="020B0503020204020204" charset="-122"/>
-              <a:sym typeface="+mn-ea"/>
-            </a:endParaRPr>
-          </a:p>
-        </p:txBody>
-      </p:sp>
-      <p:grpSp>
-        <p:nvGrpSpPr>
-          <p:cNvPr id="3" name="组合 2"/>
-          <p:cNvGrpSpPr/>
-          <p:nvPr/>
-        </p:nvGrpSpPr>
-        <p:grpSpPr>
-          <a:xfrm>
-            <a:off x="1706880" y="1194118"/>
-            <a:ext cx="8778875" cy="5091112"/>
-            <a:chOff x="315" y="2098"/>
-            <a:chExt cx="13825" cy="8017"/>
-          </a:xfrm>
-        </p:grpSpPr>
-        <p:pic>
-          <p:nvPicPr>
-            <p:cNvPr id="56321" name="Picture 7" descr="4981745_080354055435_2"/>
-            <p:cNvPicPr>
-              <a:picLocks noChangeAspect="true"/>
-            </p:cNvPicPr>
-            <p:nvPr/>
-          </p:nvPicPr>
-          <p:blipFill>
-            <a:blip r:embed="rId4"/>
-            <a:stretch>
-              <a:fillRect/>
-            </a:stretch>
-          </p:blipFill>
-          <p:spPr>
-            <a:xfrm>
-              <a:off x="4620" y="2098"/>
-              <a:ext cx="5103" cy="3105"/>
-            </a:xfrm>
-            <a:prstGeom prst="rect">
-              <a:avLst/>
-            </a:prstGeom>
-            <a:noFill/>
-            <a:ln w="9525">
-              <a:noFill/>
-            </a:ln>
-          </p:spPr>
-        </p:pic>
-        <p:sp>
-          <p:nvSpPr>
-            <p:cNvPr id="2" name="TextBox 8"/>
-            <p:cNvSpPr txBox="true"/>
-            <p:nvPr/>
-          </p:nvSpPr>
-          <p:spPr>
-            <a:xfrm>
-              <a:off x="6748" y="2453"/>
-              <a:ext cx="2040" cy="1598"/>
-            </a:xfrm>
-            <a:prstGeom prst="rect">
-              <a:avLst/>
-            </a:prstGeom>
-            <a:noFill/>
-            <a:ln w="9525">
-              <a:noFill/>
-            </a:ln>
-          </p:spPr>
-          <p:txBody>
-            <a:bodyPr anchor="t" anchorCtr="false">
-              <a:spAutoFit/>
-            </a:bodyPr>
-            <a:p>
-              <a:pPr>
-                <a:buClrTx/>
-                <a:buFont typeface="Arial" panose="020B0604020202020204" pitchFamily="34" charset="0"/>
-              </a:pPr>
-              <a:r>
-                <a:rPr lang="zh-CN" altLang="en-US" sz="2000" b="1" dirty="0">
-                  <a:solidFill>
-                    <a:srgbClr val="FF0000"/>
-                  </a:solidFill>
-                  <a:latin typeface="微软雅黑" panose="020B0503020204020204" charset="-122"/>
-                  <a:ea typeface="微软雅黑" panose="020B0503020204020204" charset="-122"/>
-                </a:rPr>
-                <a:t>征信从哪来，怎么用</a:t>
-              </a:r>
-              <a:endParaRPr lang="zh-CN" altLang="en-US" sz="2000" b="1" dirty="0">
-                <a:solidFill>
-                  <a:srgbClr val="FF0000"/>
-                </a:solidFill>
-                <a:latin typeface="微软雅黑" panose="020B0503020204020204" charset="-122"/>
-                <a:ea typeface="微软雅黑" panose="020B0503020204020204" charset="-122"/>
-              </a:endParaRPr>
-            </a:p>
-          </p:txBody>
-        </p:sp>
-        <p:grpSp>
-          <p:nvGrpSpPr>
-            <p:cNvPr id="60423" name="组合 9"/>
-            <p:cNvGrpSpPr/>
-            <p:nvPr/>
-          </p:nvGrpSpPr>
-          <p:grpSpPr>
-            <a:xfrm>
-              <a:off x="315" y="4493"/>
-              <a:ext cx="13825" cy="5622"/>
-              <a:chOff x="0" y="0"/>
-              <a:chExt cx="12260911" cy="4439385"/>
-            </a:xfrm>
-          </p:grpSpPr>
-          <p:grpSp>
-            <p:nvGrpSpPr>
-              <p:cNvPr id="56327" name="Group 5"/>
-              <p:cNvGrpSpPr/>
-              <p:nvPr/>
-            </p:nvGrpSpPr>
-            <p:grpSpPr>
-              <a:xfrm>
-                <a:off x="8078534" y="0"/>
-                <a:ext cx="4182377" cy="4439385"/>
-                <a:chOff x="0" y="0"/>
-                <a:chExt cx="2383" cy="2740"/>
-              </a:xfrm>
-            </p:grpSpPr>
-            <p:sp>
-              <p:nvSpPr>
-                <p:cNvPr id="56328" name="Rectangle 6"/>
-                <p:cNvSpPr/>
-                <p:nvPr/>
-              </p:nvSpPr>
-              <p:spPr>
-                <a:xfrm>
-                  <a:off x="70" y="0"/>
-                  <a:ext cx="2244" cy="2669"/>
-                </a:xfrm>
-                <a:prstGeom prst="rect">
-                  <a:avLst/>
-                </a:prstGeom>
-                <a:gradFill rotWithShape="false">
-                  <a:gsLst>
-                    <a:gs pos="0">
-                      <a:srgbClr val="A3D4FF">
-                        <a:alpha val="100000"/>
-                      </a:srgbClr>
-                    </a:gs>
-                    <a:gs pos="50000">
-                      <a:srgbClr val="C6E3FF">
-                        <a:alpha val="100000"/>
-                      </a:srgbClr>
-                    </a:gs>
-                    <a:gs pos="100000">
-                      <a:srgbClr val="E3F0FF">
-                        <a:alpha val="100000"/>
-                      </a:srgbClr>
-                    </a:gs>
-                  </a:gsLst>
-                  <a:lin ang="5400000"/>
-                  <a:tileRect/>
-                </a:gradFill>
-                <a:ln w="9525" cap="flat" cmpd="sng">
-                  <a:solidFill>
-                    <a:schemeClr val="tx1"/>
-                  </a:solidFill>
-                  <a:prstDash val="solid"/>
-                  <a:miter/>
-                  <a:headEnd type="none" w="med" len="med"/>
-                  <a:tailEnd type="none" w="med" len="med"/>
-                </a:ln>
-                <a:effectLst>
-                  <a:outerShdw dist="35921" dir="2699999" algn="ctr" rotWithShape="0">
-                    <a:schemeClr val="bg2"/>
-                  </a:outerShdw>
-                </a:effectLst>
-              </p:spPr>
-              <p:txBody>
-                <a:bodyPr wrap="none" anchor="ctr" anchorCtr="false"/>
-                <a:p>
-                  <a:pPr>
-                    <a:buClrTx/>
-                    <a:buFont typeface="Arial" panose="020B0604020202020204" pitchFamily="34" charset="0"/>
-                  </a:pPr>
-                  <a:endParaRPr lang="zh-CN" altLang="en-US" dirty="0">
-                    <a:latin typeface="微软雅黑" panose="020B0503020204020204" charset="-122"/>
-                    <a:ea typeface="微软雅黑" panose="020B0503020204020204" charset="-122"/>
-                  </a:endParaRPr>
-                </a:p>
-              </p:txBody>
-            </p:sp>
-            <p:sp>
-              <p:nvSpPr>
-                <p:cNvPr id="56329" name="Rectangle 7"/>
-                <p:cNvSpPr/>
-                <p:nvPr/>
-              </p:nvSpPr>
-              <p:spPr>
-                <a:xfrm>
-                  <a:off x="69" y="0"/>
-                  <a:ext cx="2245" cy="365"/>
-                </a:xfrm>
-                <a:prstGeom prst="rect">
-                  <a:avLst/>
-                </a:prstGeom>
-                <a:solidFill>
-                  <a:schemeClr val="tx1"/>
-                </a:solidFill>
-                <a:ln w="9525" cap="flat" cmpd="sng">
-                  <a:solidFill>
-                    <a:schemeClr val="tx1"/>
-                  </a:solidFill>
-                  <a:prstDash val="solid"/>
-                  <a:miter/>
-                  <a:headEnd type="none" w="med" len="med"/>
-                  <a:tailEnd type="none" w="med" len="med"/>
-                </a:ln>
-              </p:spPr>
-              <p:txBody>
-                <a:bodyPr wrap="none" anchor="ctr" anchorCtr="false"/>
-                <a:p>
-                  <a:pPr>
-                    <a:buClrTx/>
-                    <a:buFont typeface="Arial" panose="020B0604020202020204" pitchFamily="34" charset="0"/>
-                  </a:pPr>
-                  <a:endParaRPr lang="zh-CN" altLang="en-US" dirty="0">
-                    <a:latin typeface="微软雅黑" panose="020B0503020204020204" charset="-122"/>
-                    <a:ea typeface="微软雅黑" panose="020B0503020204020204" charset="-122"/>
-                  </a:endParaRPr>
-                </a:p>
-              </p:txBody>
-            </p:sp>
-            <p:sp>
-              <p:nvSpPr>
-                <p:cNvPr id="56330" name="Rectangle 8"/>
-                <p:cNvSpPr/>
-                <p:nvPr/>
-              </p:nvSpPr>
-              <p:spPr>
-                <a:xfrm>
-                  <a:off x="211" y="54"/>
-                  <a:ext cx="2085" cy="283"/>
-                </a:xfrm>
-                <a:prstGeom prst="rect">
-                  <a:avLst/>
-                </a:prstGeom>
-                <a:noFill/>
-                <a:ln w="9525">
-                  <a:noFill/>
-                </a:ln>
-              </p:spPr>
-              <p:txBody>
-                <a:bodyPr lIns="0" tIns="0" rIns="0" bIns="0" anchor="t" anchorCtr="false">
-                  <a:spAutoFit/>
-                </a:bodyPr>
-                <a:p>
-                  <a:pPr marL="168275" indent="-168275">
-                    <a:spcBef>
-                      <a:spcPct val="20000"/>
-                    </a:spcBef>
-                    <a:buClr>
-                      <a:schemeClr val="tx2"/>
-                    </a:buClr>
-                    <a:buFont typeface="Wingdings" panose="05000000000000000000" pitchFamily="2" charset="2"/>
-                    <a:buChar char="§"/>
-                  </a:pPr>
-                  <a:r>
-                    <a:rPr lang="zh-CN" altLang="en-US" b="1" dirty="0">
-                      <a:solidFill>
-                        <a:schemeClr val="bg1"/>
-                      </a:solidFill>
-                      <a:latin typeface="微软雅黑" panose="020B0503020204020204" charset="-122"/>
-                      <a:ea typeface="微软雅黑" panose="020B0503020204020204" charset="-122"/>
-                    </a:rPr>
-                    <a:t>征信渠道的使用</a:t>
-                  </a:r>
-                  <a:endParaRPr lang="zh-CN" altLang="en-US" b="1" dirty="0">
-                    <a:solidFill>
-                      <a:schemeClr val="bg1"/>
-                    </a:solidFill>
-                    <a:latin typeface="微软雅黑" panose="020B0503020204020204" charset="-122"/>
-                    <a:ea typeface="微软雅黑" panose="020B0503020204020204" charset="-122"/>
-                  </a:endParaRPr>
-                </a:p>
-              </p:txBody>
-            </p:sp>
-            <p:sp>
-              <p:nvSpPr>
-                <p:cNvPr id="56331" name="Rectangle 9"/>
-                <p:cNvSpPr/>
-                <p:nvPr/>
-              </p:nvSpPr>
-              <p:spPr>
-                <a:xfrm>
-                  <a:off x="0" y="378"/>
-                  <a:ext cx="2383" cy="2362"/>
-                </a:xfrm>
-                <a:prstGeom prst="rect">
-                  <a:avLst/>
-                </a:prstGeom>
-                <a:noFill/>
-                <a:ln w="9525">
-                  <a:noFill/>
-                </a:ln>
-              </p:spPr>
-              <p:txBody>
-                <a:bodyPr lIns="0" tIns="0" rIns="0" bIns="0" anchor="t" anchorCtr="false">
-                  <a:spAutoFit/>
-                </a:bodyPr>
-                <a:p>
-                  <a:pPr marL="342900" lvl="1" indent="-342900" algn="l" rtl="0" eaLnBrk="1" fontAlgn="base" hangingPunct="1">
-                    <a:lnSpc>
-                      <a:spcPts val="2000"/>
-                    </a:lnSpc>
-                    <a:spcBef>
-                      <a:spcPct val="0"/>
-                    </a:spcBef>
-                    <a:spcAft>
-                      <a:spcPct val="0"/>
-                    </a:spcAft>
-                    <a:buClrTx/>
-                    <a:buFont typeface="Wingdings" panose="05000000000000000000" pitchFamily="2" charset="2"/>
-                    <a:buChar char="u"/>
-                  </a:pPr>
-                  <a:r>
-                    <a:rPr lang="zh-CN" altLang="en-US" sz="2000" dirty="0">
-                      <a:solidFill>
-                        <a:srgbClr val="000000"/>
-                      </a:solidFill>
-                      <a:latin typeface="微软雅黑" panose="020B0503020204020204" charset="-122"/>
-                      <a:ea typeface="微软雅黑" panose="020B0503020204020204" charset="-122"/>
-                      <a:cs typeface="微软雅黑" panose="020B0503020204020204" charset="-122"/>
-                    </a:rPr>
-                    <a:t>通过合法、公开的渠道免费获取信用信息；</a:t>
-                  </a:r>
-                  <a:endParaRPr lang="zh-CN" altLang="en-US" sz="2000" dirty="0">
-                    <a:solidFill>
-                      <a:srgbClr val="000000"/>
-                    </a:solidFill>
-                    <a:latin typeface="微软雅黑" panose="020B0503020204020204" charset="-122"/>
-                    <a:ea typeface="微软雅黑" panose="020B0503020204020204" charset="-122"/>
-                    <a:cs typeface="微软雅黑" panose="020B0503020204020204" charset="-122"/>
-                  </a:endParaRPr>
-                </a:p>
-                <a:p>
-                  <a:pPr marL="342900" lvl="1" indent="-342900" algn="l" rtl="0" eaLnBrk="1" fontAlgn="base" hangingPunct="1">
-                    <a:lnSpc>
-                      <a:spcPts val="2000"/>
-                    </a:lnSpc>
-                    <a:spcBef>
-                      <a:spcPct val="0"/>
-                    </a:spcBef>
-                    <a:spcAft>
-                      <a:spcPct val="0"/>
-                    </a:spcAft>
-                    <a:buClrTx/>
-                    <a:buFont typeface="Wingdings" panose="05000000000000000000" pitchFamily="2" charset="2"/>
-                    <a:buChar char="u"/>
-                  </a:pPr>
-                  <a:r>
-                    <a:rPr lang="zh-CN" altLang="en-US" sz="2000" dirty="0">
-                      <a:solidFill>
-                        <a:srgbClr val="000000"/>
-                      </a:solidFill>
-                      <a:latin typeface="微软雅黑" panose="020B0503020204020204" charset="-122"/>
-                      <a:ea typeface="微软雅黑" panose="020B0503020204020204" charset="-122"/>
-                      <a:cs typeface="微软雅黑" panose="020B0503020204020204" charset="-122"/>
-                    </a:rPr>
-                    <a:t>企业、个人自愿提供信用信息；</a:t>
-                  </a:r>
-                  <a:endParaRPr lang="zh-CN" altLang="en-US" sz="2000" dirty="0">
-                    <a:solidFill>
-                      <a:srgbClr val="000000"/>
-                    </a:solidFill>
-                    <a:latin typeface="微软雅黑" panose="020B0503020204020204" charset="-122"/>
-                    <a:ea typeface="微软雅黑" panose="020B0503020204020204" charset="-122"/>
-                    <a:cs typeface="微软雅黑" panose="020B0503020204020204" charset="-122"/>
-                  </a:endParaRPr>
-                </a:p>
-                <a:p>
-                  <a:pPr marL="342900" lvl="1" indent="-342900" algn="l" rtl="0" eaLnBrk="1" fontAlgn="base" hangingPunct="1">
-                    <a:lnSpc>
-                      <a:spcPts val="2000"/>
-                    </a:lnSpc>
-                    <a:spcBef>
-                      <a:spcPct val="0"/>
-                    </a:spcBef>
-                    <a:spcAft>
-                      <a:spcPct val="0"/>
-                    </a:spcAft>
-                    <a:buClrTx/>
-                    <a:buFont typeface="Wingdings" panose="05000000000000000000" pitchFamily="2" charset="2"/>
-                    <a:buChar char="u"/>
-                  </a:pPr>
-                  <a:r>
-                    <a:rPr lang="zh-CN" altLang="en-US" sz="2000" dirty="0">
-                      <a:solidFill>
-                        <a:srgbClr val="000000"/>
-                      </a:solidFill>
-                      <a:latin typeface="微软雅黑" panose="020B0503020204020204" charset="-122"/>
-                      <a:ea typeface="微软雅黑" panose="020B0503020204020204" charset="-122"/>
-                      <a:cs typeface="微软雅黑" panose="020B0503020204020204" charset="-122"/>
-                    </a:rPr>
-                    <a:t>依法或按照合约从政府有关部门或单位以及其他信息提供单位获取信息；</a:t>
-                  </a:r>
-                  <a:endParaRPr lang="zh-CN" altLang="en-US" sz="2000" dirty="0">
-                    <a:solidFill>
-                      <a:srgbClr val="000000"/>
-                    </a:solidFill>
-                    <a:latin typeface="微软雅黑" panose="020B0503020204020204" charset="-122"/>
-                    <a:ea typeface="微软雅黑" panose="020B0503020204020204" charset="-122"/>
-                    <a:cs typeface="微软雅黑" panose="020B0503020204020204" charset="-122"/>
-                  </a:endParaRPr>
-                </a:p>
-                <a:p>
-                  <a:pPr marL="342900" lvl="1" indent="-342900" algn="l" rtl="0" eaLnBrk="1" fontAlgn="base" hangingPunct="1">
-                    <a:lnSpc>
-                      <a:spcPts val="2000"/>
-                    </a:lnSpc>
-                    <a:spcBef>
-                      <a:spcPct val="0"/>
-                    </a:spcBef>
-                    <a:spcAft>
-                      <a:spcPct val="0"/>
-                    </a:spcAft>
-                    <a:buClrTx/>
-                    <a:buFont typeface="Wingdings" panose="05000000000000000000" pitchFamily="2" charset="2"/>
-                    <a:buChar char="u"/>
-                  </a:pPr>
-                  <a:r>
-                    <a:rPr lang="zh-CN" altLang="en-US" sz="2000" dirty="0">
-                      <a:solidFill>
-                        <a:srgbClr val="000000"/>
-                      </a:solidFill>
-                      <a:latin typeface="微软雅黑" panose="020B0503020204020204" charset="-122"/>
-                      <a:ea typeface="微软雅黑" panose="020B0503020204020204" charset="-122"/>
-                      <a:cs typeface="微软雅黑" panose="020B0503020204020204" charset="-122"/>
-                    </a:rPr>
-                    <a:t>通过金融机构特别是商业银行获取信息；</a:t>
-                  </a:r>
-                  <a:endParaRPr lang="zh-CN" altLang="en-US" sz="2000" dirty="0">
-                    <a:solidFill>
-                      <a:srgbClr val="000000"/>
-                    </a:solidFill>
-                    <a:latin typeface="微软雅黑" panose="020B0503020204020204" charset="-122"/>
-                    <a:ea typeface="微软雅黑" panose="020B0503020204020204" charset="-122"/>
-                    <a:cs typeface="微软雅黑" panose="020B0503020204020204" charset="-122"/>
-                  </a:endParaRPr>
-                </a:p>
-                <a:p>
-                  <a:pPr marL="342900" lvl="1" indent="-342900" algn="l" rtl="0" eaLnBrk="1" fontAlgn="base" hangingPunct="1">
-                    <a:lnSpc>
-                      <a:spcPts val="2000"/>
-                    </a:lnSpc>
-                    <a:spcBef>
-                      <a:spcPct val="0"/>
-                    </a:spcBef>
-                    <a:spcAft>
-                      <a:spcPct val="0"/>
-                    </a:spcAft>
-                    <a:buClrTx/>
-                    <a:buFont typeface="Wingdings" panose="05000000000000000000" pitchFamily="2" charset="2"/>
-                    <a:buChar char="u"/>
-                  </a:pPr>
-                  <a:r>
-                    <a:rPr lang="zh-CN" altLang="en-US" sz="2000" dirty="0">
-                      <a:solidFill>
-                        <a:srgbClr val="000000"/>
-                      </a:solidFill>
-                      <a:latin typeface="微软雅黑" panose="020B0503020204020204" charset="-122"/>
-                      <a:ea typeface="微软雅黑" panose="020B0503020204020204" charset="-122"/>
-                      <a:cs typeface="微软雅黑" panose="020B0503020204020204" charset="-122"/>
-                    </a:rPr>
-                    <a:t>通过间接的渠道获得信息。 </a:t>
-                  </a:r>
-                  <a:endParaRPr lang="zh-CN" altLang="en-US" sz="2000" dirty="0">
-                    <a:solidFill>
-                      <a:srgbClr val="000000"/>
-                    </a:solidFill>
-                    <a:latin typeface="微软雅黑" panose="020B0503020204020204" charset="-122"/>
-                    <a:ea typeface="微软雅黑" panose="020B0503020204020204" charset="-122"/>
-                    <a:cs typeface="微软雅黑" panose="020B0503020204020204" charset="-122"/>
-                  </a:endParaRPr>
-                </a:p>
-              </p:txBody>
-            </p:sp>
-          </p:grpSp>
-          <p:grpSp>
-            <p:nvGrpSpPr>
-              <p:cNvPr id="56332" name="Group 10"/>
-              <p:cNvGrpSpPr/>
-              <p:nvPr/>
-            </p:nvGrpSpPr>
-            <p:grpSpPr>
-              <a:xfrm>
-                <a:off x="0" y="21069"/>
-                <a:ext cx="3940175" cy="4319489"/>
-                <a:chOff x="0" y="0"/>
-                <a:chExt cx="2245" cy="2666"/>
-              </a:xfrm>
-            </p:grpSpPr>
-            <p:sp>
-              <p:nvSpPr>
-                <p:cNvPr id="56333" name="Rectangle 11"/>
-                <p:cNvSpPr/>
-                <p:nvPr/>
-              </p:nvSpPr>
-              <p:spPr>
-                <a:xfrm>
-                  <a:off x="0" y="0"/>
-                  <a:ext cx="2245" cy="2666"/>
-                </a:xfrm>
-                <a:prstGeom prst="rect">
-                  <a:avLst/>
-                </a:prstGeom>
-                <a:gradFill rotWithShape="false">
-                  <a:gsLst>
-                    <a:gs pos="0">
-                      <a:srgbClr val="A3D4FF">
-                        <a:alpha val="100000"/>
-                      </a:srgbClr>
-                    </a:gs>
-                    <a:gs pos="50000">
-                      <a:srgbClr val="C6E3FF">
-                        <a:alpha val="100000"/>
-                      </a:srgbClr>
-                    </a:gs>
-                    <a:gs pos="100000">
-                      <a:srgbClr val="E3F0FF">
-                        <a:alpha val="100000"/>
-                      </a:srgbClr>
-                    </a:gs>
-                  </a:gsLst>
-                  <a:lin ang="5400000"/>
-                  <a:tileRect/>
-                </a:gradFill>
-                <a:ln w="9525" cap="flat" cmpd="sng">
-                  <a:solidFill>
-                    <a:schemeClr val="tx1"/>
-                  </a:solidFill>
-                  <a:prstDash val="solid"/>
-                  <a:miter/>
-                  <a:headEnd type="none" w="med" len="med"/>
-                  <a:tailEnd type="none" w="med" len="med"/>
-                </a:ln>
-                <a:effectLst>
-                  <a:outerShdw dist="35921" dir="2699999" algn="ctr" rotWithShape="0">
-                    <a:schemeClr val="bg2"/>
-                  </a:outerShdw>
-                </a:effectLst>
-              </p:spPr>
-              <p:txBody>
-                <a:bodyPr wrap="none" anchor="ctr" anchorCtr="false"/>
-                <a:p>
-                  <a:pPr>
-                    <a:buClrTx/>
-                    <a:buFont typeface="Arial" panose="020B0604020202020204" pitchFamily="34" charset="0"/>
-                  </a:pPr>
-                  <a:endParaRPr lang="zh-CN" altLang="en-US" dirty="0">
-                    <a:latin typeface="微软雅黑" panose="020B0503020204020204" charset="-122"/>
-                    <a:ea typeface="微软雅黑" panose="020B0503020204020204" charset="-122"/>
-                  </a:endParaRPr>
-                </a:p>
-              </p:txBody>
-            </p:sp>
-            <p:sp>
-              <p:nvSpPr>
-                <p:cNvPr id="56334" name="Rectangle 12"/>
-                <p:cNvSpPr/>
-                <p:nvPr/>
-              </p:nvSpPr>
-              <p:spPr>
-                <a:xfrm>
-                  <a:off x="0" y="0"/>
-                  <a:ext cx="2245" cy="365"/>
-                </a:xfrm>
-                <a:prstGeom prst="rect">
-                  <a:avLst/>
-                </a:prstGeom>
-                <a:solidFill>
-                  <a:schemeClr val="tx1"/>
-                </a:solidFill>
-                <a:ln w="9525" cap="flat" cmpd="sng">
-                  <a:solidFill>
-                    <a:schemeClr val="tx1"/>
-                  </a:solidFill>
-                  <a:prstDash val="solid"/>
-                  <a:miter/>
-                  <a:headEnd type="none" w="med" len="med"/>
-                  <a:tailEnd type="none" w="med" len="med"/>
-                </a:ln>
-              </p:spPr>
-              <p:txBody>
-                <a:bodyPr wrap="none" anchor="ctr" anchorCtr="false"/>
-                <a:p>
-                  <a:pPr>
-                    <a:buClrTx/>
-                    <a:buFont typeface="Arial" panose="020B0604020202020204" pitchFamily="34" charset="0"/>
-                  </a:pPr>
-                  <a:endParaRPr lang="zh-CN" altLang="en-US" dirty="0">
-                    <a:latin typeface="微软雅黑" panose="020B0503020204020204" charset="-122"/>
-                    <a:ea typeface="微软雅黑" panose="020B0503020204020204" charset="-122"/>
-                  </a:endParaRPr>
-                </a:p>
-              </p:txBody>
-            </p:sp>
-            <p:sp>
-              <p:nvSpPr>
-                <p:cNvPr id="56335" name="Rectangle 13"/>
-                <p:cNvSpPr/>
-                <p:nvPr/>
-              </p:nvSpPr>
-              <p:spPr>
-                <a:xfrm>
-                  <a:off x="155" y="69"/>
-                  <a:ext cx="2085" cy="283"/>
-                </a:xfrm>
-                <a:prstGeom prst="rect">
-                  <a:avLst/>
-                </a:prstGeom>
-                <a:noFill/>
-                <a:ln w="9525">
-                  <a:noFill/>
-                </a:ln>
-              </p:spPr>
-              <p:txBody>
-                <a:bodyPr lIns="0" tIns="0" rIns="0" bIns="0" anchor="t" anchorCtr="false">
-                  <a:spAutoFit/>
-                </a:bodyPr>
-                <a:p>
-                  <a:pPr marL="168275" indent="-168275">
-                    <a:spcBef>
-                      <a:spcPct val="20000"/>
-                    </a:spcBef>
-                    <a:buClr>
-                      <a:schemeClr val="tx2"/>
-                    </a:buClr>
-                    <a:buFont typeface="Wingdings" panose="05000000000000000000" pitchFamily="2" charset="2"/>
-                    <a:buChar char="§"/>
-                  </a:pPr>
-                  <a:r>
-                    <a:rPr lang="zh-CN" altLang="en-US" b="1" dirty="0">
-                      <a:solidFill>
-                        <a:schemeClr val="bg1"/>
-                      </a:solidFill>
-                      <a:latin typeface="微软雅黑" panose="020B0503020204020204" charset="-122"/>
-                      <a:ea typeface="微软雅黑" panose="020B0503020204020204" charset="-122"/>
-                      <a:cs typeface="微软雅黑" panose="020B0503020204020204" charset="-122"/>
-                    </a:rPr>
-                    <a:t>个人征信渠道</a:t>
-                  </a:r>
-                  <a:r>
-                    <a:rPr lang="en-US" altLang="zh-CN" b="1" dirty="0">
-                      <a:solidFill>
-                        <a:schemeClr val="bg1"/>
-                      </a:solidFill>
-                      <a:latin typeface="微软雅黑" panose="020B0503020204020204" charset="-122"/>
-                      <a:ea typeface="微软雅黑" panose="020B0503020204020204" charset="-122"/>
-                      <a:cs typeface="微软雅黑" panose="020B0503020204020204" charset="-122"/>
-                    </a:rPr>
-                    <a:t> </a:t>
-                  </a:r>
-                  <a:endParaRPr lang="en-US" altLang="zh-CN" b="1" dirty="0">
-                    <a:solidFill>
-                      <a:schemeClr val="bg1"/>
-                    </a:solidFill>
-                    <a:latin typeface="微软雅黑" panose="020B0503020204020204" charset="-122"/>
-                    <a:ea typeface="微软雅黑" panose="020B0503020204020204" charset="-122"/>
-                    <a:cs typeface="微软雅黑" panose="020B0503020204020204" charset="-122"/>
-                  </a:endParaRPr>
-                </a:p>
-              </p:txBody>
-            </p:sp>
-            <p:sp>
-              <p:nvSpPr>
-                <p:cNvPr id="56336" name="Rectangle 14"/>
-                <p:cNvSpPr/>
-                <p:nvPr/>
-              </p:nvSpPr>
-              <p:spPr>
-                <a:xfrm>
-                  <a:off x="0" y="441"/>
-                  <a:ext cx="2175" cy="1701"/>
-                </a:xfrm>
-                <a:prstGeom prst="rect">
-                  <a:avLst/>
-                </a:prstGeom>
-                <a:noFill/>
-                <a:ln w="9525">
-                  <a:noFill/>
-                </a:ln>
-              </p:spPr>
-              <p:txBody>
-                <a:bodyPr lIns="0" tIns="0" rIns="0" bIns="0" anchor="t" anchorCtr="false">
-                  <a:spAutoFit/>
-                </a:bodyPr>
-                <a:p>
-                  <a:pPr marL="342900" indent="-342900">
-                    <a:lnSpc>
-                      <a:spcPct val="120000"/>
-                    </a:lnSpc>
-                    <a:buClrTx/>
-                    <a:buFont typeface="Wingdings" panose="05000000000000000000" pitchFamily="2" charset="2"/>
-                    <a:buChar char="u"/>
-                  </a:pPr>
-                  <a:r>
-                    <a:rPr lang="zh-CN" altLang="en-US" sz="2000" dirty="0">
-                      <a:solidFill>
-                        <a:srgbClr val="000000"/>
-                      </a:solidFill>
-                      <a:latin typeface="微软雅黑" panose="020B0503020204020204" charset="-122"/>
-                      <a:ea typeface="微软雅黑" panose="020B0503020204020204" charset="-122"/>
-                    </a:rPr>
-                    <a:t>商业银行、信用卡公司、公用事业机构和零售商；</a:t>
-                  </a:r>
-                  <a:endParaRPr lang="zh-CN" altLang="en-US" sz="2000" dirty="0">
-                    <a:solidFill>
-                      <a:srgbClr val="000000"/>
-                    </a:solidFill>
-                    <a:latin typeface="微软雅黑" panose="020B0503020204020204" charset="-122"/>
-                    <a:ea typeface="微软雅黑" panose="020B0503020204020204" charset="-122"/>
-                  </a:endParaRPr>
-                </a:p>
-                <a:p>
-                  <a:pPr marL="342900" indent="-342900">
-                    <a:lnSpc>
-                      <a:spcPct val="120000"/>
-                    </a:lnSpc>
-                    <a:buClrTx/>
-                    <a:buFont typeface="Wingdings" panose="05000000000000000000" pitchFamily="2" charset="2"/>
-                    <a:buChar char="u"/>
-                  </a:pPr>
-                  <a:r>
-                    <a:rPr lang="zh-CN" altLang="en-US" sz="2000" dirty="0">
-                      <a:solidFill>
-                        <a:srgbClr val="000000"/>
-                      </a:solidFill>
-                      <a:latin typeface="微软雅黑" panose="020B0503020204020204" charset="-122"/>
-                      <a:ea typeface="微软雅黑" panose="020B0503020204020204" charset="-122"/>
-                    </a:rPr>
-                    <a:t>就业单位；</a:t>
-                  </a:r>
-                  <a:endParaRPr lang="zh-CN" altLang="en-US" sz="2000" dirty="0">
-                    <a:solidFill>
-                      <a:srgbClr val="000000"/>
-                    </a:solidFill>
-                    <a:latin typeface="微软雅黑" panose="020B0503020204020204" charset="-122"/>
-                    <a:ea typeface="微软雅黑" panose="020B0503020204020204" charset="-122"/>
-                  </a:endParaRPr>
-                </a:p>
-                <a:p>
-                  <a:pPr marL="342900" indent="-342900">
-                    <a:lnSpc>
-                      <a:spcPct val="120000"/>
-                    </a:lnSpc>
-                    <a:buClrTx/>
-                    <a:buFont typeface="Wingdings" panose="05000000000000000000" pitchFamily="2" charset="2"/>
-                    <a:buChar char="u"/>
-                  </a:pPr>
-                  <a:r>
-                    <a:rPr lang="zh-CN" altLang="en-US" sz="2000" dirty="0">
-                      <a:solidFill>
-                        <a:srgbClr val="000000"/>
-                      </a:solidFill>
-                      <a:latin typeface="微软雅黑" panose="020B0503020204020204" charset="-122"/>
-                      <a:ea typeface="微软雅黑" panose="020B0503020204020204" charset="-122"/>
-                    </a:rPr>
-                    <a:t>公安、法院、税务、劳动人事等政府部门。</a:t>
-                  </a:r>
-                  <a:endParaRPr lang="zh-CN" altLang="en-US" sz="2000" dirty="0">
-                    <a:solidFill>
-                      <a:srgbClr val="000000"/>
-                    </a:solidFill>
-                    <a:latin typeface="微软雅黑" panose="020B0503020204020204" charset="-122"/>
-                    <a:ea typeface="微软雅黑" panose="020B0503020204020204" charset="-122"/>
-                  </a:endParaRPr>
-                </a:p>
-              </p:txBody>
-            </p:sp>
-          </p:grpSp>
-          <p:grpSp>
-            <p:nvGrpSpPr>
-              <p:cNvPr id="56337" name="Group 5"/>
-              <p:cNvGrpSpPr/>
-              <p:nvPr/>
-            </p:nvGrpSpPr>
-            <p:grpSpPr>
-              <a:xfrm>
-                <a:off x="4116831" y="0"/>
-                <a:ext cx="3940175" cy="4324350"/>
-                <a:chOff x="0" y="0"/>
-                <a:chExt cx="2245" cy="2669"/>
-              </a:xfrm>
-            </p:grpSpPr>
-            <p:sp>
-              <p:nvSpPr>
-                <p:cNvPr id="56338" name="Rectangle 6"/>
-                <p:cNvSpPr/>
-                <p:nvPr/>
-              </p:nvSpPr>
-              <p:spPr>
-                <a:xfrm>
-                  <a:off x="0" y="0"/>
-                  <a:ext cx="2245" cy="2669"/>
-                </a:xfrm>
-                <a:prstGeom prst="rect">
-                  <a:avLst/>
-                </a:prstGeom>
-                <a:gradFill rotWithShape="false">
-                  <a:gsLst>
-                    <a:gs pos="0">
-                      <a:srgbClr val="A3D4FF">
-                        <a:alpha val="100000"/>
-                      </a:srgbClr>
-                    </a:gs>
-                    <a:gs pos="50000">
-                      <a:srgbClr val="C6E3FF">
-                        <a:alpha val="100000"/>
-                      </a:srgbClr>
-                    </a:gs>
-                    <a:gs pos="100000">
-                      <a:srgbClr val="E3F0FF">
-                        <a:alpha val="100000"/>
-                      </a:srgbClr>
-                    </a:gs>
-                  </a:gsLst>
-                  <a:lin ang="5400000"/>
-                  <a:tileRect/>
-                </a:gradFill>
-                <a:ln w="9525" cap="flat" cmpd="sng">
-                  <a:solidFill>
-                    <a:schemeClr val="tx1"/>
-                  </a:solidFill>
-                  <a:prstDash val="solid"/>
-                  <a:miter/>
-                  <a:headEnd type="none" w="med" len="med"/>
-                  <a:tailEnd type="none" w="med" len="med"/>
-                </a:ln>
-                <a:effectLst>
-                  <a:outerShdw dist="35921" dir="2699999" algn="ctr" rotWithShape="0">
-                    <a:schemeClr val="bg2"/>
-                  </a:outerShdw>
-                </a:effectLst>
-              </p:spPr>
-              <p:txBody>
-                <a:bodyPr wrap="none" anchor="ctr" anchorCtr="false"/>
-                <a:p>
-                  <a:pPr>
-                    <a:buClrTx/>
-                    <a:buFont typeface="Arial" panose="020B0604020202020204" pitchFamily="34" charset="0"/>
-                  </a:pPr>
-                  <a:endParaRPr lang="zh-CN" altLang="en-US" dirty="0">
-                    <a:latin typeface="微软雅黑" panose="020B0503020204020204" charset="-122"/>
-                    <a:ea typeface="微软雅黑" panose="020B0503020204020204" charset="-122"/>
-                  </a:endParaRPr>
-                </a:p>
-              </p:txBody>
-            </p:sp>
-            <p:sp>
-              <p:nvSpPr>
-                <p:cNvPr id="56339" name="Rectangle 7"/>
-                <p:cNvSpPr/>
-                <p:nvPr/>
-              </p:nvSpPr>
-              <p:spPr>
-                <a:xfrm>
-                  <a:off x="0" y="0"/>
-                  <a:ext cx="2245" cy="365"/>
-                </a:xfrm>
-                <a:prstGeom prst="rect">
-                  <a:avLst/>
-                </a:prstGeom>
-                <a:solidFill>
-                  <a:schemeClr val="tx1"/>
-                </a:solidFill>
-                <a:ln w="9525" cap="flat" cmpd="sng">
-                  <a:solidFill>
-                    <a:schemeClr val="tx1"/>
-                  </a:solidFill>
-                  <a:prstDash val="solid"/>
-                  <a:miter/>
-                  <a:headEnd type="none" w="med" len="med"/>
-                  <a:tailEnd type="none" w="med" len="med"/>
-                </a:ln>
-              </p:spPr>
-              <p:txBody>
-                <a:bodyPr wrap="none" anchor="ctr" anchorCtr="false"/>
-                <a:p>
-                  <a:pPr>
-                    <a:buClrTx/>
-                    <a:buFont typeface="Arial" panose="020B0604020202020204" pitchFamily="34" charset="0"/>
-                  </a:pPr>
-                  <a:endParaRPr lang="zh-CN" altLang="en-US" dirty="0">
-                    <a:latin typeface="微软雅黑" panose="020B0503020204020204" charset="-122"/>
-                    <a:ea typeface="微软雅黑" panose="020B0503020204020204" charset="-122"/>
-                  </a:endParaRPr>
-                </a:p>
-              </p:txBody>
-            </p:sp>
-            <p:sp>
-              <p:nvSpPr>
-                <p:cNvPr id="56340" name="Rectangle 8"/>
-                <p:cNvSpPr/>
-                <p:nvPr/>
-              </p:nvSpPr>
-              <p:spPr>
-                <a:xfrm>
-                  <a:off x="97" y="73"/>
-                  <a:ext cx="2085" cy="283"/>
-                </a:xfrm>
-                <a:prstGeom prst="rect">
-                  <a:avLst/>
-                </a:prstGeom>
-                <a:noFill/>
-                <a:ln w="9525">
-                  <a:noFill/>
-                </a:ln>
-              </p:spPr>
-              <p:txBody>
-                <a:bodyPr lIns="0" tIns="0" rIns="0" bIns="0" anchor="t" anchorCtr="false">
-                  <a:spAutoFit/>
-                </a:bodyPr>
-                <a:p>
-                  <a:pPr marL="168275" indent="-168275">
-                    <a:spcBef>
-                      <a:spcPct val="20000"/>
-                    </a:spcBef>
-                    <a:buClr>
-                      <a:schemeClr val="tx2"/>
-                    </a:buClr>
-                    <a:buFont typeface="Wingdings" panose="05000000000000000000" pitchFamily="2" charset="2"/>
-                    <a:buChar char="§"/>
-                  </a:pPr>
-                  <a:r>
-                    <a:rPr lang="zh-CN" altLang="en-US" b="1" dirty="0">
-                      <a:solidFill>
-                        <a:schemeClr val="bg1"/>
-                      </a:solidFill>
-                      <a:latin typeface="微软雅黑" panose="020B0503020204020204" charset="-122"/>
-                      <a:ea typeface="微软雅黑" panose="020B0503020204020204" charset="-122"/>
-                      <a:cs typeface="微软雅黑" panose="020B0503020204020204" charset="-122"/>
-                    </a:rPr>
-                    <a:t>企业征信渠道</a:t>
-                  </a:r>
-                  <a:r>
-                    <a:rPr lang="en-US" altLang="zh-CN" b="1" dirty="0">
-                      <a:solidFill>
-                        <a:schemeClr val="bg1"/>
-                      </a:solidFill>
-                      <a:latin typeface="微软雅黑" panose="020B0503020204020204" charset="-122"/>
-                      <a:ea typeface="微软雅黑" panose="020B0503020204020204" charset="-122"/>
-                      <a:cs typeface="微软雅黑" panose="020B0503020204020204" charset="-122"/>
-                    </a:rPr>
-                    <a:t> </a:t>
-                  </a:r>
-                  <a:endParaRPr lang="en-US" altLang="zh-CN" b="1" dirty="0">
-                    <a:solidFill>
-                      <a:schemeClr val="bg1"/>
-                    </a:solidFill>
-                    <a:latin typeface="微软雅黑" panose="020B0503020204020204" charset="-122"/>
-                    <a:ea typeface="微软雅黑" panose="020B0503020204020204" charset="-122"/>
-                    <a:cs typeface="微软雅黑" panose="020B0503020204020204" charset="-122"/>
-                  </a:endParaRPr>
-                </a:p>
-              </p:txBody>
-            </p:sp>
-            <p:sp>
-              <p:nvSpPr>
-                <p:cNvPr id="56341" name="Rectangle 9"/>
-                <p:cNvSpPr/>
-                <p:nvPr/>
-              </p:nvSpPr>
-              <p:spPr>
-                <a:xfrm>
-                  <a:off x="90" y="441"/>
-                  <a:ext cx="2086" cy="2166"/>
-                </a:xfrm>
-                <a:prstGeom prst="rect">
-                  <a:avLst/>
-                </a:prstGeom>
-                <a:noFill/>
-                <a:ln w="9525">
-                  <a:noFill/>
-                </a:ln>
-              </p:spPr>
-              <p:txBody>
-                <a:bodyPr lIns="0" tIns="0" rIns="0" bIns="0" anchor="t" anchorCtr="false">
-                  <a:spAutoFit/>
-                </a:bodyPr>
-                <a:p>
-                  <a:pPr marL="342900" indent="-342900">
-                    <a:lnSpc>
-                      <a:spcPts val="2200"/>
-                    </a:lnSpc>
-                    <a:buClrTx/>
-                    <a:buFont typeface="Wingdings" panose="05000000000000000000" pitchFamily="2" charset="2"/>
-                    <a:buChar char="u"/>
-                  </a:pPr>
-                  <a:r>
-                    <a:rPr lang="zh-CN" altLang="en-US" sz="2000" dirty="0">
-                      <a:solidFill>
-                        <a:srgbClr val="000000"/>
-                      </a:solidFill>
-                      <a:latin typeface="微软雅黑" panose="020B0503020204020204" charset="-122"/>
-                      <a:ea typeface="微软雅黑" panose="020B0503020204020204" charset="-122"/>
-                    </a:rPr>
-                    <a:t>工商行政管理部门及税务部门；</a:t>
-                  </a:r>
-                  <a:endParaRPr lang="en-US" altLang="zh-CN" sz="2000" dirty="0">
-                    <a:solidFill>
-                      <a:srgbClr val="000000"/>
-                    </a:solidFill>
-                    <a:latin typeface="微软雅黑" panose="020B0503020204020204" charset="-122"/>
-                    <a:ea typeface="微软雅黑" panose="020B0503020204020204" charset="-122"/>
-                  </a:endParaRPr>
-                </a:p>
-                <a:p>
-                  <a:pPr marL="342900" indent="-342900">
-                    <a:lnSpc>
-                      <a:spcPts val="2200"/>
-                    </a:lnSpc>
-                    <a:buClrTx/>
-                    <a:buFont typeface="Wingdings" panose="05000000000000000000" pitchFamily="2" charset="2"/>
-                    <a:buChar char="u"/>
-                  </a:pPr>
-                  <a:r>
-                    <a:rPr lang="zh-CN" altLang="en-US" sz="2000" dirty="0">
-                      <a:solidFill>
-                        <a:srgbClr val="000000"/>
-                      </a:solidFill>
-                      <a:latin typeface="微软雅黑" panose="020B0503020204020204" charset="-122"/>
-                      <a:ea typeface="微软雅黑" panose="020B0503020204020204" charset="-122"/>
-                    </a:rPr>
-                    <a:t>商业银行；</a:t>
-                  </a:r>
-                  <a:endParaRPr lang="en-US" altLang="zh-CN" sz="2000" dirty="0">
-                    <a:solidFill>
-                      <a:srgbClr val="000000"/>
-                    </a:solidFill>
-                    <a:latin typeface="微软雅黑" panose="020B0503020204020204" charset="-122"/>
-                    <a:ea typeface="微软雅黑" panose="020B0503020204020204" charset="-122"/>
-                  </a:endParaRPr>
-                </a:p>
-                <a:p>
-                  <a:pPr marL="342900" indent="-342900">
-                    <a:lnSpc>
-                      <a:spcPts val="2200"/>
-                    </a:lnSpc>
-                    <a:buClrTx/>
-                    <a:buFont typeface="Wingdings" panose="05000000000000000000" pitchFamily="2" charset="2"/>
-                    <a:buChar char="u"/>
-                  </a:pPr>
-                  <a:r>
-                    <a:rPr lang="zh-CN" altLang="en-US" sz="2000" dirty="0">
-                      <a:solidFill>
-                        <a:srgbClr val="000000"/>
-                      </a:solidFill>
-                      <a:latin typeface="微软雅黑" panose="020B0503020204020204" charset="-122"/>
-                      <a:ea typeface="微软雅黑" panose="020B0503020204020204" charset="-122"/>
-                    </a:rPr>
-                    <a:t>法院、公安等政府部门；官方公报及数据库；</a:t>
-                  </a:r>
-                  <a:endParaRPr lang="en-US" altLang="zh-CN" sz="2000" dirty="0">
-                    <a:solidFill>
-                      <a:srgbClr val="000000"/>
-                    </a:solidFill>
-                    <a:latin typeface="微软雅黑" panose="020B0503020204020204" charset="-122"/>
-                    <a:ea typeface="微软雅黑" panose="020B0503020204020204" charset="-122"/>
-                  </a:endParaRPr>
-                </a:p>
-                <a:p>
-                  <a:pPr marL="342900" indent="-342900">
-                    <a:lnSpc>
-                      <a:spcPts val="2200"/>
-                    </a:lnSpc>
-                    <a:buClrTx/>
-                    <a:buFont typeface="Wingdings" panose="05000000000000000000" pitchFamily="2" charset="2"/>
-                    <a:buChar char="u"/>
-                  </a:pPr>
-                  <a:r>
-                    <a:rPr lang="zh-CN" altLang="en-US" sz="2000" dirty="0">
-                      <a:solidFill>
-                        <a:srgbClr val="000000"/>
-                      </a:solidFill>
-                      <a:latin typeface="微软雅黑" panose="020B0503020204020204" charset="-122"/>
-                      <a:ea typeface="微软雅黑" panose="020B0503020204020204" charset="-122"/>
-                    </a:rPr>
-                    <a:t>报纸、杂志等新闻出版物及商业互联网站；</a:t>
-                  </a:r>
-                  <a:endParaRPr lang="en-US" altLang="zh-CN" sz="2000" dirty="0">
-                    <a:solidFill>
-                      <a:srgbClr val="000000"/>
-                    </a:solidFill>
-                    <a:latin typeface="微软雅黑" panose="020B0503020204020204" charset="-122"/>
-                    <a:ea typeface="微软雅黑" panose="020B0503020204020204" charset="-122"/>
-                  </a:endParaRPr>
-                </a:p>
-                <a:p>
-                  <a:pPr marL="342900" indent="-342900">
-                    <a:lnSpc>
-                      <a:spcPts val="2200"/>
-                    </a:lnSpc>
-                    <a:buClrTx/>
-                    <a:buFont typeface="Wingdings" panose="05000000000000000000" pitchFamily="2" charset="2"/>
-                    <a:buChar char="u"/>
-                  </a:pPr>
-                  <a:r>
-                    <a:rPr lang="zh-CN" altLang="en-US" sz="2000" dirty="0">
-                      <a:solidFill>
-                        <a:srgbClr val="000000"/>
-                      </a:solidFill>
-                      <a:latin typeface="微软雅黑" panose="020B0503020204020204" charset="-122"/>
-                      <a:ea typeface="微软雅黑" panose="020B0503020204020204" charset="-122"/>
-                    </a:rPr>
-                    <a:t>其他信息提供机构。</a:t>
-                  </a:r>
-                  <a:endParaRPr lang="zh-CN" altLang="en-US" sz="2000" dirty="0">
-                    <a:solidFill>
-                      <a:srgbClr val="000000"/>
-                    </a:solidFill>
-                    <a:latin typeface="微软雅黑" panose="020B0503020204020204" charset="-122"/>
-                    <a:ea typeface="微软雅黑" panose="020B0503020204020204" charset="-122"/>
-                  </a:endParaRPr>
-                </a:p>
-              </p:txBody>
-            </p:sp>
-          </p:grpSp>
-        </p:grpSp>
-      </p:grpSp>
-    </p:spTree>
-  </p:cSld>
-  <p:clrMapOvr>
-    <a:masterClrMapping/>
-  </p:clrMapOvr>
-  <mc:AlternateContent xmlns:mc="http://schemas.openxmlformats.org/markup-compatibility/2006">
-    <mc:Choice xmlns:p14="http://schemas.microsoft.com/office/powerpoint/2010/main" Requires="p14">
-      <p:transition spd="slow" p14:dur="1250" advTm="0"/>
-    </mc:Choice>
-    <mc:Fallback>
-      <p:transition spd="slow" advTm="0"/>
-    </mc:Fallback>
-  </mc:AlternateContent>
-  <p:timing>
-    <p:tnLst>
-      <p:par>
-        <p:cTn id="1" dur="indefinite" restart="never" nodeType="tmRoot"/>
-      </p:par>
-    </p:tnLst>
-  </p:timing>
-</p:sld>
-</file>
-
-<file path=ppt/slides/slide8.xml><?xml version="1.0" encoding="utf-8"?>
-<p:sld xmlns:a="http://schemas.openxmlformats.org/drawingml/2006/main" xmlns:r="http://schemas.openxmlformats.org/officeDocument/2006/relationships" xmlns:p="http://schemas.openxmlformats.org/presentationml/2006/main">
-  <p:cSld>
-    <p:spTree>
-      <p:nvGrpSpPr>
-        <p:cNvPr id="1" name=""/>
-        <p:cNvGrpSpPr/>
-        <p:nvPr/>
-      </p:nvGrpSpPr>
-      <p:grpSpPr>
-        <a:xfrm>
-          <a:off x="0" y="0"/>
-          <a:ext cx="0" cy="0"/>
-          <a:chOff x="0" y="0"/>
-          <a:chExt cx="0" cy="0"/>
-        </a:xfrm>
-      </p:grpSpPr>
-      <p:grpSp>
-        <p:nvGrpSpPr>
-          <p:cNvPr id="18" name="组合 17"/>
-          <p:cNvGrpSpPr/>
-          <p:nvPr/>
-        </p:nvGrpSpPr>
-        <p:grpSpPr>
-          <a:xfrm>
-            <a:off x="-2" y="0"/>
-            <a:ext cx="12192002" cy="6858000"/>
-            <a:chOff x="-2" y="0"/>
-            <a:chExt cx="12192002" cy="6858000"/>
-          </a:xfrm>
-        </p:grpSpPr>
-        <p:pic>
-          <p:nvPicPr>
-            <p:cNvPr id="19" name="图片 18"/>
-            <p:cNvPicPr>
-              <a:picLocks noChangeAspect="true"/>
-            </p:cNvPicPr>
-            <p:nvPr/>
-          </p:nvPicPr>
-          <p:blipFill rotWithShape="true">
-            <a:blip r:embed="rId1" cstate="screen">
-              <a:extLst>
-                <a:ext uri="{BEBA8EAE-BF5A-486C-A8C5-ECC9F3942E4B}">
-                  <a14:imgProps xmlns:a14="http://schemas.microsoft.com/office/drawing/2010/main">
-                    <a14:imgLayer r:embed="rId2">
-                      <a14:imgEffect>
-                        <a14:brightnessContrast bright="9000"/>
-                      </a14:imgEffect>
-                    </a14:imgLayer>
-                  </a14:imgProps>
-                </a:ext>
-              </a:extLst>
-            </a:blip>
-            <a:srcRect/>
-            <a:stretch>
-              <a:fillRect/>
-            </a:stretch>
-          </p:blipFill>
-          <p:spPr>
-            <a:xfrm>
-              <a:off x="-1" y="0"/>
-              <a:ext cx="12192001" cy="6858000"/>
-            </a:xfrm>
-            <a:prstGeom prst="rect">
-              <a:avLst/>
-            </a:prstGeom>
-          </p:spPr>
-        </p:pic>
-        <p:pic>
-          <p:nvPicPr>
-            <p:cNvPr id="20" name="图片 19"/>
-            <p:cNvPicPr>
-              <a:picLocks noChangeAspect="true"/>
-            </p:cNvPicPr>
-            <p:nvPr/>
-          </p:nvPicPr>
-          <p:blipFill>
-            <a:blip r:embed="rId3">
-              <a:lum bright="70000" contrast="-70000"/>
-            </a:blip>
-            <a:srcRect l="4950"/>
-            <a:stretch>
-              <a:fillRect/>
-            </a:stretch>
-          </p:blipFill>
-          <p:spPr>
-            <a:xfrm>
-              <a:off x="5707965" y="2575"/>
-              <a:ext cx="6484035" cy="77036"/>
-            </a:xfrm>
-            <a:custGeom>
-              <a:avLst/>
-              <a:gdLst>
-                <a:gd name="connsiteX0" fmla="*/ 137250 w 4702465"/>
-                <a:gd name="connsiteY0" fmla="*/ 0 h 222240"/>
-                <a:gd name="connsiteX1" fmla="*/ 4702465 w 4702465"/>
-                <a:gd name="connsiteY1" fmla="*/ 0 h 222240"/>
-                <a:gd name="connsiteX2" fmla="*/ 4702465 w 4702465"/>
-                <a:gd name="connsiteY2" fmla="*/ 222240 h 222240"/>
-                <a:gd name="connsiteX3" fmla="*/ 0 w 4702465"/>
-                <a:gd name="connsiteY3" fmla="*/ 222240 h 222240"/>
-              </a:gdLst>
-              <a:ahLst/>
-              <a:cxnLst>
-                <a:cxn ang="0">
-                  <a:pos x="connsiteX0" y="connsiteY0"/>
-                </a:cxn>
-                <a:cxn ang="0">
-                  <a:pos x="connsiteX1" y="connsiteY1"/>
-                </a:cxn>
-                <a:cxn ang="0">
-                  <a:pos x="connsiteX2" y="connsiteY2"/>
-                </a:cxn>
-                <a:cxn ang="0">
-                  <a:pos x="connsiteX3" y="connsiteY3"/>
-                </a:cxn>
-              </a:cxnLst>
-              <a:rect l="l" t="t" r="r" b="b"/>
-              <a:pathLst>
-                <a:path w="4702465" h="222240">
-                  <a:moveTo>
-                    <a:pt x="137250" y="0"/>
-                  </a:moveTo>
-                  <a:lnTo>
-                    <a:pt x="4702465" y="0"/>
-                  </a:lnTo>
-                  <a:lnTo>
-                    <a:pt x="4702465" y="222240"/>
-                  </a:lnTo>
-                  <a:lnTo>
-                    <a:pt x="0" y="222240"/>
-                  </a:lnTo>
-                  <a:close/>
-                </a:path>
-              </a:pathLst>
-            </a:custGeom>
-            <a:solidFill>
-              <a:schemeClr val="bg1"/>
-            </a:solidFill>
-          </p:spPr>
-        </p:pic>
-        <p:pic>
-          <p:nvPicPr>
-            <p:cNvPr id="21" name="图片 20"/>
-            <p:cNvPicPr>
-              <a:picLocks noChangeAspect="true"/>
-            </p:cNvPicPr>
-            <p:nvPr/>
-          </p:nvPicPr>
-          <p:blipFill>
-            <a:blip r:embed="rId3">
-              <a:lum bright="70000" contrast="-70000"/>
-            </a:blip>
-            <a:srcRect l="4950" r="26116"/>
-            <a:stretch>
-              <a:fillRect/>
-            </a:stretch>
-          </p:blipFill>
-          <p:spPr>
-            <a:xfrm flipH="true" flipV="true">
-              <a:off x="-2" y="2575"/>
-              <a:ext cx="4702465" cy="77036"/>
-            </a:xfrm>
-            <a:custGeom>
-              <a:avLst/>
-              <a:gdLst>
-                <a:gd name="connsiteX0" fmla="*/ 137250 w 4702465"/>
-                <a:gd name="connsiteY0" fmla="*/ 0 h 222240"/>
-                <a:gd name="connsiteX1" fmla="*/ 4702465 w 4702465"/>
-                <a:gd name="connsiteY1" fmla="*/ 0 h 222240"/>
-                <a:gd name="connsiteX2" fmla="*/ 4702465 w 4702465"/>
-                <a:gd name="connsiteY2" fmla="*/ 222240 h 222240"/>
-                <a:gd name="connsiteX3" fmla="*/ 0 w 4702465"/>
-                <a:gd name="connsiteY3" fmla="*/ 222240 h 222240"/>
-              </a:gdLst>
-              <a:ahLst/>
-              <a:cxnLst>
-                <a:cxn ang="0">
-                  <a:pos x="connsiteX0" y="connsiteY0"/>
-                </a:cxn>
-                <a:cxn ang="0">
-                  <a:pos x="connsiteX1" y="connsiteY1"/>
-                </a:cxn>
-                <a:cxn ang="0">
-                  <a:pos x="connsiteX2" y="connsiteY2"/>
-                </a:cxn>
-                <a:cxn ang="0">
-                  <a:pos x="connsiteX3" y="connsiteY3"/>
-                </a:cxn>
-              </a:cxnLst>
-              <a:rect l="l" t="t" r="r" b="b"/>
-              <a:pathLst>
-                <a:path w="4702465" h="222240">
-                  <a:moveTo>
-                    <a:pt x="137250" y="0"/>
-                  </a:moveTo>
-                  <a:lnTo>
-                    <a:pt x="4702465" y="0"/>
-                  </a:lnTo>
-                  <a:lnTo>
-                    <a:pt x="4702465" y="222240"/>
-                  </a:lnTo>
-                  <a:lnTo>
-                    <a:pt x="0" y="222240"/>
-                  </a:lnTo>
-                  <a:close/>
-                </a:path>
-              </a:pathLst>
-            </a:custGeom>
-            <a:solidFill>
-              <a:schemeClr val="bg1"/>
-            </a:solidFill>
-          </p:spPr>
-        </p:pic>
-        <p:pic>
-          <p:nvPicPr>
-            <p:cNvPr id="22" name="图片 21"/>
-            <p:cNvPicPr>
-              <a:picLocks noChangeAspect="true"/>
-            </p:cNvPicPr>
-            <p:nvPr/>
-          </p:nvPicPr>
-          <p:blipFill>
-            <a:blip r:embed="rId3">
-              <a:lum bright="70000" contrast="-70000"/>
-            </a:blip>
-            <a:srcRect l="4950"/>
-            <a:stretch>
-              <a:fillRect/>
-            </a:stretch>
-          </p:blipFill>
-          <p:spPr>
-            <a:xfrm rot="10800000">
-              <a:off x="-2" y="6759208"/>
-              <a:ext cx="6484035" cy="95234"/>
-            </a:xfrm>
-            <a:custGeom>
-              <a:avLst/>
-              <a:gdLst>
-                <a:gd name="connsiteX0" fmla="*/ 137250 w 4702465"/>
-                <a:gd name="connsiteY0" fmla="*/ 0 h 222240"/>
-                <a:gd name="connsiteX1" fmla="*/ 4702465 w 4702465"/>
-                <a:gd name="connsiteY1" fmla="*/ 0 h 222240"/>
-                <a:gd name="connsiteX2" fmla="*/ 4702465 w 4702465"/>
-                <a:gd name="connsiteY2" fmla="*/ 222240 h 222240"/>
-                <a:gd name="connsiteX3" fmla="*/ 0 w 4702465"/>
-                <a:gd name="connsiteY3" fmla="*/ 222240 h 222240"/>
-              </a:gdLst>
-              <a:ahLst/>
-              <a:cxnLst>
-                <a:cxn ang="0">
-                  <a:pos x="connsiteX0" y="connsiteY0"/>
-                </a:cxn>
-                <a:cxn ang="0">
-                  <a:pos x="connsiteX1" y="connsiteY1"/>
-                </a:cxn>
-                <a:cxn ang="0">
-                  <a:pos x="connsiteX2" y="connsiteY2"/>
-                </a:cxn>
-                <a:cxn ang="0">
-                  <a:pos x="connsiteX3" y="connsiteY3"/>
-                </a:cxn>
-              </a:cxnLst>
-              <a:rect l="l" t="t" r="r" b="b"/>
-              <a:pathLst>
-                <a:path w="4702465" h="222240">
-                  <a:moveTo>
-                    <a:pt x="137250" y="0"/>
-                  </a:moveTo>
-                  <a:lnTo>
-                    <a:pt x="4702465" y="0"/>
-                  </a:lnTo>
-                  <a:lnTo>
-                    <a:pt x="4702465" y="222240"/>
-                  </a:lnTo>
-                  <a:lnTo>
-                    <a:pt x="0" y="222240"/>
-                  </a:lnTo>
-                  <a:close/>
-                </a:path>
-              </a:pathLst>
-            </a:custGeom>
-            <a:solidFill>
-              <a:schemeClr val="bg1"/>
-            </a:solidFill>
-          </p:spPr>
-        </p:pic>
-        <p:pic>
-          <p:nvPicPr>
-            <p:cNvPr id="25" name="图片 24"/>
-            <p:cNvPicPr>
-              <a:picLocks noChangeAspect="true"/>
-            </p:cNvPicPr>
-            <p:nvPr/>
-          </p:nvPicPr>
-          <p:blipFill>
-            <a:blip r:embed="rId3">
-              <a:lum bright="70000" contrast="-70000"/>
-            </a:blip>
-            <a:srcRect l="4950" r="26116"/>
-            <a:stretch>
-              <a:fillRect/>
-            </a:stretch>
-          </p:blipFill>
-          <p:spPr>
-            <a:xfrm rot="10800000" flipH="true" flipV="true">
-              <a:off x="7489535" y="6759208"/>
-              <a:ext cx="4702465" cy="95234"/>
-            </a:xfrm>
-            <a:custGeom>
-              <a:avLst/>
-              <a:gdLst>
-                <a:gd name="connsiteX0" fmla="*/ 137250 w 4702465"/>
-                <a:gd name="connsiteY0" fmla="*/ 0 h 222240"/>
-                <a:gd name="connsiteX1" fmla="*/ 4702465 w 4702465"/>
-                <a:gd name="connsiteY1" fmla="*/ 0 h 222240"/>
-                <a:gd name="connsiteX2" fmla="*/ 4702465 w 4702465"/>
-                <a:gd name="connsiteY2" fmla="*/ 222240 h 222240"/>
-                <a:gd name="connsiteX3" fmla="*/ 0 w 4702465"/>
-                <a:gd name="connsiteY3" fmla="*/ 222240 h 222240"/>
-              </a:gdLst>
-              <a:ahLst/>
-              <a:cxnLst>
-                <a:cxn ang="0">
-                  <a:pos x="connsiteX0" y="connsiteY0"/>
-                </a:cxn>
-                <a:cxn ang="0">
-                  <a:pos x="connsiteX1" y="connsiteY1"/>
-                </a:cxn>
-                <a:cxn ang="0">
-                  <a:pos x="connsiteX2" y="connsiteY2"/>
-                </a:cxn>
-                <a:cxn ang="0">
-                  <a:pos x="connsiteX3" y="connsiteY3"/>
-                </a:cxn>
-              </a:cxnLst>
-              <a:rect l="l" t="t" r="r" b="b"/>
-              <a:pathLst>
-                <a:path w="4702465" h="222240">
-                  <a:moveTo>
-                    <a:pt x="137250" y="0"/>
-                  </a:moveTo>
-                  <a:lnTo>
-                    <a:pt x="4702465" y="0"/>
-                  </a:lnTo>
-                  <a:lnTo>
-                    <a:pt x="4702465" y="222240"/>
-                  </a:lnTo>
-                  <a:lnTo>
-                    <a:pt x="0" y="222240"/>
-                  </a:lnTo>
-                  <a:close/>
-                </a:path>
-              </a:pathLst>
-            </a:custGeom>
-            <a:solidFill>
-              <a:schemeClr val="bg1"/>
-            </a:solidFill>
-          </p:spPr>
-        </p:pic>
-      </p:grpSp>
-      <p:pic>
-        <p:nvPicPr>
-          <p:cNvPr id="12" name="图片 11"/>
-          <p:cNvPicPr>
-            <a:picLocks noChangeAspect="true"/>
-          </p:cNvPicPr>
-          <p:nvPr/>
-        </p:nvPicPr>
-        <p:blipFill>
-          <a:blip r:embed="rId3"/>
-          <a:stretch>
-            <a:fillRect/>
-          </a:stretch>
-        </p:blipFill>
-        <p:spPr>
-          <a:xfrm rot="10800000">
-            <a:off x="0" y="79375"/>
-            <a:ext cx="12192000" cy="638175"/>
-          </a:xfrm>
-          <a:prstGeom prst="rect">
-            <a:avLst/>
-          </a:prstGeom>
-          <a:solidFill>
-            <a:schemeClr val="bg1"/>
-          </a:solidFill>
-        </p:spPr>
-      </p:pic>
-      <p:sp>
-        <p:nvSpPr>
-          <p:cNvPr id="14" name="文本框 13"/>
-          <p:cNvSpPr txBox="true"/>
-          <p:nvPr/>
-        </p:nvSpPr>
-        <p:spPr>
-          <a:xfrm>
-            <a:off x="314325" y="137160"/>
-            <a:ext cx="7472045" cy="583565"/>
-          </a:xfrm>
-          <a:prstGeom prst="rect">
-            <a:avLst/>
-          </a:prstGeom>
-          <a:noFill/>
-        </p:spPr>
-        <p:txBody>
-          <a:bodyPr wrap="square" rtlCol="0">
-            <a:spAutoFit/>
-          </a:bodyPr>
-          <a:p>
-            <a:r>
-              <a:rPr lang="zh-CN" altLang="en-US" sz="3200" dirty="0">
-                <a:solidFill>
-                  <a:schemeClr val="bg1"/>
-                </a:solidFill>
-                <a:latin typeface="微软雅黑" panose="020B0503020204020204" charset="-122"/>
-                <a:ea typeface="微软雅黑" panose="020B0503020204020204" charset="-122"/>
-                <a:sym typeface="+mn-ea"/>
-              </a:rPr>
               <a:t>四、</a:t>
             </a:r>
             <a:r>
@@ -39690,9 +36777,9 @@
         <p:grpSpPr>
           <a:xfrm>
             <a:off x="1906270" y="1609725"/>
-            <a:ext cx="8380095" cy="3638550"/>
+            <a:ext cx="8380095" cy="3456305"/>
             <a:chOff x="808" y="2225"/>
-            <a:chExt cx="13197" cy="5730"/>
+            <a:chExt cx="13197" cy="5443"/>
           </a:xfrm>
         </p:grpSpPr>
         <p:pic>
@@ -39815,7 +36902,7 @@
           <p:spPr>
             <a:xfrm>
               <a:off x="5500" y="3738"/>
-              <a:ext cx="8505" cy="4217"/>
+              <a:ext cx="8505" cy="3633"/>
             </a:xfrm>
             <a:prstGeom prst="rect">
               <a:avLst/>
@@ -39842,7 +36929,43 @@
                   <a:latin typeface="微软雅黑" panose="020B0503020204020204" charset="-122"/>
                   <a:ea typeface="微软雅黑" panose="020B0503020204020204" charset="-122"/>
                 </a:rPr>
-                <a:t>征信服务离不开信用数据，信用数据是征信机构从事信用工作必备的基础。征信业务，无论是企业征信还是个人征信，都是建立在</a:t>
+                <a:t>征信服务离不开信用数据，信用数据是征信机构从事信用工作必备的基础。</a:t>
+              </a:r>
+              <a:endParaRPr lang="zh-CN" altLang="en-US" dirty="0">
+                <a:solidFill>
+                  <a:schemeClr val="tx1"/>
+                </a:solidFill>
+                <a:latin typeface="微软雅黑" panose="020B0503020204020204" charset="-122"/>
+                <a:ea typeface="微软雅黑" panose="020B0503020204020204" charset="-122"/>
+              </a:endParaRPr>
+            </a:p>
+            <a:p>
+              <a:pPr eaLnBrk="0" hangingPunct="0">
+                <a:buClrTx/>
+                <a:buFontTx/>
+              </a:pPr>
+              <a:endParaRPr lang="zh-CN" altLang="en-US" dirty="0">
+                <a:solidFill>
+                  <a:schemeClr val="tx1"/>
+                </a:solidFill>
+                <a:latin typeface="微软雅黑" panose="020B0503020204020204" charset="-122"/>
+                <a:ea typeface="微软雅黑" panose="020B0503020204020204" charset="-122"/>
+              </a:endParaRPr>
+            </a:p>
+            <a:p>
+              <a:pPr eaLnBrk="0" hangingPunct="0">
+                <a:buClrTx/>
+                <a:buFontTx/>
+              </a:pPr>
+              <a:r>
+                <a:rPr lang="zh-CN" altLang="en-US" dirty="0">
+                  <a:solidFill>
+                    <a:schemeClr val="tx1"/>
+                  </a:solidFill>
+                  <a:latin typeface="微软雅黑" panose="020B0503020204020204" charset="-122"/>
+                  <a:ea typeface="微软雅黑" panose="020B0503020204020204" charset="-122"/>
+                </a:rPr>
+                <a:t>征信业务，无论是企业征信还是个人征信，都是建立在</a:t>
               </a:r>
               <a:r>
                 <a:rPr lang="zh-CN" altLang="en-US" dirty="0">
@@ -39882,7 +37005,7 @@
                   <a:latin typeface="微软雅黑" panose="020B0503020204020204" charset="-122"/>
                   <a:ea typeface="微软雅黑" panose="020B0503020204020204" charset="-122"/>
                 </a:rPr>
-                <a:t>。</a:t>
+                <a:t>。（大数据时代，互联网公司具有技术优势和直接获取海量数据优势。）</a:t>
               </a:r>
               <a:endParaRPr lang="zh-CN" altLang="en-US" dirty="0">
                 <a:solidFill>
@@ -39918,7 +37041,7 @@
 </p:sld>
 </file>
 
-<file path=ppt/slides/slide9.xml><?xml version="1.0" encoding="utf-8"?>
+<file path=ppt/slides/slide8.xml><?xml version="1.0" encoding="utf-8"?>
 <p:sld xmlns:a="http://schemas.openxmlformats.org/drawingml/2006/main" xmlns:r="http://schemas.openxmlformats.org/officeDocument/2006/relationships" xmlns:p="http://schemas.openxmlformats.org/presentationml/2006/main">
   <p:cSld>
     <p:spTree>
@@ -40696,7 +37819,7 @@
             </p:nvSpPr>
             <p:spPr>
               <a:xfrm>
-                <a:off x="7685" y="5485"/>
+                <a:off x="7788" y="5475"/>
                 <a:ext cx="5545" cy="2083"/>
               </a:xfrm>
               <a:prstGeom prst="rect">
@@ -40919,6 +38042,1016 @@
               <a:endParaRPr lang="zh-CN" altLang="en-US" sz="2400" dirty="0">
                 <a:solidFill>
                   <a:srgbClr val="130401"/>
+                </a:solidFill>
+                <a:latin typeface="微软雅黑" panose="020B0503020204020204" charset="-122"/>
+                <a:ea typeface="微软雅黑" panose="020B0503020204020204" charset="-122"/>
+              </a:endParaRPr>
+            </a:p>
+          </p:txBody>
+        </p:sp>
+      </p:grpSp>
+    </p:spTree>
+  </p:cSld>
+  <p:clrMapOvr>
+    <a:masterClrMapping/>
+  </p:clrMapOvr>
+  <mc:AlternateContent xmlns:mc="http://schemas.openxmlformats.org/markup-compatibility/2006">
+    <mc:Choice xmlns:p14="http://schemas.microsoft.com/office/powerpoint/2010/main" Requires="p14">
+      <p:transition spd="slow" p14:dur="1250" advTm="0"/>
+    </mc:Choice>
+    <mc:Fallback>
+      <p:transition spd="slow" advTm="0"/>
+    </mc:Fallback>
+  </mc:AlternateContent>
+  <p:timing>
+    <p:tnLst>
+      <p:par>
+        <p:cTn id="1" dur="indefinite" restart="never" nodeType="tmRoot"/>
+      </p:par>
+    </p:tnLst>
+  </p:timing>
+</p:sld>
+</file>
+
+<file path=ppt/slides/slide9.xml><?xml version="1.0" encoding="utf-8"?>
+<p:sld xmlns:a="http://schemas.openxmlformats.org/drawingml/2006/main" xmlns:r="http://schemas.openxmlformats.org/officeDocument/2006/relationships" xmlns:p="http://schemas.openxmlformats.org/presentationml/2006/main">
+  <p:cSld>
+    <p:spTree>
+      <p:nvGrpSpPr>
+        <p:cNvPr id="1" name=""/>
+        <p:cNvGrpSpPr/>
+        <p:nvPr/>
+      </p:nvGrpSpPr>
+      <p:grpSpPr>
+        <a:xfrm>
+          <a:off x="0" y="0"/>
+          <a:ext cx="0" cy="0"/>
+          <a:chOff x="0" y="0"/>
+          <a:chExt cx="0" cy="0"/>
+        </a:xfrm>
+      </p:grpSpPr>
+      <p:grpSp>
+        <p:nvGrpSpPr>
+          <p:cNvPr id="18" name="组合 17"/>
+          <p:cNvGrpSpPr/>
+          <p:nvPr/>
+        </p:nvGrpSpPr>
+        <p:grpSpPr>
+          <a:xfrm>
+            <a:off x="-2" y="0"/>
+            <a:ext cx="12192002" cy="6858000"/>
+            <a:chOff x="-2" y="0"/>
+            <a:chExt cx="12192002" cy="6858000"/>
+          </a:xfrm>
+        </p:grpSpPr>
+        <p:pic>
+          <p:nvPicPr>
+            <p:cNvPr id="19" name="图片 18"/>
+            <p:cNvPicPr>
+              <a:picLocks noChangeAspect="true"/>
+            </p:cNvPicPr>
+            <p:nvPr/>
+          </p:nvPicPr>
+          <p:blipFill rotWithShape="true">
+            <a:blip r:embed="rId1" cstate="screen">
+              <a:extLst>
+                <a:ext uri="{BEBA8EAE-BF5A-486C-A8C5-ECC9F3942E4B}">
+                  <a14:imgProps xmlns:a14="http://schemas.microsoft.com/office/drawing/2010/main">
+                    <a14:imgLayer r:embed="rId2">
+                      <a14:imgEffect>
+                        <a14:brightnessContrast bright="9000"/>
+                      </a14:imgEffect>
+                    </a14:imgLayer>
+                  </a14:imgProps>
+                </a:ext>
+              </a:extLst>
+            </a:blip>
+            <a:srcRect/>
+            <a:stretch>
+              <a:fillRect/>
+            </a:stretch>
+          </p:blipFill>
+          <p:spPr>
+            <a:xfrm>
+              <a:off x="-1" y="0"/>
+              <a:ext cx="12192001" cy="6858000"/>
+            </a:xfrm>
+            <a:prstGeom prst="rect">
+              <a:avLst/>
+            </a:prstGeom>
+          </p:spPr>
+        </p:pic>
+        <p:pic>
+          <p:nvPicPr>
+            <p:cNvPr id="20" name="图片 19"/>
+            <p:cNvPicPr>
+              <a:picLocks noChangeAspect="true"/>
+            </p:cNvPicPr>
+            <p:nvPr/>
+          </p:nvPicPr>
+          <p:blipFill>
+            <a:blip r:embed="rId3">
+              <a:lum bright="70000" contrast="-70000"/>
+            </a:blip>
+            <a:srcRect l="4950"/>
+            <a:stretch>
+              <a:fillRect/>
+            </a:stretch>
+          </p:blipFill>
+          <p:spPr>
+            <a:xfrm>
+              <a:off x="5707965" y="2575"/>
+              <a:ext cx="6484035" cy="77036"/>
+            </a:xfrm>
+            <a:custGeom>
+              <a:avLst/>
+              <a:gdLst>
+                <a:gd name="connsiteX0" fmla="*/ 137250 w 4702465"/>
+                <a:gd name="connsiteY0" fmla="*/ 0 h 222240"/>
+                <a:gd name="connsiteX1" fmla="*/ 4702465 w 4702465"/>
+                <a:gd name="connsiteY1" fmla="*/ 0 h 222240"/>
+                <a:gd name="connsiteX2" fmla="*/ 4702465 w 4702465"/>
+                <a:gd name="connsiteY2" fmla="*/ 222240 h 222240"/>
+                <a:gd name="connsiteX3" fmla="*/ 0 w 4702465"/>
+                <a:gd name="connsiteY3" fmla="*/ 222240 h 222240"/>
+              </a:gdLst>
+              <a:ahLst/>
+              <a:cxnLst>
+                <a:cxn ang="0">
+                  <a:pos x="connsiteX0" y="connsiteY0"/>
+                </a:cxn>
+                <a:cxn ang="0">
+                  <a:pos x="connsiteX1" y="connsiteY1"/>
+                </a:cxn>
+                <a:cxn ang="0">
+                  <a:pos x="connsiteX2" y="connsiteY2"/>
+                </a:cxn>
+                <a:cxn ang="0">
+                  <a:pos x="connsiteX3" y="connsiteY3"/>
+                </a:cxn>
+              </a:cxnLst>
+              <a:rect l="l" t="t" r="r" b="b"/>
+              <a:pathLst>
+                <a:path w="4702465" h="222240">
+                  <a:moveTo>
+                    <a:pt x="137250" y="0"/>
+                  </a:moveTo>
+                  <a:lnTo>
+                    <a:pt x="4702465" y="0"/>
+                  </a:lnTo>
+                  <a:lnTo>
+                    <a:pt x="4702465" y="222240"/>
+                  </a:lnTo>
+                  <a:lnTo>
+                    <a:pt x="0" y="222240"/>
+                  </a:lnTo>
+                  <a:close/>
+                </a:path>
+              </a:pathLst>
+            </a:custGeom>
+            <a:solidFill>
+              <a:schemeClr val="bg1"/>
+            </a:solidFill>
+          </p:spPr>
+        </p:pic>
+        <p:pic>
+          <p:nvPicPr>
+            <p:cNvPr id="21" name="图片 20"/>
+            <p:cNvPicPr>
+              <a:picLocks noChangeAspect="true"/>
+            </p:cNvPicPr>
+            <p:nvPr/>
+          </p:nvPicPr>
+          <p:blipFill>
+            <a:blip r:embed="rId3">
+              <a:lum bright="70000" contrast="-70000"/>
+            </a:blip>
+            <a:srcRect l="4950" r="26116"/>
+            <a:stretch>
+              <a:fillRect/>
+            </a:stretch>
+          </p:blipFill>
+          <p:spPr>
+            <a:xfrm flipH="true" flipV="true">
+              <a:off x="-2" y="2575"/>
+              <a:ext cx="4702465" cy="77036"/>
+            </a:xfrm>
+            <a:custGeom>
+              <a:avLst/>
+              <a:gdLst>
+                <a:gd name="connsiteX0" fmla="*/ 137250 w 4702465"/>
+                <a:gd name="connsiteY0" fmla="*/ 0 h 222240"/>
+                <a:gd name="connsiteX1" fmla="*/ 4702465 w 4702465"/>
+                <a:gd name="connsiteY1" fmla="*/ 0 h 222240"/>
+                <a:gd name="connsiteX2" fmla="*/ 4702465 w 4702465"/>
+                <a:gd name="connsiteY2" fmla="*/ 222240 h 222240"/>
+                <a:gd name="connsiteX3" fmla="*/ 0 w 4702465"/>
+                <a:gd name="connsiteY3" fmla="*/ 222240 h 222240"/>
+              </a:gdLst>
+              <a:ahLst/>
+              <a:cxnLst>
+                <a:cxn ang="0">
+                  <a:pos x="connsiteX0" y="connsiteY0"/>
+                </a:cxn>
+                <a:cxn ang="0">
+                  <a:pos x="connsiteX1" y="connsiteY1"/>
+                </a:cxn>
+                <a:cxn ang="0">
+                  <a:pos x="connsiteX2" y="connsiteY2"/>
+                </a:cxn>
+                <a:cxn ang="0">
+                  <a:pos x="connsiteX3" y="connsiteY3"/>
+                </a:cxn>
+              </a:cxnLst>
+              <a:rect l="l" t="t" r="r" b="b"/>
+              <a:pathLst>
+                <a:path w="4702465" h="222240">
+                  <a:moveTo>
+                    <a:pt x="137250" y="0"/>
+                  </a:moveTo>
+                  <a:lnTo>
+                    <a:pt x="4702465" y="0"/>
+                  </a:lnTo>
+                  <a:lnTo>
+                    <a:pt x="4702465" y="222240"/>
+                  </a:lnTo>
+                  <a:lnTo>
+                    <a:pt x="0" y="222240"/>
+                  </a:lnTo>
+                  <a:close/>
+                </a:path>
+              </a:pathLst>
+            </a:custGeom>
+            <a:solidFill>
+              <a:schemeClr val="bg1"/>
+            </a:solidFill>
+          </p:spPr>
+        </p:pic>
+        <p:pic>
+          <p:nvPicPr>
+            <p:cNvPr id="22" name="图片 21"/>
+            <p:cNvPicPr>
+              <a:picLocks noChangeAspect="true"/>
+            </p:cNvPicPr>
+            <p:nvPr/>
+          </p:nvPicPr>
+          <p:blipFill>
+            <a:blip r:embed="rId3">
+              <a:lum bright="70000" contrast="-70000"/>
+            </a:blip>
+            <a:srcRect l="4950"/>
+            <a:stretch>
+              <a:fillRect/>
+            </a:stretch>
+          </p:blipFill>
+          <p:spPr>
+            <a:xfrm rot="10800000">
+              <a:off x="-2" y="6759208"/>
+              <a:ext cx="6484035" cy="95234"/>
+            </a:xfrm>
+            <a:custGeom>
+              <a:avLst/>
+              <a:gdLst>
+                <a:gd name="connsiteX0" fmla="*/ 137250 w 4702465"/>
+                <a:gd name="connsiteY0" fmla="*/ 0 h 222240"/>
+                <a:gd name="connsiteX1" fmla="*/ 4702465 w 4702465"/>
+                <a:gd name="connsiteY1" fmla="*/ 0 h 222240"/>
+                <a:gd name="connsiteX2" fmla="*/ 4702465 w 4702465"/>
+                <a:gd name="connsiteY2" fmla="*/ 222240 h 222240"/>
+                <a:gd name="connsiteX3" fmla="*/ 0 w 4702465"/>
+                <a:gd name="connsiteY3" fmla="*/ 222240 h 222240"/>
+              </a:gdLst>
+              <a:ahLst/>
+              <a:cxnLst>
+                <a:cxn ang="0">
+                  <a:pos x="connsiteX0" y="connsiteY0"/>
+                </a:cxn>
+                <a:cxn ang="0">
+                  <a:pos x="connsiteX1" y="connsiteY1"/>
+                </a:cxn>
+                <a:cxn ang="0">
+                  <a:pos x="connsiteX2" y="connsiteY2"/>
+                </a:cxn>
+                <a:cxn ang="0">
+                  <a:pos x="connsiteX3" y="connsiteY3"/>
+                </a:cxn>
+              </a:cxnLst>
+              <a:rect l="l" t="t" r="r" b="b"/>
+              <a:pathLst>
+                <a:path w="4702465" h="222240">
+                  <a:moveTo>
+                    <a:pt x="137250" y="0"/>
+                  </a:moveTo>
+                  <a:lnTo>
+                    <a:pt x="4702465" y="0"/>
+                  </a:lnTo>
+                  <a:lnTo>
+                    <a:pt x="4702465" y="222240"/>
+                  </a:lnTo>
+                  <a:lnTo>
+                    <a:pt x="0" y="222240"/>
+                  </a:lnTo>
+                  <a:close/>
+                </a:path>
+              </a:pathLst>
+            </a:custGeom>
+            <a:solidFill>
+              <a:schemeClr val="bg1"/>
+            </a:solidFill>
+          </p:spPr>
+        </p:pic>
+        <p:pic>
+          <p:nvPicPr>
+            <p:cNvPr id="25" name="图片 24"/>
+            <p:cNvPicPr>
+              <a:picLocks noChangeAspect="true"/>
+            </p:cNvPicPr>
+            <p:nvPr/>
+          </p:nvPicPr>
+          <p:blipFill>
+            <a:blip r:embed="rId3">
+              <a:lum bright="70000" contrast="-70000"/>
+            </a:blip>
+            <a:srcRect l="4950" r="26116"/>
+            <a:stretch>
+              <a:fillRect/>
+            </a:stretch>
+          </p:blipFill>
+          <p:spPr>
+            <a:xfrm rot="10800000" flipH="true" flipV="true">
+              <a:off x="7489535" y="6759208"/>
+              <a:ext cx="4702465" cy="95234"/>
+            </a:xfrm>
+            <a:custGeom>
+              <a:avLst/>
+              <a:gdLst>
+                <a:gd name="connsiteX0" fmla="*/ 137250 w 4702465"/>
+                <a:gd name="connsiteY0" fmla="*/ 0 h 222240"/>
+                <a:gd name="connsiteX1" fmla="*/ 4702465 w 4702465"/>
+                <a:gd name="connsiteY1" fmla="*/ 0 h 222240"/>
+                <a:gd name="connsiteX2" fmla="*/ 4702465 w 4702465"/>
+                <a:gd name="connsiteY2" fmla="*/ 222240 h 222240"/>
+                <a:gd name="connsiteX3" fmla="*/ 0 w 4702465"/>
+                <a:gd name="connsiteY3" fmla="*/ 222240 h 222240"/>
+              </a:gdLst>
+              <a:ahLst/>
+              <a:cxnLst>
+                <a:cxn ang="0">
+                  <a:pos x="connsiteX0" y="connsiteY0"/>
+                </a:cxn>
+                <a:cxn ang="0">
+                  <a:pos x="connsiteX1" y="connsiteY1"/>
+                </a:cxn>
+                <a:cxn ang="0">
+                  <a:pos x="connsiteX2" y="connsiteY2"/>
+                </a:cxn>
+                <a:cxn ang="0">
+                  <a:pos x="connsiteX3" y="connsiteY3"/>
+                </a:cxn>
+              </a:cxnLst>
+              <a:rect l="l" t="t" r="r" b="b"/>
+              <a:pathLst>
+                <a:path w="4702465" h="222240">
+                  <a:moveTo>
+                    <a:pt x="137250" y="0"/>
+                  </a:moveTo>
+                  <a:lnTo>
+                    <a:pt x="4702465" y="0"/>
+                  </a:lnTo>
+                  <a:lnTo>
+                    <a:pt x="4702465" y="222240"/>
+                  </a:lnTo>
+                  <a:lnTo>
+                    <a:pt x="0" y="222240"/>
+                  </a:lnTo>
+                  <a:close/>
+                </a:path>
+              </a:pathLst>
+            </a:custGeom>
+            <a:solidFill>
+              <a:schemeClr val="bg1"/>
+            </a:solidFill>
+          </p:spPr>
+        </p:pic>
+      </p:grpSp>
+      <p:pic>
+        <p:nvPicPr>
+          <p:cNvPr id="12" name="图片 11"/>
+          <p:cNvPicPr>
+            <a:picLocks noChangeAspect="true"/>
+          </p:cNvPicPr>
+          <p:nvPr/>
+        </p:nvPicPr>
+        <p:blipFill>
+          <a:blip r:embed="rId3"/>
+          <a:stretch>
+            <a:fillRect/>
+          </a:stretch>
+        </p:blipFill>
+        <p:spPr>
+          <a:xfrm rot="10800000">
+            <a:off x="0" y="79375"/>
+            <a:ext cx="12192000" cy="638175"/>
+          </a:xfrm>
+          <a:prstGeom prst="rect">
+            <a:avLst/>
+          </a:prstGeom>
+          <a:solidFill>
+            <a:schemeClr val="bg1"/>
+          </a:solidFill>
+        </p:spPr>
+      </p:pic>
+      <p:sp>
+        <p:nvSpPr>
+          <p:cNvPr id="14" name="文本框 13"/>
+          <p:cNvSpPr txBox="true"/>
+          <p:nvPr/>
+        </p:nvSpPr>
+        <p:spPr>
+          <a:xfrm>
+            <a:off x="314325" y="137160"/>
+            <a:ext cx="7472045" cy="583565"/>
+          </a:xfrm>
+          <a:prstGeom prst="rect">
+            <a:avLst/>
+          </a:prstGeom>
+          <a:noFill/>
+        </p:spPr>
+        <p:txBody>
+          <a:bodyPr wrap="square" rtlCol="0">
+            <a:spAutoFit/>
+          </a:bodyPr>
+          <a:p>
+            <a:r>
+              <a:rPr lang="zh-CN" altLang="en-US" sz="3200" dirty="0">
+                <a:solidFill>
+                  <a:schemeClr val="bg1"/>
+                </a:solidFill>
+                <a:latin typeface="微软雅黑" panose="020B0503020204020204" charset="-122"/>
+                <a:ea typeface="微软雅黑" panose="020B0503020204020204" charset="-122"/>
+                <a:sym typeface="+mn-ea"/>
+              </a:rPr>
+              <a:t>四、</a:t>
+            </a:r>
+            <a:r>
+              <a:rPr lang="zh-CN" altLang="en-US" sz="3200" dirty="0">
+                <a:solidFill>
+                  <a:srgbClr val="FFFFFF"/>
+                </a:solidFill>
+                <a:latin typeface="黑体" panose="02010609060101010101" pitchFamily="49" charset="-122"/>
+                <a:ea typeface="黑体" panose="02010609060101010101" pitchFamily="49" charset="-122"/>
+                <a:sym typeface="+mn-ea"/>
+              </a:rPr>
+              <a:t>信用数据</a:t>
+            </a:r>
+            <a:endParaRPr lang="zh-CN" altLang="en-US" sz="3200" dirty="0">
+              <a:solidFill>
+                <a:schemeClr val="bg1"/>
+              </a:solidFill>
+              <a:latin typeface="微软雅黑" panose="020B0503020204020204" charset="-122"/>
+              <a:ea typeface="微软雅黑" panose="020B0503020204020204" charset="-122"/>
+              <a:sym typeface="+mn-ea"/>
+            </a:endParaRPr>
+          </a:p>
+        </p:txBody>
+      </p:sp>
+      <p:grpSp>
+        <p:nvGrpSpPr>
+          <p:cNvPr id="13" name="组合 12"/>
+          <p:cNvGrpSpPr/>
+          <p:nvPr/>
+        </p:nvGrpSpPr>
+        <p:grpSpPr>
+          <a:xfrm>
+            <a:off x="1259205" y="1315720"/>
+            <a:ext cx="9674225" cy="4911725"/>
+            <a:chOff x="-645" y="1964"/>
+            <a:chExt cx="15235" cy="7735"/>
+          </a:xfrm>
+        </p:grpSpPr>
+        <p:sp>
+          <p:nvSpPr>
+            <p:cNvPr id="2" name="标题 1"/>
+            <p:cNvSpPr>
+              <a:spLocks noGrp="true"/>
+            </p:cNvSpPr>
+            <p:nvPr/>
+          </p:nvSpPr>
+          <p:spPr>
+            <a:xfrm>
+              <a:off x="295" y="1964"/>
+              <a:ext cx="13530" cy="887"/>
+            </a:xfrm>
+            <a:prstGeom prst="rect">
+              <a:avLst/>
+            </a:prstGeom>
+            <a:noFill/>
+            <a:ln w="9525">
+              <a:noFill/>
+            </a:ln>
+          </p:spPr>
+          <p:txBody>
+            <a:bodyPr vert="horz" wrap="square" lIns="91440" tIns="45720" rIns="91440" bIns="45720" anchor="ctr" anchorCtr="false"/>
+            <a:lstStyle>
+              <a:lvl1pPr algn="l" rtl="0" eaLnBrk="0" fontAlgn="base" hangingPunct="0">
+                <a:spcBef>
+                  <a:spcPct val="0"/>
+                </a:spcBef>
+                <a:spcAft>
+                  <a:spcPct val="0"/>
+                </a:spcAft>
+                <a:defRPr sz="3600" b="1" kern="1200">
+                  <a:solidFill>
+                    <a:schemeClr val="bg1"/>
+                  </a:solidFill>
+                  <a:latin typeface="+mj-lt"/>
+                  <a:ea typeface="+mj-ea"/>
+                  <a:cs typeface="+mj-cs"/>
+                </a:defRPr>
+              </a:lvl1pPr>
+              <a:lvl2pPr algn="l" rtl="0" eaLnBrk="0" fontAlgn="base" hangingPunct="0">
+                <a:spcBef>
+                  <a:spcPct val="0"/>
+                </a:spcBef>
+                <a:spcAft>
+                  <a:spcPct val="0"/>
+                </a:spcAft>
+                <a:defRPr sz="3600" b="1">
+                  <a:solidFill>
+                    <a:schemeClr val="bg1"/>
+                  </a:solidFill>
+                  <a:latin typeface="黑体" panose="02010609060101010101" pitchFamily="49" charset="-122"/>
+                  <a:ea typeface="黑体" panose="02010609060101010101" pitchFamily="49" charset="-122"/>
+                </a:defRPr>
+              </a:lvl2pPr>
+              <a:lvl3pPr algn="l" rtl="0" eaLnBrk="0" fontAlgn="base" hangingPunct="0">
+                <a:spcBef>
+                  <a:spcPct val="0"/>
+                </a:spcBef>
+                <a:spcAft>
+                  <a:spcPct val="0"/>
+                </a:spcAft>
+                <a:defRPr sz="3600" b="1">
+                  <a:solidFill>
+                    <a:schemeClr val="bg1"/>
+                  </a:solidFill>
+                  <a:latin typeface="黑体" panose="02010609060101010101" pitchFamily="49" charset="-122"/>
+                  <a:ea typeface="黑体" panose="02010609060101010101" pitchFamily="49" charset="-122"/>
+                </a:defRPr>
+              </a:lvl3pPr>
+              <a:lvl4pPr algn="l" rtl="0" eaLnBrk="0" fontAlgn="base" hangingPunct="0">
+                <a:spcBef>
+                  <a:spcPct val="0"/>
+                </a:spcBef>
+                <a:spcAft>
+                  <a:spcPct val="0"/>
+                </a:spcAft>
+                <a:defRPr sz="3600" b="1">
+                  <a:solidFill>
+                    <a:schemeClr val="bg1"/>
+                  </a:solidFill>
+                  <a:latin typeface="黑体" panose="02010609060101010101" pitchFamily="49" charset="-122"/>
+                  <a:ea typeface="黑体" panose="02010609060101010101" pitchFamily="49" charset="-122"/>
+                </a:defRPr>
+              </a:lvl4pPr>
+              <a:lvl5pPr algn="l" rtl="0" eaLnBrk="0" fontAlgn="base" hangingPunct="0">
+                <a:spcBef>
+                  <a:spcPct val="0"/>
+                </a:spcBef>
+                <a:spcAft>
+                  <a:spcPct val="0"/>
+                </a:spcAft>
+                <a:defRPr sz="3600" b="1">
+                  <a:solidFill>
+                    <a:schemeClr val="bg1"/>
+                  </a:solidFill>
+                  <a:latin typeface="黑体" panose="02010609060101010101" pitchFamily="49" charset="-122"/>
+                  <a:ea typeface="黑体" panose="02010609060101010101" pitchFamily="49" charset="-122"/>
+                </a:defRPr>
+              </a:lvl5pPr>
+              <a:lvl6pPr marL="457200" algn="l" rtl="0" eaLnBrk="0" fontAlgn="base" hangingPunct="0">
+                <a:spcBef>
+                  <a:spcPct val="0"/>
+                </a:spcBef>
+                <a:spcAft>
+                  <a:spcPct val="0"/>
+                </a:spcAft>
+                <a:defRPr sz="3600" b="1">
+                  <a:solidFill>
+                    <a:schemeClr val="bg1"/>
+                  </a:solidFill>
+                  <a:latin typeface="黑体" panose="02010609060101010101" pitchFamily="49" charset="-122"/>
+                  <a:ea typeface="黑体" panose="02010609060101010101" pitchFamily="49" charset="-122"/>
+                </a:defRPr>
+              </a:lvl6pPr>
+              <a:lvl7pPr marL="914400" algn="l" rtl="0" eaLnBrk="0" fontAlgn="base" hangingPunct="0">
+                <a:spcBef>
+                  <a:spcPct val="0"/>
+                </a:spcBef>
+                <a:spcAft>
+                  <a:spcPct val="0"/>
+                </a:spcAft>
+                <a:defRPr sz="3600" b="1">
+                  <a:solidFill>
+                    <a:schemeClr val="bg1"/>
+                  </a:solidFill>
+                  <a:latin typeface="黑体" panose="02010609060101010101" pitchFamily="49" charset="-122"/>
+                  <a:ea typeface="黑体" panose="02010609060101010101" pitchFamily="49" charset="-122"/>
+                </a:defRPr>
+              </a:lvl7pPr>
+              <a:lvl8pPr marL="1371600" algn="l" rtl="0" eaLnBrk="0" fontAlgn="base" hangingPunct="0">
+                <a:spcBef>
+                  <a:spcPct val="0"/>
+                </a:spcBef>
+                <a:spcAft>
+                  <a:spcPct val="0"/>
+                </a:spcAft>
+                <a:defRPr sz="3600" b="1">
+                  <a:solidFill>
+                    <a:schemeClr val="bg1"/>
+                  </a:solidFill>
+                  <a:latin typeface="黑体" panose="02010609060101010101" pitchFamily="49" charset="-122"/>
+                  <a:ea typeface="黑体" panose="02010609060101010101" pitchFamily="49" charset="-122"/>
+                </a:defRPr>
+              </a:lvl8pPr>
+              <a:lvl9pPr marL="1828800" algn="l" rtl="0" eaLnBrk="0" fontAlgn="base" hangingPunct="0">
+                <a:spcBef>
+                  <a:spcPct val="0"/>
+                </a:spcBef>
+                <a:spcAft>
+                  <a:spcPct val="0"/>
+                </a:spcAft>
+                <a:defRPr sz="3600" b="1">
+                  <a:solidFill>
+                    <a:schemeClr val="bg1"/>
+                  </a:solidFill>
+                  <a:latin typeface="黑体" panose="02010609060101010101" pitchFamily="49" charset="-122"/>
+                  <a:ea typeface="黑体" panose="02010609060101010101" pitchFamily="49" charset="-122"/>
+                </a:defRPr>
+              </a:lvl9pPr>
+            </a:lstStyle>
+            <a:p>
+              <a:r>
+                <a:rPr lang="zh-CN" altLang="en-US" sz="2400" dirty="0">
+                  <a:solidFill>
+                    <a:srgbClr val="130401"/>
+                  </a:solidFill>
+                  <a:latin typeface="微软雅黑" panose="020B0503020204020204" charset="-122"/>
+                  <a:ea typeface="微软雅黑" panose="020B0503020204020204" charset="-122"/>
+                </a:rPr>
+                <a:t>（二）信用数据服务</a:t>
+              </a:r>
+              <a:endParaRPr lang="zh-CN" altLang="en-US" sz="2400" dirty="0">
+                <a:solidFill>
+                  <a:srgbClr val="130401"/>
+                </a:solidFill>
+                <a:latin typeface="微软雅黑" panose="020B0503020204020204" charset="-122"/>
+                <a:ea typeface="微软雅黑" panose="020B0503020204020204" charset="-122"/>
+              </a:endParaRPr>
+            </a:p>
+          </p:txBody>
+        </p:sp>
+        <p:pic>
+          <p:nvPicPr>
+            <p:cNvPr id="3" name="AutoShape 81"/>
+            <p:cNvPicPr/>
+            <p:nvPr/>
+          </p:nvPicPr>
+          <p:blipFill>
+            <a:blip r:embed="rId4"/>
+            <a:stretch>
+              <a:fillRect/>
+            </a:stretch>
+          </p:blipFill>
+          <p:spPr>
+            <a:xfrm>
+              <a:off x="-645" y="3371"/>
+              <a:ext cx="8193" cy="6263"/>
+            </a:xfrm>
+            <a:prstGeom prst="rect">
+              <a:avLst/>
+            </a:prstGeom>
+            <a:noFill/>
+            <a:ln w="9525">
+              <a:noFill/>
+            </a:ln>
+          </p:spPr>
+        </p:pic>
+        <p:pic>
+          <p:nvPicPr>
+            <p:cNvPr id="4" name="圆角矩形 43"/>
+            <p:cNvPicPr/>
+            <p:nvPr/>
+          </p:nvPicPr>
+          <p:blipFill>
+            <a:blip r:embed="rId5"/>
+            <a:stretch>
+              <a:fillRect/>
+            </a:stretch>
+          </p:blipFill>
+          <p:spPr>
+            <a:xfrm>
+              <a:off x="2238" y="2661"/>
+              <a:ext cx="2475" cy="1718"/>
+            </a:xfrm>
+            <a:prstGeom prst="rect">
+              <a:avLst/>
+            </a:prstGeom>
+            <a:noFill/>
+            <a:ln w="9525">
+              <a:noFill/>
+            </a:ln>
+          </p:spPr>
+        </p:pic>
+        <p:pic>
+          <p:nvPicPr>
+            <p:cNvPr id="5" name="AutoShape 81"/>
+            <p:cNvPicPr/>
+            <p:nvPr/>
+          </p:nvPicPr>
+          <p:blipFill>
+            <a:blip r:embed="rId6"/>
+            <a:stretch>
+              <a:fillRect/>
+            </a:stretch>
+          </p:blipFill>
+          <p:spPr>
+            <a:xfrm>
+              <a:off x="6530" y="3306"/>
+              <a:ext cx="8060" cy="6393"/>
+            </a:xfrm>
+            <a:prstGeom prst="rect">
+              <a:avLst/>
+            </a:prstGeom>
+            <a:noFill/>
+            <a:ln w="9525">
+              <a:noFill/>
+            </a:ln>
+          </p:spPr>
+        </p:pic>
+        <p:pic>
+          <p:nvPicPr>
+            <p:cNvPr id="6" name="圆角矩形 17"/>
+            <p:cNvPicPr/>
+            <p:nvPr/>
+          </p:nvPicPr>
+          <p:blipFill>
+            <a:blip r:embed="rId7"/>
+            <a:stretch>
+              <a:fillRect/>
+            </a:stretch>
+          </p:blipFill>
+          <p:spPr>
+            <a:xfrm>
+              <a:off x="9318" y="2684"/>
+              <a:ext cx="2485" cy="1717"/>
+            </a:xfrm>
+            <a:prstGeom prst="rect">
+              <a:avLst/>
+            </a:prstGeom>
+            <a:noFill/>
+            <a:ln w="9525">
+              <a:noFill/>
+            </a:ln>
+          </p:spPr>
+        </p:pic>
+        <p:pic>
+          <p:nvPicPr>
+            <p:cNvPr id="7" name="AutoShape 69"/>
+            <p:cNvPicPr/>
+            <p:nvPr/>
+          </p:nvPicPr>
+          <p:blipFill>
+            <a:blip r:embed="rId8"/>
+            <a:stretch>
+              <a:fillRect/>
+            </a:stretch>
+          </p:blipFill>
+          <p:spPr>
+            <a:xfrm>
+              <a:off x="9893" y="3079"/>
+              <a:ext cx="1335" cy="1392"/>
+            </a:xfrm>
+            <a:prstGeom prst="rect">
+              <a:avLst/>
+            </a:prstGeom>
+            <a:noFill/>
+            <a:ln w="9525">
+              <a:noFill/>
+            </a:ln>
+          </p:spPr>
+        </p:pic>
+        <p:pic>
+          <p:nvPicPr>
+            <p:cNvPr id="8" name="AutoShape 69"/>
+            <p:cNvPicPr/>
+            <p:nvPr/>
+          </p:nvPicPr>
+          <p:blipFill>
+            <a:blip r:embed="rId9"/>
+            <a:stretch>
+              <a:fillRect/>
+            </a:stretch>
+          </p:blipFill>
+          <p:spPr>
+            <a:xfrm>
+              <a:off x="2808" y="3099"/>
+              <a:ext cx="1335" cy="1400"/>
+            </a:xfrm>
+            <a:prstGeom prst="rect">
+              <a:avLst/>
+            </a:prstGeom>
+            <a:noFill/>
+            <a:ln w="9525">
+              <a:noFill/>
+            </a:ln>
+          </p:spPr>
+        </p:pic>
+        <p:sp>
+          <p:nvSpPr>
+            <p:cNvPr id="9" name="矩形 76"/>
+            <p:cNvSpPr/>
+            <p:nvPr/>
+          </p:nvSpPr>
+          <p:spPr>
+            <a:xfrm>
+              <a:off x="785" y="4174"/>
+              <a:ext cx="5360" cy="1890"/>
+            </a:xfrm>
+            <a:prstGeom prst="rect">
+              <a:avLst/>
+            </a:prstGeom>
+            <a:noFill/>
+            <a:ln w="9525">
+              <a:noFill/>
+            </a:ln>
+          </p:spPr>
+          <p:txBody>
+            <a:bodyPr anchor="t" anchorCtr="false">
+              <a:spAutoFit/>
+            </a:bodyPr>
+            <a:p>
+              <a:pPr>
+                <a:buClrTx/>
+                <a:buFont typeface="Arial" panose="020B0604020202020204" pitchFamily="34" charset="0"/>
+              </a:pPr>
+              <a:r>
+                <a:rPr lang="zh-CN" altLang="en-US" b="1" dirty="0">
+                  <a:solidFill>
+                    <a:srgbClr val="00B0F0"/>
+                  </a:solidFill>
+                  <a:latin typeface="微软雅黑" panose="020B0503020204020204" charset="-122"/>
+                  <a:ea typeface="微软雅黑" panose="020B0503020204020204" charset="-122"/>
+                </a:rPr>
+                <a:t>利用征信数据库为企业与消费者提供商务信息服务</a:t>
+              </a:r>
+              <a:endParaRPr lang="zh-CN" altLang="en-US" b="1" dirty="0">
+                <a:solidFill>
+                  <a:srgbClr val="00B0F0"/>
+                </a:solidFill>
+                <a:latin typeface="微软雅黑" panose="020B0503020204020204" charset="-122"/>
+                <a:ea typeface="微软雅黑" panose="020B0503020204020204" charset="-122"/>
+              </a:endParaRPr>
+            </a:p>
+          </p:txBody>
+        </p:sp>
+        <p:sp>
+          <p:nvSpPr>
+            <p:cNvPr id="10" name="矩形 47"/>
+            <p:cNvSpPr/>
+            <p:nvPr/>
+          </p:nvSpPr>
+          <p:spPr>
+            <a:xfrm>
+              <a:off x="710" y="6186"/>
+              <a:ext cx="5675" cy="1600"/>
+            </a:xfrm>
+            <a:prstGeom prst="rect">
+              <a:avLst/>
+            </a:prstGeom>
+            <a:noFill/>
+            <a:ln w="9525">
+              <a:noFill/>
+            </a:ln>
+          </p:spPr>
+          <p:txBody>
+            <a:bodyPr anchor="t" anchorCtr="false">
+              <a:spAutoFit/>
+            </a:bodyPr>
+            <a:p>
+              <a:pPr>
+                <a:buClrTx/>
+                <a:buFont typeface="Arial" panose="020B0604020202020204" pitchFamily="34" charset="0"/>
+              </a:pPr>
+              <a:r>
+                <a:rPr lang="zh-CN" altLang="en-US" sz="2000" dirty="0">
+                  <a:solidFill>
+                    <a:srgbClr val="000000"/>
+                  </a:solidFill>
+                  <a:latin typeface="微软雅黑" panose="020B0503020204020204" charset="-122"/>
+                  <a:ea typeface="微软雅黑" panose="020B0503020204020204" charset="-122"/>
+                </a:rPr>
+                <a:t>基于企业信用数据库和个人信用数据库，我们可以为企业和消费者之间搭起信息的桥梁</a:t>
+              </a:r>
+              <a:endParaRPr lang="zh-CN" altLang="en-US" sz="2000" dirty="0">
+                <a:solidFill>
+                  <a:srgbClr val="000000"/>
+                </a:solidFill>
+                <a:latin typeface="微软雅黑" panose="020B0503020204020204" charset="-122"/>
+                <a:ea typeface="微软雅黑" panose="020B0503020204020204" charset="-122"/>
+              </a:endParaRPr>
+            </a:p>
+          </p:txBody>
+        </p:sp>
+        <p:sp>
+          <p:nvSpPr>
+            <p:cNvPr id="11" name="矩形 48"/>
+            <p:cNvSpPr/>
+            <p:nvPr/>
+          </p:nvSpPr>
+          <p:spPr>
+            <a:xfrm>
+              <a:off x="7800" y="4174"/>
+              <a:ext cx="5049" cy="580"/>
+            </a:xfrm>
+            <a:prstGeom prst="rect">
+              <a:avLst/>
+            </a:prstGeom>
+            <a:noFill/>
+            <a:ln w="9525">
+              <a:noFill/>
+            </a:ln>
+          </p:spPr>
+          <p:txBody>
+            <a:bodyPr wrap="square" anchor="t" anchorCtr="false">
+              <a:spAutoFit/>
+            </a:bodyPr>
+            <a:p>
+              <a:pPr>
+                <a:buClrTx/>
+                <a:buFont typeface="Arial" panose="020B0604020202020204" pitchFamily="34" charset="0"/>
+              </a:pPr>
+              <a:r>
+                <a:rPr lang="zh-CN" altLang="en-US" b="1" dirty="0">
+                  <a:solidFill>
+                    <a:srgbClr val="00B0F0"/>
+                  </a:solidFill>
+                  <a:latin typeface="微软雅黑" panose="020B0503020204020204" charset="-122"/>
+                  <a:ea typeface="微软雅黑" panose="020B0503020204020204" charset="-122"/>
+                </a:rPr>
+                <a:t>向社会提供综合性研究报告</a:t>
+              </a:r>
+              <a:endParaRPr lang="zh-CN" altLang="en-US" b="1" dirty="0">
+                <a:solidFill>
+                  <a:srgbClr val="00B0F0"/>
+                </a:solidFill>
+                <a:latin typeface="微软雅黑" panose="020B0503020204020204" charset="-122"/>
+                <a:ea typeface="微软雅黑" panose="020B0503020204020204" charset="-122"/>
+              </a:endParaRPr>
+            </a:p>
+          </p:txBody>
+        </p:sp>
+        <p:sp>
+          <p:nvSpPr>
+            <p:cNvPr id="15" name="矩形 49"/>
+            <p:cNvSpPr/>
+            <p:nvPr/>
+          </p:nvSpPr>
+          <p:spPr>
+            <a:xfrm>
+              <a:off x="7930" y="5441"/>
+              <a:ext cx="5280" cy="2082"/>
+            </a:xfrm>
+            <a:prstGeom prst="rect">
+              <a:avLst/>
+            </a:prstGeom>
+            <a:noFill/>
+            <a:ln w="9525">
+              <a:noFill/>
+            </a:ln>
+          </p:spPr>
+          <p:txBody>
+            <a:bodyPr anchor="t" anchorCtr="false">
+              <a:spAutoFit/>
+            </a:bodyPr>
+            <a:p>
+              <a:pPr>
+                <a:buClrTx/>
+                <a:buFont typeface="Arial" panose="020B0604020202020204" pitchFamily="34" charset="0"/>
+              </a:pPr>
+              <a:r>
+                <a:rPr lang="zh-CN" altLang="en-US" sz="2000" dirty="0">
+                  <a:solidFill>
+                    <a:srgbClr val="000000"/>
+                  </a:solidFill>
+                  <a:latin typeface="微软雅黑" panose="020B0503020204020204" charset="-122"/>
+                  <a:ea typeface="微软雅黑" panose="020B0503020204020204" charset="-122"/>
+                </a:rPr>
+                <a:t>定期发布不守信用黑名单和诚信企业，向社会公开有关资料，监督、约束不良商业行为，鼓励诚实守信。</a:t>
+              </a:r>
+              <a:endParaRPr lang="zh-CN" altLang="en-US" sz="2000" dirty="0">
+                <a:solidFill>
+                  <a:srgbClr val="000000"/>
                 </a:solidFill>
                 <a:latin typeface="微软雅黑" panose="020B0503020204020204" charset="-122"/>
                 <a:ea typeface="微软雅黑" panose="020B0503020204020204" charset="-122"/>

--- a/files/slides/lecture_5.pptx
+++ b/files/slides/lecture_5.pptx
@@ -8156,7 +8156,7 @@
           </p:nvSpPr>
           <p:spPr>
             <a:xfrm>
-              <a:off x="9333" y="6380"/>
+              <a:off x="9277" y="6961"/>
               <a:ext cx="4662" cy="2034"/>
             </a:xfrm>
             <a:prstGeom prst="rect">
@@ -10501,7 +10501,7 @@
                   <a:latin typeface="微软雅黑" panose="020B0503020204020204" charset="-122"/>
                   <a:ea typeface="微软雅黑" panose="020B0503020204020204" charset="-122"/>
                 </a:rPr>
-                <a:t>对顾客提供产品和服务的数量、质量的保证；</a:t>
+                <a:t>对顾客提供产品和服务的数量、质量的保证的实现情况；</a:t>
               </a:r>
               <a:endParaRPr lang="zh-CN" altLang="en-US" sz="2400" dirty="0">
                 <a:solidFill>
@@ -11914,9 +11914,9 @@
         <p:grpSpPr>
           <a:xfrm>
             <a:off x="1995805" y="1583055"/>
-            <a:ext cx="8199438" cy="3897313"/>
+            <a:ext cx="8199438" cy="3969062"/>
             <a:chOff x="324" y="2480"/>
-            <a:chExt cx="12913" cy="6138"/>
+            <a:chExt cx="12913" cy="6251"/>
           </a:xfrm>
         </p:grpSpPr>
         <p:sp>
@@ -12159,7 +12159,7 @@
           <p:spPr bwMode="auto">
             <a:xfrm>
               <a:off x="324" y="3498"/>
-              <a:ext cx="12913" cy="5120"/>
+              <a:ext cx="12913" cy="5233"/>
             </a:xfrm>
             <a:prstGeom prst="rect">
               <a:avLst/>
@@ -12550,7 +12550,7 @@
                   <a:ea typeface="微软雅黑" panose="020B0503020204020204" charset="-122"/>
                   <a:cs typeface="+mn-cs"/>
                 </a:rPr>
-                <a:t>当客户改变交易方式，可以及时应对；</a:t>
+                <a:t>当客户改变交易方式时，可以及时应对；</a:t>
               </a:r>
               <a:endParaRPr kumimoji="0" lang="zh-CN" altLang="en-US" sz="2000" b="0" i="0" u="none" strike="noStrike" kern="1200" cap="none" spc="0" normalizeH="0" baseline="0" noProof="0" dirty="0">
                 <a:ln>
@@ -13532,7 +13532,7 @@
                   <a:ea typeface="微软雅黑" panose="020B0503020204020204" charset="-122"/>
                   <a:cs typeface="微软雅黑" panose="020B0503020204020204" charset="-122"/>
                 </a:rPr>
-                <a:t>组织结构及附属机构、公司领导者素质、企业实地考察、行业状况、银行往来等十多个因素，并理想信用额度、评级。</a:t>
+                <a:t>组织结构及附属机构、公司领导者素质、企业实地考察、行业状况、银行往来等十多个因素，给出信用额度、评级。</a:t>
               </a:r>
               <a:endParaRPr kumimoji="0" lang="en-US" altLang="zh-CN" sz="1800" b="0" i="0" u="none" strike="noStrike" kern="1200" cap="none" spc="0" normalizeH="0" baseline="0" noProof="0" dirty="0">
                 <a:ln>
@@ -24558,9 +24558,9 @@
         <p:grpSpPr>
           <a:xfrm>
             <a:off x="1719580" y="887413"/>
-            <a:ext cx="8753475" cy="5594350"/>
+            <a:ext cx="8753475" cy="5404485"/>
             <a:chOff x="670" y="2093"/>
-            <a:chExt cx="13785" cy="8810"/>
+            <a:chExt cx="13785" cy="8511"/>
           </a:xfrm>
         </p:grpSpPr>
         <p:sp>
@@ -24672,8 +24672,8 @@
           </p:nvSpPr>
           <p:spPr>
             <a:xfrm>
-              <a:off x="990" y="3265"/>
-              <a:ext cx="4668" cy="7638"/>
+              <a:off x="752" y="3272"/>
+              <a:ext cx="5248" cy="7201"/>
             </a:xfrm>
             <a:prstGeom prst="rect">
               <a:avLst/>
@@ -24684,7 +24684,7 @@
             </a:ln>
           </p:spPr>
           <p:txBody>
-            <a:bodyPr lIns="0" tIns="0" rIns="0" bIns="0" anchor="t" anchorCtr="false">
+            <a:bodyPr wrap="square" lIns="0" tIns="0" rIns="0" bIns="0" anchor="t" anchorCtr="false">
               <a:spAutoFit/>
             </a:bodyPr>
             <a:p>
@@ -24771,7 +24771,7 @@
                   <a:ea typeface="微软雅黑" panose="020B0503020204020204" charset="-122"/>
                   <a:cs typeface="微软雅黑" panose="020B0503020204020204" charset="-122"/>
                 </a:rPr>
-                <a:t>进行征信和提供征信服务的征信工作方式。</a:t>
+                <a:t>进行征信和提供征信服务的征信工作方式。（如日本）</a:t>
               </a:r>
               <a:endParaRPr lang="zh-CN" altLang="en-US" dirty="0">
                 <a:solidFill>
@@ -24869,7 +24869,7 @@
                   <a:ea typeface="微软雅黑" panose="020B0503020204020204" charset="-122"/>
                   <a:cs typeface="微软雅黑" panose="020B0503020204020204" charset="-122"/>
                 </a:rPr>
-                <a:t>收集征信数据的形式。</a:t>
+                <a:t>收集征信数据的形式。（我国多部门联合征信执法）</a:t>
               </a:r>
               <a:endParaRPr lang="zh-CN" altLang="en-US" dirty="0">
                 <a:solidFill>
@@ -37005,7 +37005,7 @@
                   <a:latin typeface="微软雅黑" panose="020B0503020204020204" charset="-122"/>
                   <a:ea typeface="微软雅黑" panose="020B0503020204020204" charset="-122"/>
                 </a:rPr>
-                <a:t>。（大数据时代，互联网公司具有技术优势和直接获取海量数据优势。）</a:t>
+                <a:t>。（大数据时代，互联网公司具有技术优势和直接获取海量数据的优势。）</a:t>
               </a:r>
               <a:endParaRPr lang="zh-CN" altLang="en-US" dirty="0">
                 <a:solidFill>
